--- a/sales Circly.pptx
+++ b/sales Circly.pptx
@@ -5,27 +5,26 @@
     <p:sldMasterId id="2147483673" r:id="rId1"/>
   </p:sldMasterIdLst>
   <p:notesMasterIdLst>
-    <p:notesMasterId r:id="rId20"/>
+    <p:notesMasterId r:id="rId19"/>
   </p:notesMasterIdLst>
   <p:sldIdLst>
     <p:sldId id="256" r:id="rId2"/>
-    <p:sldId id="258" r:id="rId3"/>
-    <p:sldId id="259" r:id="rId4"/>
-    <p:sldId id="260" r:id="rId5"/>
-    <p:sldId id="263" r:id="rId6"/>
-    <p:sldId id="262" r:id="rId7"/>
-    <p:sldId id="261" r:id="rId8"/>
-    <p:sldId id="267" r:id="rId9"/>
-    <p:sldId id="273" r:id="rId10"/>
-    <p:sldId id="274" r:id="rId11"/>
-    <p:sldId id="270" r:id="rId12"/>
-    <p:sldId id="264" r:id="rId13"/>
-    <p:sldId id="265" r:id="rId14"/>
-    <p:sldId id="271" r:id="rId15"/>
-    <p:sldId id="272" r:id="rId16"/>
-    <p:sldId id="275" r:id="rId17"/>
-    <p:sldId id="276" r:id="rId18"/>
-    <p:sldId id="266" r:id="rId19"/>
+    <p:sldId id="259" r:id="rId3"/>
+    <p:sldId id="260" r:id="rId4"/>
+    <p:sldId id="263" r:id="rId5"/>
+    <p:sldId id="262" r:id="rId6"/>
+    <p:sldId id="261" r:id="rId7"/>
+    <p:sldId id="278" r:id="rId8"/>
+    <p:sldId id="279" r:id="rId9"/>
+    <p:sldId id="280" r:id="rId10"/>
+    <p:sldId id="273" r:id="rId11"/>
+    <p:sldId id="277" r:id="rId12"/>
+    <p:sldId id="274" r:id="rId13"/>
+    <p:sldId id="264" r:id="rId14"/>
+    <p:sldId id="282" r:id="rId15"/>
+    <p:sldId id="281" r:id="rId16"/>
+    <p:sldId id="271" r:id="rId17"/>
+    <p:sldId id="272" r:id="rId18"/>
   </p:sldIdLst>
   <p:sldSz cx="12192000" cy="6858000"/>
   <p:notesSz cx="6858000" cy="9144000"/>
@@ -2033,10 +2032,10 @@
         <a:lstStyle/>
         <a:p>
           <a:r>
-            <a:rPr lang="en-US" b="0" i="0"/>
+            <a:rPr lang="en-US" b="0" i="0" dirty="0"/>
             <a:t>This pipeline will include essential components like data loading, data preparation, model training, and forecasting. </a:t>
           </a:r>
-          <a:endParaRPr lang="en-US"/>
+          <a:endParaRPr lang="en-US" dirty="0"/>
         </a:p>
       </dgm:t>
     </dgm:pt>
@@ -3027,10 +3026,10 @@
             <a:buNone/>
           </a:pPr>
           <a:r>
-            <a:rPr lang="en-US" sz="2400" b="0" i="0" kern="1200"/>
+            <a:rPr lang="en-US" sz="2400" b="0" i="0" kern="1200" dirty="0"/>
             <a:t>This pipeline will include essential components like data loading, data preparation, model training, and forecasting. </a:t>
           </a:r>
-          <a:endParaRPr lang="en-US" sz="2400" kern="1200"/>
+          <a:endParaRPr lang="en-US" sz="2400" kern="1200" dirty="0"/>
         </a:p>
       </dsp:txBody>
       <dsp:txXfrm>
@@ -6557,7 +6556,7 @@
           <a:p>
             <a:fld id="{FF7E612B-EBCB-8740-8E0E-19C126A5A316}" type="datetimeFigureOut">
               <a:rPr lang="en-AT" smtClean="0"/>
-              <a:t>21.07.24</a:t>
+              <a:t>22.07.24</a:t>
             </a:fld>
             <a:endParaRPr lang="en-AT"/>
           </a:p>
@@ -7068,7 +7067,7 @@
           <a:p>
             <a:fld id="{17F50B8E-A176-49F2-A3C1-FEDA0200170B}" type="datetime2">
               <a:rPr lang="en-US" smtClean="0"/>
-              <a:t>Sunday, July 21, 2024</a:t>
+              <a:t>Monday, July 22, 2024</a:t>
             </a:fld>
             <a:endParaRPr lang="en-US" dirty="0"/>
           </a:p>
@@ -7277,7 +7276,7 @@
           <a:p>
             <a:fld id="{0512A49D-4A7C-4944-9802-8EE0B5A6CEDD}" type="datetime2">
               <a:rPr lang="en-US" smtClean="0"/>
-              <a:t>Sunday, July 21, 2024</a:t>
+              <a:t>Monday, July 22, 2024</a:t>
             </a:fld>
             <a:endParaRPr lang="en-US"/>
           </a:p>
@@ -7490,7 +7489,7 @@
           <a:p>
             <a:fld id="{5D689DDD-3B11-4150-8B39-3662C10D8BF9}" type="datetime2">
               <a:rPr lang="en-US" smtClean="0"/>
-              <a:t>Sunday, July 21, 2024</a:t>
+              <a:t>Monday, July 22, 2024</a:t>
             </a:fld>
             <a:endParaRPr lang="en-US"/>
           </a:p>
@@ -7714,7 +7713,7 @@
           <a:p>
             <a:fld id="{57997BA6-BEF8-495F-ACCD-8D19769E4FC6}" type="datetime2">
               <a:rPr lang="en-US" smtClean="0"/>
-              <a:t>Sunday, July 21, 2024</a:t>
+              <a:t>Monday, July 22, 2024</a:t>
             </a:fld>
             <a:endParaRPr lang="en-US" dirty="0"/>
           </a:p>
@@ -7997,7 +7996,7 @@
           <a:p>
             <a:fld id="{4857292D-4609-4E55-92E3-C12C6A1234E8}" type="datetime2">
               <a:rPr lang="en-US" smtClean="0"/>
-              <a:t>Sunday, July 21, 2024</a:t>
+              <a:t>Monday, July 22, 2024</a:t>
             </a:fld>
             <a:endParaRPr lang="en-US" dirty="0"/>
           </a:p>
@@ -8380,7 +8379,7 @@
           <a:p>
             <a:fld id="{003E0E29-2C79-4A2A-B61C-A21B8362A50A}" type="datetime2">
               <a:rPr lang="en-US" smtClean="0"/>
-              <a:t>Sunday, July 21, 2024</a:t>
+              <a:t>Monday, July 22, 2024</a:t>
             </a:fld>
             <a:endParaRPr lang="en-US"/>
           </a:p>
@@ -8874,7 +8873,7 @@
           <a:p>
             <a:fld id="{B0CA0177-5432-41AC-9593-8EC96BFF4F82}" type="datetime2">
               <a:rPr lang="en-US" smtClean="0"/>
-              <a:t>Sunday, July 21, 2024</a:t>
+              <a:t>Monday, July 22, 2024</a:t>
             </a:fld>
             <a:endParaRPr lang="en-US" dirty="0"/>
           </a:p>
@@ -9030,7 +9029,7 @@
           <a:p>
             <a:fld id="{EED29A7B-B2F1-41A3-B969-4E25F618B967}" type="datetime2">
               <a:rPr lang="en-US" smtClean="0"/>
-              <a:t>Sunday, July 21, 2024</a:t>
+              <a:t>Monday, July 22, 2024</a:t>
             </a:fld>
             <a:endParaRPr lang="en-US" dirty="0"/>
           </a:p>
@@ -9440,7 +9439,7 @@
           <a:p>
             <a:fld id="{4EE98B79-F222-4FD1-8713-07459E1B5004}" type="datetime2">
               <a:rPr lang="en-US" smtClean="0"/>
-              <a:t>Sunday, July 21, 2024</a:t>
+              <a:t>Monday, July 22, 2024</a:t>
             </a:fld>
             <a:endParaRPr lang="en-US"/>
           </a:p>
@@ -9762,7 +9761,7 @@
           <a:p>
             <a:fld id="{792630FD-0818-4065-B5FE-410552D9B1BC}" type="datetime2">
               <a:rPr lang="en-US" smtClean="0"/>
-              <a:t>Sunday, July 21, 2024</a:t>
+              <a:t>Monday, July 22, 2024</a:t>
             </a:fld>
             <a:endParaRPr lang="en-US"/>
           </a:p>
@@ -10064,7 +10063,7 @@
           <a:p>
             <a:fld id="{93C2D289-0EBF-40C7-B6E8-60285281F180}" type="datetime2">
               <a:rPr lang="en-US" smtClean="0"/>
-              <a:t>Sunday, July 21, 2024</a:t>
+              <a:t>Monday, July 22, 2024</a:t>
             </a:fld>
             <a:endParaRPr lang="en-US"/>
           </a:p>
@@ -10599,7 +10598,7 @@
           <a:p>
             <a:fld id="{94CDC665-7415-4DAF-AE09-B9BBC1907393}" type="datetime2">
               <a:rPr lang="en-US" smtClean="0"/>
-              <a:t>Sunday, July 21, 2024</a:t>
+              <a:t>Monday, July 22, 2024</a:t>
             </a:fld>
             <a:endParaRPr lang="en-US" dirty="0"/>
           </a:p>
@@ -11817,6 +11816,739 @@
           <p:cNvPr id="2" name="Title 1">
             <a:extLst>
               <a:ext uri="{FF2B5EF4-FFF2-40B4-BE49-F238E27FC236}">
+                <a16:creationId xmlns:a16="http://schemas.microsoft.com/office/drawing/2014/main" id="{0D5D3EB2-8EE7-8FDB-635F-DBAFCA40559F}"/>
+              </a:ext>
+            </a:extLst>
+          </p:cNvPr>
+          <p:cNvSpPr>
+            <a:spLocks noGrp="1"/>
+          </p:cNvSpPr>
+          <p:nvPr>
+            <p:ph type="title"/>
+          </p:nvPr>
+        </p:nvSpPr>
+        <p:spPr/>
+        <p:txBody>
+          <a:bodyPr/>
+          <a:lstStyle/>
+          <a:p>
+            <a:r>
+              <a:rPr lang="en-GB" dirty="0"/>
+              <a:t>Impact of Promotions on Sales</a:t>
+            </a:r>
+            <a:endParaRPr lang="en-AT" dirty="0"/>
+          </a:p>
+        </p:txBody>
+      </p:sp>
+      <p:sp>
+        <p:nvSpPr>
+          <p:cNvPr id="5" name="Date Placeholder 4">
+            <a:extLst>
+              <a:ext uri="{FF2B5EF4-FFF2-40B4-BE49-F238E27FC236}">
+                <a16:creationId xmlns:a16="http://schemas.microsoft.com/office/drawing/2014/main" id="{47401E3C-8CD8-3CDF-BB21-28EEC99CCBEF}"/>
+              </a:ext>
+            </a:extLst>
+          </p:cNvPr>
+          <p:cNvSpPr>
+            <a:spLocks noGrp="1"/>
+          </p:cNvSpPr>
+          <p:nvPr>
+            <p:ph type="dt" sz="half" idx="10"/>
+          </p:nvPr>
+        </p:nvSpPr>
+        <p:spPr/>
+        <p:txBody>
+          <a:bodyPr/>
+          <a:lstStyle/>
+          <a:p>
+            <a:fld id="{003E0E29-2C79-4A2A-B61C-A21B8362A50A}" type="datetime2">
+              <a:rPr lang="en-US" smtClean="0"/>
+              <a:t>Monday, July 22, 2024</a:t>
+            </a:fld>
+            <a:endParaRPr lang="en-US"/>
+          </a:p>
+        </p:txBody>
+      </p:sp>
+      <p:sp>
+        <p:nvSpPr>
+          <p:cNvPr id="6" name="Footer Placeholder 5">
+            <a:extLst>
+              <a:ext uri="{FF2B5EF4-FFF2-40B4-BE49-F238E27FC236}">
+                <a16:creationId xmlns:a16="http://schemas.microsoft.com/office/drawing/2014/main" id="{6759FA40-4126-5F73-35AA-9EA951447552}"/>
+              </a:ext>
+            </a:extLst>
+          </p:cNvPr>
+          <p:cNvSpPr>
+            <a:spLocks noGrp="1"/>
+          </p:cNvSpPr>
+          <p:nvPr>
+            <p:ph type="ftr" sz="quarter" idx="11"/>
+          </p:nvPr>
+        </p:nvSpPr>
+        <p:spPr/>
+        <p:txBody>
+          <a:bodyPr/>
+          <a:lstStyle/>
+          <a:p>
+            <a:r>
+              <a:rPr lang="en-US"/>
+              <a:t>Sample Footer Text</a:t>
+            </a:r>
+          </a:p>
+        </p:txBody>
+      </p:sp>
+      <p:sp>
+        <p:nvSpPr>
+          <p:cNvPr id="7" name="Slide Number Placeholder 6">
+            <a:extLst>
+              <a:ext uri="{FF2B5EF4-FFF2-40B4-BE49-F238E27FC236}">
+                <a16:creationId xmlns:a16="http://schemas.microsoft.com/office/drawing/2014/main" id="{4A6E47D0-F3A8-5738-9248-7059214EAFE1}"/>
+              </a:ext>
+            </a:extLst>
+          </p:cNvPr>
+          <p:cNvSpPr>
+            <a:spLocks noGrp="1"/>
+          </p:cNvSpPr>
+          <p:nvPr>
+            <p:ph type="sldNum" sz="quarter" idx="12"/>
+          </p:nvPr>
+        </p:nvSpPr>
+        <p:spPr/>
+        <p:txBody>
+          <a:bodyPr/>
+          <a:lstStyle/>
+          <a:p>
+            <a:fld id="{7BE69E03-4804-4553-A1EC-F089884EF50F}" type="slidenum">
+              <a:rPr lang="en-US" smtClean="0"/>
+              <a:t>10</a:t>
+            </a:fld>
+            <a:endParaRPr lang="en-US"/>
+          </a:p>
+        </p:txBody>
+      </p:sp>
+      <p:pic>
+        <p:nvPicPr>
+          <p:cNvPr id="2050" name="Picture 2">
+            <a:extLst>
+              <a:ext uri="{FF2B5EF4-FFF2-40B4-BE49-F238E27FC236}">
+                <a16:creationId xmlns:a16="http://schemas.microsoft.com/office/drawing/2014/main" id="{C74E1D72-E476-A9F1-B1AA-0EB0DD097894}"/>
+              </a:ext>
+            </a:extLst>
+          </p:cNvPr>
+          <p:cNvPicPr>
+            <a:picLocks noGrp="1" noChangeAspect="1" noChangeArrowheads="1"/>
+          </p:cNvPicPr>
+          <p:nvPr>
+            <p:ph sz="half" idx="1"/>
+          </p:nvPr>
+        </p:nvPicPr>
+        <p:blipFill>
+          <a:blip r:embed="rId2">
+            <a:extLst>
+              <a:ext uri="{28A0092B-C50C-407E-A947-70E740481C1C}">
+                <a14:useLocalDpi xmlns:a14="http://schemas.microsoft.com/office/drawing/2010/main" val="0"/>
+              </a:ext>
+            </a:extLst>
+          </a:blip>
+          <a:srcRect/>
+          <a:stretch>
+            <a:fillRect/>
+          </a:stretch>
+        </p:blipFill>
+        <p:spPr bwMode="auto">
+          <a:xfrm>
+            <a:off x="420624" y="3418613"/>
+            <a:ext cx="3179380" cy="2795062"/>
+          </a:xfrm>
+          <a:prstGeom prst="rect">
+            <a:avLst/>
+          </a:prstGeom>
+          <a:noFill/>
+          <a:extLst>
+            <a:ext uri="{909E8E84-426E-40DD-AFC4-6F175D3DCCD1}">
+              <a14:hiddenFill xmlns:a14="http://schemas.microsoft.com/office/drawing/2010/main">
+                <a:solidFill>
+                  <a:srgbClr val="FFFFFF"/>
+                </a:solidFill>
+              </a14:hiddenFill>
+            </a:ext>
+          </a:extLst>
+        </p:spPr>
+      </p:pic>
+      <p:pic>
+        <p:nvPicPr>
+          <p:cNvPr id="2052" name="Picture 4">
+            <a:extLst>
+              <a:ext uri="{FF2B5EF4-FFF2-40B4-BE49-F238E27FC236}">
+                <a16:creationId xmlns:a16="http://schemas.microsoft.com/office/drawing/2014/main" id="{DF6ED2E0-6EA7-2CC8-4D98-8AAA2745737C}"/>
+              </a:ext>
+            </a:extLst>
+          </p:cNvPr>
+          <p:cNvPicPr>
+            <a:picLocks noGrp="1" noChangeAspect="1" noChangeArrowheads="1"/>
+          </p:cNvPicPr>
+          <p:nvPr>
+            <p:ph sz="half" idx="2"/>
+          </p:nvPr>
+        </p:nvPicPr>
+        <p:blipFill>
+          <a:blip r:embed="rId3">
+            <a:extLst>
+              <a:ext uri="{28A0092B-C50C-407E-A947-70E740481C1C}">
+                <a14:useLocalDpi xmlns:a14="http://schemas.microsoft.com/office/drawing/2010/main" val="0"/>
+              </a:ext>
+            </a:extLst>
+          </a:blip>
+          <a:srcRect/>
+          <a:stretch>
+            <a:fillRect/>
+          </a:stretch>
+        </p:blipFill>
+        <p:spPr bwMode="auto">
+          <a:xfrm>
+            <a:off x="3854824" y="3429000"/>
+            <a:ext cx="3154178" cy="2737316"/>
+          </a:xfrm>
+          <a:prstGeom prst="rect">
+            <a:avLst/>
+          </a:prstGeom>
+          <a:noFill/>
+          <a:extLst>
+            <a:ext uri="{909E8E84-426E-40DD-AFC4-6F175D3DCCD1}">
+              <a14:hiddenFill xmlns:a14="http://schemas.microsoft.com/office/drawing/2010/main">
+                <a:solidFill>
+                  <a:srgbClr val="FFFFFF"/>
+                </a:solidFill>
+              </a14:hiddenFill>
+            </a:ext>
+          </a:extLst>
+        </p:spPr>
+      </p:pic>
+      <p:pic>
+        <p:nvPicPr>
+          <p:cNvPr id="2054" name="Picture 6">
+            <a:extLst>
+              <a:ext uri="{FF2B5EF4-FFF2-40B4-BE49-F238E27FC236}">
+                <a16:creationId xmlns:a16="http://schemas.microsoft.com/office/drawing/2014/main" id="{33EA53F2-AC03-9F51-66E9-FB680E1AA05B}"/>
+              </a:ext>
+            </a:extLst>
+          </p:cNvPr>
+          <p:cNvPicPr>
+            <a:picLocks noChangeAspect="1" noChangeArrowheads="1"/>
+          </p:cNvPicPr>
+          <p:nvPr/>
+        </p:nvPicPr>
+        <p:blipFill>
+          <a:blip r:embed="rId4">
+            <a:extLst>
+              <a:ext uri="{28A0092B-C50C-407E-A947-70E740481C1C}">
+                <a14:useLocalDpi xmlns:a14="http://schemas.microsoft.com/office/drawing/2010/main" val="0"/>
+              </a:ext>
+            </a:extLst>
+          </a:blip>
+          <a:srcRect/>
+          <a:stretch>
+            <a:fillRect/>
+          </a:stretch>
+        </p:blipFill>
+        <p:spPr bwMode="auto">
+          <a:xfrm>
+            <a:off x="7604444" y="3429000"/>
+            <a:ext cx="3359212" cy="2656349"/>
+          </a:xfrm>
+          <a:prstGeom prst="rect">
+            <a:avLst/>
+          </a:prstGeom>
+          <a:noFill/>
+          <a:extLst>
+            <a:ext uri="{909E8E84-426E-40DD-AFC4-6F175D3DCCD1}">
+              <a14:hiddenFill xmlns:a14="http://schemas.microsoft.com/office/drawing/2010/main">
+                <a:solidFill>
+                  <a:srgbClr val="FFFFFF"/>
+                </a:solidFill>
+              </a14:hiddenFill>
+            </a:ext>
+          </a:extLst>
+        </p:spPr>
+      </p:pic>
+      <p:sp>
+        <p:nvSpPr>
+          <p:cNvPr id="9" name="TextBox 8">
+            <a:extLst>
+              <a:ext uri="{FF2B5EF4-FFF2-40B4-BE49-F238E27FC236}">
+                <a16:creationId xmlns:a16="http://schemas.microsoft.com/office/drawing/2014/main" id="{9B0AA2D9-7F6B-3FEE-D1C6-C08098741581}"/>
+              </a:ext>
+            </a:extLst>
+          </p:cNvPr>
+          <p:cNvSpPr txBox="1"/>
+          <p:nvPr/>
+        </p:nvSpPr>
+        <p:spPr>
+          <a:xfrm>
+            <a:off x="567559" y="1818290"/>
+            <a:ext cx="10767636" cy="1754326"/>
+          </a:xfrm>
+          <a:prstGeom prst="rect">
+            <a:avLst/>
+          </a:prstGeom>
+          <a:noFill/>
+        </p:spPr>
+        <p:txBody>
+          <a:bodyPr wrap="square" rtlCol="0">
+            <a:spAutoFit/>
+          </a:bodyPr>
+          <a:lstStyle/>
+          <a:p>
+            <a:r>
+              <a:rPr lang="en-GB" sz="1200" b="1" dirty="0">
+                <a:latin typeface="Arial" panose="020B0604020202020204" pitchFamily="34" charset="0"/>
+                <a:cs typeface="Arial" panose="020B0604020202020204" pitchFamily="34" charset="0"/>
+              </a:rPr>
+              <a:t>Visualize monthly sales quantities over time, distinguishing between periods with and without promotions.</a:t>
+            </a:r>
+          </a:p>
+          <a:p>
+            <a:endParaRPr lang="en-GB" sz="1200" b="1" i="0" dirty="0">
+              <a:solidFill>
+                <a:srgbClr val="000000"/>
+              </a:solidFill>
+              <a:effectLst/>
+              <a:highlight>
+                <a:srgbClr val="FFFFFF"/>
+              </a:highlight>
+              <a:latin typeface="Arial" panose="020B0604020202020204" pitchFamily="34" charset="0"/>
+              <a:cs typeface="Arial" panose="020B0604020202020204" pitchFamily="34" charset="0"/>
+            </a:endParaRPr>
+          </a:p>
+          <a:p>
+            <a:pPr marL="171450" indent="-171450">
+              <a:buFont typeface="Arial" panose="020B0604020202020204" pitchFamily="34" charset="0"/>
+              <a:buChar char="•"/>
+            </a:pPr>
+            <a:r>
+              <a:rPr lang="en-GB" sz="1200" b="0" i="0" dirty="0">
+                <a:solidFill>
+                  <a:srgbClr val="000000"/>
+                </a:solidFill>
+                <a:effectLst/>
+                <a:highlight>
+                  <a:srgbClr val="FFFFFF"/>
+                </a:highlight>
+                <a:latin typeface="Arial" panose="020B0604020202020204" pitchFamily="34" charset="0"/>
+                <a:cs typeface="Arial" panose="020B0604020202020204" pitchFamily="34" charset="0"/>
+              </a:rPr>
+              <a:t>The "Promotion" line generally stays higher than the "No Promotion" line throughout the year, indicating that promotions are effective in increasing sales. </a:t>
+            </a:r>
+          </a:p>
+          <a:p>
+            <a:pPr marL="171450" indent="-171450">
+              <a:buFont typeface="Arial" panose="020B0604020202020204" pitchFamily="34" charset="0"/>
+              <a:buChar char="•"/>
+            </a:pPr>
+            <a:r>
+              <a:rPr lang="en-GB" sz="1200" b="0" i="0" dirty="0">
+                <a:solidFill>
+                  <a:srgbClr val="000000"/>
+                </a:solidFill>
+                <a:effectLst/>
+                <a:highlight>
+                  <a:srgbClr val="FFFFFF"/>
+                </a:highlight>
+                <a:latin typeface="Arial" panose="020B0604020202020204" pitchFamily="34" charset="0"/>
+                <a:cs typeface="Arial" panose="020B0604020202020204" pitchFamily="34" charset="0"/>
+              </a:rPr>
+              <a:t>Both lines show a spike in sales during July and August, suggesting a seasonal trend likely due to holiday shopping. </a:t>
+            </a:r>
+          </a:p>
+          <a:p>
+            <a:pPr marL="171450" indent="-171450">
+              <a:buFont typeface="Arial" panose="020B0604020202020204" pitchFamily="34" charset="0"/>
+              <a:buChar char="•"/>
+            </a:pPr>
+            <a:r>
+              <a:rPr lang="en-GB" sz="1200" b="0" i="0" dirty="0">
+                <a:solidFill>
+                  <a:srgbClr val="000000"/>
+                </a:solidFill>
+                <a:effectLst/>
+                <a:highlight>
+                  <a:srgbClr val="FFFFFF"/>
+                </a:highlight>
+                <a:latin typeface="Arial" panose="020B0604020202020204" pitchFamily="34" charset="0"/>
+                <a:cs typeface="Arial" panose="020B0604020202020204" pitchFamily="34" charset="0"/>
+              </a:rPr>
+              <a:t>There is a noticeable drop in sales from December to January, which could be due to a specific market event or a correction after high sales in the preceding months.</a:t>
+            </a:r>
+          </a:p>
+          <a:p>
+            <a:pPr marL="171450" indent="-171450">
+              <a:buFont typeface="Arial" panose="020B0604020202020204" pitchFamily="34" charset="0"/>
+              <a:buChar char="•"/>
+            </a:pPr>
+            <a:r>
+              <a:rPr lang="en-GB" sz="1200" dirty="0"/>
+              <a:t>There seems to be a correlation between the spikes in the total sales quantity around June and the periods with promotions. If these spikes coincide with the promotions, it would  suggest that promotions </a:t>
+            </a:r>
+            <a:r>
+              <a:rPr lang="en-GB" sz="1200" b="1" dirty="0"/>
+              <a:t>might</a:t>
+            </a:r>
+            <a:r>
+              <a:rPr lang="en-GB" sz="1200" dirty="0"/>
+              <a:t> be associated with increased sales quantity.</a:t>
+            </a:r>
+          </a:p>
+          <a:p>
+            <a:pPr marL="171450" indent="-171450">
+              <a:buFont typeface="Arial" panose="020B0604020202020204" pitchFamily="34" charset="0"/>
+              <a:buChar char="•"/>
+            </a:pPr>
+            <a:endParaRPr lang="en-GB" sz="1200" dirty="0">
+              <a:latin typeface="Arial" panose="020B0604020202020204" pitchFamily="34" charset="0"/>
+              <a:cs typeface="Arial" panose="020B0604020202020204" pitchFamily="34" charset="0"/>
+            </a:endParaRPr>
+          </a:p>
+        </p:txBody>
+      </p:sp>
+    </p:spTree>
+    <p:extLst>
+      <p:ext uri="{BB962C8B-B14F-4D97-AF65-F5344CB8AC3E}">
+        <p14:creationId xmlns:p14="http://schemas.microsoft.com/office/powerpoint/2010/main" val="1112047457"/>
+      </p:ext>
+    </p:extLst>
+  </p:cSld>
+  <p:clrMapOvr>
+    <a:masterClrMapping/>
+  </p:clrMapOvr>
+</p:sld>
+</file>
+
+<file path=ppt/slides/slide11.xml><?xml version="1.0" encoding="utf-8"?>
+<p:sld xmlns:a="http://schemas.openxmlformats.org/drawingml/2006/main" xmlns:r="http://schemas.openxmlformats.org/officeDocument/2006/relationships" xmlns:p="http://schemas.openxmlformats.org/presentationml/2006/main">
+  <p:cSld>
+    <p:spTree>
+      <p:nvGrpSpPr>
+        <p:cNvPr id="1" name=""/>
+        <p:cNvGrpSpPr/>
+        <p:nvPr/>
+      </p:nvGrpSpPr>
+      <p:grpSpPr>
+        <a:xfrm>
+          <a:off x="0" y="0"/>
+          <a:ext cx="0" cy="0"/>
+          <a:chOff x="0" y="0"/>
+          <a:chExt cx="0" cy="0"/>
+        </a:xfrm>
+      </p:grpSpPr>
+      <p:sp>
+        <p:nvSpPr>
+          <p:cNvPr id="2" name="Title 1">
+            <a:extLst>
+              <a:ext uri="{FF2B5EF4-FFF2-40B4-BE49-F238E27FC236}">
+                <a16:creationId xmlns:a16="http://schemas.microsoft.com/office/drawing/2014/main" id="{758484F5-0C54-8E60-F7D1-1821F4FE4357}"/>
+              </a:ext>
+            </a:extLst>
+          </p:cNvPr>
+          <p:cNvSpPr>
+            <a:spLocks noGrp="1"/>
+          </p:cNvSpPr>
+          <p:nvPr>
+            <p:ph type="title"/>
+          </p:nvPr>
+        </p:nvSpPr>
+        <p:spPr>
+          <a:xfrm>
+            <a:off x="420624" y="877888"/>
+            <a:ext cx="7399073" cy="425395"/>
+          </a:xfrm>
+        </p:spPr>
+        <p:txBody>
+          <a:bodyPr>
+            <a:normAutofit fontScale="90000"/>
+          </a:bodyPr>
+          <a:lstStyle/>
+          <a:p>
+            <a:r>
+              <a:rPr lang="en-AT" sz="4000" dirty="0">
+                <a:latin typeface="Arial" panose="020B0604020202020204" pitchFamily="34" charset="0"/>
+                <a:cs typeface="Arial" panose="020B0604020202020204" pitchFamily="34" charset="0"/>
+              </a:rPr>
+              <a:t>Temperature effect on Sales</a:t>
+            </a:r>
+          </a:p>
+        </p:txBody>
+      </p:sp>
+      <p:sp>
+        <p:nvSpPr>
+          <p:cNvPr id="5" name="Date Placeholder 4">
+            <a:extLst>
+              <a:ext uri="{FF2B5EF4-FFF2-40B4-BE49-F238E27FC236}">
+                <a16:creationId xmlns:a16="http://schemas.microsoft.com/office/drawing/2014/main" id="{9F098DB6-E229-68B4-77F9-8BFF0710FE41}"/>
+              </a:ext>
+            </a:extLst>
+          </p:cNvPr>
+          <p:cNvSpPr>
+            <a:spLocks noGrp="1"/>
+          </p:cNvSpPr>
+          <p:nvPr>
+            <p:ph type="dt" sz="half" idx="10"/>
+          </p:nvPr>
+        </p:nvSpPr>
+        <p:spPr/>
+        <p:txBody>
+          <a:bodyPr/>
+          <a:lstStyle/>
+          <a:p>
+            <a:fld id="{003E0E29-2C79-4A2A-B61C-A21B8362A50A}" type="datetime2">
+              <a:rPr lang="en-US" smtClean="0"/>
+              <a:t>Monday, July 22, 2024</a:t>
+            </a:fld>
+            <a:endParaRPr lang="en-US"/>
+          </a:p>
+        </p:txBody>
+      </p:sp>
+      <p:sp>
+        <p:nvSpPr>
+          <p:cNvPr id="6" name="Footer Placeholder 5">
+            <a:extLst>
+              <a:ext uri="{FF2B5EF4-FFF2-40B4-BE49-F238E27FC236}">
+                <a16:creationId xmlns:a16="http://schemas.microsoft.com/office/drawing/2014/main" id="{7C76D5E1-E347-604B-ED55-ACBC6FD948FB}"/>
+              </a:ext>
+            </a:extLst>
+          </p:cNvPr>
+          <p:cNvSpPr>
+            <a:spLocks noGrp="1"/>
+          </p:cNvSpPr>
+          <p:nvPr>
+            <p:ph type="ftr" sz="quarter" idx="11"/>
+          </p:nvPr>
+        </p:nvSpPr>
+        <p:spPr/>
+        <p:txBody>
+          <a:bodyPr/>
+          <a:lstStyle/>
+          <a:p>
+            <a:r>
+              <a:rPr lang="en-US"/>
+              <a:t>Sample Footer Text</a:t>
+            </a:r>
+          </a:p>
+        </p:txBody>
+      </p:sp>
+      <p:sp>
+        <p:nvSpPr>
+          <p:cNvPr id="7" name="Slide Number Placeholder 6">
+            <a:extLst>
+              <a:ext uri="{FF2B5EF4-FFF2-40B4-BE49-F238E27FC236}">
+                <a16:creationId xmlns:a16="http://schemas.microsoft.com/office/drawing/2014/main" id="{10ACD40D-FF13-38E4-7BE2-12F2B36B6CCE}"/>
+              </a:ext>
+            </a:extLst>
+          </p:cNvPr>
+          <p:cNvSpPr>
+            <a:spLocks noGrp="1"/>
+          </p:cNvSpPr>
+          <p:nvPr>
+            <p:ph type="sldNum" sz="quarter" idx="12"/>
+          </p:nvPr>
+        </p:nvSpPr>
+        <p:spPr/>
+        <p:txBody>
+          <a:bodyPr/>
+          <a:lstStyle/>
+          <a:p>
+            <a:fld id="{7BE69E03-4804-4553-A1EC-F089884EF50F}" type="slidenum">
+              <a:rPr lang="en-US" smtClean="0"/>
+              <a:t>11</a:t>
+            </a:fld>
+            <a:endParaRPr lang="en-US"/>
+          </a:p>
+        </p:txBody>
+      </p:sp>
+      <p:pic>
+        <p:nvPicPr>
+          <p:cNvPr id="1026" name="Picture 2">
+            <a:extLst>
+              <a:ext uri="{FF2B5EF4-FFF2-40B4-BE49-F238E27FC236}">
+                <a16:creationId xmlns:a16="http://schemas.microsoft.com/office/drawing/2014/main" id="{9FE13F21-A420-7095-9A09-3C1F01B4C355}"/>
+              </a:ext>
+            </a:extLst>
+          </p:cNvPr>
+          <p:cNvPicPr>
+            <a:picLocks noGrp="1" noChangeAspect="1" noChangeArrowheads="1"/>
+          </p:cNvPicPr>
+          <p:nvPr>
+            <p:ph sz="half" idx="2"/>
+          </p:nvPr>
+        </p:nvPicPr>
+        <p:blipFill>
+          <a:blip r:embed="rId2">
+            <a:extLst>
+              <a:ext uri="{28A0092B-C50C-407E-A947-70E740481C1C}">
+                <a14:useLocalDpi xmlns:a14="http://schemas.microsoft.com/office/drawing/2010/main" val="0"/>
+              </a:ext>
+            </a:extLst>
+          </a:blip>
+          <a:srcRect/>
+          <a:stretch>
+            <a:fillRect/>
+          </a:stretch>
+        </p:blipFill>
+        <p:spPr bwMode="auto">
+          <a:xfrm>
+            <a:off x="6978868" y="1090585"/>
+            <a:ext cx="4169691" cy="2888837"/>
+          </a:xfrm>
+          <a:prstGeom prst="rect">
+            <a:avLst/>
+          </a:prstGeom>
+          <a:noFill/>
+          <a:extLst>
+            <a:ext uri="{909E8E84-426E-40DD-AFC4-6F175D3DCCD1}">
+              <a14:hiddenFill xmlns:a14="http://schemas.microsoft.com/office/drawing/2010/main">
+                <a:solidFill>
+                  <a:srgbClr val="FFFFFF"/>
+                </a:solidFill>
+              </a14:hiddenFill>
+            </a:ext>
+          </a:extLst>
+        </p:spPr>
+      </p:pic>
+      <p:pic>
+        <p:nvPicPr>
+          <p:cNvPr id="8" name="Picture 4">
+            <a:extLst>
+              <a:ext uri="{FF2B5EF4-FFF2-40B4-BE49-F238E27FC236}">
+                <a16:creationId xmlns:a16="http://schemas.microsoft.com/office/drawing/2014/main" id="{E2F0056E-B237-C7E5-D2DA-1C7028FBD34D}"/>
+              </a:ext>
+            </a:extLst>
+          </p:cNvPr>
+          <p:cNvPicPr>
+            <a:picLocks noGrp="1" noChangeAspect="1" noChangeArrowheads="1"/>
+          </p:cNvPicPr>
+          <p:nvPr>
+            <p:ph sz="half" idx="1"/>
+          </p:nvPr>
+        </p:nvPicPr>
+        <p:blipFill>
+          <a:blip r:embed="rId3">
+            <a:extLst>
+              <a:ext uri="{28A0092B-C50C-407E-A947-70E740481C1C}">
+                <a14:useLocalDpi xmlns:a14="http://schemas.microsoft.com/office/drawing/2010/main" val="0"/>
+              </a:ext>
+            </a:extLst>
+          </a:blip>
+          <a:srcRect/>
+          <a:stretch>
+            <a:fillRect/>
+          </a:stretch>
+        </p:blipFill>
+        <p:spPr bwMode="auto">
+          <a:xfrm>
+            <a:off x="6884276" y="3940263"/>
+            <a:ext cx="4358877" cy="2250226"/>
+          </a:xfrm>
+          <a:prstGeom prst="rect">
+            <a:avLst/>
+          </a:prstGeom>
+          <a:noFill/>
+          <a:extLst>
+            <a:ext uri="{909E8E84-426E-40DD-AFC4-6F175D3DCCD1}">
+              <a14:hiddenFill xmlns:a14="http://schemas.microsoft.com/office/drawing/2010/main">
+                <a:solidFill>
+                  <a:srgbClr val="FFFFFF"/>
+                </a:solidFill>
+              </a14:hiddenFill>
+            </a:ext>
+          </a:extLst>
+        </p:spPr>
+      </p:pic>
+      <p:sp>
+        <p:nvSpPr>
+          <p:cNvPr id="9" name="TextBox 8">
+            <a:extLst>
+              <a:ext uri="{FF2B5EF4-FFF2-40B4-BE49-F238E27FC236}">
+                <a16:creationId xmlns:a16="http://schemas.microsoft.com/office/drawing/2014/main" id="{A457BA23-524A-FF3E-6D0B-91FBB8DFDF1E}"/>
+              </a:ext>
+            </a:extLst>
+          </p:cNvPr>
+          <p:cNvSpPr txBox="1"/>
+          <p:nvPr/>
+        </p:nvSpPr>
+        <p:spPr>
+          <a:xfrm>
+            <a:off x="972784" y="2413337"/>
+            <a:ext cx="4845270" cy="2031325"/>
+          </a:xfrm>
+          <a:prstGeom prst="rect">
+            <a:avLst/>
+          </a:prstGeom>
+          <a:noFill/>
+        </p:spPr>
+        <p:txBody>
+          <a:bodyPr wrap="square" rtlCol="0">
+            <a:spAutoFit/>
+          </a:bodyPr>
+          <a:lstStyle/>
+          <a:p>
+            <a:r>
+              <a:rPr lang="en-GB" b="1" dirty="0"/>
+              <a:t>Visualize the sales data over the same period</a:t>
+            </a:r>
+            <a:r>
+              <a:rPr lang="en-GB" dirty="0"/>
+              <a:t> to identify any trends or seasonal patterns and correlation.</a:t>
+            </a:r>
+          </a:p>
+          <a:p>
+            <a:pPr>
+              <a:buFont typeface="+mj-lt"/>
+              <a:buAutoNum type="arabicPeriod"/>
+            </a:pPr>
+            <a:endParaRPr lang="en-GB" dirty="0"/>
+          </a:p>
+          <a:p>
+            <a:r>
+              <a:rPr lang="en-GB" dirty="0"/>
+              <a:t>It is seen from the plots that Sales peaked during the summer months and dropped during winter.</a:t>
+            </a:r>
+          </a:p>
+        </p:txBody>
+      </p:sp>
+    </p:spTree>
+    <p:extLst>
+      <p:ext uri="{BB962C8B-B14F-4D97-AF65-F5344CB8AC3E}">
+        <p14:creationId xmlns:p14="http://schemas.microsoft.com/office/powerpoint/2010/main" val="4533643"/>
+      </p:ext>
+    </p:extLst>
+  </p:cSld>
+  <p:clrMapOvr>
+    <a:masterClrMapping/>
+  </p:clrMapOvr>
+</p:sld>
+</file>
+
+<file path=ppt/slides/slide12.xml><?xml version="1.0" encoding="utf-8"?>
+<p:sld xmlns:a="http://schemas.openxmlformats.org/drawingml/2006/main" xmlns:r="http://schemas.openxmlformats.org/officeDocument/2006/relationships" xmlns:p="http://schemas.openxmlformats.org/presentationml/2006/main">
+  <p:cSld>
+    <p:spTree>
+      <p:nvGrpSpPr>
+        <p:cNvPr id="1" name=""/>
+        <p:cNvGrpSpPr/>
+        <p:nvPr/>
+      </p:nvGrpSpPr>
+      <p:grpSpPr>
+        <a:xfrm>
+          <a:off x="0" y="0"/>
+          <a:ext cx="0" cy="0"/>
+          <a:chOff x="0" y="0"/>
+          <a:chExt cx="0" cy="0"/>
+        </a:xfrm>
+      </p:grpSpPr>
+      <p:sp>
+        <p:nvSpPr>
+          <p:cNvPr id="2" name="Title 1">
+            <a:extLst>
+              <a:ext uri="{FF2B5EF4-FFF2-40B4-BE49-F238E27FC236}">
                 <a16:creationId xmlns:a16="http://schemas.microsoft.com/office/drawing/2014/main" id="{43CAB311-BA7C-9EF9-3602-356FFE05B9A3}"/>
               </a:ext>
             </a:extLst>
@@ -12028,7 +12760,7 @@
           <a:p>
             <a:fld id="{792630FD-0818-4065-B5FE-410552D9B1BC}" type="datetime2">
               <a:rPr lang="en-US" smtClean="0"/>
-              <a:t>Sunday, July 21, 2024</a:t>
+              <a:t>Monday, July 22, 2024</a:t>
             </a:fld>
             <a:endParaRPr lang="en-US"/>
           </a:p>
@@ -12085,7 +12817,7 @@
           <a:p>
             <a:fld id="{7BE69E03-4804-4553-A1EC-F089884EF50F}" type="slidenum">
               <a:rPr lang="en-US" smtClean="0"/>
-              <a:t>10</a:t>
+              <a:t>12</a:t>
             </a:fld>
             <a:endParaRPr lang="en-US"/>
           </a:p>
@@ -12200,429 +12932,6 @@
 </p:sld>
 </file>
 
-<file path=ppt/slides/slide11.xml><?xml version="1.0" encoding="utf-8"?>
-<p:sld xmlns:a="http://schemas.openxmlformats.org/drawingml/2006/main" xmlns:r="http://schemas.openxmlformats.org/officeDocument/2006/relationships" xmlns:p="http://schemas.openxmlformats.org/presentationml/2006/main">
-  <p:cSld>
-    <p:spTree>
-      <p:nvGrpSpPr>
-        <p:cNvPr id="1" name=""/>
-        <p:cNvGrpSpPr/>
-        <p:nvPr/>
-      </p:nvGrpSpPr>
-      <p:grpSpPr>
-        <a:xfrm>
-          <a:off x="0" y="0"/>
-          <a:ext cx="0" cy="0"/>
-          <a:chOff x="0" y="0"/>
-          <a:chExt cx="0" cy="0"/>
-        </a:xfrm>
-      </p:grpSpPr>
-      <p:sp>
-        <p:nvSpPr>
-          <p:cNvPr id="2" name="Title 1">
-            <a:extLst>
-              <a:ext uri="{FF2B5EF4-FFF2-40B4-BE49-F238E27FC236}">
-                <a16:creationId xmlns:a16="http://schemas.microsoft.com/office/drawing/2014/main" id="{8455DF1E-3C8C-9215-0092-F305232B107F}"/>
-              </a:ext>
-            </a:extLst>
-          </p:cNvPr>
-          <p:cNvSpPr>
-            <a:spLocks noGrp="1"/>
-          </p:cNvSpPr>
-          <p:nvPr>
-            <p:ph type="title"/>
-          </p:nvPr>
-        </p:nvSpPr>
-        <p:spPr>
-          <a:xfrm>
-            <a:off x="1566040" y="746234"/>
-            <a:ext cx="9370183" cy="944454"/>
-          </a:xfrm>
-        </p:spPr>
-        <p:txBody>
-          <a:bodyPr/>
-          <a:lstStyle/>
-          <a:p>
-            <a:endParaRPr lang="en-AT" dirty="0"/>
-          </a:p>
-        </p:txBody>
-      </p:sp>
-      <p:sp>
-        <p:nvSpPr>
-          <p:cNvPr id="3" name="Content Placeholder 2">
-            <a:extLst>
-              <a:ext uri="{FF2B5EF4-FFF2-40B4-BE49-F238E27FC236}">
-                <a16:creationId xmlns:a16="http://schemas.microsoft.com/office/drawing/2014/main" id="{A9AA961D-1B8C-4329-604E-36717AC137BD}"/>
-              </a:ext>
-            </a:extLst>
-          </p:cNvPr>
-          <p:cNvSpPr>
-            <a:spLocks noGrp="1"/>
-          </p:cNvSpPr>
-          <p:nvPr>
-            <p:ph idx="1"/>
-          </p:nvPr>
-        </p:nvSpPr>
-        <p:spPr>
-          <a:xfrm>
-            <a:off x="1566040" y="1807779"/>
-            <a:ext cx="9370184" cy="4224229"/>
-          </a:xfrm>
-        </p:spPr>
-        <p:txBody>
-          <a:bodyPr/>
-          <a:lstStyle/>
-          <a:p>
-            <a:endParaRPr lang="en-AT" dirty="0"/>
-          </a:p>
-        </p:txBody>
-      </p:sp>
-      <p:sp>
-        <p:nvSpPr>
-          <p:cNvPr id="4" name="Date Placeholder 3">
-            <a:extLst>
-              <a:ext uri="{FF2B5EF4-FFF2-40B4-BE49-F238E27FC236}">
-                <a16:creationId xmlns:a16="http://schemas.microsoft.com/office/drawing/2014/main" id="{3980C002-85BE-BFBE-0DD5-89E534B02A64}"/>
-              </a:ext>
-            </a:extLst>
-          </p:cNvPr>
-          <p:cNvSpPr>
-            <a:spLocks noGrp="1"/>
-          </p:cNvSpPr>
-          <p:nvPr>
-            <p:ph type="dt" sz="half" idx="10"/>
-          </p:nvPr>
-        </p:nvSpPr>
-        <p:spPr/>
-        <p:txBody>
-          <a:bodyPr/>
-          <a:lstStyle/>
-          <a:p>
-            <a:fld id="{57997BA6-BEF8-495F-ACCD-8D19769E4FC6}" type="datetime2">
-              <a:rPr lang="en-US" smtClean="0"/>
-              <a:t>Sunday, July 21, 2024</a:t>
-            </a:fld>
-            <a:endParaRPr lang="en-US" dirty="0"/>
-          </a:p>
-        </p:txBody>
-      </p:sp>
-      <p:sp>
-        <p:nvSpPr>
-          <p:cNvPr id="5" name="Footer Placeholder 4">
-            <a:extLst>
-              <a:ext uri="{FF2B5EF4-FFF2-40B4-BE49-F238E27FC236}">
-                <a16:creationId xmlns:a16="http://schemas.microsoft.com/office/drawing/2014/main" id="{CEADA33F-E37E-7707-67BA-2F8822A9BA20}"/>
-              </a:ext>
-            </a:extLst>
-          </p:cNvPr>
-          <p:cNvSpPr>
-            <a:spLocks noGrp="1"/>
-          </p:cNvSpPr>
-          <p:nvPr>
-            <p:ph type="ftr" sz="quarter" idx="11"/>
-          </p:nvPr>
-        </p:nvSpPr>
-        <p:spPr/>
-        <p:txBody>
-          <a:bodyPr/>
-          <a:lstStyle/>
-          <a:p>
-            <a:r>
-              <a:rPr lang="en-US"/>
-              <a:t>Sample Footer Text</a:t>
-            </a:r>
-            <a:endParaRPr lang="en-US" dirty="0"/>
-          </a:p>
-        </p:txBody>
-      </p:sp>
-      <p:sp>
-        <p:nvSpPr>
-          <p:cNvPr id="6" name="Slide Number Placeholder 5">
-            <a:extLst>
-              <a:ext uri="{FF2B5EF4-FFF2-40B4-BE49-F238E27FC236}">
-                <a16:creationId xmlns:a16="http://schemas.microsoft.com/office/drawing/2014/main" id="{BFAA98CF-8F47-813B-9C3F-50D10D97FFE9}"/>
-              </a:ext>
-            </a:extLst>
-          </p:cNvPr>
-          <p:cNvSpPr>
-            <a:spLocks noGrp="1"/>
-          </p:cNvSpPr>
-          <p:nvPr>
-            <p:ph type="sldNum" sz="quarter" idx="12"/>
-          </p:nvPr>
-        </p:nvSpPr>
-        <p:spPr/>
-        <p:txBody>
-          <a:bodyPr/>
-          <a:lstStyle/>
-          <a:p>
-            <a:fld id="{7BE69E03-4804-4553-A1EC-F089884EF50F}" type="slidenum">
-              <a:rPr lang="en-US" smtClean="0"/>
-              <a:t>11</a:t>
-            </a:fld>
-            <a:endParaRPr lang="en-US"/>
-          </a:p>
-        </p:txBody>
-      </p:sp>
-    </p:spTree>
-    <p:extLst>
-      <p:ext uri="{BB962C8B-B14F-4D97-AF65-F5344CB8AC3E}">
-        <p14:creationId xmlns:p14="http://schemas.microsoft.com/office/powerpoint/2010/main" val="2892951870"/>
-      </p:ext>
-    </p:extLst>
-  </p:cSld>
-  <p:clrMapOvr>
-    <a:masterClrMapping/>
-  </p:clrMapOvr>
-</p:sld>
-</file>
-
-<file path=ppt/slides/slide12.xml><?xml version="1.0" encoding="utf-8"?>
-<p:sld xmlns:a="http://schemas.openxmlformats.org/drawingml/2006/main" xmlns:r="http://schemas.openxmlformats.org/officeDocument/2006/relationships" xmlns:p="http://schemas.openxmlformats.org/presentationml/2006/main">
-  <p:cSld>
-    <p:spTree>
-      <p:nvGrpSpPr>
-        <p:cNvPr id="1" name=""/>
-        <p:cNvGrpSpPr/>
-        <p:nvPr/>
-      </p:nvGrpSpPr>
-      <p:grpSpPr>
-        <a:xfrm>
-          <a:off x="0" y="0"/>
-          <a:ext cx="0" cy="0"/>
-          <a:chOff x="0" y="0"/>
-          <a:chExt cx="0" cy="0"/>
-        </a:xfrm>
-      </p:grpSpPr>
-      <p:sp>
-        <p:nvSpPr>
-          <p:cNvPr id="2" name="Title 1">
-            <a:extLst>
-              <a:ext uri="{FF2B5EF4-FFF2-40B4-BE49-F238E27FC236}">
-                <a16:creationId xmlns:a16="http://schemas.microsoft.com/office/drawing/2014/main" id="{702C098B-088A-8C28-DD0A-6BD359A4F4A8}"/>
-              </a:ext>
-            </a:extLst>
-          </p:cNvPr>
-          <p:cNvSpPr>
-            <a:spLocks noGrp="1"/>
-          </p:cNvSpPr>
-          <p:nvPr>
-            <p:ph type="title"/>
-          </p:nvPr>
-        </p:nvSpPr>
-        <p:spPr>
-          <a:xfrm>
-            <a:off x="1765738" y="825992"/>
-            <a:ext cx="9170486" cy="864696"/>
-          </a:xfrm>
-        </p:spPr>
-        <p:txBody>
-          <a:bodyPr/>
-          <a:lstStyle/>
-          <a:p>
-            <a:pPr algn="ctr"/>
-            <a:r>
-              <a:rPr lang="en-GB" dirty="0"/>
-              <a:t>Train Model</a:t>
-            </a:r>
-            <a:endParaRPr lang="en-AT" dirty="0"/>
-          </a:p>
-        </p:txBody>
-      </p:sp>
-      <p:sp>
-        <p:nvSpPr>
-          <p:cNvPr id="3" name="Content Placeholder 2">
-            <a:extLst>
-              <a:ext uri="{FF2B5EF4-FFF2-40B4-BE49-F238E27FC236}">
-                <a16:creationId xmlns:a16="http://schemas.microsoft.com/office/drawing/2014/main" id="{BADDB51A-9065-FC38-27CF-BCD08AD5F808}"/>
-              </a:ext>
-            </a:extLst>
-          </p:cNvPr>
-          <p:cNvSpPr>
-            <a:spLocks noGrp="1"/>
-          </p:cNvSpPr>
-          <p:nvPr>
-            <p:ph idx="1"/>
-          </p:nvPr>
-        </p:nvSpPr>
-        <p:spPr>
-          <a:xfrm>
-            <a:off x="1524000" y="1933903"/>
-            <a:ext cx="9979152" cy="4098105"/>
-          </a:xfrm>
-        </p:spPr>
-        <p:txBody>
-          <a:bodyPr/>
-          <a:lstStyle/>
-          <a:p>
-            <a:pPr>
-              <a:buFont typeface="Arial" panose="020B0604020202020204" pitchFamily="34" charset="0"/>
-              <a:buChar char="•"/>
-            </a:pPr>
-            <a:endParaRPr lang="en-GB" dirty="0"/>
-          </a:p>
-          <a:p>
-            <a:pPr>
-              <a:buFont typeface="Arial" panose="020B0604020202020204" pitchFamily="34" charset="0"/>
-              <a:buChar char="•"/>
-            </a:pPr>
-            <a:endParaRPr lang="en-GB" dirty="0"/>
-          </a:p>
-          <a:p>
-            <a:pPr marL="742950" lvl="1" indent="-285750">
-              <a:buFont typeface="Arial" panose="020B0604020202020204" pitchFamily="34" charset="0"/>
-              <a:buChar char="•"/>
-            </a:pPr>
-            <a:r>
-              <a:rPr lang="en-GB" dirty="0"/>
-              <a:t>Selecting appropriate models:</a:t>
-            </a:r>
-          </a:p>
-          <a:p>
-            <a:pPr marL="1143000" lvl="2" indent="-228600">
-              <a:buFont typeface="Arial" panose="020B0604020202020204" pitchFamily="34" charset="0"/>
-              <a:buChar char="•"/>
-            </a:pPr>
-            <a:r>
-              <a:rPr lang="en-GB" dirty="0"/>
-              <a:t>LSTM, ARIMA, SARIMA</a:t>
-            </a:r>
-          </a:p>
-          <a:p>
-            <a:pPr marL="742950" lvl="1" indent="-285750">
-              <a:buFont typeface="Arial" panose="020B0604020202020204" pitchFamily="34" charset="0"/>
-              <a:buChar char="•"/>
-            </a:pPr>
-            <a:r>
-              <a:rPr lang="en-GB" dirty="0"/>
-              <a:t>Training the models</a:t>
-            </a:r>
-          </a:p>
-          <a:p>
-            <a:pPr marL="742950" lvl="1" indent="-285750">
-              <a:buFont typeface="Arial" panose="020B0604020202020204" pitchFamily="34" charset="0"/>
-              <a:buChar char="•"/>
-            </a:pPr>
-            <a:r>
-              <a:rPr lang="en-GB" dirty="0"/>
-              <a:t>Evaluating the models:</a:t>
-            </a:r>
-          </a:p>
-          <a:p>
-            <a:pPr marL="1143000" lvl="2" indent="-228600">
-              <a:buFont typeface="Arial" panose="020B0604020202020204" pitchFamily="34" charset="0"/>
-              <a:buChar char="•"/>
-            </a:pPr>
-            <a:r>
-              <a:rPr lang="en-GB" dirty="0"/>
-              <a:t>Performance metrics: RMSE, MAE</a:t>
-            </a:r>
-          </a:p>
-          <a:p>
-            <a:endParaRPr lang="en-AT" dirty="0"/>
-          </a:p>
-        </p:txBody>
-      </p:sp>
-      <p:sp>
-        <p:nvSpPr>
-          <p:cNvPr id="4" name="Date Placeholder 3">
-            <a:extLst>
-              <a:ext uri="{FF2B5EF4-FFF2-40B4-BE49-F238E27FC236}">
-                <a16:creationId xmlns:a16="http://schemas.microsoft.com/office/drawing/2014/main" id="{07DEE1B8-DDAE-1C81-2C1F-86384280BC08}"/>
-              </a:ext>
-            </a:extLst>
-          </p:cNvPr>
-          <p:cNvSpPr>
-            <a:spLocks noGrp="1"/>
-          </p:cNvSpPr>
-          <p:nvPr>
-            <p:ph type="dt" sz="half" idx="10"/>
-          </p:nvPr>
-        </p:nvSpPr>
-        <p:spPr/>
-        <p:txBody>
-          <a:bodyPr/>
-          <a:lstStyle/>
-          <a:p>
-            <a:fld id="{57997BA6-BEF8-495F-ACCD-8D19769E4FC6}" type="datetime2">
-              <a:rPr lang="en-US" smtClean="0"/>
-              <a:t>Sunday, July 21, 2024</a:t>
-            </a:fld>
-            <a:endParaRPr lang="en-US" dirty="0"/>
-          </a:p>
-        </p:txBody>
-      </p:sp>
-      <p:sp>
-        <p:nvSpPr>
-          <p:cNvPr id="5" name="Footer Placeholder 4">
-            <a:extLst>
-              <a:ext uri="{FF2B5EF4-FFF2-40B4-BE49-F238E27FC236}">
-                <a16:creationId xmlns:a16="http://schemas.microsoft.com/office/drawing/2014/main" id="{D538812C-329E-D007-3D40-6C414B290B02}"/>
-              </a:ext>
-            </a:extLst>
-          </p:cNvPr>
-          <p:cNvSpPr>
-            <a:spLocks noGrp="1"/>
-          </p:cNvSpPr>
-          <p:nvPr>
-            <p:ph type="ftr" sz="quarter" idx="11"/>
-          </p:nvPr>
-        </p:nvSpPr>
-        <p:spPr/>
-        <p:txBody>
-          <a:bodyPr/>
-          <a:lstStyle/>
-          <a:p>
-            <a:r>
-              <a:rPr lang="en-US"/>
-              <a:t>Sample Footer Text</a:t>
-            </a:r>
-            <a:endParaRPr lang="en-US" dirty="0"/>
-          </a:p>
-        </p:txBody>
-      </p:sp>
-      <p:sp>
-        <p:nvSpPr>
-          <p:cNvPr id="6" name="Slide Number Placeholder 5">
-            <a:extLst>
-              <a:ext uri="{FF2B5EF4-FFF2-40B4-BE49-F238E27FC236}">
-                <a16:creationId xmlns:a16="http://schemas.microsoft.com/office/drawing/2014/main" id="{1849D2D0-01BF-4A24-775E-808B14EF6ECA}"/>
-              </a:ext>
-            </a:extLst>
-          </p:cNvPr>
-          <p:cNvSpPr>
-            <a:spLocks noGrp="1"/>
-          </p:cNvSpPr>
-          <p:nvPr>
-            <p:ph type="sldNum" sz="quarter" idx="12"/>
-          </p:nvPr>
-        </p:nvSpPr>
-        <p:spPr/>
-        <p:txBody>
-          <a:bodyPr/>
-          <a:lstStyle/>
-          <a:p>
-            <a:fld id="{7BE69E03-4804-4553-A1EC-F089884EF50F}" type="slidenum">
-              <a:rPr lang="en-US" smtClean="0"/>
-              <a:t>12</a:t>
-            </a:fld>
-            <a:endParaRPr lang="en-US"/>
-          </a:p>
-        </p:txBody>
-      </p:sp>
-    </p:spTree>
-    <p:extLst>
-      <p:ext uri="{BB962C8B-B14F-4D97-AF65-F5344CB8AC3E}">
-        <p14:creationId xmlns:p14="http://schemas.microsoft.com/office/powerpoint/2010/main" val="3624473889"/>
-      </p:ext>
-    </p:extLst>
-  </p:cSld>
-  <p:clrMapOvr>
-    <a:masterClrMapping/>
-  </p:clrMapOvr>
-</p:sld>
-</file>
-
 <file path=ppt/slides/slide13.xml><?xml version="1.0" encoding="utf-8"?>
 <p:sld xmlns:a="http://schemas.openxmlformats.org/drawingml/2006/main" xmlns:r="http://schemas.openxmlformats.org/officeDocument/2006/relationships" xmlns:p="http://schemas.openxmlformats.org/presentationml/2006/main">
   <p:cSld>
@@ -12645,7 +12954,7 @@
           <p:cNvPr id="2" name="Title 1">
             <a:extLst>
               <a:ext uri="{FF2B5EF4-FFF2-40B4-BE49-F238E27FC236}">
-                <a16:creationId xmlns:a16="http://schemas.microsoft.com/office/drawing/2014/main" id="{6FF1522B-725B-EB7F-98D7-0E58D166C357}"/>
+                <a16:creationId xmlns:a16="http://schemas.microsoft.com/office/drawing/2014/main" id="{702C098B-088A-8C28-DD0A-6BD359A4F4A8}"/>
               </a:ext>
             </a:extLst>
           </p:cNvPr>
@@ -12658,8 +12967,8 @@
         </p:nvSpPr>
         <p:spPr>
           <a:xfrm>
-            <a:off x="1513490" y="825992"/>
-            <a:ext cx="9422734" cy="864696"/>
+            <a:off x="1765738" y="825992"/>
+            <a:ext cx="9170486" cy="864696"/>
           </a:xfrm>
         </p:spPr>
         <p:txBody>
@@ -12669,7 +12978,7 @@
             <a:pPr algn="ctr"/>
             <a:r>
               <a:rPr lang="en-GB" dirty="0"/>
-              <a:t>Forecast</a:t>
+              <a:t>Train Model</a:t>
             </a:r>
             <a:endParaRPr lang="en-AT" dirty="0"/>
           </a:p>
@@ -12680,7 +12989,7 @@
           <p:cNvPr id="3" name="Content Placeholder 2">
             <a:extLst>
               <a:ext uri="{FF2B5EF4-FFF2-40B4-BE49-F238E27FC236}">
-                <a16:creationId xmlns:a16="http://schemas.microsoft.com/office/drawing/2014/main" id="{275018A6-2E47-2411-05FD-5C56479BEB88}"/>
+                <a16:creationId xmlns:a16="http://schemas.microsoft.com/office/drawing/2014/main" id="{BADDB51A-9065-FC38-27CF-BCD08AD5F808}"/>
               </a:ext>
             </a:extLst>
           </p:cNvPr>
@@ -12693,49 +13002,79 @@
         </p:nvSpPr>
         <p:spPr>
           <a:xfrm>
-            <a:off x="1587062" y="2217683"/>
-            <a:ext cx="4508938" cy="3814325"/>
+            <a:off x="1524000" y="1933903"/>
+            <a:ext cx="9979152" cy="4098105"/>
           </a:xfrm>
         </p:spPr>
         <p:txBody>
-          <a:bodyPr/>
+          <a:bodyPr>
+            <a:normAutofit fontScale="92500" lnSpcReduction="10000"/>
+          </a:bodyPr>
           <a:lstStyle/>
           <a:p>
             <a:pPr>
               <a:buFont typeface="Arial" panose="020B0604020202020204" pitchFamily="34" charset="0"/>
               <a:buChar char="•"/>
             </a:pPr>
-            <a:endParaRPr lang="en-GB" dirty="0"/>
-          </a:p>
-          <a:p>
-            <a:pPr marL="742950" lvl="1" indent="-285750">
+            <a:r>
+              <a:rPr lang="en-GB" sz="2200" b="1" dirty="0"/>
+              <a:t>Since the data is stationary,I will use ARIMA and LSTM to train the models</a:t>
+            </a:r>
+          </a:p>
+          <a:p>
+            <a:pPr>
               <a:buFont typeface="Arial" panose="020B0604020202020204" pitchFamily="34" charset="0"/>
               <a:buChar char="•"/>
             </a:pPr>
             <a:r>
-              <a:rPr lang="en-GB" dirty="0"/>
-              <a:t>Using the trained models to predict future sales</a:t>
-            </a:r>
-          </a:p>
-          <a:p>
-            <a:pPr marL="742950" lvl="1" indent="-285750">
+              <a:rPr lang="en-GB" sz="2200" b="1" dirty="0"/>
+              <a:t>ARIMA:</a:t>
+            </a:r>
+            <a:r>
+              <a:rPr lang="en-GB" sz="2200" dirty="0"/>
+              <a:t> Use techniques like stationarity checks, order selection (p, d, q), and model fitting using tools like statsmodels or auto.arima in Python.</a:t>
+            </a:r>
+          </a:p>
+          <a:p>
+            <a:pPr>
               <a:buFont typeface="Arial" panose="020B0604020202020204" pitchFamily="34" charset="0"/>
               <a:buChar char="•"/>
             </a:pPr>
             <a:r>
-              <a:rPr lang="en-GB" dirty="0"/>
-              <a:t>Post-processing predictions for reporting</a:t>
-            </a:r>
-          </a:p>
-          <a:p>
-            <a:pPr marL="742950" lvl="1" indent="-285750">
+              <a:rPr lang="en-GB" sz="2200" b="1" dirty="0"/>
+              <a:t>LSTM:</a:t>
+            </a:r>
+            <a:r>
+              <a:rPr lang="en-GB" sz="2200" dirty="0"/>
+              <a:t> Build and train an LSTM network using libraries like Keras . Experiment with hyperparameters like number of layers, neurons, and learning rate on the validation set.</a:t>
+            </a:r>
+          </a:p>
+          <a:p>
+            <a:r>
+              <a:rPr lang="en-GB" sz="2200" b="1" dirty="0"/>
+              <a:t>Evaluate on the testing set:</a:t>
+            </a:r>
+            <a:r>
+              <a:rPr lang="en-GB" sz="2200" dirty="0"/>
+              <a:t> Make predictions for the next X days using the trained models on the unseen testing data. Calculate the chosen error and accuracy metrics for each model.</a:t>
+            </a:r>
+          </a:p>
+          <a:p>
+            <a:r>
+              <a:rPr lang="en-GB" sz="2200" b="1" dirty="0"/>
+              <a:t>Compare performance:</a:t>
+            </a:r>
+            <a:r>
+              <a:rPr lang="en-GB" sz="2200" dirty="0"/>
+              <a:t> Analyze the calculated metrics. Lower error and higher accuracy values indicate better forecasting performance.</a:t>
+            </a:r>
+          </a:p>
+          <a:p>
+            <a:pPr>
               <a:buFont typeface="Arial" panose="020B0604020202020204" pitchFamily="34" charset="0"/>
               <a:buChar char="•"/>
             </a:pPr>
-            <a:r>
-              <a:rPr lang="en-GB" dirty="0"/>
-              <a:t>Validating the forecasted results and documenting the findings</a:t>
-            </a:r>
+            <a:endParaRPr lang="en-GB" sz="2200" dirty="0"/>
           </a:p>
           <a:p>
             <a:endParaRPr lang="en-AT" dirty="0"/>
@@ -12747,7 +13086,7 @@
           <p:cNvPr id="4" name="Date Placeholder 3">
             <a:extLst>
               <a:ext uri="{FF2B5EF4-FFF2-40B4-BE49-F238E27FC236}">
-                <a16:creationId xmlns:a16="http://schemas.microsoft.com/office/drawing/2014/main" id="{203DCCDC-96EF-D405-0F6E-0C889037488A}"/>
+                <a16:creationId xmlns:a16="http://schemas.microsoft.com/office/drawing/2014/main" id="{07DEE1B8-DDAE-1C81-2C1F-86384280BC08}"/>
               </a:ext>
             </a:extLst>
           </p:cNvPr>
@@ -12765,7 +13104,7 @@
           <a:p>
             <a:fld id="{57997BA6-BEF8-495F-ACCD-8D19769E4FC6}" type="datetime2">
               <a:rPr lang="en-US" smtClean="0"/>
-              <a:t>Sunday, July 21, 2024</a:t>
+              <a:t>Monday, July 22, 2024</a:t>
             </a:fld>
             <a:endParaRPr lang="en-US" dirty="0"/>
           </a:p>
@@ -12776,7 +13115,7 @@
           <p:cNvPr id="5" name="Footer Placeholder 4">
             <a:extLst>
               <a:ext uri="{FF2B5EF4-FFF2-40B4-BE49-F238E27FC236}">
-                <a16:creationId xmlns:a16="http://schemas.microsoft.com/office/drawing/2014/main" id="{864DFC8B-617A-84FD-5296-A25259BAF3DC}"/>
+                <a16:creationId xmlns:a16="http://schemas.microsoft.com/office/drawing/2014/main" id="{D538812C-329E-D007-3D40-6C414B290B02}"/>
               </a:ext>
             </a:extLst>
           </p:cNvPr>
@@ -12805,7 +13144,7 @@
           <p:cNvPr id="6" name="Slide Number Placeholder 5">
             <a:extLst>
               <a:ext uri="{FF2B5EF4-FFF2-40B4-BE49-F238E27FC236}">
-                <a16:creationId xmlns:a16="http://schemas.microsoft.com/office/drawing/2014/main" id="{144687C5-BFC2-C02E-44E8-C72E57732D65}"/>
+                <a16:creationId xmlns:a16="http://schemas.microsoft.com/office/drawing/2014/main" id="{1849D2D0-01BF-4A24-775E-808B14EF6ECA}"/>
               </a:ext>
             </a:extLst>
           </p:cNvPr>
@@ -12829,57 +13168,10 @@
           </a:p>
         </p:txBody>
       </p:sp>
-      <p:pic>
-        <p:nvPicPr>
-          <p:cNvPr id="5122" name="Picture 2">
-            <a:extLst>
-              <a:ext uri="{FF2B5EF4-FFF2-40B4-BE49-F238E27FC236}">
-                <a16:creationId xmlns:a16="http://schemas.microsoft.com/office/drawing/2014/main" id="{9397A7A1-FC42-B6E2-1FEF-C12EBFBFAFE5}"/>
-              </a:ext>
-            </a:extLst>
-          </p:cNvPr>
-          <p:cNvPicPr>
-            <a:picLocks noChangeAspect="1" noChangeArrowheads="1"/>
-          </p:cNvPicPr>
-          <p:nvPr/>
-        </p:nvPicPr>
-        <p:blipFill>
-          <a:blip r:embed="rId2">
-            <a:extLst>
-              <a:ext uri="{28A0092B-C50C-407E-A947-70E740481C1C}">
-                <a14:useLocalDpi xmlns:a14="http://schemas.microsoft.com/office/drawing/2010/main" val="0"/>
-              </a:ext>
-            </a:extLst>
-          </a:blip>
-          <a:srcRect/>
-          <a:stretch>
-            <a:fillRect/>
-          </a:stretch>
-        </p:blipFill>
-        <p:spPr bwMode="auto">
-          <a:xfrm>
-            <a:off x="6096000" y="2416303"/>
-            <a:ext cx="5029536" cy="2655569"/>
-          </a:xfrm>
-          <a:prstGeom prst="rect">
-            <a:avLst/>
-          </a:prstGeom>
-          <a:noFill/>
-          <a:extLst>
-            <a:ext uri="{909E8E84-426E-40DD-AFC4-6F175D3DCCD1}">
-              <a14:hiddenFill xmlns:a14="http://schemas.microsoft.com/office/drawing/2010/main">
-                <a:solidFill>
-                  <a:srgbClr val="FFFFFF"/>
-                </a:solidFill>
-              </a14:hiddenFill>
-            </a:ext>
-          </a:extLst>
-        </p:spPr>
-      </p:pic>
     </p:spTree>
     <p:extLst>
       <p:ext uri="{BB962C8B-B14F-4D97-AF65-F5344CB8AC3E}">
-        <p14:creationId xmlns:p14="http://schemas.microsoft.com/office/powerpoint/2010/main" val="155236492"/>
+        <p14:creationId xmlns:p14="http://schemas.microsoft.com/office/powerpoint/2010/main" val="3624473889"/>
       </p:ext>
     </p:extLst>
   </p:cSld>
@@ -12911,7 +13203,7 @@
           <p:cNvPr id="2" name="Title 1">
             <a:extLst>
               <a:ext uri="{FF2B5EF4-FFF2-40B4-BE49-F238E27FC236}">
-                <a16:creationId xmlns:a16="http://schemas.microsoft.com/office/drawing/2014/main" id="{B0198481-8754-D83D-85CC-1F99442F3A7B}"/>
+                <a16:creationId xmlns:a16="http://schemas.microsoft.com/office/drawing/2014/main" id="{AFAA8187-506B-50D5-50C3-088B87C7C453}"/>
               </a:ext>
             </a:extLst>
           </p:cNvPr>
@@ -12924,8 +13216,8 @@
         </p:nvSpPr>
         <p:spPr>
           <a:xfrm>
-            <a:off x="1608082" y="667512"/>
-            <a:ext cx="9328141" cy="1023176"/>
+            <a:off x="1658470" y="667512"/>
+            <a:ext cx="9277753" cy="1023176"/>
           </a:xfrm>
         </p:spPr>
         <p:txBody>
@@ -12934,10 +13226,9 @@
           <a:p>
             <a:pPr algn="ctr"/>
             <a:r>
-              <a:rPr lang="en-GB" dirty="0"/>
-              <a:t>Interpretation of Results</a:t>
-            </a:r>
-            <a:endParaRPr lang="en-AT" dirty="0"/>
+              <a:rPr lang="en-AT" dirty="0"/>
+              <a:t>Evaluation Metrics</a:t>
+            </a:r>
           </a:p>
         </p:txBody>
       </p:sp>
@@ -12946,7 +13237,7 @@
           <p:cNvPr id="3" name="Content Placeholder 2">
             <a:extLst>
               <a:ext uri="{FF2B5EF4-FFF2-40B4-BE49-F238E27FC236}">
-                <a16:creationId xmlns:a16="http://schemas.microsoft.com/office/drawing/2014/main" id="{BAB325DF-1EAD-E25E-9812-4A94161C9DCC}"/>
+                <a16:creationId xmlns:a16="http://schemas.microsoft.com/office/drawing/2014/main" id="{034E3EFA-DDE3-F53A-C840-EAE557620377}"/>
               </a:ext>
             </a:extLst>
           </p:cNvPr>
@@ -12959,104 +13250,86 @@
         </p:nvSpPr>
         <p:spPr>
           <a:xfrm>
-            <a:off x="1460938" y="1860331"/>
-            <a:ext cx="9475286" cy="4171677"/>
+            <a:off x="1515034" y="1828800"/>
+            <a:ext cx="9421189" cy="4203208"/>
           </a:xfrm>
         </p:spPr>
         <p:txBody>
           <a:bodyPr>
-            <a:normAutofit fontScale="77500" lnSpcReduction="20000"/>
+            <a:normAutofit/>
           </a:bodyPr>
           <a:lstStyle/>
           <a:p>
-            <a:pPr algn="l"/>
-            <a:r>
-              <a:rPr lang="en-GB" b="1" i="0" dirty="0">
-                <a:effectLst/>
-                <a:highlight>
-                  <a:srgbClr val="FFFFFF"/>
-                </a:highlight>
-                <a:latin typeface="var(--jp-content-font-family)"/>
-              </a:rPr>
-              <a:t>Interpretation of Results</a:t>
-            </a:r>
-          </a:p>
-          <a:p>
-            <a:pPr algn="l"/>
-            <a:r>
-              <a:rPr lang="en-GB" b="0" i="0" dirty="0">
-                <a:effectLst/>
-                <a:highlight>
-                  <a:srgbClr val="FFFFFF"/>
-                </a:highlight>
-                <a:latin typeface="var(--jp-content-font-family)"/>
-              </a:rPr>
-              <a:t>Based on the above analysis the ARIMA model performed best in predicting future sales. The SARIMA forecast line tracks the historical sales data most closely, particularly for the last two years.</a:t>
-            </a:r>
-          </a:p>
-          <a:p>
-            <a:pPr algn="l"/>
-            <a:r>
-              <a:rPr lang="en-GB" b="0" i="0" dirty="0">
-                <a:effectLst/>
-                <a:highlight>
-                  <a:srgbClr val="FFFFFF"/>
-                </a:highlight>
-                <a:latin typeface="var(--jp-content-font-family)"/>
-              </a:rPr>
-              <a:t>Here are some of the limitations to consider when interpreting forecast graphs like this one:</a:t>
-            </a:r>
-          </a:p>
-          <a:p>
-            <a:pPr algn="l"/>
-            <a:r>
-              <a:rPr lang="en-GB" b="0" i="0" dirty="0">
-                <a:effectLst/>
-                <a:highlight>
-                  <a:srgbClr val="FFFFFF"/>
-                </a:highlight>
-                <a:latin typeface="var(--jp-content-font-family)"/>
-              </a:rPr>
-              <a:t>The forecast may only be accurate for a short period of time. This is because future sales can be influenced by many factors that are difficult to predict, such as changes in the economy, consumer preferences, and competitor activity.</a:t>
-            </a:r>
-          </a:p>
-          <a:p>
-            <a:pPr algn="l"/>
-            <a:r>
-              <a:rPr lang="en-GB" b="0" i="0" dirty="0">
-                <a:effectLst/>
-                <a:highlight>
-                  <a:srgbClr val="FFFFFF"/>
-                </a:highlight>
-                <a:latin typeface="var(--jp-content-font-family)"/>
-              </a:rPr>
-              <a:t>The graph may not show the confidence interval around the forecast. The confidence interval is a range of values that are likely to contain the actual future sales. A wider confidence interval indicates that the forecast is more uncertain.</a:t>
-            </a:r>
-          </a:p>
-          <a:p>
-            <a:pPr algn="l"/>
-            <a:r>
-              <a:rPr lang="en-GB" b="0" i="0" dirty="0">
-                <a:effectLst/>
-                <a:highlight>
-                  <a:srgbClr val="FFFFFF"/>
-                </a:highlight>
-                <a:latin typeface="var(--jp-content-font-family)"/>
-              </a:rPr>
-              <a:t>It is important to consider these limitations when using sales forecasts for decision-making.</a:t>
-            </a:r>
-          </a:p>
-          <a:p>
-            <a:pPr algn="l"/>
-            <a:r>
-              <a:rPr lang="en-GB" b="0" i="0" dirty="0">
-                <a:effectLst/>
-                <a:highlight>
-                  <a:srgbClr val="FFFFFF"/>
-                </a:highlight>
-                <a:latin typeface="var(--jp-content-font-family)"/>
-              </a:rPr>
-              <a:t>Forecasts can be a valuable tool, but they should not be used as the only source of information.</a:t>
+            <a:pPr>
+              <a:buFont typeface="Arial" panose="020B0604020202020204" pitchFamily="34" charset="0"/>
+              <a:buChar char="•"/>
+            </a:pPr>
+            <a:endParaRPr lang="en-GB" sz="1800" b="1" dirty="0"/>
+          </a:p>
+          <a:p>
+            <a:pPr>
+              <a:buFont typeface="Arial" panose="020B0604020202020204" pitchFamily="34" charset="0"/>
+              <a:buChar char="•"/>
+            </a:pPr>
+            <a:r>
+              <a:rPr lang="en-GB" sz="1800" dirty="0"/>
+              <a:t>Data is evaluated both visually and using using evaluation Metrics</a:t>
+            </a:r>
+          </a:p>
+          <a:p>
+            <a:pPr>
+              <a:buFont typeface="Arial" panose="020B0604020202020204" pitchFamily="34" charset="0"/>
+              <a:buChar char="•"/>
+            </a:pPr>
+            <a:r>
+              <a:rPr lang="en-GB" sz="1800" b="1" dirty="0"/>
+              <a:t>Error metrics: Mean Squared Error (MSE):</a:t>
+            </a:r>
+            <a:r>
+              <a:rPr lang="en-GB" sz="1800" dirty="0"/>
+              <a:t> Measures the average squared difference between predicted and actual values. Lower MSE indicates better fit.</a:t>
+            </a:r>
+          </a:p>
+          <a:p>
+            <a:pPr>
+              <a:buFont typeface="Arial" panose="020B0604020202020204" pitchFamily="34" charset="0"/>
+              <a:buChar char="•"/>
+            </a:pPr>
+            <a:r>
+              <a:rPr lang="en-GB" sz="1800" b="1" dirty="0"/>
+              <a:t>Root Mean Squared Error (RMSE):</a:t>
+            </a:r>
+            <a:r>
+              <a:rPr lang="en-GB" sz="1800" dirty="0"/>
+              <a:t> Square root of MSE, expressed in the same units as the data. Easier to interpret the error magnitude.</a:t>
+            </a:r>
+          </a:p>
+          <a:p>
+            <a:pPr>
+              <a:buFont typeface="Arial" panose="020B0604020202020204" pitchFamily="34" charset="0"/>
+              <a:buChar char="•"/>
+            </a:pPr>
+            <a:r>
+              <a:rPr lang="en-GB" sz="1800" b="1" dirty="0"/>
+              <a:t>Mean Absolute Error (MAE):</a:t>
+            </a:r>
+            <a:r>
+              <a:rPr lang="en-GB" sz="1800" dirty="0"/>
+              <a:t> Average absolute difference between predicted and actual values. Less sensitive to outliers compared to MSE.</a:t>
+            </a:r>
+          </a:p>
+          <a:p>
+            <a:pPr>
+              <a:buFont typeface="Arial" panose="020B0604020202020204" pitchFamily="34" charset="0"/>
+              <a:buChar char="•"/>
+            </a:pPr>
+            <a:r>
+              <a:rPr lang="en-GB" sz="1800" b="1" dirty="0"/>
+              <a:t>Accuracy metrics: Mean Absolute Percentage Error (MAPE):</a:t>
+            </a:r>
+            <a:r>
+              <a:rPr lang="en-GB" sz="1800" dirty="0"/>
+              <a:t> Average absolute percentage difference between predicted and actual values. Useful for comparing models with data containing large variations.</a:t>
             </a:r>
           </a:p>
           <a:p>
@@ -13069,7 +13342,7 @@
           <p:cNvPr id="4" name="Date Placeholder 3">
             <a:extLst>
               <a:ext uri="{FF2B5EF4-FFF2-40B4-BE49-F238E27FC236}">
-                <a16:creationId xmlns:a16="http://schemas.microsoft.com/office/drawing/2014/main" id="{BFB2DA9A-F490-065D-957C-1867080553A3}"/>
+                <a16:creationId xmlns:a16="http://schemas.microsoft.com/office/drawing/2014/main" id="{0892FB28-04EB-315A-B470-B8AF54DA50D7}"/>
               </a:ext>
             </a:extLst>
           </p:cNvPr>
@@ -13087,7 +13360,7 @@
           <a:p>
             <a:fld id="{57997BA6-BEF8-495F-ACCD-8D19769E4FC6}" type="datetime2">
               <a:rPr lang="en-US" smtClean="0"/>
-              <a:t>Sunday, July 21, 2024</a:t>
+              <a:t>Monday, July 22, 2024</a:t>
             </a:fld>
             <a:endParaRPr lang="en-US" dirty="0"/>
           </a:p>
@@ -13098,7 +13371,7 @@
           <p:cNvPr id="5" name="Footer Placeholder 4">
             <a:extLst>
               <a:ext uri="{FF2B5EF4-FFF2-40B4-BE49-F238E27FC236}">
-                <a16:creationId xmlns:a16="http://schemas.microsoft.com/office/drawing/2014/main" id="{2C713482-695E-6DFA-AC61-E654E60FA3AC}"/>
+                <a16:creationId xmlns:a16="http://schemas.microsoft.com/office/drawing/2014/main" id="{6EBC407E-6BD8-AD4A-134B-4787F712A88B}"/>
               </a:ext>
             </a:extLst>
           </p:cNvPr>
@@ -13127,7 +13400,7 @@
           <p:cNvPr id="6" name="Slide Number Placeholder 5">
             <a:extLst>
               <a:ext uri="{FF2B5EF4-FFF2-40B4-BE49-F238E27FC236}">
-                <a16:creationId xmlns:a16="http://schemas.microsoft.com/office/drawing/2014/main" id="{69D24C12-3BB4-B365-C90D-82F1D7418AA1}"/>
+                <a16:creationId xmlns:a16="http://schemas.microsoft.com/office/drawing/2014/main" id="{F45C4AF0-5377-5F76-56EB-32B030BB58BC}"/>
               </a:ext>
             </a:extLst>
           </p:cNvPr>
@@ -13154,7 +13427,7 @@
     </p:spTree>
     <p:extLst>
       <p:ext uri="{BB962C8B-B14F-4D97-AF65-F5344CB8AC3E}">
-        <p14:creationId xmlns:p14="http://schemas.microsoft.com/office/powerpoint/2010/main" val="203244991"/>
+        <p14:creationId xmlns:p14="http://schemas.microsoft.com/office/powerpoint/2010/main" val="1136921035"/>
       </p:ext>
     </p:extLst>
   </p:cSld>
@@ -13186,7 +13459,7 @@
           <p:cNvPr id="2" name="Title 1">
             <a:extLst>
               <a:ext uri="{FF2B5EF4-FFF2-40B4-BE49-F238E27FC236}">
-                <a16:creationId xmlns:a16="http://schemas.microsoft.com/office/drawing/2014/main" id="{3572540A-602F-6200-0BA1-FA40FCCA7E51}"/>
+                <a16:creationId xmlns:a16="http://schemas.microsoft.com/office/drawing/2014/main" id="{C054B3F2-2D41-D455-C648-C9DAC4EED3B4}"/>
               </a:ext>
             </a:extLst>
           </p:cNvPr>
@@ -13197,50 +13470,16 @@
             <p:ph type="title"/>
           </p:nvPr>
         </p:nvSpPr>
-        <p:spPr>
-          <a:xfrm>
-            <a:off x="2060028" y="667512"/>
-            <a:ext cx="8876196" cy="1023176"/>
-          </a:xfrm>
-        </p:spPr>
+        <p:spPr/>
         <p:txBody>
-          <a:bodyPr>
-            <a:normAutofit fontScale="90000"/>
-          </a:bodyPr>
+          <a:bodyPr/>
           <a:lstStyle/>
           <a:p>
             <a:pPr algn="ctr"/>
-            <a:br>
-              <a:rPr lang="en-GB" sz="4000" b="1" i="0" dirty="0">
-                <a:effectLst/>
-                <a:highlight>
-                  <a:srgbClr val="FFFFFF"/>
-                </a:highlight>
-                <a:latin typeface="Arial" panose="020B0604020202020204" pitchFamily="34" charset="0"/>
-                <a:cs typeface="Arial" panose="020B0604020202020204" pitchFamily="34" charset="0"/>
-              </a:rPr>
-            </a:br>
-            <a:r>
-              <a:rPr lang="en-GB" sz="4000" b="1" i="0" dirty="0">
-                <a:effectLst/>
-                <a:highlight>
-                  <a:srgbClr val="FFFFFF"/>
-                </a:highlight>
-                <a:latin typeface="Arial" panose="020B0604020202020204" pitchFamily="34" charset="0"/>
-                <a:cs typeface="Arial" panose="020B0604020202020204" pitchFamily="34" charset="0"/>
-              </a:rPr>
-              <a:t>Next Steps</a:t>
-            </a:r>
-            <a:br>
-              <a:rPr lang="en-GB" b="1" i="0" dirty="0">
-                <a:effectLst/>
-                <a:highlight>
-                  <a:srgbClr val="FFFFFF"/>
-                </a:highlight>
-                <a:latin typeface="var(--jp-content-font-family)"/>
-              </a:rPr>
-            </a:br>
-            <a:endParaRPr lang="en-AT" dirty="0"/>
+            <a:r>
+              <a:rPr lang="en-AT" dirty="0"/>
+              <a:t>Forecast</a:t>
+            </a:r>
           </a:p>
         </p:txBody>
       </p:sp>
@@ -13249,7 +13488,7 @@
           <p:cNvPr id="3" name="Content Placeholder 2">
             <a:extLst>
               <a:ext uri="{FF2B5EF4-FFF2-40B4-BE49-F238E27FC236}">
-                <a16:creationId xmlns:a16="http://schemas.microsoft.com/office/drawing/2014/main" id="{9143C45A-CC23-0CFE-663F-218205D9456B}"/>
+                <a16:creationId xmlns:a16="http://schemas.microsoft.com/office/drawing/2014/main" id="{2AD20148-F0CE-6A30-B3A8-B2506E7E2C49}"/>
               </a:ext>
             </a:extLst>
           </p:cNvPr>
@@ -13257,157 +13496,20 @@
             <a:spLocks noGrp="1"/>
           </p:cNvSpPr>
           <p:nvPr>
-            <p:ph idx="1"/>
+            <p:ph sz="half" idx="1"/>
           </p:nvPr>
         </p:nvSpPr>
-        <p:spPr>
-          <a:xfrm>
-            <a:off x="1534510" y="2165131"/>
-            <a:ext cx="9401714" cy="3866877"/>
-          </a:xfrm>
-        </p:spPr>
+        <p:spPr/>
         <p:txBody>
-          <a:bodyPr>
-            <a:normAutofit fontScale="70000" lnSpcReduction="20000"/>
-          </a:bodyPr>
+          <a:bodyPr/>
           <a:lstStyle/>
           <a:p>
-            <a:pPr algn="l"/>
-            <a:r>
-              <a:rPr lang="en-GB" b="0" i="0" dirty="0">
-                <a:effectLst/>
-                <a:highlight>
-                  <a:srgbClr val="FFFFFF"/>
-                </a:highlight>
-                <a:latin typeface="var(--jp-content-font-family)"/>
-              </a:rPr>
-              <a:t>There are several ways to improve the performance of your ARIMA, SARIMA and LSTM models for sales forecasting. Here are some steps you can follow:</a:t>
-            </a:r>
-          </a:p>
-          <a:p>
-            <a:pPr algn="l"/>
-            <a:r>
-              <a:rPr lang="en-GB" b="0" i="0" dirty="0">
-                <a:effectLst/>
-                <a:highlight>
-                  <a:srgbClr val="FFFFFF"/>
-                </a:highlight>
-                <a:latin typeface="var(--jp-content-font-family)"/>
-              </a:rPr>
-              <a:t>Improve data quality: Ensure your sales data is clean and free of errors. Address missing values and outliers.</a:t>
-            </a:r>
-          </a:p>
-          <a:p>
-            <a:pPr algn="l"/>
-            <a:r>
-              <a:rPr lang="en-GB" b="0" i="0" dirty="0">
-                <a:effectLst/>
-                <a:highlight>
-                  <a:srgbClr val="FFFFFF"/>
-                </a:highlight>
-                <a:latin typeface="var(--jp-content-font-family)"/>
-              </a:rPr>
-              <a:t>Feature engineering: Consider including additional relevant features that might influence sales, like holidays, promotions, or economic indicators.</a:t>
-            </a:r>
-          </a:p>
-          <a:p>
-            <a:pPr algn="l"/>
-            <a:r>
-              <a:rPr lang="en-GB" b="0" i="0" dirty="0">
-                <a:effectLst/>
-                <a:highlight>
-                  <a:srgbClr val="FFFFFF"/>
-                </a:highlight>
-                <a:latin typeface="var(--jp-content-font-family)"/>
-              </a:rPr>
-              <a:t>Hyperparameter tuning: Experiment with different hyperparameter values for each model. This can involve adjusting the number of lags in ARIMA/SARIMA or the network architecture in LSTM. Techniques like </a:t>
-            </a:r>
-            <a:r>
-              <a:rPr lang="en-GB" b="0" i="0" dirty="0" err="1">
-                <a:effectLst/>
-                <a:highlight>
-                  <a:srgbClr val="FFFFFF"/>
-                </a:highlight>
-                <a:latin typeface="var(--jp-content-font-family)"/>
-              </a:rPr>
-              <a:t>GridSearchCV</a:t>
-            </a:r>
-            <a:r>
-              <a:rPr lang="en-GB" b="0" i="0" dirty="0">
-                <a:effectLst/>
-                <a:highlight>
-                  <a:srgbClr val="FFFFFF"/>
-                </a:highlight>
-                <a:latin typeface="var(--jp-content-font-family)"/>
-              </a:rPr>
-              <a:t> or </a:t>
-            </a:r>
-            <a:r>
-              <a:rPr lang="en-GB" b="0" i="0" dirty="0" err="1">
-                <a:effectLst/>
-                <a:highlight>
-                  <a:srgbClr val="FFFFFF"/>
-                </a:highlight>
-                <a:latin typeface="var(--jp-content-font-family)"/>
-              </a:rPr>
-              <a:t>RandomizedSearchCV</a:t>
-            </a:r>
-            <a:r>
-              <a:rPr lang="en-GB" b="0" i="0" dirty="0">
-                <a:effectLst/>
-                <a:highlight>
-                  <a:srgbClr val="FFFFFF"/>
-                </a:highlight>
-                <a:latin typeface="var(--jp-content-font-family)"/>
-              </a:rPr>
-              <a:t> can automate this process </a:t>
-            </a:r>
-            <a:r>
-              <a:rPr lang="en-GB" b="0" i="0" u="none" strike="noStrike" dirty="0">
-                <a:effectLst/>
-                <a:highlight>
-                  <a:srgbClr val="FFFFFF"/>
-                </a:highlight>
-                <a:latin typeface="var(--jp-content-font-family)"/>
-                <a:hlinkClick r:id="rId2"/>
-              </a:rPr>
-              <a:t>https://neptune.ai/blog/improving-ml-model-performance</a:t>
-            </a:r>
-            <a:r>
-              <a:rPr lang="en-GB" b="0" i="0" dirty="0">
-                <a:effectLst/>
-                <a:highlight>
-                  <a:srgbClr val="FFFFFF"/>
-                </a:highlight>
-                <a:latin typeface="var(--jp-content-font-family)"/>
-              </a:rPr>
-              <a:t>.</a:t>
-            </a:r>
-          </a:p>
-          <a:p>
-            <a:pPr algn="l"/>
-            <a:r>
-              <a:rPr lang="en-GB" b="0" i="0" dirty="0">
-                <a:effectLst/>
-                <a:highlight>
-                  <a:srgbClr val="FFFFFF"/>
-                </a:highlight>
-                <a:latin typeface="var(--jp-content-font-family)"/>
-              </a:rPr>
-              <a:t>Early stopping: Implement early stopping to prevent overfitting. This technique stops training the model once the validation error starts to increase, allowing it to focus on generalizability.</a:t>
-            </a:r>
-          </a:p>
-          <a:p>
-            <a:pPr algn="l"/>
-            <a:r>
-              <a:rPr lang="en-GB" b="0" i="0" dirty="0">
-                <a:effectLst/>
-                <a:highlight>
-                  <a:srgbClr val="FFFFFF"/>
-                </a:highlight>
-                <a:latin typeface="var(--jp-content-font-family)"/>
-              </a:rPr>
-              <a:t>Ensemble methods: Explore combining multiple models (ARIMA, SARIMA, LSTM) using ensemble methods like averaging or stacking. This can often improve overall accuracy by leveraging the strengths of each model.</a:t>
+            <a:endParaRPr lang="en-GB" dirty="0"/>
+          </a:p>
+          <a:p>
+            <a:r>
+              <a:rPr lang="en-GB" dirty="0"/>
+              <a:t>The ARIMA model appears to have performed better at predicting the sales quantity of the item compared to SARIMA and LSTM.</a:t>
             </a:r>
           </a:p>
           <a:p>
@@ -13417,10 +13519,10 @@
       </p:sp>
       <p:sp>
         <p:nvSpPr>
-          <p:cNvPr id="4" name="Date Placeholder 3">
+          <p:cNvPr id="5" name="Date Placeholder 4">
             <a:extLst>
               <a:ext uri="{FF2B5EF4-FFF2-40B4-BE49-F238E27FC236}">
-                <a16:creationId xmlns:a16="http://schemas.microsoft.com/office/drawing/2014/main" id="{347AD447-EBF2-4FA4-06FF-CFA793631CF3}"/>
+                <a16:creationId xmlns:a16="http://schemas.microsoft.com/office/drawing/2014/main" id="{CAFEEF8C-8CA0-D71A-8F97-62AE021F0CB9}"/>
               </a:ext>
             </a:extLst>
           </p:cNvPr>
@@ -13436,20 +13538,20 @@
           <a:bodyPr/>
           <a:lstStyle/>
           <a:p>
-            <a:fld id="{57997BA6-BEF8-495F-ACCD-8D19769E4FC6}" type="datetime2">
+            <a:fld id="{003E0E29-2C79-4A2A-B61C-A21B8362A50A}" type="datetime2">
               <a:rPr lang="en-US" smtClean="0"/>
-              <a:t>Sunday, July 21, 2024</a:t>
+              <a:t>Monday, July 22, 2024</a:t>
             </a:fld>
-            <a:endParaRPr lang="en-US" dirty="0"/>
+            <a:endParaRPr lang="en-US"/>
           </a:p>
         </p:txBody>
       </p:sp>
       <p:sp>
         <p:nvSpPr>
-          <p:cNvPr id="5" name="Footer Placeholder 4">
+          <p:cNvPr id="6" name="Footer Placeholder 5">
             <a:extLst>
               <a:ext uri="{FF2B5EF4-FFF2-40B4-BE49-F238E27FC236}">
-                <a16:creationId xmlns:a16="http://schemas.microsoft.com/office/drawing/2014/main" id="{B0EF9663-6621-3367-99C5-8A636DABC80D}"/>
+                <a16:creationId xmlns:a16="http://schemas.microsoft.com/office/drawing/2014/main" id="{2181E0A0-3C4C-DE03-0829-C59C136D7712}"/>
               </a:ext>
             </a:extLst>
           </p:cNvPr>
@@ -13469,16 +13571,15 @@
               <a:rPr lang="en-US"/>
               <a:t>Sample Footer Text</a:t>
             </a:r>
-            <a:endParaRPr lang="en-US" dirty="0"/>
           </a:p>
         </p:txBody>
       </p:sp>
       <p:sp>
         <p:nvSpPr>
-          <p:cNvPr id="6" name="Slide Number Placeholder 5">
+          <p:cNvPr id="7" name="Slide Number Placeholder 6">
             <a:extLst>
               <a:ext uri="{FF2B5EF4-FFF2-40B4-BE49-F238E27FC236}">
-                <a16:creationId xmlns:a16="http://schemas.microsoft.com/office/drawing/2014/main" id="{B26F7B3B-8406-E42F-5C53-B013F35642AB}"/>
+                <a16:creationId xmlns:a16="http://schemas.microsoft.com/office/drawing/2014/main" id="{07909E71-CAC8-8C91-F8A6-4B74D5705381}"/>
               </a:ext>
             </a:extLst>
           </p:cNvPr>
@@ -13502,10 +13603,59 @@
           </a:p>
         </p:txBody>
       </p:sp>
+      <p:pic>
+        <p:nvPicPr>
+          <p:cNvPr id="4098" name="Picture 2">
+            <a:extLst>
+              <a:ext uri="{FF2B5EF4-FFF2-40B4-BE49-F238E27FC236}">
+                <a16:creationId xmlns:a16="http://schemas.microsoft.com/office/drawing/2014/main" id="{4141C71E-7E69-1EF3-8859-29140D8FE321}"/>
+              </a:ext>
+            </a:extLst>
+          </p:cNvPr>
+          <p:cNvPicPr>
+            <a:picLocks noGrp="1" noChangeAspect="1" noChangeArrowheads="1"/>
+          </p:cNvPicPr>
+          <p:nvPr>
+            <p:ph sz="half" idx="2"/>
+          </p:nvPr>
+        </p:nvPicPr>
+        <p:blipFill>
+          <a:blip r:embed="rId2">
+            <a:extLst>
+              <a:ext uri="{28A0092B-C50C-407E-A947-70E740481C1C}">
+                <a14:useLocalDpi xmlns:a14="http://schemas.microsoft.com/office/drawing/2010/main" val="0"/>
+              </a:ext>
+            </a:extLst>
+          </a:blip>
+          <a:srcRect/>
+          <a:stretch>
+            <a:fillRect/>
+          </a:stretch>
+        </p:blipFill>
+        <p:spPr bwMode="auto">
+          <a:xfrm>
+            <a:off x="5756275" y="2563811"/>
+            <a:ext cx="5180013" cy="2730502"/>
+          </a:xfrm>
+          <a:prstGeom prst="rect">
+            <a:avLst/>
+          </a:prstGeom>
+          <a:noFill/>
+          <a:extLst>
+            <a:ext uri="{909E8E84-426E-40DD-AFC4-6F175D3DCCD1}">
+              <a14:hiddenFill xmlns:a14="http://schemas.microsoft.com/office/drawing/2010/main">
+                <a:solidFill>
+                  <a:srgbClr val="FFFFFF"/>
+                </a:solidFill>
+              </a14:hiddenFill>
+            </a:ext>
+          </a:extLst>
+        </p:spPr>
+      </p:pic>
     </p:spTree>
     <p:extLst>
       <p:ext uri="{BB962C8B-B14F-4D97-AF65-F5344CB8AC3E}">
-        <p14:creationId xmlns:p14="http://schemas.microsoft.com/office/powerpoint/2010/main" val="1088919387"/>
+        <p14:creationId xmlns:p14="http://schemas.microsoft.com/office/powerpoint/2010/main" val="4141019105"/>
       </p:ext>
     </p:extLst>
   </p:cSld>
@@ -13537,7 +13687,7 @@
           <p:cNvPr id="2" name="Title 1">
             <a:extLst>
               <a:ext uri="{FF2B5EF4-FFF2-40B4-BE49-F238E27FC236}">
-                <a16:creationId xmlns:a16="http://schemas.microsoft.com/office/drawing/2014/main" id="{790A9C04-F0B5-AE15-96F1-BDA515565B39}"/>
+                <a16:creationId xmlns:a16="http://schemas.microsoft.com/office/drawing/2014/main" id="{B0198481-8754-D83D-85CC-1F99442F3A7B}"/>
               </a:ext>
             </a:extLst>
           </p:cNvPr>
@@ -13550,37 +13700,19 @@
         </p:nvSpPr>
         <p:spPr>
           <a:xfrm>
-            <a:off x="1912882" y="914400"/>
-            <a:ext cx="9023341" cy="776288"/>
+            <a:off x="1608082" y="667512"/>
+            <a:ext cx="9328141" cy="1023176"/>
           </a:xfrm>
         </p:spPr>
         <p:txBody>
-          <a:bodyPr>
-            <a:normAutofit fontScale="90000"/>
-          </a:bodyPr>
+          <a:bodyPr/>
           <a:lstStyle/>
           <a:p>
-            <a:br>
-              <a:rPr lang="en-GB" sz="3600" b="1" i="0" dirty="0">
-                <a:effectLst/>
-                <a:latin typeface="Arial" panose="020B0604020202020204" pitchFamily="34" charset="0"/>
-                <a:cs typeface="Arial" panose="020B0604020202020204" pitchFamily="34" charset="0"/>
-              </a:rPr>
-            </a:br>
-            <a:r>
-              <a:rPr lang="en-GB" sz="3600" b="1" i="0" dirty="0">
-                <a:effectLst/>
-                <a:latin typeface="Arial" panose="020B0604020202020204" pitchFamily="34" charset="0"/>
-                <a:cs typeface="Arial" panose="020B0604020202020204" pitchFamily="34" charset="0"/>
-              </a:rPr>
-              <a:t> Tuning the Models for Better Performance</a:t>
-            </a:r>
-            <a:br>
-              <a:rPr lang="en-GB" b="1" i="0" dirty="0">
-                <a:effectLst/>
-                <a:latin typeface="var(--jp-content-font-family)"/>
-              </a:rPr>
-            </a:br>
+            <a:pPr algn="ctr"/>
+            <a:r>
+              <a:rPr lang="en-GB" dirty="0"/>
+              <a:t>Conclusion</a:t>
+            </a:r>
             <a:endParaRPr lang="en-AT" dirty="0"/>
           </a:p>
         </p:txBody>
@@ -13590,7 +13722,7 @@
           <p:cNvPr id="3" name="Content Placeholder 2">
             <a:extLst>
               <a:ext uri="{FF2B5EF4-FFF2-40B4-BE49-F238E27FC236}">
-                <a16:creationId xmlns:a16="http://schemas.microsoft.com/office/drawing/2014/main" id="{E00816EE-A082-3C0B-04DB-F5F7891778D8}"/>
+                <a16:creationId xmlns:a16="http://schemas.microsoft.com/office/drawing/2014/main" id="{BAB325DF-1EAD-E25E-9812-4A94161C9DCC}"/>
               </a:ext>
             </a:extLst>
           </p:cNvPr>
@@ -13603,36 +13735,31 @@
         </p:nvSpPr>
         <p:spPr>
           <a:xfrm>
-            <a:off x="1765738" y="1891862"/>
-            <a:ext cx="9170486" cy="4140146"/>
+            <a:off x="1460938" y="1860331"/>
+            <a:ext cx="9475286" cy="4171677"/>
           </a:xfrm>
         </p:spPr>
         <p:txBody>
-          <a:bodyPr/>
+          <a:bodyPr>
+            <a:normAutofit fontScale="77500" lnSpcReduction="20000"/>
+          </a:bodyPr>
           <a:lstStyle/>
           <a:p>
             <a:pPr algn="l"/>
             <a:r>
-              <a:rPr lang="en-GB" dirty="0">
+              <a:rPr lang="en-GB" b="1" i="0" dirty="0">
                 <a:effectLst/>
+                <a:highlight>
+                  <a:srgbClr val="FFFFFF"/>
+                </a:highlight>
                 <a:latin typeface="var(--jp-content-font-family)"/>
               </a:rPr>
-              <a:t>To improve the performance of the ARIMA, and SARIMA models, we can adjust their parameters and conduct cross-validation. Here are detailed steps for each model.</a:t>
+              <a:t>Interpretation of Results</a:t>
             </a:r>
           </a:p>
           <a:p>
             <a:pPr algn="l"/>
             <a:r>
-              <a:rPr lang="en-GB" dirty="0">
-                <a:effectLst/>
-                <a:latin typeface="var(--jp-content-font-family)"/>
-              </a:rPr>
-              <a:t>Tuning ARIMA and SARIMA Models We'll use a grid search approach to find the best parameters for ARIMA and SARIMA models.</a:t>
-            </a:r>
-          </a:p>
-          <a:p>
-            <a:pPr algn="l"/>
-            <a:br>
               <a:rPr lang="en-GB" b="0" i="0" dirty="0">
                 <a:effectLst/>
                 <a:highlight>
@@ -13640,14 +13767,73 @@
                 </a:highlight>
                 <a:latin typeface="var(--jp-content-font-family)"/>
               </a:rPr>
-            </a:br>
-            <a:endParaRPr lang="en-GB" b="0" i="0" dirty="0">
-              <a:effectLst/>
-              <a:highlight>
-                <a:srgbClr val="FFFFFF"/>
-              </a:highlight>
-              <a:latin typeface="var(--jp-content-font-family)"/>
-            </a:endParaRPr>
+              <a:t>Based on the above analysis the ARIMA model performed best in predicting future sales. </a:t>
+            </a:r>
+          </a:p>
+          <a:p>
+            <a:pPr algn="l"/>
+            <a:r>
+              <a:rPr lang="en-GB" b="0" i="0" dirty="0">
+                <a:effectLst/>
+                <a:highlight>
+                  <a:srgbClr val="FFFFFF"/>
+                </a:highlight>
+                <a:latin typeface="var(--jp-content-font-family)"/>
+              </a:rPr>
+              <a:t>Here are some of the limitations to consider when interpreting forecast graphs like this one:</a:t>
+            </a:r>
+          </a:p>
+          <a:p>
+            <a:pPr algn="l"/>
+            <a:r>
+              <a:rPr lang="en-GB" b="0" i="0" dirty="0">
+                <a:effectLst/>
+                <a:highlight>
+                  <a:srgbClr val="FFFFFF"/>
+                </a:highlight>
+                <a:latin typeface="var(--jp-content-font-family)"/>
+              </a:rPr>
+              <a:t>The forecast may only be accurate for a short period of time. This is because future sales can be influenced by many factors that are difficult to predict, such as changes in the economy, consumer preferences, and competitor activity.</a:t>
+            </a:r>
+          </a:p>
+          <a:p>
+            <a:pPr algn="l"/>
+            <a:r>
+              <a:rPr lang="en-GB" b="0" i="0" dirty="0">
+                <a:effectLst/>
+                <a:highlight>
+                  <a:srgbClr val="FFFFFF"/>
+                </a:highlight>
+                <a:latin typeface="var(--jp-content-font-family)"/>
+              </a:rPr>
+              <a:t>The graph may not show the confidence interval around the forecast. The confidence interval is a range of values that are likely to contain the actual future sales. A wider confidence interval indicates that the forecast is more uncertain.</a:t>
+            </a:r>
+          </a:p>
+          <a:p>
+            <a:pPr algn="l"/>
+            <a:r>
+              <a:rPr lang="en-GB" b="0" i="0" dirty="0">
+                <a:effectLst/>
+                <a:highlight>
+                  <a:srgbClr val="FFFFFF"/>
+                </a:highlight>
+                <a:latin typeface="var(--jp-content-font-family)"/>
+              </a:rPr>
+              <a:t>It is important to consider these limitations when using sales forecasts for decision-making.</a:t>
+            </a:r>
+          </a:p>
+          <a:p>
+            <a:pPr algn="l"/>
+            <a:r>
+              <a:rPr lang="en-GB" b="0" i="0" dirty="0">
+                <a:effectLst/>
+                <a:highlight>
+                  <a:srgbClr val="FFFFFF"/>
+                </a:highlight>
+                <a:latin typeface="var(--jp-content-font-family)"/>
+              </a:rPr>
+              <a:t>Forecasts can be a valuable tool, but they should not be used as the only source of information.</a:t>
+            </a:r>
           </a:p>
           <a:p>
             <a:endParaRPr lang="en-AT" dirty="0"/>
@@ -13659,7 +13845,7 @@
           <p:cNvPr id="4" name="Date Placeholder 3">
             <a:extLst>
               <a:ext uri="{FF2B5EF4-FFF2-40B4-BE49-F238E27FC236}">
-                <a16:creationId xmlns:a16="http://schemas.microsoft.com/office/drawing/2014/main" id="{58E9608E-E6C7-AD7C-0FAA-D20D77D0603E}"/>
+                <a16:creationId xmlns:a16="http://schemas.microsoft.com/office/drawing/2014/main" id="{BFB2DA9A-F490-065D-957C-1867080553A3}"/>
               </a:ext>
             </a:extLst>
           </p:cNvPr>
@@ -13677,7 +13863,7 @@
           <a:p>
             <a:fld id="{57997BA6-BEF8-495F-ACCD-8D19769E4FC6}" type="datetime2">
               <a:rPr lang="en-US" smtClean="0"/>
-              <a:t>Sunday, July 21, 2024</a:t>
+              <a:t>Monday, July 22, 2024</a:t>
             </a:fld>
             <a:endParaRPr lang="en-US" dirty="0"/>
           </a:p>
@@ -13688,7 +13874,7 @@
           <p:cNvPr id="5" name="Footer Placeholder 4">
             <a:extLst>
               <a:ext uri="{FF2B5EF4-FFF2-40B4-BE49-F238E27FC236}">
-                <a16:creationId xmlns:a16="http://schemas.microsoft.com/office/drawing/2014/main" id="{6B6F0F97-D497-64A5-B527-039F7FCC7572}"/>
+                <a16:creationId xmlns:a16="http://schemas.microsoft.com/office/drawing/2014/main" id="{2C713482-695E-6DFA-AC61-E654E60FA3AC}"/>
               </a:ext>
             </a:extLst>
           </p:cNvPr>
@@ -13717,7 +13903,7 @@
           <p:cNvPr id="6" name="Slide Number Placeholder 5">
             <a:extLst>
               <a:ext uri="{FF2B5EF4-FFF2-40B4-BE49-F238E27FC236}">
-                <a16:creationId xmlns:a16="http://schemas.microsoft.com/office/drawing/2014/main" id="{03348934-C2FF-AC73-1248-22083DF1CC7D}"/>
+                <a16:creationId xmlns:a16="http://schemas.microsoft.com/office/drawing/2014/main" id="{69D24C12-3BB4-B365-C90D-82F1D7418AA1}"/>
               </a:ext>
             </a:extLst>
           </p:cNvPr>
@@ -13744,7 +13930,7 @@
     </p:spTree>
     <p:extLst>
       <p:ext uri="{BB962C8B-B14F-4D97-AF65-F5344CB8AC3E}">
-        <p14:creationId xmlns:p14="http://schemas.microsoft.com/office/powerpoint/2010/main" val="3908921364"/>
+        <p14:creationId xmlns:p14="http://schemas.microsoft.com/office/powerpoint/2010/main" val="203244991"/>
       </p:ext>
     </p:extLst>
   </p:cSld>
@@ -13776,7 +13962,7 @@
           <p:cNvPr id="2" name="Title 1">
             <a:extLst>
               <a:ext uri="{FF2B5EF4-FFF2-40B4-BE49-F238E27FC236}">
-                <a16:creationId xmlns:a16="http://schemas.microsoft.com/office/drawing/2014/main" id="{DEC6D035-C9A3-4C97-57B8-F7DB1695EBBE}"/>
+                <a16:creationId xmlns:a16="http://schemas.microsoft.com/office/drawing/2014/main" id="{3572540A-602F-6200-0BA1-FA40FCCA7E51}"/>
               </a:ext>
             </a:extLst>
           </p:cNvPr>
@@ -13789,8 +13975,8 @@
         </p:nvSpPr>
         <p:spPr>
           <a:xfrm>
-            <a:off x="1560576" y="804672"/>
-            <a:ext cx="9375648" cy="886016"/>
+            <a:off x="2060028" y="667512"/>
+            <a:ext cx="8876196" cy="1023176"/>
           </a:xfrm>
         </p:spPr>
         <p:txBody>
@@ -13799,10 +13985,182 @@
           </a:bodyPr>
           <a:lstStyle/>
           <a:p>
-            <a:r>
-              <a:rPr lang="en-AT" dirty="0"/>
-              <a:t>Sales Forecast after Fine Tuning</a:t>
-            </a:r>
+            <a:pPr algn="ctr"/>
+            <a:br>
+              <a:rPr lang="en-GB" sz="4000" b="1" i="0" dirty="0">
+                <a:effectLst/>
+                <a:highlight>
+                  <a:srgbClr val="FFFFFF"/>
+                </a:highlight>
+                <a:latin typeface="Arial" panose="020B0604020202020204" pitchFamily="34" charset="0"/>
+                <a:cs typeface="Arial" panose="020B0604020202020204" pitchFamily="34" charset="0"/>
+              </a:rPr>
+            </a:br>
+            <a:r>
+              <a:rPr lang="en-GB" sz="4000" b="1" i="0" dirty="0">
+                <a:effectLst/>
+                <a:highlight>
+                  <a:srgbClr val="FFFFFF"/>
+                </a:highlight>
+                <a:latin typeface="Arial" panose="020B0604020202020204" pitchFamily="34" charset="0"/>
+                <a:cs typeface="Arial" panose="020B0604020202020204" pitchFamily="34" charset="0"/>
+              </a:rPr>
+              <a:t>Next Steps</a:t>
+            </a:r>
+            <a:br>
+              <a:rPr lang="en-GB" b="1" i="0" dirty="0">
+                <a:effectLst/>
+                <a:highlight>
+                  <a:srgbClr val="FFFFFF"/>
+                </a:highlight>
+                <a:latin typeface="var(--jp-content-font-family)"/>
+              </a:rPr>
+            </a:br>
+            <a:endParaRPr lang="en-AT" dirty="0"/>
+          </a:p>
+        </p:txBody>
+      </p:sp>
+      <p:sp>
+        <p:nvSpPr>
+          <p:cNvPr id="3" name="Content Placeholder 2">
+            <a:extLst>
+              <a:ext uri="{FF2B5EF4-FFF2-40B4-BE49-F238E27FC236}">
+                <a16:creationId xmlns:a16="http://schemas.microsoft.com/office/drawing/2014/main" id="{9143C45A-CC23-0CFE-663F-218205D9456B}"/>
+              </a:ext>
+            </a:extLst>
+          </p:cNvPr>
+          <p:cNvSpPr>
+            <a:spLocks noGrp="1"/>
+          </p:cNvSpPr>
+          <p:nvPr>
+            <p:ph idx="1"/>
+          </p:nvPr>
+        </p:nvSpPr>
+        <p:spPr>
+          <a:xfrm>
+            <a:off x="1534510" y="2165131"/>
+            <a:ext cx="9401714" cy="3866877"/>
+          </a:xfrm>
+        </p:spPr>
+        <p:txBody>
+          <a:bodyPr>
+            <a:normAutofit fontScale="62500" lnSpcReduction="20000"/>
+          </a:bodyPr>
+          <a:lstStyle/>
+          <a:p>
+            <a:pPr algn="l"/>
+            <a:r>
+              <a:rPr lang="en-GB" b="0" i="0" dirty="0">
+                <a:effectLst/>
+                <a:highlight>
+                  <a:srgbClr val="FFFFFF"/>
+                </a:highlight>
+                <a:latin typeface="var(--jp-content-font-family)"/>
+              </a:rPr>
+              <a:t>There are several ways to improve the performance of your ARIMA and LSTM models for sales forecasting. Here are some steps you can follow:</a:t>
+            </a:r>
+          </a:p>
+          <a:p>
+            <a:pPr algn="l"/>
+            <a:r>
+              <a:rPr lang="en-GB" b="0" i="0" dirty="0">
+                <a:effectLst/>
+                <a:highlight>
+                  <a:srgbClr val="FFFFFF"/>
+                </a:highlight>
+                <a:latin typeface="var(--jp-content-font-family)"/>
+              </a:rPr>
+              <a:t>Improve data quality: Ensure your sales data is clean and free of errors. Address missing values and outliers.</a:t>
+            </a:r>
+          </a:p>
+          <a:p>
+            <a:pPr algn="l"/>
+            <a:r>
+              <a:rPr lang="en-GB" b="0" i="0" dirty="0">
+                <a:effectLst/>
+                <a:highlight>
+                  <a:srgbClr val="FFFFFF"/>
+                </a:highlight>
+                <a:latin typeface="var(--jp-content-font-family)"/>
+              </a:rPr>
+              <a:t>Feature engineering: Consider including additional relevant features that might influence sales, like holidays, promotions, or economic indicators.</a:t>
+            </a:r>
+          </a:p>
+          <a:p>
+            <a:pPr algn="l"/>
+            <a:r>
+              <a:rPr lang="en-GB" b="0" i="0" dirty="0">
+                <a:effectLst/>
+                <a:highlight>
+                  <a:srgbClr val="FFFFFF"/>
+                </a:highlight>
+                <a:latin typeface="var(--jp-content-font-family)"/>
+              </a:rPr>
+              <a:t>Hyperparameter tuning: Experiment with different hyperparameter values for each model. This can involve adjusting the number of lags in ARIMA/SARIMA or the network architecture in LSTM. </a:t>
+            </a:r>
+          </a:p>
+          <a:p>
+            <a:pPr algn="l"/>
+            <a:r>
+              <a:rPr lang="en-GB" b="0" i="0" dirty="0">
+                <a:effectLst/>
+                <a:highlight>
+                  <a:srgbClr val="FFFFFF"/>
+                </a:highlight>
+                <a:latin typeface="var(--jp-content-font-family)"/>
+              </a:rPr>
+              <a:t>Techniques like GridSearchCV or RandomizedSearchCV can automate this process </a:t>
+            </a:r>
+            <a:r>
+              <a:rPr lang="en-GB" b="0" i="0" u="none" strike="noStrike" dirty="0">
+                <a:effectLst/>
+                <a:highlight>
+                  <a:srgbClr val="FFFFFF"/>
+                </a:highlight>
+                <a:latin typeface="var(--jp-content-font-family)"/>
+                <a:hlinkClick r:id="rId2"/>
+              </a:rPr>
+              <a:t>https://neptune.ai/blog/improving-ml-model-performance</a:t>
+            </a:r>
+            <a:r>
+              <a:rPr lang="en-GB" b="0" i="0" dirty="0">
+                <a:effectLst/>
+                <a:highlight>
+                  <a:srgbClr val="FFFFFF"/>
+                </a:highlight>
+                <a:latin typeface="var(--jp-content-font-family)"/>
+              </a:rPr>
+              <a:t>.</a:t>
+            </a:r>
+          </a:p>
+          <a:p>
+            <a:pPr algn="l"/>
+            <a:r>
+              <a:rPr lang="en-GB" b="0" i="0" dirty="0">
+                <a:effectLst/>
+                <a:highlight>
+                  <a:srgbClr val="FFFFFF"/>
+                </a:highlight>
+                <a:latin typeface="var(--jp-content-font-family)"/>
+              </a:rPr>
+              <a:t>Early stopping: Implement early stopping to prevent overfitting. This technique stops training the model once the validation error starts to increase, allowing it to focus on generalizability.</a:t>
+            </a:r>
+          </a:p>
+          <a:p>
+            <a:pPr algn="l"/>
+            <a:r>
+              <a:rPr lang="en-GB" b="0" i="0" dirty="0">
+                <a:effectLst/>
+                <a:highlight>
+                  <a:srgbClr val="FFFFFF"/>
+                </a:highlight>
+                <a:latin typeface="var(--jp-content-font-family)"/>
+              </a:rPr>
+              <a:t>Ensemble methods: Explore combining multiple models (ARIMA, SARIMA, LSTM) using ensemble methods like averaging or stacking. This can often improve overall accuracy by leveraging the strengths of each model.</a:t>
+            </a:r>
+          </a:p>
+          <a:p>
+            <a:endParaRPr lang="en-AT" dirty="0"/>
           </a:p>
         </p:txBody>
       </p:sp>
@@ -13811,7 +14169,7 @@
           <p:cNvPr id="4" name="Date Placeholder 3">
             <a:extLst>
               <a:ext uri="{FF2B5EF4-FFF2-40B4-BE49-F238E27FC236}">
-                <a16:creationId xmlns:a16="http://schemas.microsoft.com/office/drawing/2014/main" id="{75B15107-883F-CC25-9F75-A05387FF2075}"/>
+                <a16:creationId xmlns:a16="http://schemas.microsoft.com/office/drawing/2014/main" id="{347AD447-EBF2-4FA4-06FF-CFA793631CF3}"/>
               </a:ext>
             </a:extLst>
           </p:cNvPr>
@@ -13829,7 +14187,7 @@
           <a:p>
             <a:fld id="{57997BA6-BEF8-495F-ACCD-8D19769E4FC6}" type="datetime2">
               <a:rPr lang="en-US" smtClean="0"/>
-              <a:t>Sunday, July 21, 2024</a:t>
+              <a:t>Monday, July 22, 2024</a:t>
             </a:fld>
             <a:endParaRPr lang="en-US" dirty="0"/>
           </a:p>
@@ -13840,7 +14198,7 @@
           <p:cNvPr id="5" name="Footer Placeholder 4">
             <a:extLst>
               <a:ext uri="{FF2B5EF4-FFF2-40B4-BE49-F238E27FC236}">
-                <a16:creationId xmlns:a16="http://schemas.microsoft.com/office/drawing/2014/main" id="{6198AE32-9FEB-094F-0C61-24AF5CE32513}"/>
+                <a16:creationId xmlns:a16="http://schemas.microsoft.com/office/drawing/2014/main" id="{B0EF9663-6621-3367-99C5-8A636DABC80D}"/>
               </a:ext>
             </a:extLst>
           </p:cNvPr>
@@ -13869,7 +14227,7 @@
           <p:cNvPr id="6" name="Slide Number Placeholder 5">
             <a:extLst>
               <a:ext uri="{FF2B5EF4-FFF2-40B4-BE49-F238E27FC236}">
-                <a16:creationId xmlns:a16="http://schemas.microsoft.com/office/drawing/2014/main" id="{58204C7B-2001-BAF9-6934-0B567E6DD6C2}"/>
+                <a16:creationId xmlns:a16="http://schemas.microsoft.com/office/drawing/2014/main" id="{B26F7B3B-8406-E42F-5C53-B013F35642AB}"/>
               </a:ext>
             </a:extLst>
           </p:cNvPr>
@@ -13893,251 +14251,10 @@
           </a:p>
         </p:txBody>
       </p:sp>
-      <p:pic>
-        <p:nvPicPr>
-          <p:cNvPr id="6146" name="Picture 2">
-            <a:extLst>
-              <a:ext uri="{FF2B5EF4-FFF2-40B4-BE49-F238E27FC236}">
-                <a16:creationId xmlns:a16="http://schemas.microsoft.com/office/drawing/2014/main" id="{D5BE3BE7-DC9C-B354-98B4-BF1FB3612644}"/>
-              </a:ext>
-            </a:extLst>
-          </p:cNvPr>
-          <p:cNvPicPr>
-            <a:picLocks noGrp="1" noChangeAspect="1" noChangeArrowheads="1"/>
-          </p:cNvPicPr>
-          <p:nvPr>
-            <p:ph idx="1"/>
-          </p:nvPr>
-        </p:nvPicPr>
-        <p:blipFill>
-          <a:blip r:embed="rId2">
-            <a:extLst>
-              <a:ext uri="{28A0092B-C50C-407E-A947-70E740481C1C}">
-                <a14:useLocalDpi xmlns:a14="http://schemas.microsoft.com/office/drawing/2010/main" val="0"/>
-              </a:ext>
-            </a:extLst>
-          </a:blip>
-          <a:srcRect/>
-          <a:stretch>
-            <a:fillRect/>
-          </a:stretch>
-        </p:blipFill>
-        <p:spPr bwMode="auto">
-          <a:xfrm>
-            <a:off x="1688074" y="1825625"/>
-            <a:ext cx="4215563" cy="2222119"/>
-          </a:xfrm>
-          <a:prstGeom prst="rect">
-            <a:avLst/>
-          </a:prstGeom>
-          <a:noFill/>
-          <a:extLst>
-            <a:ext uri="{909E8E84-426E-40DD-AFC4-6F175D3DCCD1}">
-              <a14:hiddenFill xmlns:a14="http://schemas.microsoft.com/office/drawing/2010/main">
-                <a:solidFill>
-                  <a:srgbClr val="FFFFFF"/>
-                </a:solidFill>
-              </a14:hiddenFill>
-            </a:ext>
-          </a:extLst>
-        </p:spPr>
-      </p:pic>
     </p:spTree>
     <p:extLst>
       <p:ext uri="{BB962C8B-B14F-4D97-AF65-F5344CB8AC3E}">
-        <p14:creationId xmlns:p14="http://schemas.microsoft.com/office/powerpoint/2010/main" val="1027833794"/>
-      </p:ext>
-    </p:extLst>
-  </p:cSld>
-  <p:clrMapOvr>
-    <a:masterClrMapping/>
-  </p:clrMapOvr>
-</p:sld>
-</file>
-
-<file path=ppt/slides/slide18.xml><?xml version="1.0" encoding="utf-8"?>
-<p:sld xmlns:a="http://schemas.openxmlformats.org/drawingml/2006/main" xmlns:r="http://schemas.openxmlformats.org/officeDocument/2006/relationships" xmlns:p="http://schemas.openxmlformats.org/presentationml/2006/main">
-  <p:cSld>
-    <p:spTree>
-      <p:nvGrpSpPr>
-        <p:cNvPr id="1" name=""/>
-        <p:cNvGrpSpPr/>
-        <p:nvPr/>
-      </p:nvGrpSpPr>
-      <p:grpSpPr>
-        <a:xfrm>
-          <a:off x="0" y="0"/>
-          <a:ext cx="0" cy="0"/>
-          <a:chOff x="0" y="0"/>
-          <a:chExt cx="0" cy="0"/>
-        </a:xfrm>
-      </p:grpSpPr>
-      <p:sp>
-        <p:nvSpPr>
-          <p:cNvPr id="2" name="Title 1">
-            <a:extLst>
-              <a:ext uri="{FF2B5EF4-FFF2-40B4-BE49-F238E27FC236}">
-                <a16:creationId xmlns:a16="http://schemas.microsoft.com/office/drawing/2014/main" id="{E0FB8556-9577-5D0C-B3CD-7450C111A8BB}"/>
-              </a:ext>
-            </a:extLst>
-          </p:cNvPr>
-          <p:cNvSpPr>
-            <a:spLocks noGrp="1"/>
-          </p:cNvSpPr>
-          <p:nvPr>
-            <p:ph type="title"/>
-          </p:nvPr>
-        </p:nvSpPr>
-        <p:spPr>
-          <a:xfrm>
-            <a:off x="1513490" y="667512"/>
-            <a:ext cx="9422734" cy="1023176"/>
-          </a:xfrm>
-        </p:spPr>
-        <p:txBody>
-          <a:bodyPr/>
-          <a:lstStyle/>
-          <a:p>
-            <a:pPr algn="ctr"/>
-            <a:r>
-              <a:rPr lang="en-GB" dirty="0"/>
-              <a:t>Conclusion</a:t>
-            </a:r>
-            <a:endParaRPr lang="en-AT" dirty="0"/>
-          </a:p>
-        </p:txBody>
-      </p:sp>
-      <p:sp>
-        <p:nvSpPr>
-          <p:cNvPr id="3" name="Content Placeholder 2">
-            <a:extLst>
-              <a:ext uri="{FF2B5EF4-FFF2-40B4-BE49-F238E27FC236}">
-                <a16:creationId xmlns:a16="http://schemas.microsoft.com/office/drawing/2014/main" id="{0DACDA59-878D-A3DC-7AAD-F9C0CEA84DD4}"/>
-              </a:ext>
-            </a:extLst>
-          </p:cNvPr>
-          <p:cNvSpPr>
-            <a:spLocks noGrp="1"/>
-          </p:cNvSpPr>
-          <p:nvPr>
-            <p:ph idx="1"/>
-          </p:nvPr>
-        </p:nvSpPr>
-        <p:spPr>
-          <a:xfrm>
-            <a:off x="1513488" y="1996966"/>
-            <a:ext cx="9422735" cy="4035042"/>
-          </a:xfrm>
-        </p:spPr>
-        <p:txBody>
-          <a:bodyPr/>
-          <a:lstStyle/>
-          <a:p>
-            <a:r>
-              <a:rPr lang="en-GB" dirty="0"/>
-              <a:t>Summarizing the data science pipeline</a:t>
-            </a:r>
-          </a:p>
-          <a:p>
-            <a:r>
-              <a:rPr lang="en-GB" dirty="0"/>
-              <a:t>Highlighting future improvements and directions</a:t>
-            </a:r>
-            <a:endParaRPr lang="en-AT" dirty="0"/>
-          </a:p>
-        </p:txBody>
-      </p:sp>
-      <p:sp>
-        <p:nvSpPr>
-          <p:cNvPr id="4" name="Date Placeholder 3">
-            <a:extLst>
-              <a:ext uri="{FF2B5EF4-FFF2-40B4-BE49-F238E27FC236}">
-                <a16:creationId xmlns:a16="http://schemas.microsoft.com/office/drawing/2014/main" id="{3BE7BF97-8D71-FB10-9592-6F30AF492811}"/>
-              </a:ext>
-            </a:extLst>
-          </p:cNvPr>
-          <p:cNvSpPr>
-            <a:spLocks noGrp="1"/>
-          </p:cNvSpPr>
-          <p:nvPr>
-            <p:ph type="dt" sz="half" idx="10"/>
-          </p:nvPr>
-        </p:nvSpPr>
-        <p:spPr/>
-        <p:txBody>
-          <a:bodyPr/>
-          <a:lstStyle/>
-          <a:p>
-            <a:fld id="{57997BA6-BEF8-495F-ACCD-8D19769E4FC6}" type="datetime2">
-              <a:rPr lang="en-US" smtClean="0"/>
-              <a:t>Sunday, July 21, 2024</a:t>
-            </a:fld>
-            <a:endParaRPr lang="en-US" dirty="0"/>
-          </a:p>
-        </p:txBody>
-      </p:sp>
-      <p:sp>
-        <p:nvSpPr>
-          <p:cNvPr id="5" name="Footer Placeholder 4">
-            <a:extLst>
-              <a:ext uri="{FF2B5EF4-FFF2-40B4-BE49-F238E27FC236}">
-                <a16:creationId xmlns:a16="http://schemas.microsoft.com/office/drawing/2014/main" id="{C52A5215-282D-318D-D9DF-D751DCED0F90}"/>
-              </a:ext>
-            </a:extLst>
-          </p:cNvPr>
-          <p:cNvSpPr>
-            <a:spLocks noGrp="1"/>
-          </p:cNvSpPr>
-          <p:nvPr>
-            <p:ph type="ftr" sz="quarter" idx="11"/>
-          </p:nvPr>
-        </p:nvSpPr>
-        <p:spPr/>
-        <p:txBody>
-          <a:bodyPr/>
-          <a:lstStyle/>
-          <a:p>
-            <a:r>
-              <a:rPr lang="en-US"/>
-              <a:t>Sample Footer Text</a:t>
-            </a:r>
-            <a:endParaRPr lang="en-US" dirty="0"/>
-          </a:p>
-        </p:txBody>
-      </p:sp>
-      <p:sp>
-        <p:nvSpPr>
-          <p:cNvPr id="6" name="Slide Number Placeholder 5">
-            <a:extLst>
-              <a:ext uri="{FF2B5EF4-FFF2-40B4-BE49-F238E27FC236}">
-                <a16:creationId xmlns:a16="http://schemas.microsoft.com/office/drawing/2014/main" id="{DE0E92F2-DAA8-95EA-EB64-C7B457A5CAAD}"/>
-              </a:ext>
-            </a:extLst>
-          </p:cNvPr>
-          <p:cNvSpPr>
-            <a:spLocks noGrp="1"/>
-          </p:cNvSpPr>
-          <p:nvPr>
-            <p:ph type="sldNum" sz="quarter" idx="12"/>
-          </p:nvPr>
-        </p:nvSpPr>
-        <p:spPr/>
-        <p:txBody>
-          <a:bodyPr/>
-          <a:lstStyle/>
-          <a:p>
-            <a:fld id="{7BE69E03-4804-4553-A1EC-F089884EF50F}" type="slidenum">
-              <a:rPr lang="en-US" smtClean="0"/>
-              <a:t>18</a:t>
-            </a:fld>
-            <a:endParaRPr lang="en-US"/>
-          </a:p>
-        </p:txBody>
-      </p:sp>
-    </p:spTree>
-    <p:extLst>
-      <p:ext uri="{BB962C8B-B14F-4D97-AF65-F5344CB8AC3E}">
-        <p14:creationId xmlns:p14="http://schemas.microsoft.com/office/powerpoint/2010/main" val="3189160379"/>
+        <p14:creationId xmlns:p14="http://schemas.microsoft.com/office/powerpoint/2010/main" val="1088919387"/>
       </p:ext>
     </p:extLst>
   </p:cSld>
@@ -14148,228 +14265,6 @@
 </file>
 
 <file path=ppt/slides/slide2.xml><?xml version="1.0" encoding="utf-8"?>
-<p:sld xmlns:a="http://schemas.openxmlformats.org/drawingml/2006/main" xmlns:r="http://schemas.openxmlformats.org/officeDocument/2006/relationships" xmlns:p="http://schemas.openxmlformats.org/presentationml/2006/main">
-  <p:cSld>
-    <p:spTree>
-      <p:nvGrpSpPr>
-        <p:cNvPr id="1" name=""/>
-        <p:cNvGrpSpPr/>
-        <p:nvPr/>
-      </p:nvGrpSpPr>
-      <p:grpSpPr>
-        <a:xfrm>
-          <a:off x="0" y="0"/>
-          <a:ext cx="0" cy="0"/>
-          <a:chOff x="0" y="0"/>
-          <a:chExt cx="0" cy="0"/>
-        </a:xfrm>
-      </p:grpSpPr>
-      <p:sp>
-        <p:nvSpPr>
-          <p:cNvPr id="2" name="Title 1">
-            <a:extLst>
-              <a:ext uri="{FF2B5EF4-FFF2-40B4-BE49-F238E27FC236}">
-                <a16:creationId xmlns:a16="http://schemas.microsoft.com/office/drawing/2014/main" id="{FA42E0C7-F121-F7A6-13E3-EA5717420B10}"/>
-              </a:ext>
-            </a:extLst>
-          </p:cNvPr>
-          <p:cNvSpPr>
-            <a:spLocks noGrp="1"/>
-          </p:cNvSpPr>
-          <p:nvPr>
-            <p:ph type="title"/>
-          </p:nvPr>
-        </p:nvSpPr>
-        <p:spPr>
-          <a:xfrm>
-            <a:off x="1776248" y="736333"/>
-            <a:ext cx="9159976" cy="851835"/>
-          </a:xfrm>
-        </p:spPr>
-        <p:txBody>
-          <a:bodyPr/>
-          <a:lstStyle/>
-          <a:p>
-            <a:pPr algn="ctr"/>
-            <a:r>
-              <a:rPr lang="en-GB" b="1" dirty="0"/>
-              <a:t>Objective</a:t>
-            </a:r>
-            <a:endParaRPr lang="en-AT" dirty="0"/>
-          </a:p>
-        </p:txBody>
-      </p:sp>
-      <p:sp>
-        <p:nvSpPr>
-          <p:cNvPr id="3" name="Content Placeholder 2">
-            <a:extLst>
-              <a:ext uri="{FF2B5EF4-FFF2-40B4-BE49-F238E27FC236}">
-                <a16:creationId xmlns:a16="http://schemas.microsoft.com/office/drawing/2014/main" id="{377995D6-8CB5-7A5D-486D-622538332329}"/>
-              </a:ext>
-            </a:extLst>
-          </p:cNvPr>
-          <p:cNvSpPr>
-            <a:spLocks noGrp="1"/>
-          </p:cNvSpPr>
-          <p:nvPr>
-            <p:ph idx="1"/>
-          </p:nvPr>
-        </p:nvSpPr>
-        <p:spPr>
-          <a:xfrm>
-            <a:off x="1482290" y="1825625"/>
-            <a:ext cx="9453933" cy="4296042"/>
-          </a:xfrm>
-        </p:spPr>
-        <p:txBody>
-          <a:bodyPr/>
-          <a:lstStyle/>
-          <a:p>
-            <a:pPr marL="480060" indent="-342900">
-              <a:spcBef>
-                <a:spcPts val="0"/>
-              </a:spcBef>
-              <a:spcAft>
-                <a:spcPts val="800"/>
-              </a:spcAft>
-              <a:buSzPct val="100000"/>
-            </a:pPr>
-            <a:r>
-              <a:rPr lang="en-GB" dirty="0"/>
-              <a:t>To develop a predictive model that forecasts the future sales of an item for the next X days using a CSV file containing historical sales data. </a:t>
-            </a:r>
-          </a:p>
-          <a:p>
-            <a:pPr marL="480060" indent="-342900">
-              <a:spcBef>
-                <a:spcPts val="0"/>
-              </a:spcBef>
-              <a:spcAft>
-                <a:spcPts val="800"/>
-              </a:spcAft>
-              <a:buSzPct val="100000"/>
-            </a:pPr>
-            <a:r>
-              <a:rPr lang="en-GB" dirty="0"/>
-              <a:t>The focus will be on data preparation, model training, and generating forecasts.</a:t>
-            </a:r>
-          </a:p>
-          <a:p>
-            <a:pPr marL="137160" indent="0" algn="l">
-              <a:spcBef>
-                <a:spcPts val="0"/>
-              </a:spcBef>
-              <a:spcAft>
-                <a:spcPts val="800"/>
-              </a:spcAft>
-              <a:buSzPct val="100000"/>
-              <a:buNone/>
-            </a:pPr>
-            <a:endParaRPr lang="en-AT" dirty="0"/>
-          </a:p>
-        </p:txBody>
-      </p:sp>
-      <p:sp>
-        <p:nvSpPr>
-          <p:cNvPr id="4" name="Date Placeholder 3">
-            <a:extLst>
-              <a:ext uri="{FF2B5EF4-FFF2-40B4-BE49-F238E27FC236}">
-                <a16:creationId xmlns:a16="http://schemas.microsoft.com/office/drawing/2014/main" id="{591C69D6-2523-510E-344A-7FFE46EB4B0A}"/>
-              </a:ext>
-            </a:extLst>
-          </p:cNvPr>
-          <p:cNvSpPr>
-            <a:spLocks noGrp="1"/>
-          </p:cNvSpPr>
-          <p:nvPr>
-            <p:ph type="dt" sz="half" idx="10"/>
-          </p:nvPr>
-        </p:nvSpPr>
-        <p:spPr/>
-        <p:txBody>
-          <a:bodyPr/>
-          <a:lstStyle/>
-          <a:p>
-            <a:fld id="{57997BA6-BEF8-495F-ACCD-8D19769E4FC6}" type="datetime2">
-              <a:rPr lang="en-US" smtClean="0"/>
-              <a:t>Sunday, July 21, 2024</a:t>
-            </a:fld>
-            <a:endParaRPr lang="en-US" dirty="0"/>
-          </a:p>
-        </p:txBody>
-      </p:sp>
-      <p:sp>
-        <p:nvSpPr>
-          <p:cNvPr id="5" name="Footer Placeholder 4">
-            <a:extLst>
-              <a:ext uri="{FF2B5EF4-FFF2-40B4-BE49-F238E27FC236}">
-                <a16:creationId xmlns:a16="http://schemas.microsoft.com/office/drawing/2014/main" id="{E30E7026-3AE0-317E-7490-B37372B6F215}"/>
-              </a:ext>
-            </a:extLst>
-          </p:cNvPr>
-          <p:cNvSpPr>
-            <a:spLocks noGrp="1"/>
-          </p:cNvSpPr>
-          <p:nvPr>
-            <p:ph type="ftr" sz="quarter" idx="11"/>
-          </p:nvPr>
-        </p:nvSpPr>
-        <p:spPr/>
-        <p:txBody>
-          <a:bodyPr/>
-          <a:lstStyle/>
-          <a:p>
-            <a:r>
-              <a:rPr lang="en-US"/>
-              <a:t>Sample Footer Text</a:t>
-            </a:r>
-            <a:endParaRPr lang="en-US" dirty="0"/>
-          </a:p>
-        </p:txBody>
-      </p:sp>
-      <p:sp>
-        <p:nvSpPr>
-          <p:cNvPr id="6" name="Slide Number Placeholder 5">
-            <a:extLst>
-              <a:ext uri="{FF2B5EF4-FFF2-40B4-BE49-F238E27FC236}">
-                <a16:creationId xmlns:a16="http://schemas.microsoft.com/office/drawing/2014/main" id="{A45DDC84-A93C-F63E-810B-B5525E9F26B6}"/>
-              </a:ext>
-            </a:extLst>
-          </p:cNvPr>
-          <p:cNvSpPr>
-            <a:spLocks noGrp="1"/>
-          </p:cNvSpPr>
-          <p:nvPr>
-            <p:ph type="sldNum" sz="quarter" idx="12"/>
-          </p:nvPr>
-        </p:nvSpPr>
-        <p:spPr/>
-        <p:txBody>
-          <a:bodyPr/>
-          <a:lstStyle/>
-          <a:p>
-            <a:fld id="{7BE69E03-4804-4553-A1EC-F089884EF50F}" type="slidenum">
-              <a:rPr lang="en-US" smtClean="0"/>
-              <a:t>2</a:t>
-            </a:fld>
-            <a:endParaRPr lang="en-US"/>
-          </a:p>
-        </p:txBody>
-      </p:sp>
-    </p:spTree>
-    <p:extLst>
-      <p:ext uri="{BB962C8B-B14F-4D97-AF65-F5344CB8AC3E}">
-        <p14:creationId xmlns:p14="http://schemas.microsoft.com/office/powerpoint/2010/main" val="3780304429"/>
-      </p:ext>
-    </p:extLst>
-  </p:cSld>
-  <p:clrMapOvr>
-    <a:masterClrMapping/>
-  </p:clrMapOvr>
-</p:sld>
-</file>
-
-<file path=ppt/slides/slide3.xml><?xml version="1.0" encoding="utf-8"?>
 <p:sld xmlns:a="http://schemas.openxmlformats.org/drawingml/2006/main" xmlns:r="http://schemas.openxmlformats.org/officeDocument/2006/relationships" xmlns:p="http://schemas.openxmlformats.org/presentationml/2006/main">
   <p:cSld>
     <p:bg>
@@ -14767,7 +14662,7 @@
                   <a:spcPts val="600"/>
                 </a:spcAft>
               </a:pPr>
-              <a:t>3</a:t>
+              <a:t>2</a:t>
             </a:fld>
             <a:endParaRPr lang="en-US"/>
           </a:p>
@@ -14813,7 +14708,7 @@
                   <a:spcPts val="600"/>
                 </a:spcAft>
               </a:pPr>
-              <a:t>Sunday, July 21, 2024</a:t>
+              <a:t>Monday, July 22, 2024</a:t>
             </a:fld>
             <a:endParaRPr lang="en-US"/>
           </a:p>
@@ -15009,7 +14904,7 @@
 </p:sld>
 </file>
 
-<file path=ppt/slides/slide4.xml><?xml version="1.0" encoding="utf-8"?>
+<file path=ppt/slides/slide3.xml><?xml version="1.0" encoding="utf-8"?>
 <p:sld xmlns:a="http://schemas.openxmlformats.org/drawingml/2006/main" xmlns:r="http://schemas.openxmlformats.org/officeDocument/2006/relationships" xmlns:p="http://schemas.openxmlformats.org/presentationml/2006/main">
   <p:cSld>
     <p:bg>
@@ -15414,7 +15309,7 @@
                   <a:spcPts val="600"/>
                 </a:spcAft>
               </a:pPr>
-              <a:t>4</a:t>
+              <a:t>3</a:t>
             </a:fld>
             <a:endParaRPr lang="en-US"/>
           </a:p>
@@ -15460,7 +15355,7 @@
                   <a:spcPts val="600"/>
                 </a:spcAft>
               </a:pPr>
-              <a:t>Sunday, July 21, 2024</a:t>
+              <a:t>Monday, July 22, 2024</a:t>
             </a:fld>
             <a:endParaRPr lang="en-US"/>
           </a:p>
@@ -15656,6 +15551,222 @@
 </p:sld>
 </file>
 
+<file path=ppt/slides/slide4.xml><?xml version="1.0" encoding="utf-8"?>
+<p:sld xmlns:a="http://schemas.openxmlformats.org/drawingml/2006/main" xmlns:r="http://schemas.openxmlformats.org/officeDocument/2006/relationships" xmlns:p="http://schemas.openxmlformats.org/presentationml/2006/main">
+  <p:cSld>
+    <p:spTree>
+      <p:nvGrpSpPr>
+        <p:cNvPr id="1" name=""/>
+        <p:cNvGrpSpPr/>
+        <p:nvPr/>
+      </p:nvGrpSpPr>
+      <p:grpSpPr>
+        <a:xfrm>
+          <a:off x="0" y="0"/>
+          <a:ext cx="0" cy="0"/>
+          <a:chOff x="0" y="0"/>
+          <a:chExt cx="0" cy="0"/>
+        </a:xfrm>
+      </p:grpSpPr>
+      <p:sp>
+        <p:nvSpPr>
+          <p:cNvPr id="2" name="Title 1">
+            <a:extLst>
+              <a:ext uri="{FF2B5EF4-FFF2-40B4-BE49-F238E27FC236}">
+                <a16:creationId xmlns:a16="http://schemas.microsoft.com/office/drawing/2014/main" id="{18FBCD62-1DDC-656F-69CC-B1E4608721EF}"/>
+              </a:ext>
+            </a:extLst>
+          </p:cNvPr>
+          <p:cNvSpPr>
+            <a:spLocks noGrp="1"/>
+          </p:cNvSpPr>
+          <p:nvPr>
+            <p:ph type="title"/>
+          </p:nvPr>
+        </p:nvSpPr>
+        <p:spPr>
+          <a:xfrm>
+            <a:off x="1629102" y="667512"/>
+            <a:ext cx="9307121" cy="1023176"/>
+          </a:xfrm>
+        </p:spPr>
+        <p:txBody>
+          <a:bodyPr/>
+          <a:lstStyle/>
+          <a:p>
+            <a:pPr algn="ctr"/>
+            <a:r>
+              <a:rPr lang="en-AT" dirty="0"/>
+              <a:t>Load Data</a:t>
+            </a:r>
+          </a:p>
+        </p:txBody>
+      </p:sp>
+      <p:sp>
+        <p:nvSpPr>
+          <p:cNvPr id="3" name="Content Placeholder 2">
+            <a:extLst>
+              <a:ext uri="{FF2B5EF4-FFF2-40B4-BE49-F238E27FC236}">
+                <a16:creationId xmlns:a16="http://schemas.microsoft.com/office/drawing/2014/main" id="{5D8B9908-CAAB-4B75-B5FA-117970B25BD8}"/>
+              </a:ext>
+            </a:extLst>
+          </p:cNvPr>
+          <p:cNvSpPr>
+            <a:spLocks noGrp="1"/>
+          </p:cNvSpPr>
+          <p:nvPr>
+            <p:ph idx="1"/>
+          </p:nvPr>
+        </p:nvSpPr>
+        <p:spPr>
+          <a:xfrm>
+            <a:off x="1545020" y="1933903"/>
+            <a:ext cx="9391203" cy="4098105"/>
+          </a:xfrm>
+        </p:spPr>
+        <p:txBody>
+          <a:bodyPr/>
+          <a:lstStyle/>
+          <a:p>
+            <a:pPr>
+              <a:buFont typeface="Arial" panose="020B0604020202020204" pitchFamily="34" charset="0"/>
+              <a:buChar char="•"/>
+            </a:pPr>
+            <a:endParaRPr lang="en-GB" dirty="0"/>
+          </a:p>
+          <a:p>
+            <a:pPr marL="742950" lvl="1" indent="-285750">
+              <a:buFont typeface="Arial" panose="020B0604020202020204" pitchFamily="34" charset="0"/>
+              <a:buChar char="•"/>
+            </a:pPr>
+            <a:r>
+              <a:rPr lang="en-GB" dirty="0"/>
+              <a:t>Importing the CSV file containing historical sales data</a:t>
+            </a:r>
+          </a:p>
+          <a:p>
+            <a:pPr marL="742950" lvl="1" indent="-285750">
+              <a:buFont typeface="Arial" panose="020B0604020202020204" pitchFamily="34" charset="0"/>
+              <a:buChar char="•"/>
+            </a:pPr>
+            <a:r>
+              <a:rPr lang="en-GB" dirty="0"/>
+              <a:t>Initial data checks to </a:t>
+            </a:r>
+            <a:r>
+              <a:rPr lang="en-GB" sz="2400" dirty="0"/>
+              <a:t>ensure</a:t>
+            </a:r>
+            <a:r>
+              <a:rPr lang="en-GB" dirty="0"/>
+              <a:t> data integrity and correctness</a:t>
+            </a:r>
+          </a:p>
+          <a:p>
+            <a:endParaRPr lang="en-AT" dirty="0"/>
+          </a:p>
+        </p:txBody>
+      </p:sp>
+      <p:sp>
+        <p:nvSpPr>
+          <p:cNvPr id="4" name="Date Placeholder 3">
+            <a:extLst>
+              <a:ext uri="{FF2B5EF4-FFF2-40B4-BE49-F238E27FC236}">
+                <a16:creationId xmlns:a16="http://schemas.microsoft.com/office/drawing/2014/main" id="{2A56806A-7273-3CE3-2FB0-C14DC0E349B7}"/>
+              </a:ext>
+            </a:extLst>
+          </p:cNvPr>
+          <p:cNvSpPr>
+            <a:spLocks noGrp="1"/>
+          </p:cNvSpPr>
+          <p:nvPr>
+            <p:ph type="dt" sz="half" idx="10"/>
+          </p:nvPr>
+        </p:nvSpPr>
+        <p:spPr/>
+        <p:txBody>
+          <a:bodyPr/>
+          <a:lstStyle/>
+          <a:p>
+            <a:fld id="{57997BA6-BEF8-495F-ACCD-8D19769E4FC6}" type="datetime2">
+              <a:rPr lang="en-US" smtClean="0"/>
+              <a:t>Monday, July 22, 2024</a:t>
+            </a:fld>
+            <a:endParaRPr lang="en-US" dirty="0"/>
+          </a:p>
+        </p:txBody>
+      </p:sp>
+      <p:sp>
+        <p:nvSpPr>
+          <p:cNvPr id="5" name="Footer Placeholder 4">
+            <a:extLst>
+              <a:ext uri="{FF2B5EF4-FFF2-40B4-BE49-F238E27FC236}">
+                <a16:creationId xmlns:a16="http://schemas.microsoft.com/office/drawing/2014/main" id="{44FEE372-C697-51B6-FD1C-AC1E913797C5}"/>
+              </a:ext>
+            </a:extLst>
+          </p:cNvPr>
+          <p:cNvSpPr>
+            <a:spLocks noGrp="1"/>
+          </p:cNvSpPr>
+          <p:nvPr>
+            <p:ph type="ftr" sz="quarter" idx="11"/>
+          </p:nvPr>
+        </p:nvSpPr>
+        <p:spPr/>
+        <p:txBody>
+          <a:bodyPr/>
+          <a:lstStyle/>
+          <a:p>
+            <a:r>
+              <a:rPr lang="en-US"/>
+              <a:t>Sample Footer Text</a:t>
+            </a:r>
+            <a:endParaRPr lang="en-US" dirty="0"/>
+          </a:p>
+        </p:txBody>
+      </p:sp>
+      <p:sp>
+        <p:nvSpPr>
+          <p:cNvPr id="6" name="Slide Number Placeholder 5">
+            <a:extLst>
+              <a:ext uri="{FF2B5EF4-FFF2-40B4-BE49-F238E27FC236}">
+                <a16:creationId xmlns:a16="http://schemas.microsoft.com/office/drawing/2014/main" id="{0E1B7110-C959-8A4B-4B0E-B900880AFC8F}"/>
+              </a:ext>
+            </a:extLst>
+          </p:cNvPr>
+          <p:cNvSpPr>
+            <a:spLocks noGrp="1"/>
+          </p:cNvSpPr>
+          <p:nvPr>
+            <p:ph type="sldNum" sz="quarter" idx="12"/>
+          </p:nvPr>
+        </p:nvSpPr>
+        <p:spPr/>
+        <p:txBody>
+          <a:bodyPr/>
+          <a:lstStyle/>
+          <a:p>
+            <a:fld id="{7BE69E03-4804-4553-A1EC-F089884EF50F}" type="slidenum">
+              <a:rPr lang="en-US" smtClean="0"/>
+              <a:t>4</a:t>
+            </a:fld>
+            <a:endParaRPr lang="en-US"/>
+          </a:p>
+        </p:txBody>
+      </p:sp>
+    </p:spTree>
+    <p:extLst>
+      <p:ext uri="{BB962C8B-B14F-4D97-AF65-F5344CB8AC3E}">
+        <p14:creationId xmlns:p14="http://schemas.microsoft.com/office/powerpoint/2010/main" val="2150618723"/>
+      </p:ext>
+    </p:extLst>
+  </p:cSld>
+  <p:clrMapOvr>
+    <a:masterClrMapping/>
+  </p:clrMapOvr>
+</p:sld>
+</file>
+
 <file path=ppt/slides/slide5.xml><?xml version="1.0" encoding="utf-8"?>
 <p:sld xmlns:a="http://schemas.openxmlformats.org/drawingml/2006/main" xmlns:r="http://schemas.openxmlformats.org/officeDocument/2006/relationships" xmlns:p="http://schemas.openxmlformats.org/presentationml/2006/main">
   <p:cSld>
@@ -15678,7 +15789,7 @@
           <p:cNvPr id="2" name="Title 1">
             <a:extLst>
               <a:ext uri="{FF2B5EF4-FFF2-40B4-BE49-F238E27FC236}">
-                <a16:creationId xmlns:a16="http://schemas.microsoft.com/office/drawing/2014/main" id="{18FBCD62-1DDC-656F-69CC-B1E4608721EF}"/>
+                <a16:creationId xmlns:a16="http://schemas.microsoft.com/office/drawing/2014/main" id="{6D291FFF-3FAF-200F-844C-386347B9FF6C}"/>
               </a:ext>
             </a:extLst>
           </p:cNvPr>
@@ -15691,19 +15802,21 @@
         </p:nvSpPr>
         <p:spPr>
           <a:xfrm>
-            <a:off x="1629102" y="667512"/>
-            <a:ext cx="9307121" cy="1023176"/>
+            <a:off x="1639614" y="667511"/>
+            <a:ext cx="9296610" cy="1158113"/>
           </a:xfrm>
         </p:spPr>
         <p:txBody>
-          <a:bodyPr/>
+          <a:bodyPr>
+            <a:normAutofit/>
+          </a:bodyPr>
           <a:lstStyle/>
           <a:p>
-            <a:pPr algn="ctr"/>
-            <a:r>
-              <a:rPr lang="en-AT" dirty="0"/>
-              <a:t>Load Data</a:t>
-            </a:r>
+            <a:r>
+              <a:rPr lang="en-GB" dirty="0"/>
+              <a:t>Data Cleaning and Preparation</a:t>
+            </a:r>
+            <a:endParaRPr lang="en-AT" dirty="0"/>
           </a:p>
         </p:txBody>
       </p:sp>
@@ -15712,7 +15825,7 @@
           <p:cNvPr id="3" name="Content Placeholder 2">
             <a:extLst>
               <a:ext uri="{FF2B5EF4-FFF2-40B4-BE49-F238E27FC236}">
-                <a16:creationId xmlns:a16="http://schemas.microsoft.com/office/drawing/2014/main" id="{5D8B9908-CAAB-4B75-B5FA-117970B25BD8}"/>
+                <a16:creationId xmlns:a16="http://schemas.microsoft.com/office/drawing/2014/main" id="{7B182BE5-7B33-EEBA-EE87-8D9170578055}"/>
               </a:ext>
             </a:extLst>
           </p:cNvPr>
@@ -15725,41 +15838,96 @@
         </p:nvSpPr>
         <p:spPr>
           <a:xfrm>
-            <a:off x="1545020" y="1933903"/>
-            <a:ext cx="9391203" cy="4098105"/>
+            <a:off x="1502978" y="1825625"/>
+            <a:ext cx="9433245" cy="4206384"/>
           </a:xfrm>
         </p:spPr>
         <p:txBody>
-          <a:bodyPr/>
+          <a:bodyPr>
+            <a:normAutofit fontScale="92500" lnSpcReduction="20000"/>
+          </a:bodyPr>
           <a:lstStyle/>
           <a:p>
             <a:pPr>
               <a:buFont typeface="Arial" panose="020B0604020202020204" pitchFamily="34" charset="0"/>
               <a:buChar char="•"/>
             </a:pPr>
-            <a:endParaRPr lang="en-GB" dirty="0"/>
-          </a:p>
-          <a:p>
-            <a:pPr marL="742950" lvl="1" indent="-285750">
+            <a:r>
+              <a:rPr lang="en-GB" dirty="0"/>
+              <a:t>Checking percentage of missing values for each column</a:t>
+            </a:r>
+          </a:p>
+          <a:p>
+            <a:pPr>
               <a:buFont typeface="Arial" panose="020B0604020202020204" pitchFamily="34" charset="0"/>
               <a:buChar char="•"/>
             </a:pPr>
             <a:r>
               <a:rPr lang="en-GB" dirty="0"/>
-              <a:t>Importing the CSV file containing historical sales data</a:t>
-            </a:r>
-          </a:p>
-          <a:p>
-            <a:pPr marL="742950" lvl="1" indent="-285750">
+              <a:t>Replacing missing values using forward fill</a:t>
+            </a:r>
+          </a:p>
+          <a:p>
+            <a:pPr>
               <a:buFont typeface="Arial" panose="020B0604020202020204" pitchFamily="34" charset="0"/>
               <a:buChar char="•"/>
             </a:pPr>
             <a:r>
               <a:rPr lang="en-GB" dirty="0"/>
-              <a:t>Initial data checks to ensure data integrity and correctness</a:t>
-            </a:r>
-          </a:p>
-          <a:p>
+              <a:t>Checking for duplicate rows and removing them</a:t>
+            </a:r>
+          </a:p>
+          <a:p>
+            <a:pPr>
+              <a:buFont typeface="Arial" panose="020B0604020202020204" pitchFamily="34" charset="0"/>
+              <a:buChar char="•"/>
+            </a:pPr>
+            <a:r>
+              <a:rPr lang="en-GB" dirty="0"/>
+              <a:t>Handling date-time column: Parsing dates</a:t>
+            </a:r>
+          </a:p>
+          <a:p>
+            <a:pPr lvl="1">
+              <a:buFont typeface="Arial" panose="020B0604020202020204" pitchFamily="34" charset="0"/>
+              <a:buChar char="•"/>
+            </a:pPr>
+            <a:r>
+              <a:rPr lang="en-GB" dirty="0"/>
+              <a:t>Filtering valid dates</a:t>
+            </a:r>
+          </a:p>
+          <a:p>
+            <a:pPr lvl="1">
+              <a:buFont typeface="Arial" panose="020B0604020202020204" pitchFamily="34" charset="0"/>
+              <a:buChar char="•"/>
+            </a:pPr>
+            <a:r>
+              <a:rPr lang="en-GB" dirty="0"/>
+              <a:t>Dropping helper columns</a:t>
+            </a:r>
+          </a:p>
+          <a:p>
+            <a:pPr>
+              <a:buFont typeface="Arial" panose="020B0604020202020204" pitchFamily="34" charset="0"/>
+              <a:buChar char="•"/>
+            </a:pPr>
+            <a:r>
+              <a:rPr lang="en-GB" dirty="0"/>
+              <a:t>Label encoding for categorical data: promotion_article, promotion_wgr', 'promotion_global, public_holiday, school_holiday, sunday</a:t>
+            </a:r>
+          </a:p>
+          <a:p>
+            <a:r>
+              <a:rPr lang="en-GB" dirty="0"/>
+              <a:t>Dropping weather-related columns: temp, dwpt, rhum, prcp, snow, wdir, wspd, wpgt, pres, tsun, coco</a:t>
+            </a:r>
+          </a:p>
+          <a:p>
+            <a:r>
+              <a:rPr lang="en-GB" dirty="0"/>
+              <a:t>Omitting Sunday data as it is a holiday</a:t>
+            </a:r>
             <a:endParaRPr lang="en-AT" dirty="0"/>
           </a:p>
         </p:txBody>
@@ -15769,7 +15937,7 @@
           <p:cNvPr id="4" name="Date Placeholder 3">
             <a:extLst>
               <a:ext uri="{FF2B5EF4-FFF2-40B4-BE49-F238E27FC236}">
-                <a16:creationId xmlns:a16="http://schemas.microsoft.com/office/drawing/2014/main" id="{2A56806A-7273-3CE3-2FB0-C14DC0E349B7}"/>
+                <a16:creationId xmlns:a16="http://schemas.microsoft.com/office/drawing/2014/main" id="{7FC18FF9-2620-06B6-A1BA-B31749D86920}"/>
               </a:ext>
             </a:extLst>
           </p:cNvPr>
@@ -15787,7 +15955,7 @@
           <a:p>
             <a:fld id="{57997BA6-BEF8-495F-ACCD-8D19769E4FC6}" type="datetime2">
               <a:rPr lang="en-US" smtClean="0"/>
-              <a:t>Sunday, July 21, 2024</a:t>
+              <a:t>Monday, July 22, 2024</a:t>
             </a:fld>
             <a:endParaRPr lang="en-US" dirty="0"/>
           </a:p>
@@ -15798,7 +15966,7 @@
           <p:cNvPr id="5" name="Footer Placeholder 4">
             <a:extLst>
               <a:ext uri="{FF2B5EF4-FFF2-40B4-BE49-F238E27FC236}">
-                <a16:creationId xmlns:a16="http://schemas.microsoft.com/office/drawing/2014/main" id="{44FEE372-C697-51B6-FD1C-AC1E913797C5}"/>
+                <a16:creationId xmlns:a16="http://schemas.microsoft.com/office/drawing/2014/main" id="{F64A6B8C-CFDF-07D2-41FC-0373807D79D6}"/>
               </a:ext>
             </a:extLst>
           </p:cNvPr>
@@ -15827,7 +15995,7 @@
           <p:cNvPr id="6" name="Slide Number Placeholder 5">
             <a:extLst>
               <a:ext uri="{FF2B5EF4-FFF2-40B4-BE49-F238E27FC236}">
-                <a16:creationId xmlns:a16="http://schemas.microsoft.com/office/drawing/2014/main" id="{0E1B7110-C959-8A4B-4B0E-B900880AFC8F}"/>
+                <a16:creationId xmlns:a16="http://schemas.microsoft.com/office/drawing/2014/main" id="{FD6C3C2F-8657-F80A-A4A1-8FBB84CDFFCC}"/>
               </a:ext>
             </a:extLst>
           </p:cNvPr>
@@ -15854,7 +16022,7 @@
     </p:spTree>
     <p:extLst>
       <p:ext uri="{BB962C8B-B14F-4D97-AF65-F5344CB8AC3E}">
-        <p14:creationId xmlns:p14="http://schemas.microsoft.com/office/powerpoint/2010/main" val="2150618723"/>
+        <p14:creationId xmlns:p14="http://schemas.microsoft.com/office/powerpoint/2010/main" val="3630834572"/>
       </p:ext>
     </p:extLst>
   </p:cSld>
@@ -15886,7 +16054,7 @@
           <p:cNvPr id="2" name="Title 1">
             <a:extLst>
               <a:ext uri="{FF2B5EF4-FFF2-40B4-BE49-F238E27FC236}">
-                <a16:creationId xmlns:a16="http://schemas.microsoft.com/office/drawing/2014/main" id="{6D291FFF-3FAF-200F-844C-386347B9FF6C}"/>
+                <a16:creationId xmlns:a16="http://schemas.microsoft.com/office/drawing/2014/main" id="{3BB3C211-6438-AABF-AFD7-FC7189E9D638}"/>
               </a:ext>
             </a:extLst>
           </p:cNvPr>
@@ -15899,8 +16067,8 @@
         </p:nvSpPr>
         <p:spPr>
           <a:xfrm>
-            <a:off x="1639614" y="667511"/>
-            <a:ext cx="9296610" cy="1158113"/>
+            <a:off x="1665171" y="904775"/>
+            <a:ext cx="9018872" cy="827772"/>
           </a:xfrm>
         </p:spPr>
         <p:txBody>
@@ -15910,10 +16078,16 @@
           <a:lstStyle/>
           <a:p>
             <a:r>
-              <a:rPr lang="en-GB" dirty="0"/>
-              <a:t>Data Cleaning and Preparation</a:t>
-            </a:r>
-            <a:endParaRPr lang="en-AT" dirty="0"/>
+              <a:rPr lang="en-AT" dirty="0"/>
+              <a:t>      </a:t>
+            </a:r>
+            <a:r>
+              <a:rPr lang="en-AT" sz="4000" dirty="0">
+                <a:latin typeface="Arial" panose="020B0604020202020204" pitchFamily="34" charset="0"/>
+                <a:cs typeface="Arial" panose="020B0604020202020204" pitchFamily="34" charset="0"/>
+              </a:rPr>
+              <a:t>Exploratory Data Analysis</a:t>
+            </a:r>
           </a:p>
         </p:txBody>
       </p:sp>
@@ -15922,7 +16096,7 @@
           <p:cNvPr id="3" name="Content Placeholder 2">
             <a:extLst>
               <a:ext uri="{FF2B5EF4-FFF2-40B4-BE49-F238E27FC236}">
-                <a16:creationId xmlns:a16="http://schemas.microsoft.com/office/drawing/2014/main" id="{7B182BE5-7B33-EEBA-EE87-8D9170578055}"/>
+                <a16:creationId xmlns:a16="http://schemas.microsoft.com/office/drawing/2014/main" id="{8DE4A126-8580-4D95-0366-D97CBE262A62}"/>
               </a:ext>
             </a:extLst>
           </p:cNvPr>
@@ -15935,97 +16109,320 @@
         </p:nvSpPr>
         <p:spPr>
           <a:xfrm>
-            <a:off x="1502978" y="1825625"/>
-            <a:ext cx="9433245" cy="4206384"/>
+            <a:off x="1917350" y="1755371"/>
+            <a:ext cx="9018873" cy="4276638"/>
           </a:xfrm>
         </p:spPr>
         <p:txBody>
           <a:bodyPr>
-            <a:normAutofit fontScale="92500" lnSpcReduction="20000"/>
+            <a:noAutofit/>
           </a:bodyPr>
           <a:lstStyle/>
           <a:p>
-            <a:pPr>
-              <a:buFont typeface="Arial" panose="020B0604020202020204" pitchFamily="34" charset="0"/>
+            <a:pPr marL="228600" lvl="1" indent="-91440" algn="l">
+              <a:spcBef>
+                <a:spcPts val="1200"/>
+              </a:spcBef>
+              <a:spcAft>
+                <a:spcPts val="0"/>
+              </a:spcAft>
+              <a:buSzPct val="100000"/>
+              <a:buFont typeface="Arial"/>
               <a:buChar char="•"/>
             </a:pPr>
-            <a:r>
-              <a:rPr lang="en-GB" dirty="0"/>
-              <a:t>Checking percentage of missing values for each column</a:t>
-            </a:r>
-          </a:p>
-          <a:p>
-            <a:pPr>
-              <a:buFont typeface="Arial" panose="020B0604020202020204" pitchFamily="34" charset="0"/>
+            <a:endParaRPr lang="en-GB" sz="1100" b="1" i="0" dirty="0">
+              <a:solidFill>
+                <a:srgbClr val="616161"/>
+              </a:solidFill>
+              <a:cs typeface="Arial" panose="020B0604020202020204" pitchFamily="34" charset="0"/>
+            </a:endParaRPr>
+          </a:p>
+          <a:p>
+            <a:pPr marL="228600" lvl="1" indent="-91440" algn="l">
+              <a:spcBef>
+                <a:spcPts val="1200"/>
+              </a:spcBef>
+              <a:spcAft>
+                <a:spcPts val="0"/>
+              </a:spcAft>
+              <a:buSzPct val="100000"/>
+              <a:buFont typeface="Arial"/>
               <a:buChar char="•"/>
             </a:pPr>
             <a:r>
-              <a:rPr lang="en-GB" dirty="0"/>
-              <a:t>Replacing missing values using forward fill</a:t>
-            </a:r>
-          </a:p>
-          <a:p>
-            <a:pPr>
-              <a:buFont typeface="Arial" panose="020B0604020202020204" pitchFamily="34" charset="0"/>
+              <a:rPr lang="en-GB" sz="1100" b="1" i="0" dirty="0">
+                <a:solidFill>
+                  <a:srgbClr val="616161"/>
+                </a:solidFill>
+                <a:cs typeface="Arial" panose="020B0604020202020204" pitchFamily="34" charset="0"/>
+              </a:rPr>
+              <a:t>Visualizations:</a:t>
+            </a:r>
+            <a:r>
+              <a:rPr lang="en-GB" sz="1100" b="0" i="0" dirty="0">
+                <a:solidFill>
+                  <a:srgbClr val="616161"/>
+                </a:solidFill>
+                <a:cs typeface="Arial" panose="020B0604020202020204" pitchFamily="34" charset="0"/>
+              </a:rPr>
+              <a:t> Utilized various plots such as line charts, histograms, and boxplots to understand data distribution and relationships.</a:t>
+            </a:r>
+          </a:p>
+          <a:p>
+            <a:pPr marL="308610" lvl="1" indent="-171450">
+              <a:spcBef>
+                <a:spcPts val="1200"/>
+              </a:spcBef>
+              <a:buSzPct val="100000"/>
+            </a:pPr>
+            <a:r>
+              <a:rPr lang="en-GB" sz="1100" dirty="0">
+                <a:solidFill>
+                  <a:srgbClr val="616161"/>
+                </a:solidFill>
+                <a:cs typeface="Arial" panose="020B0604020202020204" pitchFamily="34" charset="0"/>
+              </a:rPr>
+              <a:t>I have analysed  the  quantity distribution by : </a:t>
+            </a:r>
+          </a:p>
+          <a:p>
+            <a:pPr marL="685800" lvl="2" indent="-91440">
+              <a:spcBef>
+                <a:spcPts val="1200"/>
+              </a:spcBef>
+              <a:buSzPct val="100000"/>
+              <a:buFont typeface="Arial"/>
               <a:buChar char="•"/>
             </a:pPr>
             <a:r>
-              <a:rPr lang="en-GB" dirty="0"/>
-              <a:t>Checking for duplicate rows and removing them</a:t>
-            </a:r>
-          </a:p>
-          <a:p>
-            <a:pPr>
-              <a:buFont typeface="Arial" panose="020B0604020202020204" pitchFamily="34" charset="0"/>
+              <a:rPr lang="en-GB" sz="1100" b="0" i="0" dirty="0">
+                <a:solidFill>
+                  <a:srgbClr val="616161"/>
+                </a:solidFill>
+                <a:cs typeface="Arial" panose="020B0604020202020204" pitchFamily="34" charset="0"/>
+              </a:rPr>
+              <a:t>Time</a:t>
+            </a:r>
+          </a:p>
+          <a:p>
+            <a:pPr marL="685800" lvl="2" indent="-91440">
+              <a:spcBef>
+                <a:spcPts val="1200"/>
+              </a:spcBef>
+              <a:buSzPct val="100000"/>
+              <a:buFont typeface="Arial"/>
               <a:buChar char="•"/>
             </a:pPr>
             <a:r>
-              <a:rPr lang="en-GB" dirty="0"/>
-              <a:t>Handling date-time column: Parsing dates</a:t>
-            </a:r>
-          </a:p>
-          <a:p>
-            <a:pPr lvl="1">
-              <a:buFont typeface="Arial" panose="020B0604020202020204" pitchFamily="34" charset="0"/>
+              <a:rPr lang="en-GB" sz="1100" dirty="0">
+                <a:solidFill>
+                  <a:srgbClr val="616161"/>
+                </a:solidFill>
+                <a:cs typeface="Arial" panose="020B0604020202020204" pitchFamily="34" charset="0"/>
+              </a:rPr>
+              <a:t>Product Type</a:t>
+            </a:r>
+          </a:p>
+          <a:p>
+            <a:pPr marL="685800" lvl="2" indent="-91440">
+              <a:spcBef>
+                <a:spcPts val="1200"/>
+              </a:spcBef>
+              <a:buSzPct val="100000"/>
+              <a:buFont typeface="Arial"/>
               <a:buChar char="•"/>
             </a:pPr>
             <a:r>
-              <a:rPr lang="en-GB" dirty="0"/>
-              <a:t>Filtering valid dates</a:t>
-            </a:r>
-          </a:p>
-          <a:p>
-            <a:pPr lvl="1">
-              <a:buFont typeface="Arial" panose="020B0604020202020204" pitchFamily="34" charset="0"/>
+              <a:rPr lang="en-GB" sz="1100" dirty="0">
+                <a:solidFill>
+                  <a:srgbClr val="616161"/>
+                </a:solidFill>
+                <a:cs typeface="Arial" panose="020B0604020202020204" pitchFamily="34" charset="0"/>
+              </a:rPr>
+              <a:t>Sales Promotions</a:t>
+            </a:r>
+          </a:p>
+          <a:p>
+            <a:pPr marL="685800" lvl="2" indent="-91440">
+              <a:spcBef>
+                <a:spcPts val="1200"/>
+              </a:spcBef>
+              <a:buSzPct val="100000"/>
+              <a:buFont typeface="Arial"/>
               <a:buChar char="•"/>
             </a:pPr>
             <a:r>
-              <a:rPr lang="en-GB" dirty="0"/>
-              <a:t>Dropping helper columns</a:t>
-            </a:r>
-          </a:p>
-          <a:p>
-            <a:pPr>
-              <a:buFont typeface="Arial" panose="020B0604020202020204" pitchFamily="34" charset="0"/>
+              <a:rPr lang="en-GB" sz="1100" b="0" i="0" dirty="0">
+                <a:solidFill>
+                  <a:srgbClr val="616161"/>
+                </a:solidFill>
+                <a:cs typeface="Arial" panose="020B0604020202020204" pitchFamily="34" charset="0"/>
+              </a:rPr>
+              <a:t>Weather </a:t>
+            </a:r>
+            <a:endParaRPr lang="en-GB" sz="1100" dirty="0">
+              <a:solidFill>
+                <a:srgbClr val="616161"/>
+              </a:solidFill>
+              <a:cs typeface="Arial" panose="020B0604020202020204" pitchFamily="34" charset="0"/>
+            </a:endParaRPr>
+          </a:p>
+          <a:p>
+            <a:pPr marL="228600" lvl="1" indent="-91440">
+              <a:spcBef>
+                <a:spcPts val="1200"/>
+              </a:spcBef>
+              <a:buSzPct val="100000"/>
+              <a:buFont typeface="Arial"/>
               <a:buChar char="•"/>
             </a:pPr>
             <a:r>
-              <a:rPr lang="en-GB" dirty="0"/>
-              <a:t>Label encoding for categorical data: promotion_article, promotion_wgr', 'promotion_global, public_holiday, school_holiday, sunday</a:t>
-            </a:r>
-          </a:p>
-          <a:p>
-            <a:r>
-              <a:rPr lang="en-GB" dirty="0"/>
-              <a:t>Dropping weather-related columns: temp, dwpt, rhum, prcp, snow, wdir, wspd, wpgt, pres, tsun, coco</a:t>
-            </a:r>
-          </a:p>
-          <a:p>
-            <a:r>
-              <a:rPr lang="en-GB" dirty="0"/>
-              <a:t>Omitting Sunday data as it is considered a holiday</a:t>
-            </a:r>
-            <a:endParaRPr lang="en-AT" dirty="0"/>
+              <a:rPr lang="en-GB" sz="1100" b="1" i="0" dirty="0">
+                <a:solidFill>
+                  <a:srgbClr val="616161"/>
+                </a:solidFill>
+                <a:cs typeface="Arial" panose="020B0604020202020204" pitchFamily="34" charset="0"/>
+              </a:rPr>
+              <a:t>Correlation Analysis</a:t>
+            </a:r>
+            <a:r>
+              <a:rPr lang="en-GB" sz="1100" b="0" i="0" dirty="0">
+                <a:solidFill>
+                  <a:srgbClr val="616161"/>
+                </a:solidFill>
+                <a:cs typeface="Arial" panose="020B0604020202020204" pitchFamily="34" charset="0"/>
+              </a:rPr>
+              <a:t>: To identify the relationship between features and also which features are strongly correlated to the </a:t>
+            </a:r>
+            <a:r>
+              <a:rPr lang="en-GB" sz="1100" dirty="0">
+                <a:solidFill>
+                  <a:srgbClr val="616161"/>
+                </a:solidFill>
+                <a:cs typeface="Arial" panose="020B0604020202020204" pitchFamily="34" charset="0"/>
+              </a:rPr>
+              <a:t>s</a:t>
+            </a:r>
+            <a:r>
+              <a:rPr lang="en-GB" sz="1100" b="0" i="0" dirty="0">
+                <a:solidFill>
+                  <a:srgbClr val="616161"/>
+                </a:solidFill>
+                <a:cs typeface="Arial" panose="020B0604020202020204" pitchFamily="34" charset="0"/>
+              </a:rPr>
+              <a:t>ales quantity.</a:t>
+            </a:r>
+          </a:p>
+          <a:p>
+            <a:pPr marL="228600" lvl="1" indent="-91440">
+              <a:spcBef>
+                <a:spcPts val="1200"/>
+              </a:spcBef>
+              <a:buSzPct val="100000"/>
+              <a:buFont typeface="Arial"/>
+              <a:buChar char="•"/>
+            </a:pPr>
+            <a:r>
+              <a:rPr lang="en-GB" sz="1100" b="1" dirty="0">
+                <a:solidFill>
+                  <a:srgbClr val="616161"/>
+                </a:solidFill>
+                <a:cs typeface="Arial" panose="020B0604020202020204" pitchFamily="34" charset="0"/>
+              </a:rPr>
+              <a:t>Trend Analysis: </a:t>
+            </a:r>
+            <a:r>
+              <a:rPr lang="en-GB" sz="1100" dirty="0">
+                <a:solidFill>
+                  <a:srgbClr val="616161"/>
+                </a:solidFill>
+                <a:cs typeface="Arial" panose="020B0604020202020204" pitchFamily="34" charset="0"/>
+              </a:rPr>
+              <a:t>Linear Regression was used.</a:t>
+            </a:r>
+          </a:p>
+          <a:p>
+            <a:pPr marL="685800" lvl="2" indent="-91440">
+              <a:spcBef>
+                <a:spcPts val="1200"/>
+              </a:spcBef>
+              <a:buSzPct val="100000"/>
+              <a:buFont typeface="Arial"/>
+              <a:buChar char="•"/>
+            </a:pPr>
+            <a:r>
+              <a:rPr lang="en-GB" sz="1100" dirty="0">
+                <a:solidFill>
+                  <a:srgbClr val="616161"/>
+                </a:solidFill>
+                <a:cs typeface="Arial" panose="020B0604020202020204" pitchFamily="34" charset="0"/>
+              </a:rPr>
+              <a:t>The  sales declined from  March 2021 to  March 2022 by more than 50% , which makes sense as it was during Covid . </a:t>
+            </a:r>
+          </a:p>
+          <a:p>
+            <a:pPr marL="228600" lvl="1" indent="-91440">
+              <a:spcBef>
+                <a:spcPts val="1200"/>
+              </a:spcBef>
+              <a:buSzPct val="100000"/>
+              <a:buFont typeface="Arial"/>
+              <a:buChar char="•"/>
+            </a:pPr>
+            <a:r>
+              <a:rPr lang="en-GB" sz="1100" b="1" i="0" dirty="0">
+                <a:solidFill>
+                  <a:srgbClr val="616161"/>
+                </a:solidFill>
+                <a:cs typeface="Arial" panose="020B0604020202020204" pitchFamily="34" charset="0"/>
+              </a:rPr>
+              <a:t>Outliers: </a:t>
+            </a:r>
+            <a:r>
+              <a:rPr lang="en-GB" sz="1100" i="0" dirty="0">
+                <a:solidFill>
+                  <a:srgbClr val="616161"/>
+                </a:solidFill>
+                <a:cs typeface="Arial" panose="020B0604020202020204" pitchFamily="34" charset="0"/>
+              </a:rPr>
+              <a:t>Outliers were detected using the interquartile range method and removed.</a:t>
+            </a:r>
+          </a:p>
+          <a:p>
+            <a:pPr marL="685800" lvl="2" indent="-91440">
+              <a:spcBef>
+                <a:spcPts val="1200"/>
+              </a:spcBef>
+              <a:buSzPct val="100000"/>
+              <a:buFont typeface="Arial"/>
+              <a:buChar char="•"/>
+            </a:pPr>
+            <a:r>
+              <a:rPr lang="en-GB" sz="1100" i="0" dirty="0">
+                <a:solidFill>
+                  <a:srgbClr val="616161"/>
+                </a:solidFill>
+                <a:cs typeface="Arial" panose="020B0604020202020204" pitchFamily="34" charset="0"/>
+              </a:rPr>
+              <a:t>Data was visualized again after the outliers were removed.</a:t>
+            </a:r>
+            <a:endParaRPr lang="en-GB" sz="1100" b="1" i="0" dirty="0">
+              <a:solidFill>
+                <a:srgbClr val="616161"/>
+              </a:solidFill>
+              <a:cs typeface="Arial" panose="020B0604020202020204" pitchFamily="34" charset="0"/>
+            </a:endParaRPr>
+          </a:p>
+          <a:p>
+            <a:pPr marL="0" indent="0">
+              <a:buNone/>
+            </a:pPr>
+            <a:r>
+              <a:rPr lang="en-AT" sz="1100" dirty="0">
+                <a:cs typeface="Arial" panose="020B0604020202020204" pitchFamily="34" charset="0"/>
+              </a:rPr>
+              <a:t>  </a:t>
+            </a:r>
           </a:p>
         </p:txBody>
       </p:sp>
@@ -16034,7 +16431,7 @@
           <p:cNvPr id="4" name="Date Placeholder 3">
             <a:extLst>
               <a:ext uri="{FF2B5EF4-FFF2-40B4-BE49-F238E27FC236}">
-                <a16:creationId xmlns:a16="http://schemas.microsoft.com/office/drawing/2014/main" id="{7FC18FF9-2620-06B6-A1BA-B31749D86920}"/>
+                <a16:creationId xmlns:a16="http://schemas.microsoft.com/office/drawing/2014/main" id="{8EC13E32-8BCC-1FC5-8F35-280CD8BEE648}"/>
               </a:ext>
             </a:extLst>
           </p:cNvPr>
@@ -16052,7 +16449,7 @@
           <a:p>
             <a:fld id="{57997BA6-BEF8-495F-ACCD-8D19769E4FC6}" type="datetime2">
               <a:rPr lang="en-US" smtClean="0"/>
-              <a:t>Sunday, July 21, 2024</a:t>
+              <a:t>Monday, July 22, 2024</a:t>
             </a:fld>
             <a:endParaRPr lang="en-US" dirty="0"/>
           </a:p>
@@ -16063,7 +16460,7 @@
           <p:cNvPr id="5" name="Footer Placeholder 4">
             <a:extLst>
               <a:ext uri="{FF2B5EF4-FFF2-40B4-BE49-F238E27FC236}">
-                <a16:creationId xmlns:a16="http://schemas.microsoft.com/office/drawing/2014/main" id="{F64A6B8C-CFDF-07D2-41FC-0373807D79D6}"/>
+                <a16:creationId xmlns:a16="http://schemas.microsoft.com/office/drawing/2014/main" id="{BD715ACD-32CC-B8D4-A39F-5E2F707342D5}"/>
               </a:ext>
             </a:extLst>
           </p:cNvPr>
@@ -16092,7 +16489,7 @@
           <p:cNvPr id="6" name="Slide Number Placeholder 5">
             <a:extLst>
               <a:ext uri="{FF2B5EF4-FFF2-40B4-BE49-F238E27FC236}">
-                <a16:creationId xmlns:a16="http://schemas.microsoft.com/office/drawing/2014/main" id="{FD6C3C2F-8657-F80A-A4A1-8FBB84CDFFCC}"/>
+                <a16:creationId xmlns:a16="http://schemas.microsoft.com/office/drawing/2014/main" id="{1436B97D-7897-1E00-1D1C-8C1E2E6D126E}"/>
               </a:ext>
             </a:extLst>
           </p:cNvPr>
@@ -16116,10 +16513,42 @@
           </a:p>
         </p:txBody>
       </p:sp>
+      <p:sp>
+        <p:nvSpPr>
+          <p:cNvPr id="7" name="TextBox 6">
+            <a:extLst>
+              <a:ext uri="{FF2B5EF4-FFF2-40B4-BE49-F238E27FC236}">
+                <a16:creationId xmlns:a16="http://schemas.microsoft.com/office/drawing/2014/main" id="{3B829E84-241B-AA06-087B-24E418BD86C2}"/>
+              </a:ext>
+            </a:extLst>
+          </p:cNvPr>
+          <p:cNvSpPr txBox="1"/>
+          <p:nvPr/>
+        </p:nvSpPr>
+        <p:spPr>
+          <a:xfrm>
+            <a:off x="3542097" y="1386038"/>
+            <a:ext cx="184731" cy="369332"/>
+          </a:xfrm>
+          <a:prstGeom prst="rect">
+            <a:avLst/>
+          </a:prstGeom>
+          <a:noFill/>
+        </p:spPr>
+        <p:txBody>
+          <a:bodyPr wrap="none" rtlCol="0">
+            <a:spAutoFit/>
+          </a:bodyPr>
+          <a:lstStyle/>
+          <a:p>
+            <a:endParaRPr lang="en-AT" dirty="0"/>
+          </a:p>
+        </p:txBody>
+      </p:sp>
     </p:spTree>
     <p:extLst>
       <p:ext uri="{BB962C8B-B14F-4D97-AF65-F5344CB8AC3E}">
-        <p14:creationId xmlns:p14="http://schemas.microsoft.com/office/powerpoint/2010/main" val="3630834572"/>
+        <p14:creationId xmlns:p14="http://schemas.microsoft.com/office/powerpoint/2010/main" val="2507996926"/>
       </p:ext>
     </p:extLst>
   </p:cSld>
@@ -16151,7 +16580,7 @@
           <p:cNvPr id="2" name="Title 1">
             <a:extLst>
               <a:ext uri="{FF2B5EF4-FFF2-40B4-BE49-F238E27FC236}">
-                <a16:creationId xmlns:a16="http://schemas.microsoft.com/office/drawing/2014/main" id="{3BB3C211-6438-AABF-AFD7-FC7189E9D638}"/>
+                <a16:creationId xmlns:a16="http://schemas.microsoft.com/office/drawing/2014/main" id="{53034A5D-33D2-94E8-B628-6CA01B996864}"/>
               </a:ext>
             </a:extLst>
           </p:cNvPr>
@@ -16164,36 +16593,51 @@
         </p:nvSpPr>
         <p:spPr>
           <a:xfrm>
-            <a:off x="1665171" y="904775"/>
-            <a:ext cx="9018872" cy="827772"/>
+            <a:off x="2097741" y="977153"/>
+            <a:ext cx="8835308" cy="1084729"/>
           </a:xfrm>
         </p:spPr>
         <p:txBody>
           <a:bodyPr>
-            <a:normAutofit/>
+            <a:normAutofit fontScale="90000"/>
           </a:bodyPr>
           <a:lstStyle/>
           <a:p>
             <a:r>
-              <a:rPr lang="en-AT" dirty="0"/>
-              <a:t>      </a:t>
-            </a:r>
-            <a:r>
-              <a:rPr lang="en-AT" sz="4000" dirty="0">
-                <a:latin typeface="Arial" panose="020B0604020202020204" pitchFamily="34" charset="0"/>
-                <a:cs typeface="Arial" panose="020B0604020202020204" pitchFamily="34" charset="0"/>
+              <a:rPr lang="en-GB" sz="3600" i="0" dirty="0">
+                <a:solidFill>
+                  <a:srgbClr val="000000"/>
+                </a:solidFill>
+                <a:effectLst/>
+                <a:highlight>
+                  <a:srgbClr val="FFFFFF"/>
+                </a:highlight>
+                <a:latin typeface="+mj-lt"/>
               </a:rPr>
-              <a:t>Exploratory Data Analysis</a:t>
-            </a:r>
+              <a:t>Quantity Distribution by Product Type</a:t>
+            </a:r>
+            <a:br>
+              <a:rPr lang="en-GB" i="0" dirty="0">
+                <a:solidFill>
+                  <a:srgbClr val="000000"/>
+                </a:solidFill>
+                <a:effectLst/>
+                <a:highlight>
+                  <a:srgbClr val="FFFFFF"/>
+                </a:highlight>
+                <a:latin typeface="Helvetica Neue" panose="02000503000000020004" pitchFamily="2" charset="0"/>
+              </a:rPr>
+            </a:br>
+            <a:endParaRPr lang="en-AT" dirty="0"/>
           </a:p>
         </p:txBody>
       </p:sp>
       <p:sp>
         <p:nvSpPr>
-          <p:cNvPr id="3" name="Content Placeholder 2">
+          <p:cNvPr id="4" name="Text Placeholder 3">
             <a:extLst>
               <a:ext uri="{FF2B5EF4-FFF2-40B4-BE49-F238E27FC236}">
-                <a16:creationId xmlns:a16="http://schemas.microsoft.com/office/drawing/2014/main" id="{8DE4A126-8580-4D95-0366-D97CBE262A62}"/>
+                <a16:creationId xmlns:a16="http://schemas.microsoft.com/office/drawing/2014/main" id="{41FDE28B-8225-2AF7-3D16-9891CE4AAED7}"/>
               </a:ext>
             </a:extLst>
           </p:cNvPr>
@@ -16201,406 +16645,195 @@
             <a:spLocks noGrp="1"/>
           </p:cNvSpPr>
           <p:nvPr>
-            <p:ph idx="1"/>
+            <p:ph type="body" sz="half" idx="2"/>
           </p:nvPr>
         </p:nvSpPr>
         <p:spPr>
           <a:xfrm>
-            <a:off x="1917350" y="1755371"/>
-            <a:ext cx="9018873" cy="4276638"/>
+            <a:off x="1479176" y="1488142"/>
+            <a:ext cx="5665695" cy="4267200"/>
           </a:xfrm>
         </p:spPr>
         <p:txBody>
           <a:bodyPr>
-            <a:normAutofit fontScale="92500" lnSpcReduction="20000"/>
+            <a:normAutofit fontScale="92500" lnSpcReduction="10000"/>
           </a:bodyPr>
           <a:lstStyle/>
           <a:p>
-            <a:pPr marL="228600" indent="-91440" algn="l">
-              <a:spcBef>
-                <a:spcPts val="0"/>
-              </a:spcBef>
-              <a:spcAft>
-                <a:spcPts val="800"/>
-              </a:spcAft>
-              <a:buSzPct val="100000"/>
-              <a:buFont typeface="Arial"/>
+            <a:r>
+              <a:rPr lang="en-GB" sz="1000" b="1" dirty="0">
+                <a:solidFill>
+                  <a:srgbClr val="FF0000"/>
+                </a:solidFill>
+              </a:rPr>
+              <a:t>Interpretation for WGR1:</a:t>
+            </a:r>
+          </a:p>
+          <a:p>
+            <a:pPr>
+              <a:buFont typeface="Arial" panose="020B0604020202020204" pitchFamily="34" charset="0"/>
               <a:buChar char="•"/>
             </a:pPr>
             <a:r>
-              <a:rPr lang="en-GB" sz="1200" b="1" i="0" dirty="0">
-                <a:solidFill>
-                  <a:srgbClr val="616161"/>
-                </a:solidFill>
-                <a:latin typeface="Arial" panose="020B0604020202020204" pitchFamily="34" charset="0"/>
-                <a:cs typeface="Arial" panose="020B0604020202020204" pitchFamily="34" charset="0"/>
-              </a:rPr>
-              <a:t>Key Findings:</a:t>
-            </a:r>
-            <a:r>
-              <a:rPr lang="en-GB" sz="1200" b="0" i="0" dirty="0">
-                <a:solidFill>
-                  <a:srgbClr val="616161"/>
-                </a:solidFill>
-                <a:latin typeface="Arial" panose="020B0604020202020204" pitchFamily="34" charset="0"/>
-                <a:cs typeface="Arial" panose="020B0604020202020204" pitchFamily="34" charset="0"/>
-              </a:rPr>
-              <a:t> Identified sales trends, patterns, and anomalies in the data.</a:t>
-            </a:r>
-          </a:p>
-          <a:p>
-            <a:pPr marL="228600" lvl="1" indent="-91440" algn="l">
-              <a:spcBef>
-                <a:spcPts val="1200"/>
-              </a:spcBef>
-              <a:spcAft>
-                <a:spcPts val="0"/>
-              </a:spcAft>
-              <a:buSzPct val="100000"/>
-              <a:buFont typeface="Arial"/>
+              <a:rPr lang="en-GB" sz="1000" b="1" dirty="0"/>
+              <a:t>Highly Skewed Distribution:</a:t>
+            </a:r>
+            <a:endParaRPr lang="en-GB" sz="1000" dirty="0"/>
+          </a:p>
+          <a:p>
+            <a:pPr marL="742950" lvl="1" indent="-285750">
+              <a:buFont typeface="Arial" panose="020B0604020202020204" pitchFamily="34" charset="0"/>
               <a:buChar char="•"/>
             </a:pPr>
             <a:r>
-              <a:rPr lang="en-GB" sz="1200" b="1" i="0" dirty="0">
-                <a:solidFill>
-                  <a:srgbClr val="616161"/>
-                </a:solidFill>
-                <a:latin typeface="Arial" panose="020B0604020202020204" pitchFamily="34" charset="0"/>
-                <a:cs typeface="Arial" panose="020B0604020202020204" pitchFamily="34" charset="0"/>
-              </a:rPr>
-              <a:t>Visualizations:</a:t>
-            </a:r>
-            <a:r>
-              <a:rPr lang="en-GB" sz="1200" b="0" i="0" dirty="0">
-                <a:solidFill>
-                  <a:srgbClr val="616161"/>
-                </a:solidFill>
-                <a:latin typeface="Arial" panose="020B0604020202020204" pitchFamily="34" charset="0"/>
-                <a:cs typeface="Arial" panose="020B0604020202020204" pitchFamily="34" charset="0"/>
-              </a:rPr>
-              <a:t> Utilized various plots such as line charts, histograms, and boxplots to understand data distribution and relationships.</a:t>
-            </a:r>
-          </a:p>
-          <a:p>
-            <a:pPr marL="228600" lvl="1" indent="-91440" algn="l">
-              <a:spcBef>
-                <a:spcPts val="1200"/>
-              </a:spcBef>
-              <a:spcAft>
-                <a:spcPts val="0"/>
-              </a:spcAft>
-              <a:buSzPct val="100000"/>
-              <a:buFont typeface="Arial"/>
+              <a:rPr lang="en-GB" sz="1000" dirty="0"/>
+              <a:t>The data distribution is highly skewed to the right, as evidenced by the long tail of outliers. This means that while most of the sales quantities for WGR1 are low, there are a few instances where the quantities are extremely high.</a:t>
+            </a:r>
+          </a:p>
+          <a:p>
+            <a:pPr>
+              <a:buFont typeface="Arial" panose="020B0604020202020204" pitchFamily="34" charset="0"/>
               <a:buChar char="•"/>
             </a:pPr>
             <a:r>
-              <a:rPr lang="en-GB" sz="1200" b="1" i="0" dirty="0">
-                <a:solidFill>
-                  <a:srgbClr val="616161"/>
-                </a:solidFill>
-                <a:latin typeface="Arial" panose="020B0604020202020204" pitchFamily="34" charset="0"/>
-                <a:cs typeface="Arial" panose="020B0604020202020204" pitchFamily="34" charset="0"/>
-              </a:rPr>
-              <a:t>Insights:</a:t>
-            </a:r>
-            <a:r>
-              <a:rPr lang="en-GB" sz="1200" b="0" i="0" dirty="0">
-                <a:solidFill>
-                  <a:srgbClr val="616161"/>
-                </a:solidFill>
-                <a:latin typeface="Arial" panose="020B0604020202020204" pitchFamily="34" charset="0"/>
-                <a:cs typeface="Arial" panose="020B0604020202020204" pitchFamily="34" charset="0"/>
-              </a:rPr>
-              <a:t> Gained valuable insights into sales performance, contributing factors, and potential areas for improvement.</a:t>
-            </a:r>
-          </a:p>
-          <a:p>
-            <a:pPr marL="228600" lvl="1" indent="-91440" algn="l">
-              <a:spcBef>
-                <a:spcPts val="1200"/>
-              </a:spcBef>
-              <a:spcAft>
-                <a:spcPts val="0"/>
-              </a:spcAft>
-              <a:buSzPct val="100000"/>
-              <a:buFont typeface="Arial"/>
+              <a:rPr lang="en-GB" sz="1000" b="1" dirty="0"/>
+              <a:t>Potential Data Anomalies:</a:t>
+            </a:r>
+            <a:endParaRPr lang="en-GB" sz="1000" dirty="0"/>
+          </a:p>
+          <a:p>
+            <a:pPr marL="742950" lvl="1" indent="-285750">
+              <a:buFont typeface="Arial" panose="020B0604020202020204" pitchFamily="34" charset="0"/>
               <a:buChar char="•"/>
             </a:pPr>
             <a:r>
-              <a:rPr lang="en-GB" sz="1200" dirty="0">
-                <a:solidFill>
-                  <a:srgbClr val="616161"/>
-                </a:solidFill>
-                <a:latin typeface="Arial" panose="020B0604020202020204" pitchFamily="34" charset="0"/>
-                <a:cs typeface="Arial" panose="020B0604020202020204" pitchFamily="34" charset="0"/>
-              </a:rPr>
-              <a:t>I have analysed  the  quantity distribution by : </a:t>
-            </a:r>
-          </a:p>
-          <a:p>
-            <a:pPr marL="685800" lvl="2" indent="-91440">
-              <a:spcBef>
-                <a:spcPts val="1200"/>
-              </a:spcBef>
-              <a:buSzPct val="100000"/>
-              <a:buFont typeface="Arial"/>
+              <a:rPr lang="en-GB" sz="1000" dirty="0"/>
+              <a:t>The presence of many high outliers suggests potential data anomalies or special events. These could be large bulk orders or specific periods where sales were exceptionally high.</a:t>
+            </a:r>
+          </a:p>
+          <a:p>
+            <a:pPr>
+              <a:buFont typeface="Arial" panose="020B0604020202020204" pitchFamily="34" charset="0"/>
               <a:buChar char="•"/>
             </a:pPr>
             <a:r>
-              <a:rPr lang="en-GB" sz="1200" b="0" i="0" dirty="0">
-                <a:solidFill>
-                  <a:srgbClr val="616161"/>
-                </a:solidFill>
-                <a:latin typeface="Arial" panose="020B0604020202020204" pitchFamily="34" charset="0"/>
-                <a:cs typeface="Arial" panose="020B0604020202020204" pitchFamily="34" charset="0"/>
-              </a:rPr>
-              <a:t>Time</a:t>
-            </a:r>
-          </a:p>
-          <a:p>
-            <a:pPr marL="685800" lvl="2" indent="-91440">
-              <a:spcBef>
-                <a:spcPts val="1200"/>
-              </a:spcBef>
-              <a:buSzPct val="100000"/>
-              <a:buFont typeface="Arial"/>
+              <a:rPr lang="en-GB" sz="1000" b="1" dirty="0"/>
+              <a:t>Concentration of Low Values:</a:t>
+            </a:r>
+            <a:endParaRPr lang="en-GB" sz="1000" dirty="0"/>
+          </a:p>
+          <a:p>
+            <a:pPr marL="742950" lvl="1" indent="-285750">
+              <a:buFont typeface="Arial" panose="020B0604020202020204" pitchFamily="34" charset="0"/>
               <a:buChar char="•"/>
             </a:pPr>
             <a:r>
-              <a:rPr lang="en-GB" sz="1200" dirty="0">
+              <a:rPr lang="en-GB" sz="1000" dirty="0"/>
+              <a:t>The narrow IQR and the short upper whisker show that the majority of the quantity values are concentrated around low numbers, which might indicate typical day-to-day sales quantities.</a:t>
+            </a:r>
+          </a:p>
+          <a:p>
+            <a:r>
+              <a:rPr lang="en-GB" sz="1000" b="1" dirty="0">
                 <a:solidFill>
-                  <a:srgbClr val="616161"/>
+                  <a:srgbClr val="FF0000"/>
                 </a:solidFill>
-                <a:latin typeface="Arial" panose="020B0604020202020204" pitchFamily="34" charset="0"/>
-                <a:cs typeface="Arial" panose="020B0604020202020204" pitchFamily="34" charset="0"/>
               </a:rPr>
-              <a:t>Product Type</a:t>
-            </a:r>
-          </a:p>
-          <a:p>
-            <a:pPr marL="685800" lvl="2" indent="-91440">
-              <a:spcBef>
-                <a:spcPts val="1200"/>
-              </a:spcBef>
-              <a:buSzPct val="100000"/>
-              <a:buFont typeface="Arial"/>
-              <a:buChar char="•"/>
+              <a:t>Interpretation for WGR2:</a:t>
+            </a:r>
+          </a:p>
+          <a:p>
+            <a:pPr>
+              <a:buFont typeface="+mj-lt"/>
+              <a:buAutoNum type="arabicPeriod"/>
             </a:pPr>
             <a:r>
-              <a:rPr lang="en-GB" sz="1200" dirty="0">
-                <a:solidFill>
-                  <a:srgbClr val="616161"/>
-                </a:solidFill>
-                <a:latin typeface="Arial" panose="020B0604020202020204" pitchFamily="34" charset="0"/>
-                <a:cs typeface="Arial" panose="020B0604020202020204" pitchFamily="34" charset="0"/>
-              </a:rPr>
-              <a:t>Sales Promotions</a:t>
-            </a:r>
-          </a:p>
-          <a:p>
-            <a:pPr marL="685800" lvl="2" indent="-91440">
-              <a:spcBef>
-                <a:spcPts val="1200"/>
-              </a:spcBef>
-              <a:buSzPct val="100000"/>
-              <a:buFont typeface="Arial"/>
-              <a:buChar char="•"/>
+              <a:rPr lang="en-GB" sz="1000" b="1" dirty="0"/>
+              <a:t>54 Stands Out:</a:t>
+            </a:r>
+            <a:endParaRPr lang="en-GB" sz="1000" dirty="0"/>
+          </a:p>
+          <a:p>
+            <a:pPr marL="742950" lvl="1" indent="-285750">
+              <a:buFont typeface="+mj-lt"/>
+              <a:buAutoNum type="arabicPeriod"/>
             </a:pPr>
             <a:r>
-              <a:rPr lang="en-GB" sz="1200" b="0" i="0" dirty="0">
-                <a:solidFill>
-                  <a:srgbClr val="616161"/>
-                </a:solidFill>
-                <a:latin typeface="Arial" panose="020B0604020202020204" pitchFamily="34" charset="0"/>
-                <a:cs typeface="Arial" panose="020B0604020202020204" pitchFamily="34" charset="0"/>
-              </a:rPr>
-              <a:t>Weather </a:t>
-            </a:r>
-            <a:endParaRPr lang="en-GB" sz="1200" dirty="0">
-              <a:solidFill>
-                <a:srgbClr val="616161"/>
-              </a:solidFill>
-              <a:latin typeface="Arial" panose="020B0604020202020204" pitchFamily="34" charset="0"/>
-              <a:cs typeface="Arial" panose="020B0604020202020204" pitchFamily="34" charset="0"/>
-            </a:endParaRPr>
-          </a:p>
-          <a:p>
-            <a:pPr marL="228600" lvl="1" indent="-91440">
-              <a:spcBef>
-                <a:spcPts val="1200"/>
-              </a:spcBef>
-              <a:buSzPct val="100000"/>
-              <a:buFont typeface="Arial"/>
-              <a:buChar char="•"/>
+              <a:rPr lang="en-GB" sz="1000" b="1" dirty="0"/>
+              <a:t>Higher Sales Quantity</a:t>
+            </a:r>
+            <a:r>
+              <a:rPr lang="en-GB" sz="1000" dirty="0"/>
+              <a:t>: 54 has a significantly higher median and range of typical sales quantities compared to other product types.</a:t>
+            </a:r>
+          </a:p>
+          <a:p>
+            <a:pPr marL="742950" lvl="1" indent="-285750">
+              <a:buFont typeface="+mj-lt"/>
+              <a:buAutoNum type="arabicPeriod"/>
             </a:pPr>
             <a:r>
-              <a:rPr lang="en-GB" sz="1200" b="1" i="0" dirty="0">
-                <a:solidFill>
-                  <a:srgbClr val="616161"/>
-                </a:solidFill>
-                <a:latin typeface="Arial" panose="020B0604020202020204" pitchFamily="34" charset="0"/>
-                <a:cs typeface="Arial" panose="020B0604020202020204" pitchFamily="34" charset="0"/>
-              </a:rPr>
-              <a:t>Correlation Analysis</a:t>
-            </a:r>
-            <a:r>
-              <a:rPr lang="en-GB" sz="1200" b="0" i="0" dirty="0">
-                <a:solidFill>
-                  <a:srgbClr val="616161"/>
-                </a:solidFill>
-                <a:latin typeface="Arial" panose="020B0604020202020204" pitchFamily="34" charset="0"/>
-                <a:cs typeface="Arial" panose="020B0604020202020204" pitchFamily="34" charset="0"/>
-              </a:rPr>
-              <a:t>: To identify the relationship between features and also which features are strongly correlated to the </a:t>
-            </a:r>
-            <a:r>
-              <a:rPr lang="en-GB" sz="1200" dirty="0">
-                <a:solidFill>
-                  <a:srgbClr val="616161"/>
-                </a:solidFill>
-                <a:latin typeface="Arial" panose="020B0604020202020204" pitchFamily="34" charset="0"/>
-                <a:cs typeface="Arial" panose="020B0604020202020204" pitchFamily="34" charset="0"/>
-              </a:rPr>
-              <a:t>s</a:t>
-            </a:r>
-            <a:r>
-              <a:rPr lang="en-GB" sz="1200" b="0" i="0" dirty="0">
-                <a:solidFill>
-                  <a:srgbClr val="616161"/>
-                </a:solidFill>
-                <a:latin typeface="Arial" panose="020B0604020202020204" pitchFamily="34" charset="0"/>
-                <a:cs typeface="Arial" panose="020B0604020202020204" pitchFamily="34" charset="0"/>
-              </a:rPr>
-              <a:t>ales quantity.</a:t>
-            </a:r>
-          </a:p>
-          <a:p>
-            <a:pPr marL="228600" lvl="1" indent="-91440">
-              <a:spcBef>
-                <a:spcPts val="1200"/>
-              </a:spcBef>
-              <a:buSzPct val="100000"/>
-              <a:buFont typeface="Arial"/>
-              <a:buChar char="•"/>
+              <a:rPr lang="en-GB" sz="1000" b="1" dirty="0"/>
+              <a:t>Greater Variability</a:t>
+            </a:r>
+            <a:r>
+              <a:rPr lang="en-GB" sz="1000" dirty="0"/>
+              <a:t>: The larger IQR for 54 indicates more variability in the sales quantities, suggesting a broader range of typical sales volumes.</a:t>
+            </a:r>
+          </a:p>
+          <a:p>
+            <a:pPr>
+              <a:buFont typeface="+mj-lt"/>
+              <a:buAutoNum type="arabicPeriod"/>
             </a:pPr>
             <a:r>
-              <a:rPr lang="en-GB" sz="1200" b="1" dirty="0">
-                <a:solidFill>
-                  <a:srgbClr val="616161"/>
-                </a:solidFill>
-                <a:latin typeface="Arial" panose="020B0604020202020204" pitchFamily="34" charset="0"/>
-                <a:cs typeface="Arial" panose="020B0604020202020204" pitchFamily="34" charset="0"/>
-              </a:rPr>
-              <a:t>Trend Analysis: </a:t>
-            </a:r>
-            <a:r>
-              <a:rPr lang="en-GB" sz="1200" dirty="0">
-                <a:solidFill>
-                  <a:srgbClr val="616161"/>
-                </a:solidFill>
-                <a:latin typeface="Arial" panose="020B0604020202020204" pitchFamily="34" charset="0"/>
-                <a:cs typeface="Arial" panose="020B0604020202020204" pitchFamily="34" charset="0"/>
-              </a:rPr>
-              <a:t>Linear Regression was used.</a:t>
-            </a:r>
-          </a:p>
-          <a:p>
-            <a:pPr marL="685800" lvl="2" indent="-91440">
-              <a:spcBef>
-                <a:spcPts val="1200"/>
-              </a:spcBef>
-              <a:buSzPct val="100000"/>
-              <a:buFont typeface="Arial"/>
-              <a:buChar char="•"/>
+              <a:rPr lang="en-GB" sz="1000" b="1" dirty="0"/>
+              <a:t>Consistent Low Quantities for Other Products:</a:t>
+            </a:r>
+            <a:endParaRPr lang="en-GB" sz="1000" dirty="0"/>
+          </a:p>
+          <a:p>
+            <a:pPr marL="742950" lvl="1" indent="-285750">
+              <a:buFont typeface="+mj-lt"/>
+              <a:buAutoNum type="arabicPeriod"/>
             </a:pPr>
             <a:r>
-              <a:rPr lang="en-GB" sz="1200" dirty="0">
-                <a:solidFill>
-                  <a:srgbClr val="616161"/>
-                </a:solidFill>
-                <a:latin typeface="Arial" panose="020B0604020202020204" pitchFamily="34" charset="0"/>
-                <a:cs typeface="Arial" panose="020B0604020202020204" pitchFamily="34" charset="0"/>
-              </a:rPr>
-              <a:t>The  sales declined from  March 2021 to  March 2022 by more than 50% , which makes sense as it was during Covid . </a:t>
-            </a:r>
-          </a:p>
-          <a:p>
-            <a:pPr marL="228600" lvl="1" indent="-91440">
-              <a:spcBef>
-                <a:spcPts val="1200"/>
-              </a:spcBef>
-              <a:buSzPct val="100000"/>
-              <a:buFont typeface="Arial"/>
-              <a:buChar char="•"/>
+              <a:rPr lang="en-GB" sz="1000" dirty="0"/>
+              <a:t>The other product types show consistent low median values and tight IQRs, indicating that their sales quantities are consistently low and less variable.</a:t>
+            </a:r>
+          </a:p>
+          <a:p>
+            <a:pPr>
+              <a:buFont typeface="+mj-lt"/>
+              <a:buAutoNum type="arabicPeriod"/>
             </a:pPr>
             <a:r>
-              <a:rPr lang="en-GB" sz="1300" b="1" i="0" dirty="0">
-                <a:solidFill>
-                  <a:srgbClr val="616161"/>
-                </a:solidFill>
-                <a:latin typeface="Arial" panose="020B0604020202020204" pitchFamily="34" charset="0"/>
-                <a:cs typeface="Arial" panose="020B0604020202020204" pitchFamily="34" charset="0"/>
-              </a:rPr>
-              <a:t>Outliers: </a:t>
-            </a:r>
-            <a:r>
-              <a:rPr lang="en-GB" sz="1300" i="0" dirty="0">
-                <a:solidFill>
-                  <a:srgbClr val="616161"/>
-                </a:solidFill>
-                <a:latin typeface="Arial" panose="020B0604020202020204" pitchFamily="34" charset="0"/>
-                <a:cs typeface="Arial" panose="020B0604020202020204" pitchFamily="34" charset="0"/>
-              </a:rPr>
-              <a:t>Outliers were detected using the interquartile range method and removed.</a:t>
-            </a:r>
-          </a:p>
-          <a:p>
-            <a:pPr marL="685800" lvl="2" indent="-91440">
-              <a:spcBef>
-                <a:spcPts val="1200"/>
-              </a:spcBef>
-              <a:buSzPct val="100000"/>
-              <a:buFont typeface="Arial"/>
-              <a:buChar char="•"/>
+              <a:rPr lang="en-GB" sz="1000" b="1" dirty="0"/>
+              <a:t>Significant Outliers:</a:t>
+            </a:r>
+            <a:endParaRPr lang="en-GB" sz="1000" dirty="0"/>
+          </a:p>
+          <a:p>
+            <a:pPr marL="742950" lvl="1" indent="-285750">
+              <a:buFont typeface="+mj-lt"/>
+              <a:buAutoNum type="arabicPeriod"/>
             </a:pPr>
             <a:r>
-              <a:rPr lang="en-GB" sz="1300" i="0" dirty="0">
-                <a:solidFill>
-                  <a:srgbClr val="616161"/>
-                </a:solidFill>
-                <a:latin typeface="Arial" panose="020B0604020202020204" pitchFamily="34" charset="0"/>
-                <a:cs typeface="Arial" panose="020B0604020202020204" pitchFamily="34" charset="0"/>
-              </a:rPr>
-              <a:t>Data was visualized again after the outliers were removed.</a:t>
-            </a:r>
-            <a:endParaRPr lang="en-GB" sz="1300" b="1" i="0" dirty="0">
-              <a:solidFill>
-                <a:srgbClr val="616161"/>
-              </a:solidFill>
-              <a:latin typeface="Arial" panose="020B0604020202020204" pitchFamily="34" charset="0"/>
-              <a:cs typeface="Arial" panose="020B0604020202020204" pitchFamily="34" charset="0"/>
-            </a:endParaRPr>
-          </a:p>
-          <a:p>
-            <a:pPr marL="0" indent="0">
-              <a:buNone/>
-            </a:pPr>
-            <a:r>
-              <a:rPr lang="en-AT" sz="1300" dirty="0">
-                <a:latin typeface="Arial" panose="020B0604020202020204" pitchFamily="34" charset="0"/>
-                <a:cs typeface="Arial" panose="020B0604020202020204" pitchFamily="34" charset="0"/>
-              </a:rPr>
-              <a:t>  </a:t>
-            </a:r>
+              <a:rPr lang="en-GB" sz="1000" dirty="0"/>
+              <a:t>The presence of significant outliers for 54 and other product types suggests occasional large orders or sales events that deviate substantially from typical sales volumes.</a:t>
+            </a:r>
+          </a:p>
+          <a:p>
+            <a:endParaRPr lang="en-AT" dirty="0"/>
           </a:p>
         </p:txBody>
       </p:sp>
       <p:sp>
         <p:nvSpPr>
-          <p:cNvPr id="4" name="Date Placeholder 3">
+          <p:cNvPr id="5" name="Date Placeholder 4">
             <a:extLst>
               <a:ext uri="{FF2B5EF4-FFF2-40B4-BE49-F238E27FC236}">
-                <a16:creationId xmlns:a16="http://schemas.microsoft.com/office/drawing/2014/main" id="{8EC13E32-8BCC-1FC5-8F35-280CD8BEE648}"/>
+                <a16:creationId xmlns:a16="http://schemas.microsoft.com/office/drawing/2014/main" id="{556CA6EB-4560-6DCA-A379-16D5ED0D23FD}"/>
               </a:ext>
             </a:extLst>
           </p:cNvPr>
@@ -16616,20 +16849,20 @@
           <a:bodyPr/>
           <a:lstStyle/>
           <a:p>
-            <a:fld id="{57997BA6-BEF8-495F-ACCD-8D19769E4FC6}" type="datetime2">
+            <a:fld id="{792630FD-0818-4065-B5FE-410552D9B1BC}" type="datetime2">
               <a:rPr lang="en-US" smtClean="0"/>
-              <a:t>Sunday, July 21, 2024</a:t>
+              <a:t>Monday, July 22, 2024</a:t>
             </a:fld>
-            <a:endParaRPr lang="en-US" dirty="0"/>
+            <a:endParaRPr lang="en-US"/>
           </a:p>
         </p:txBody>
       </p:sp>
       <p:sp>
         <p:nvSpPr>
-          <p:cNvPr id="5" name="Footer Placeholder 4">
+          <p:cNvPr id="6" name="Footer Placeholder 5">
             <a:extLst>
               <a:ext uri="{FF2B5EF4-FFF2-40B4-BE49-F238E27FC236}">
-                <a16:creationId xmlns:a16="http://schemas.microsoft.com/office/drawing/2014/main" id="{BD715ACD-32CC-B8D4-A39F-5E2F707342D5}"/>
+                <a16:creationId xmlns:a16="http://schemas.microsoft.com/office/drawing/2014/main" id="{395C8692-F03C-6439-247F-AD5437273775}"/>
               </a:ext>
             </a:extLst>
           </p:cNvPr>
@@ -16646,19 +16879,18 @@
           <a:lstStyle/>
           <a:p>
             <a:r>
-              <a:rPr lang="en-US"/>
+              <a:rPr lang="en-US" dirty="0"/>
               <a:t>Sample Footer Text</a:t>
             </a:r>
-            <a:endParaRPr lang="en-US" dirty="0"/>
           </a:p>
         </p:txBody>
       </p:sp>
       <p:sp>
         <p:nvSpPr>
-          <p:cNvPr id="6" name="Slide Number Placeholder 5">
+          <p:cNvPr id="7" name="Slide Number Placeholder 6">
             <a:extLst>
               <a:ext uri="{FF2B5EF4-FFF2-40B4-BE49-F238E27FC236}">
-                <a16:creationId xmlns:a16="http://schemas.microsoft.com/office/drawing/2014/main" id="{1436B97D-7897-1E00-1D1C-8C1E2E6D126E}"/>
+                <a16:creationId xmlns:a16="http://schemas.microsoft.com/office/drawing/2014/main" id="{A765912F-568D-70AA-C22B-1C6E19CA9D6C}"/>
               </a:ext>
             </a:extLst>
           </p:cNvPr>
@@ -16682,42 +16914,106 @@
           </a:p>
         </p:txBody>
       </p:sp>
-      <p:sp>
-        <p:nvSpPr>
-          <p:cNvPr id="7" name="TextBox 6">
+      <p:pic>
+        <p:nvPicPr>
+          <p:cNvPr id="2054" name="Picture 6">
             <a:extLst>
               <a:ext uri="{FF2B5EF4-FFF2-40B4-BE49-F238E27FC236}">
-                <a16:creationId xmlns:a16="http://schemas.microsoft.com/office/drawing/2014/main" id="{3B829E84-241B-AA06-087B-24E418BD86C2}"/>
+                <a16:creationId xmlns:a16="http://schemas.microsoft.com/office/drawing/2014/main" id="{6EBE3935-0B29-5904-81A4-908314399BD1}"/>
               </a:ext>
             </a:extLst>
           </p:cNvPr>
-          <p:cNvSpPr txBox="1"/>
-          <p:nvPr/>
-        </p:nvSpPr>
-        <p:spPr>
+          <p:cNvPicPr>
+            <a:picLocks noGrp="1" noChangeAspect="1" noChangeArrowheads="1"/>
+          </p:cNvPicPr>
+          <p:nvPr>
+            <p:ph idx="1"/>
+          </p:nvPr>
+        </p:nvPicPr>
+        <p:blipFill>
+          <a:blip r:embed="rId2">
+            <a:extLst>
+              <a:ext uri="{28A0092B-C50C-407E-A947-70E740481C1C}">
+                <a14:useLocalDpi xmlns:a14="http://schemas.microsoft.com/office/drawing/2010/main" val="0"/>
+              </a:ext>
+            </a:extLst>
+          </a:blip>
+          <a:srcRect/>
+          <a:stretch>
+            <a:fillRect/>
+          </a:stretch>
+        </p:blipFill>
+        <p:spPr bwMode="auto">
           <a:xfrm>
-            <a:off x="3542097" y="1386038"/>
-            <a:ext cx="184731" cy="369332"/>
+            <a:off x="7225553" y="1480522"/>
+            <a:ext cx="4176279" cy="1759441"/>
           </a:xfrm>
           <a:prstGeom prst="rect">
             <a:avLst/>
           </a:prstGeom>
           <a:noFill/>
+          <a:extLst>
+            <a:ext uri="{909E8E84-426E-40DD-AFC4-6F175D3DCCD1}">
+              <a14:hiddenFill xmlns:a14="http://schemas.microsoft.com/office/drawing/2010/main">
+                <a:solidFill>
+                  <a:srgbClr val="FFFFFF"/>
+                </a:solidFill>
+              </a14:hiddenFill>
+            </a:ext>
+          </a:extLst>
         </p:spPr>
-        <p:txBody>
-          <a:bodyPr wrap="none" rtlCol="0">
-            <a:spAutoFit/>
-          </a:bodyPr>
-          <a:lstStyle/>
-          <a:p>
-            <a:endParaRPr lang="en-AT" dirty="0"/>
-          </a:p>
-        </p:txBody>
-      </p:sp>
+      </p:pic>
+      <p:pic>
+        <p:nvPicPr>
+          <p:cNvPr id="2056" name="Picture 8">
+            <a:extLst>
+              <a:ext uri="{FF2B5EF4-FFF2-40B4-BE49-F238E27FC236}">
+                <a16:creationId xmlns:a16="http://schemas.microsoft.com/office/drawing/2014/main" id="{47A5BD3F-91F1-8B76-C0E3-95FCC5D6E56F}"/>
+              </a:ext>
+            </a:extLst>
+          </p:cNvPr>
+          <p:cNvPicPr>
+            <a:picLocks noChangeAspect="1" noChangeArrowheads="1"/>
+          </p:cNvPicPr>
+          <p:nvPr/>
+        </p:nvPicPr>
+        <p:blipFill>
+          <a:blip r:embed="rId3">
+            <a:extLst>
+              <a:ext uri="{28A0092B-C50C-407E-A947-70E740481C1C}">
+                <a14:useLocalDpi xmlns:a14="http://schemas.microsoft.com/office/drawing/2010/main" val="0"/>
+              </a:ext>
+            </a:extLst>
+          </a:blip>
+          <a:srcRect/>
+          <a:stretch>
+            <a:fillRect/>
+          </a:stretch>
+        </p:blipFill>
+        <p:spPr bwMode="auto">
+          <a:xfrm>
+            <a:off x="7329632" y="3618038"/>
+            <a:ext cx="4072200" cy="2133017"/>
+          </a:xfrm>
+          <a:prstGeom prst="rect">
+            <a:avLst/>
+          </a:prstGeom>
+          <a:noFill/>
+          <a:extLst>
+            <a:ext uri="{909E8E84-426E-40DD-AFC4-6F175D3DCCD1}">
+              <a14:hiddenFill xmlns:a14="http://schemas.microsoft.com/office/drawing/2010/main">
+                <a:solidFill>
+                  <a:srgbClr val="FFFFFF"/>
+                </a:solidFill>
+              </a14:hiddenFill>
+            </a:ext>
+          </a:extLst>
+        </p:spPr>
+      </p:pic>
     </p:spTree>
     <p:extLst>
       <p:ext uri="{BB962C8B-B14F-4D97-AF65-F5344CB8AC3E}">
-        <p14:creationId xmlns:p14="http://schemas.microsoft.com/office/powerpoint/2010/main" val="2507996926"/>
+        <p14:creationId xmlns:p14="http://schemas.microsoft.com/office/powerpoint/2010/main" val="3847669320"/>
       </p:ext>
     </p:extLst>
   </p:cSld>
@@ -16749,7 +17045,7 @@
           <p:cNvPr id="2" name="Title 1">
             <a:extLst>
               <a:ext uri="{FF2B5EF4-FFF2-40B4-BE49-F238E27FC236}">
-                <a16:creationId xmlns:a16="http://schemas.microsoft.com/office/drawing/2014/main" id="{7F9CD61F-9038-3781-5F9E-66CB4A3EFBD6}"/>
+                <a16:creationId xmlns:a16="http://schemas.microsoft.com/office/drawing/2014/main" id="{7AB40F6B-EF78-095E-51A0-DFB201B8DA18}"/>
               </a:ext>
             </a:extLst>
           </p:cNvPr>
@@ -16762,22 +17058,30 @@
         </p:nvSpPr>
         <p:spPr>
           <a:xfrm>
-            <a:off x="1608082" y="825992"/>
-            <a:ext cx="9328141" cy="864696"/>
+            <a:off x="555094" y="757087"/>
+            <a:ext cx="10515601" cy="937653"/>
           </a:xfrm>
         </p:spPr>
         <p:txBody>
-          <a:bodyPr/>
+          <a:bodyPr>
+            <a:normAutofit/>
+          </a:bodyPr>
           <a:lstStyle/>
           <a:p>
             <a:r>
-              <a:rPr lang="en-AT" sz="5400" dirty="0">
-                <a:latin typeface="Arial" panose="020B0604020202020204" pitchFamily="34" charset="0"/>
-                <a:cs typeface="Arial" panose="020B0604020202020204" pitchFamily="34" charset="0"/>
+              <a:rPr lang="en-GB" sz="4000" i="0" dirty="0">
+                <a:solidFill>
+                  <a:srgbClr val="000000"/>
+                </a:solidFill>
+                <a:effectLst/>
+                <a:highlight>
+                  <a:srgbClr val="FFFFFF"/>
+                </a:highlight>
+                <a:latin typeface="+mj-lt"/>
               </a:rPr>
-              <a:t>Exploratory Data Analysis</a:t>
-            </a:r>
-            <a:endParaRPr lang="en-AT" dirty="0"/>
+              <a:t>Quantity Distribution by Product Type</a:t>
+            </a:r>
+            <a:endParaRPr lang="en-AT" sz="4000" dirty="0"/>
           </a:p>
         </p:txBody>
       </p:sp>
@@ -16786,7 +17090,7 @@
           <p:cNvPr id="3" name="Content Placeholder 2">
             <a:extLst>
               <a:ext uri="{FF2B5EF4-FFF2-40B4-BE49-F238E27FC236}">
-                <a16:creationId xmlns:a16="http://schemas.microsoft.com/office/drawing/2014/main" id="{55833DB6-94FA-FB84-4CC4-1087FE9F738E}"/>
+                <a16:creationId xmlns:a16="http://schemas.microsoft.com/office/drawing/2014/main" id="{167F58A4-F012-7D9B-E70E-552900A7F541}"/>
               </a:ext>
             </a:extLst>
           </p:cNvPr>
@@ -16794,116 +17098,207 @@
             <a:spLocks noGrp="1"/>
           </p:cNvSpPr>
           <p:nvPr>
-            <p:ph idx="1"/>
+            <p:ph sz="half" idx="1"/>
           </p:nvPr>
         </p:nvSpPr>
         <p:spPr>
           <a:xfrm>
-            <a:off x="1471448" y="1965434"/>
-            <a:ext cx="9464776" cy="4066574"/>
+            <a:off x="420623" y="1825625"/>
+            <a:ext cx="6168435" cy="4206382"/>
           </a:xfrm>
         </p:spPr>
         <p:txBody>
-          <a:bodyPr/>
+          <a:bodyPr>
+            <a:normAutofit fontScale="77500" lnSpcReduction="20000"/>
+          </a:bodyPr>
           <a:lstStyle/>
           <a:p>
+            <a:r>
+              <a:rPr lang="en-GB" sz="1000" b="1" dirty="0">
+                <a:solidFill>
+                  <a:srgbClr val="FF0000"/>
+                </a:solidFill>
+              </a:rPr>
+              <a:t>Interpretation for WGR3:</a:t>
+            </a:r>
+          </a:p>
+          <a:p>
             <a:pPr>
-              <a:buFont typeface="Arial" panose="020B0604020202020204" pitchFamily="34" charset="0"/>
-              <a:buChar char="•"/>
+              <a:buFont typeface="+mj-lt"/>
+              <a:buAutoNum type="arabicPeriod"/>
             </a:pPr>
             <a:r>
-              <a:rPr lang="en-GB" dirty="0"/>
-              <a:t>Understanding the Data</a:t>
-            </a:r>
+              <a:rPr lang="en-GB" sz="1000" b="1" dirty="0"/>
+              <a:t>5600 Stands Out:</a:t>
+            </a:r>
+            <a:endParaRPr lang="en-GB" sz="1000" dirty="0"/>
           </a:p>
           <a:p>
             <a:pPr marL="742950" lvl="1" indent="-285750">
-              <a:buFont typeface="Arial" panose="020B0604020202020204" pitchFamily="34" charset="0"/>
-              <a:buChar char="•"/>
+              <a:buFont typeface="+mj-lt"/>
+              <a:buAutoNum type="arabicPeriod"/>
             </a:pPr>
             <a:r>
-              <a:rPr lang="en-GB" dirty="0"/>
-              <a:t>Distribution of Variables:</a:t>
-            </a:r>
-          </a:p>
-          <a:p>
-            <a:pPr marL="1143000" lvl="2" indent="-228600">
-              <a:buFont typeface="Arial" panose="020B0604020202020204" pitchFamily="34" charset="0"/>
-              <a:buChar char="•"/>
+              <a:rPr lang="en-GB" sz="1000" b="1" dirty="0"/>
+              <a:t>Higher Sales Quantity</a:t>
+            </a:r>
+            <a:r>
+              <a:rPr lang="en-GB" sz="1000" dirty="0"/>
+              <a:t>: 5600 has a significantly higher median and range of typical sales quantities compared to other product types.</a:t>
+            </a:r>
+          </a:p>
+          <a:p>
+            <a:pPr marL="742950" lvl="1" indent="-285750">
+              <a:buFont typeface="+mj-lt"/>
+              <a:buAutoNum type="arabicPeriod"/>
             </a:pPr>
             <a:r>
-              <a:rPr lang="en-GB" dirty="0"/>
-              <a:t>Analysis of distribution plot shape and skewness</a:t>
-            </a:r>
-          </a:p>
-          <a:p>
-            <a:pPr marL="1143000" lvl="2" indent="-228600">
-              <a:buFont typeface="Arial" panose="020B0604020202020204" pitchFamily="34" charset="0"/>
-              <a:buChar char="•"/>
+              <a:rPr lang="en-GB" sz="1000" b="1" dirty="0"/>
+              <a:t>Greater Variability</a:t>
+            </a:r>
+            <a:r>
+              <a:rPr lang="en-GB" sz="1000" dirty="0"/>
+              <a:t>: The larger IQR for 5600 indicates more variability in the sales quantities, suggesting a broader range of typical sales volumes.</a:t>
+            </a:r>
+          </a:p>
+          <a:p>
+            <a:pPr>
+              <a:buFont typeface="+mj-lt"/>
+              <a:buAutoNum type="arabicPeriod"/>
             </a:pPr>
             <a:r>
-              <a:rPr lang="en-GB" dirty="0"/>
-              <a:t>Identification of outliers</a:t>
-            </a:r>
+              <a:rPr lang="en-GB" sz="1000" b="1" dirty="0"/>
+              <a:t>Consistent Low Quantities for Other Products:</a:t>
+            </a:r>
+            <a:endParaRPr lang="en-GB" sz="1000" dirty="0"/>
           </a:p>
           <a:p>
             <a:pPr marL="742950" lvl="1" indent="-285750">
-              <a:buFont typeface="Arial" panose="020B0604020202020204" pitchFamily="34" charset="0"/>
-              <a:buChar char="•"/>
+              <a:buFont typeface="+mj-lt"/>
+              <a:buAutoNum type="arabicPeriod"/>
             </a:pPr>
             <a:r>
-              <a:rPr lang="en-GB" dirty="0"/>
-              <a:t>Quantity Distribution Over Time:</a:t>
-            </a:r>
-          </a:p>
-          <a:p>
-            <a:pPr marL="1143000" lvl="2" indent="-228600">
-              <a:buFont typeface="Arial" panose="020B0604020202020204" pitchFamily="34" charset="0"/>
-              <a:buChar char="•"/>
+              <a:rPr lang="en-GB" sz="1000" dirty="0"/>
+              <a:t>The other product types show consistent low median values and tight IQRs, indicating that their sales quantities are consistently low and less variable.</a:t>
+            </a:r>
+          </a:p>
+          <a:p>
+            <a:pPr>
+              <a:buFont typeface="+mj-lt"/>
+              <a:buAutoNum type="arabicPeriod"/>
             </a:pPr>
             <a:r>
-              <a:rPr lang="en-GB" dirty="0"/>
-              <a:t>Grouping data by time periods (e.g., monthly)</a:t>
-            </a:r>
-          </a:p>
-          <a:p>
-            <a:pPr marL="1143000" lvl="2" indent="-228600">
-              <a:buFont typeface="Arial" panose="020B0604020202020204" pitchFamily="34" charset="0"/>
-              <a:buChar char="•"/>
+              <a:rPr lang="en-GB" sz="1000" b="1" dirty="0"/>
+              <a:t>Significant Outliers:</a:t>
+            </a:r>
+            <a:endParaRPr lang="en-GB" sz="1000" dirty="0"/>
+          </a:p>
+          <a:p>
+            <a:pPr marL="742950" lvl="1" indent="-285750">
+              <a:buFont typeface="+mj-lt"/>
+              <a:buAutoNum type="arabicPeriod"/>
             </a:pPr>
             <a:r>
-              <a:rPr lang="en-GB" dirty="0"/>
-              <a:t>Visualizing the distribution of quantities</a:t>
+              <a:rPr lang="en-GB" sz="1000" dirty="0"/>
+              <a:t>The presence of significant outliers for 5600 and other product types suggests occasional large orders or sales events that deviate substantially from typical sales volumes.</a:t>
             </a:r>
           </a:p>
           <a:p>
             <a:pPr marL="742950" lvl="1" indent="-285750">
-              <a:buFont typeface="Arial" panose="020B0604020202020204" pitchFamily="34" charset="0"/>
-              <a:buChar char="•"/>
+              <a:buFont typeface="+mj-lt"/>
+              <a:buAutoNum type="arabicPeriod"/>
             </a:pPr>
-            <a:r>
-              <a:rPr lang="en-GB" dirty="0"/>
-              <a:t>Quantity Distribution by Product Type:</a:t>
-            </a:r>
-          </a:p>
-          <a:p>
-            <a:pPr marL="1143000" lvl="2" indent="-228600">
-              <a:buFont typeface="Arial" panose="020B0604020202020204" pitchFamily="34" charset="0"/>
-              <a:buChar char="•"/>
+            <a:endParaRPr lang="en-GB" sz="1000" dirty="0"/>
+          </a:p>
+          <a:p>
+            <a:r>
+              <a:rPr lang="en-GB" sz="1000" b="1" dirty="0">
+                <a:solidFill>
+                  <a:srgbClr val="FF0000"/>
+                </a:solidFill>
+              </a:rPr>
+              <a:t>Interpretation for WGR4:</a:t>
+            </a:r>
+          </a:p>
+          <a:p>
+            <a:pPr>
+              <a:buFont typeface="+mj-lt"/>
+              <a:buAutoNum type="arabicPeriod"/>
             </a:pPr>
             <a:r>
-              <a:rPr lang="en-GB" dirty="0"/>
-              <a:t>Grouping data by product type</a:t>
-            </a:r>
-          </a:p>
-          <a:p>
-            <a:pPr marL="1143000" lvl="2" indent="-228600">
-              <a:buFont typeface="Arial" panose="020B0604020202020204" pitchFamily="34" charset="0"/>
-              <a:buChar char="•"/>
+              <a:rPr lang="en-GB" sz="1000" b="1" dirty="0"/>
+              <a:t>5602 Stands Out:</a:t>
+            </a:r>
+            <a:endParaRPr lang="en-GB" sz="1000" dirty="0"/>
+          </a:p>
+          <a:p>
+            <a:pPr marL="742950" lvl="1" indent="-285750">
+              <a:buFont typeface="+mj-lt"/>
+              <a:buAutoNum type="arabicPeriod"/>
             </a:pPr>
             <a:r>
-              <a:rPr lang="en-GB" dirty="0"/>
-              <a:t>Visualizing the distribution of quantities</a:t>
+              <a:rPr lang="en-GB" sz="1000" b="1" dirty="0"/>
+              <a:t>Higher Sales Quantity</a:t>
+            </a:r>
+            <a:r>
+              <a:rPr lang="en-GB" sz="1000" dirty="0"/>
+              <a:t>: 5602 has a significantly higher median and range of typical sales quantities compared to other product types.</a:t>
+            </a:r>
+          </a:p>
+          <a:p>
+            <a:pPr marL="742950" lvl="1" indent="-285750">
+              <a:buFont typeface="+mj-lt"/>
+              <a:buAutoNum type="arabicPeriod"/>
+            </a:pPr>
+            <a:r>
+              <a:rPr lang="en-GB" sz="1000" b="1" dirty="0"/>
+              <a:t>Greater Variability</a:t>
+            </a:r>
+            <a:r>
+              <a:rPr lang="en-GB" sz="1000" dirty="0"/>
+              <a:t>: The larger IQR for 5602 indicates more variability in the sales quantities, suggesting a broader range of typical sales volumes.</a:t>
+            </a:r>
+          </a:p>
+          <a:p>
+            <a:pPr>
+              <a:buFont typeface="+mj-lt"/>
+              <a:buAutoNum type="arabicPeriod"/>
+            </a:pPr>
+            <a:r>
+              <a:rPr lang="en-GB" sz="1000" b="1" dirty="0"/>
+              <a:t>Consistent Low Quantities for Other Products:</a:t>
+            </a:r>
+            <a:endParaRPr lang="en-GB" sz="1000" dirty="0"/>
+          </a:p>
+          <a:p>
+            <a:pPr marL="742950" lvl="1" indent="-285750">
+              <a:buFont typeface="+mj-lt"/>
+              <a:buAutoNum type="arabicPeriod"/>
+            </a:pPr>
+            <a:r>
+              <a:rPr lang="en-GB" sz="1000" dirty="0"/>
+              <a:t>The other product types show consistent low median values and tight IQRs, indicating that their sales quantities are consistently low and less variable.</a:t>
+            </a:r>
+          </a:p>
+          <a:p>
+            <a:pPr>
+              <a:buFont typeface="+mj-lt"/>
+              <a:buAutoNum type="arabicPeriod"/>
+            </a:pPr>
+            <a:r>
+              <a:rPr lang="en-GB" sz="1000" b="1" dirty="0"/>
+              <a:t>Significant Outliers:</a:t>
+            </a:r>
+            <a:endParaRPr lang="en-GB" sz="1000" dirty="0"/>
+          </a:p>
+          <a:p>
+            <a:pPr marL="742950" lvl="1" indent="-285750">
+              <a:buFont typeface="+mj-lt"/>
+              <a:buAutoNum type="arabicPeriod"/>
+            </a:pPr>
+            <a:r>
+              <a:rPr lang="en-GB" sz="1000" dirty="0"/>
+              <a:t>The presence of significant outliers for 5602 and other product types suggests occasional large orders or sales events that deviate substantially from typical sales volumes.</a:t>
             </a:r>
           </a:p>
           <a:p>
@@ -16913,10 +17308,10 @@
       </p:sp>
       <p:sp>
         <p:nvSpPr>
-          <p:cNvPr id="4" name="Date Placeholder 3">
+          <p:cNvPr id="5" name="Date Placeholder 4">
             <a:extLst>
               <a:ext uri="{FF2B5EF4-FFF2-40B4-BE49-F238E27FC236}">
-                <a16:creationId xmlns:a16="http://schemas.microsoft.com/office/drawing/2014/main" id="{76F8F738-146F-0374-A0EF-5E902AE3BF95}"/>
+                <a16:creationId xmlns:a16="http://schemas.microsoft.com/office/drawing/2014/main" id="{56156D3C-5AEC-BD26-A93D-84E9E310DD58}"/>
               </a:ext>
             </a:extLst>
           </p:cNvPr>
@@ -16932,9 +17327,9 @@
           <a:bodyPr/>
           <a:lstStyle/>
           <a:p>
-            <a:fld id="{57997BA6-BEF8-495F-ACCD-8D19769E4FC6}" type="datetime2">
+            <a:fld id="{003E0E29-2C79-4A2A-B61C-A21B8362A50A}" type="datetime2">
               <a:rPr lang="en-US" smtClean="0"/>
-              <a:t>Sunday, July 21, 2024</a:t>
+              <a:t>Monday, July 22, 2024</a:t>
             </a:fld>
             <a:endParaRPr lang="en-US" dirty="0"/>
           </a:p>
@@ -16942,10 +17337,10 @@
       </p:sp>
       <p:sp>
         <p:nvSpPr>
-          <p:cNvPr id="5" name="Footer Placeholder 4">
+          <p:cNvPr id="6" name="Footer Placeholder 5">
             <a:extLst>
               <a:ext uri="{FF2B5EF4-FFF2-40B4-BE49-F238E27FC236}">
-                <a16:creationId xmlns:a16="http://schemas.microsoft.com/office/drawing/2014/main" id="{9D718D98-C695-54B9-FB22-61431BD417A7}"/>
+                <a16:creationId xmlns:a16="http://schemas.microsoft.com/office/drawing/2014/main" id="{D8DDDABE-FBC6-E1E2-BEE0-B6DD8CF51613}"/>
               </a:ext>
             </a:extLst>
           </p:cNvPr>
@@ -16965,16 +17360,15 @@
               <a:rPr lang="en-US"/>
               <a:t>Sample Footer Text</a:t>
             </a:r>
-            <a:endParaRPr lang="en-US" dirty="0"/>
           </a:p>
         </p:txBody>
       </p:sp>
       <p:sp>
         <p:nvSpPr>
-          <p:cNvPr id="6" name="Slide Number Placeholder 5">
+          <p:cNvPr id="7" name="Slide Number Placeholder 6">
             <a:extLst>
               <a:ext uri="{FF2B5EF4-FFF2-40B4-BE49-F238E27FC236}">
-                <a16:creationId xmlns:a16="http://schemas.microsoft.com/office/drawing/2014/main" id="{E48DBC86-657B-C6CD-8DEA-25A14A69CE2F}"/>
+                <a16:creationId xmlns:a16="http://schemas.microsoft.com/office/drawing/2014/main" id="{76C42381-B0A1-96FA-98EC-8DCE29E6DF2E}"/>
               </a:ext>
             </a:extLst>
           </p:cNvPr>
@@ -16998,10 +17392,106 @@
           </a:p>
         </p:txBody>
       </p:sp>
+      <p:pic>
+        <p:nvPicPr>
+          <p:cNvPr id="3074" name="Picture 2">
+            <a:extLst>
+              <a:ext uri="{FF2B5EF4-FFF2-40B4-BE49-F238E27FC236}">
+                <a16:creationId xmlns:a16="http://schemas.microsoft.com/office/drawing/2014/main" id="{7DEAE6FE-6464-574D-ED9C-304512C390F1}"/>
+              </a:ext>
+            </a:extLst>
+          </p:cNvPr>
+          <p:cNvPicPr>
+            <a:picLocks noGrp="1" noChangeAspect="1" noChangeArrowheads="1"/>
+          </p:cNvPicPr>
+          <p:nvPr>
+            <p:ph sz="half" idx="2"/>
+          </p:nvPr>
+        </p:nvPicPr>
+        <p:blipFill>
+          <a:blip r:embed="rId2">
+            <a:extLst>
+              <a:ext uri="{28A0092B-C50C-407E-A947-70E740481C1C}">
+                <a14:useLocalDpi xmlns:a14="http://schemas.microsoft.com/office/drawing/2010/main" val="0"/>
+              </a:ext>
+            </a:extLst>
+          </a:blip>
+          <a:srcRect/>
+          <a:stretch>
+            <a:fillRect/>
+          </a:stretch>
+        </p:blipFill>
+        <p:spPr bwMode="auto">
+          <a:xfrm>
+            <a:off x="6616490" y="1762405"/>
+            <a:ext cx="4347166" cy="1979226"/>
+          </a:xfrm>
+          <a:prstGeom prst="rect">
+            <a:avLst/>
+          </a:prstGeom>
+          <a:noFill/>
+          <a:extLst>
+            <a:ext uri="{909E8E84-426E-40DD-AFC4-6F175D3DCCD1}">
+              <a14:hiddenFill xmlns:a14="http://schemas.microsoft.com/office/drawing/2010/main">
+                <a:solidFill>
+                  <a:srgbClr val="FFFFFF"/>
+                </a:solidFill>
+              </a14:hiddenFill>
+            </a:ext>
+          </a:extLst>
+        </p:spPr>
+      </p:pic>
+      <p:pic>
+        <p:nvPicPr>
+          <p:cNvPr id="3076" name="Picture 4">
+            <a:extLst>
+              <a:ext uri="{FF2B5EF4-FFF2-40B4-BE49-F238E27FC236}">
+                <a16:creationId xmlns:a16="http://schemas.microsoft.com/office/drawing/2014/main" id="{77C60124-F41E-E596-9366-D05E443C9BEA}"/>
+              </a:ext>
+            </a:extLst>
+          </p:cNvPr>
+          <p:cNvPicPr>
+            <a:picLocks noChangeAspect="1" noChangeArrowheads="1"/>
+          </p:cNvPicPr>
+          <p:nvPr/>
+        </p:nvPicPr>
+        <p:blipFill>
+          <a:blip r:embed="rId3">
+            <a:extLst>
+              <a:ext uri="{28A0092B-C50C-407E-A947-70E740481C1C}">
+                <a14:useLocalDpi xmlns:a14="http://schemas.microsoft.com/office/drawing/2010/main" val="0"/>
+              </a:ext>
+            </a:extLst>
+          </a:blip>
+          <a:srcRect/>
+          <a:stretch>
+            <a:fillRect/>
+          </a:stretch>
+        </p:blipFill>
+        <p:spPr bwMode="auto">
+          <a:xfrm>
+            <a:off x="6866964" y="3892132"/>
+            <a:ext cx="4069259" cy="2139875"/>
+          </a:xfrm>
+          <a:prstGeom prst="rect">
+            <a:avLst/>
+          </a:prstGeom>
+          <a:noFill/>
+          <a:extLst>
+            <a:ext uri="{909E8E84-426E-40DD-AFC4-6F175D3DCCD1}">
+              <a14:hiddenFill xmlns:a14="http://schemas.microsoft.com/office/drawing/2010/main">
+                <a:solidFill>
+                  <a:srgbClr val="FFFFFF"/>
+                </a:solidFill>
+              </a14:hiddenFill>
+            </a:ext>
+          </a:extLst>
+        </p:spPr>
+      </p:pic>
     </p:spTree>
     <p:extLst>
       <p:ext uri="{BB962C8B-B14F-4D97-AF65-F5344CB8AC3E}">
-        <p14:creationId xmlns:p14="http://schemas.microsoft.com/office/powerpoint/2010/main" val="790717960"/>
+        <p14:creationId xmlns:p14="http://schemas.microsoft.com/office/powerpoint/2010/main" val="591525897"/>
       </p:ext>
     </p:extLst>
   </p:cSld>
@@ -17033,7 +17523,7 @@
           <p:cNvPr id="2" name="Title 1">
             <a:extLst>
               <a:ext uri="{FF2B5EF4-FFF2-40B4-BE49-F238E27FC236}">
-                <a16:creationId xmlns:a16="http://schemas.microsoft.com/office/drawing/2014/main" id="{0D5D3EB2-8EE7-8FDB-635F-DBAFCA40559F}"/>
+                <a16:creationId xmlns:a16="http://schemas.microsoft.com/office/drawing/2014/main" id="{70CCBE0E-C6A6-83C5-4BDF-B6A3E4E53476}"/>
               </a:ext>
             </a:extLst>
           </p:cNvPr>
@@ -17044,25 +17534,32 @@
             <p:ph type="title"/>
           </p:nvPr>
         </p:nvSpPr>
-        <p:spPr/>
+        <p:spPr>
+          <a:xfrm>
+            <a:off x="1828800" y="1362635"/>
+            <a:ext cx="9107424" cy="901234"/>
+          </a:xfrm>
+        </p:spPr>
         <p:txBody>
-          <a:bodyPr/>
+          <a:bodyPr>
+            <a:normAutofit/>
+          </a:bodyPr>
           <a:lstStyle/>
           <a:p>
-            <a:r>
-              <a:rPr lang="en-GB" dirty="0"/>
-              <a:t>Impact of Promotions on Sales</a:t>
-            </a:r>
-            <a:endParaRPr lang="en-AT" dirty="0"/>
+            <a:pPr algn="ctr"/>
+            <a:r>
+              <a:rPr lang="en-AT" sz="3200" dirty="0"/>
+              <a:t>Outlier Analysis</a:t>
+            </a:r>
           </a:p>
         </p:txBody>
       </p:sp>
       <p:sp>
         <p:nvSpPr>
-          <p:cNvPr id="5" name="Date Placeholder 4">
+          <p:cNvPr id="3" name="Date Placeholder 2">
             <a:extLst>
               <a:ext uri="{FF2B5EF4-FFF2-40B4-BE49-F238E27FC236}">
-                <a16:creationId xmlns:a16="http://schemas.microsoft.com/office/drawing/2014/main" id="{47401E3C-8CD8-3CDF-BB21-28EEC99CCBEF}"/>
+                <a16:creationId xmlns:a16="http://schemas.microsoft.com/office/drawing/2014/main" id="{E4DF5CC4-0EA2-4749-E16D-BD2BAA352BFE}"/>
               </a:ext>
             </a:extLst>
           </p:cNvPr>
@@ -17078,20 +17575,20 @@
           <a:bodyPr/>
           <a:lstStyle/>
           <a:p>
-            <a:fld id="{003E0E29-2C79-4A2A-B61C-A21B8362A50A}" type="datetime2">
+            <a:fld id="{EED29A7B-B2F1-41A3-B969-4E25F618B967}" type="datetime2">
               <a:rPr lang="en-US" smtClean="0"/>
-              <a:t>Sunday, July 21, 2024</a:t>
+              <a:t>Monday, July 22, 2024</a:t>
             </a:fld>
-            <a:endParaRPr lang="en-US"/>
+            <a:endParaRPr lang="en-US" dirty="0"/>
           </a:p>
         </p:txBody>
       </p:sp>
       <p:sp>
         <p:nvSpPr>
-          <p:cNvPr id="6" name="Footer Placeholder 5">
+          <p:cNvPr id="4" name="Footer Placeholder 3">
             <a:extLst>
               <a:ext uri="{FF2B5EF4-FFF2-40B4-BE49-F238E27FC236}">
-                <a16:creationId xmlns:a16="http://schemas.microsoft.com/office/drawing/2014/main" id="{6759FA40-4126-5F73-35AA-9EA951447552}"/>
+                <a16:creationId xmlns:a16="http://schemas.microsoft.com/office/drawing/2014/main" id="{A6D8A38A-46F8-767E-8343-593F12B6D675}"/>
               </a:ext>
             </a:extLst>
           </p:cNvPr>
@@ -17116,10 +17613,10 @@
       </p:sp>
       <p:sp>
         <p:nvSpPr>
-          <p:cNvPr id="7" name="Slide Number Placeholder 6">
+          <p:cNvPr id="5" name="Slide Number Placeholder 4">
             <a:extLst>
               <a:ext uri="{FF2B5EF4-FFF2-40B4-BE49-F238E27FC236}">
-                <a16:creationId xmlns:a16="http://schemas.microsoft.com/office/drawing/2014/main" id="{4A6E47D0-F3A8-5738-9248-7059214EAFE1}"/>
+                <a16:creationId xmlns:a16="http://schemas.microsoft.com/office/drawing/2014/main" id="{A81A1B5A-AEB2-FDBA-CC6E-2509053E67A6}"/>
               </a:ext>
             </a:extLst>
           </p:cNvPr>
@@ -17143,157 +17640,12 @@
           </a:p>
         </p:txBody>
       </p:sp>
-      <p:pic>
-        <p:nvPicPr>
-          <p:cNvPr id="2050" name="Picture 2">
-            <a:extLst>
-              <a:ext uri="{FF2B5EF4-FFF2-40B4-BE49-F238E27FC236}">
-                <a16:creationId xmlns:a16="http://schemas.microsoft.com/office/drawing/2014/main" id="{C74E1D72-E476-A9F1-B1AA-0EB0DD097894}"/>
-              </a:ext>
-            </a:extLst>
-          </p:cNvPr>
-          <p:cNvPicPr>
-            <a:picLocks noGrp="1" noChangeAspect="1" noChangeArrowheads="1"/>
-          </p:cNvPicPr>
-          <p:nvPr>
-            <p:ph sz="half" idx="1"/>
-          </p:nvPr>
-        </p:nvPicPr>
-        <p:blipFill>
-          <a:blip r:embed="rId2">
-            <a:extLst>
-              <a:ext uri="{28A0092B-C50C-407E-A947-70E740481C1C}">
-                <a14:useLocalDpi xmlns:a14="http://schemas.microsoft.com/office/drawing/2010/main" val="0"/>
-              </a:ext>
-            </a:extLst>
-          </a:blip>
-          <a:srcRect/>
-          <a:stretch>
-            <a:fillRect/>
-          </a:stretch>
-        </p:blipFill>
-        <p:spPr bwMode="auto">
-          <a:xfrm>
-            <a:off x="67870" y="3108499"/>
-            <a:ext cx="3532134" cy="3105176"/>
-          </a:xfrm>
-          <a:prstGeom prst="rect">
-            <a:avLst/>
-          </a:prstGeom>
-          <a:noFill/>
-          <a:extLst>
-            <a:ext uri="{909E8E84-426E-40DD-AFC4-6F175D3DCCD1}">
-              <a14:hiddenFill xmlns:a14="http://schemas.microsoft.com/office/drawing/2010/main">
-                <a:solidFill>
-                  <a:srgbClr val="FFFFFF"/>
-                </a:solidFill>
-              </a14:hiddenFill>
-            </a:ext>
-          </a:extLst>
-        </p:spPr>
-      </p:pic>
-      <p:pic>
-        <p:nvPicPr>
-          <p:cNvPr id="2052" name="Picture 4">
-            <a:extLst>
-              <a:ext uri="{FF2B5EF4-FFF2-40B4-BE49-F238E27FC236}">
-                <a16:creationId xmlns:a16="http://schemas.microsoft.com/office/drawing/2014/main" id="{DF6ED2E0-6EA7-2CC8-4D98-8AAA2745737C}"/>
-              </a:ext>
-            </a:extLst>
-          </p:cNvPr>
-          <p:cNvPicPr>
-            <a:picLocks noGrp="1" noChangeAspect="1" noChangeArrowheads="1"/>
-          </p:cNvPicPr>
-          <p:nvPr>
-            <p:ph sz="half" idx="2"/>
-          </p:nvPr>
-        </p:nvPicPr>
-        <p:blipFill>
-          <a:blip r:embed="rId3">
-            <a:extLst>
-              <a:ext uri="{28A0092B-C50C-407E-A947-70E740481C1C}">
-                <a14:useLocalDpi xmlns:a14="http://schemas.microsoft.com/office/drawing/2010/main" val="0"/>
-              </a:ext>
-            </a:extLst>
-          </a:blip>
-          <a:srcRect/>
-          <a:stretch>
-            <a:fillRect/>
-          </a:stretch>
-        </p:blipFill>
-        <p:spPr bwMode="auto">
-          <a:xfrm>
-            <a:off x="3842004" y="3108498"/>
-            <a:ext cx="3523488" cy="3057817"/>
-          </a:xfrm>
-          <a:prstGeom prst="rect">
-            <a:avLst/>
-          </a:prstGeom>
-          <a:noFill/>
-          <a:extLst>
-            <a:ext uri="{909E8E84-426E-40DD-AFC4-6F175D3DCCD1}">
-              <a14:hiddenFill xmlns:a14="http://schemas.microsoft.com/office/drawing/2010/main">
-                <a:solidFill>
-                  <a:srgbClr val="FFFFFF"/>
-                </a:solidFill>
-              </a14:hiddenFill>
-            </a:ext>
-          </a:extLst>
-        </p:spPr>
-      </p:pic>
-      <p:pic>
-        <p:nvPicPr>
-          <p:cNvPr id="2054" name="Picture 6">
-            <a:extLst>
-              <a:ext uri="{FF2B5EF4-FFF2-40B4-BE49-F238E27FC236}">
-                <a16:creationId xmlns:a16="http://schemas.microsoft.com/office/drawing/2014/main" id="{33EA53F2-AC03-9F51-66E9-FB680E1AA05B}"/>
-              </a:ext>
-            </a:extLst>
-          </p:cNvPr>
-          <p:cNvPicPr>
-            <a:picLocks noChangeAspect="1" noChangeArrowheads="1"/>
-          </p:cNvPicPr>
-          <p:nvPr/>
-        </p:nvPicPr>
-        <p:blipFill>
-          <a:blip r:embed="rId4">
-            <a:extLst>
-              <a:ext uri="{28A0092B-C50C-407E-A947-70E740481C1C}">
-                <a14:useLocalDpi xmlns:a14="http://schemas.microsoft.com/office/drawing/2010/main" val="0"/>
-              </a:ext>
-            </a:extLst>
-          </a:blip>
-          <a:srcRect/>
-          <a:stretch>
-            <a:fillRect/>
-          </a:stretch>
-        </p:blipFill>
-        <p:spPr bwMode="auto">
-          <a:xfrm>
-            <a:off x="7604444" y="3108498"/>
-            <a:ext cx="3730751" cy="2950149"/>
-          </a:xfrm>
-          <a:prstGeom prst="rect">
-            <a:avLst/>
-          </a:prstGeom>
-          <a:noFill/>
-          <a:extLst>
-            <a:ext uri="{909E8E84-426E-40DD-AFC4-6F175D3DCCD1}">
-              <a14:hiddenFill xmlns:a14="http://schemas.microsoft.com/office/drawing/2010/main">
-                <a:solidFill>
-                  <a:srgbClr val="FFFFFF"/>
-                </a:solidFill>
-              </a14:hiddenFill>
-            </a:ext>
-          </a:extLst>
-        </p:spPr>
-      </p:pic>
       <p:sp>
         <p:nvSpPr>
-          <p:cNvPr id="9" name="TextBox 8">
+          <p:cNvPr id="6" name="TextBox 5">
             <a:extLst>
               <a:ext uri="{FF2B5EF4-FFF2-40B4-BE49-F238E27FC236}">
-                <a16:creationId xmlns:a16="http://schemas.microsoft.com/office/drawing/2014/main" id="{9B0AA2D9-7F6B-3FEE-D1C6-C08098741581}"/>
+                <a16:creationId xmlns:a16="http://schemas.microsoft.com/office/drawing/2014/main" id="{7389C040-A79D-1A66-1B21-307C56175CF4}"/>
               </a:ext>
             </a:extLst>
           </p:cNvPr>
@@ -17302,8 +17654,8 @@
         </p:nvSpPr>
         <p:spPr>
           <a:xfrm>
-            <a:off x="567559" y="1818290"/>
-            <a:ext cx="10767636" cy="1015663"/>
+            <a:off x="1577788" y="2805953"/>
+            <a:ext cx="9771530" cy="2308324"/>
           </a:xfrm>
           <a:prstGeom prst="rect">
             <a:avLst/>
@@ -17316,97 +17668,58 @@
           </a:bodyPr>
           <a:lstStyle/>
           <a:p>
-            <a:r>
-              <a:rPr lang="en-GB" sz="1200" b="1" dirty="0">
-                <a:latin typeface="Arial" panose="020B0604020202020204" pitchFamily="34" charset="0"/>
-                <a:cs typeface="Arial" panose="020B0604020202020204" pitchFamily="34" charset="0"/>
-              </a:rPr>
-              <a:t>Visualize monthly sales quantities over time, distinguishing between periods with and without promotions.</a:t>
-            </a:r>
-          </a:p>
-          <a:p>
-            <a:endParaRPr lang="en-GB" sz="1200" b="1" i="0" dirty="0">
-              <a:solidFill>
-                <a:srgbClr val="000000"/>
-              </a:solidFill>
-              <a:effectLst/>
-              <a:highlight>
-                <a:srgbClr val="FFFFFF"/>
-              </a:highlight>
-              <a:latin typeface="Arial" panose="020B0604020202020204" pitchFamily="34" charset="0"/>
-              <a:cs typeface="Arial" panose="020B0604020202020204" pitchFamily="34" charset="0"/>
-            </a:endParaRPr>
-          </a:p>
-          <a:p>
-            <a:pPr marL="171450" indent="-171450">
+            <a:pPr marL="285750" indent="-285750">
               <a:buFont typeface="Arial" panose="020B0604020202020204" pitchFamily="34" charset="0"/>
               <a:buChar char="•"/>
             </a:pPr>
             <a:r>
-              <a:rPr lang="en-GB" sz="1200" b="0" i="0" dirty="0">
-                <a:solidFill>
-                  <a:srgbClr val="000000"/>
-                </a:solidFill>
-                <a:effectLst/>
-                <a:highlight>
-                  <a:srgbClr val="FFFFFF"/>
-                </a:highlight>
-                <a:latin typeface="Arial" panose="020B0604020202020204" pitchFamily="34" charset="0"/>
-                <a:cs typeface="Arial" panose="020B0604020202020204" pitchFamily="34" charset="0"/>
-              </a:rPr>
-              <a:t>The "Promotion" line generally stays higher than the "No Promotion" line throughout the year, indicating that promotions are effective in increasing sales. </a:t>
-            </a:r>
-          </a:p>
-          <a:p>
-            <a:pPr marL="171450" indent="-171450">
+              <a:rPr lang="en-GB" dirty="0"/>
+              <a:t>Boxplots shows the presence of Outliers</a:t>
+            </a:r>
+          </a:p>
+          <a:p>
+            <a:pPr marL="285750" indent="-285750">
               <a:buFont typeface="Arial" panose="020B0604020202020204" pitchFamily="34" charset="0"/>
               <a:buChar char="•"/>
             </a:pPr>
             <a:r>
-              <a:rPr lang="en-GB" sz="1200" b="0" i="0" dirty="0">
-                <a:solidFill>
-                  <a:srgbClr val="000000"/>
-                </a:solidFill>
-                <a:effectLst/>
-                <a:highlight>
-                  <a:srgbClr val="FFFFFF"/>
-                </a:highlight>
-                <a:latin typeface="Arial" panose="020B0604020202020204" pitchFamily="34" charset="0"/>
-                <a:cs typeface="Arial" panose="020B0604020202020204" pitchFamily="34" charset="0"/>
-              </a:rPr>
-              <a:t>Both lines show a spike in sales during July and August, suggesting a seasonal trend likely due to holiday shopping. </a:t>
-            </a:r>
-          </a:p>
-          <a:p>
-            <a:pPr marL="171450" indent="-171450">
+              <a:rPr lang="en-GB" dirty="0"/>
+              <a:t>Investigate the high outliers to understand the reasons behind the spikes in quantity. This could involve looking at the dates of these outliers, any promotions or special events, or particular  customers responsible for large orders.</a:t>
+            </a:r>
+          </a:p>
+          <a:p>
+            <a:pPr marL="285750" indent="-285750">
               <a:buFont typeface="Arial" panose="020B0604020202020204" pitchFamily="34" charset="0"/>
               <a:buChar char="•"/>
             </a:pPr>
             <a:r>
-              <a:rPr lang="en-GB" sz="1200" b="0" i="0" dirty="0">
-                <a:solidFill>
-                  <a:srgbClr val="000000"/>
-                </a:solidFill>
-                <a:effectLst/>
-                <a:highlight>
-                  <a:srgbClr val="FFFFFF"/>
-                </a:highlight>
-                <a:latin typeface="Arial" panose="020B0604020202020204" pitchFamily="34" charset="0"/>
-                <a:cs typeface="Arial" panose="020B0604020202020204" pitchFamily="34" charset="0"/>
-              </a:rPr>
-              <a:t>There is a noticeable drop in sales in February, which could be due to a specific market event or a correction after high sales in the preceding months.</a:t>
-            </a:r>
-            <a:endParaRPr lang="en-GB" sz="1200" dirty="0">
-              <a:latin typeface="Arial" panose="020B0604020202020204" pitchFamily="34" charset="0"/>
-              <a:cs typeface="Arial" panose="020B0604020202020204" pitchFamily="34" charset="0"/>
-            </a:endParaRPr>
+              <a:rPr lang="en-GB" dirty="0"/>
+              <a:t> Data doesn’t follow a normal distribution, hence InterQuartile method is used to detect Ouliers</a:t>
+            </a:r>
+          </a:p>
+          <a:p>
+            <a:pPr marL="285750" indent="-285750">
+              <a:buFont typeface="Arial" panose="020B0604020202020204" pitchFamily="34" charset="0"/>
+              <a:buChar char="•"/>
+            </a:pPr>
+            <a:r>
+              <a:rPr lang="en-GB" dirty="0"/>
+              <a:t>The DataFrame is filtered to create a new DataFrame that excludes rows with outlier values</a:t>
+            </a:r>
+          </a:p>
+          <a:p>
+            <a:pPr marL="285750" indent="-285750">
+              <a:buFont typeface="Arial" panose="020B0604020202020204" pitchFamily="34" charset="0"/>
+              <a:buChar char="•"/>
+            </a:pPr>
+            <a:endParaRPr lang="en-GB" dirty="0"/>
           </a:p>
         </p:txBody>
       </p:sp>
     </p:spTree>
     <p:extLst>
       <p:ext uri="{BB962C8B-B14F-4D97-AF65-F5344CB8AC3E}">
-        <p14:creationId xmlns:p14="http://schemas.microsoft.com/office/powerpoint/2010/main" val="1112047457"/>
+        <p14:creationId xmlns:p14="http://schemas.microsoft.com/office/powerpoint/2010/main" val="3442094441"/>
       </p:ext>
     </p:extLst>
   </p:cSld>

--- a/sales Circly.pptx
+++ b/sales Circly.pptx
@@ -1940,6 +1940,753 @@
     <dgm:fillClrLst meth="repeat">
       <a:schemeClr val="accent2">
         <a:tint val="40000"/>
+      </a:schemeClr>
+    </dgm:fillClrLst>
+    <dgm:linClrLst meth="repeat">
+      <a:schemeClr val="lt1"/>
+    </dgm:linClrLst>
+    <dgm:effectClrLst/>
+    <dgm:txLinClrLst/>
+    <dgm:txFillClrLst meth="repeat">
+      <a:schemeClr val="dk1"/>
+    </dgm:txFillClrLst>
+    <dgm:txEffectClrLst/>
+  </dgm:styleLbl>
+  <dgm:styleLbl name="revTx">
+    <dgm:fillClrLst meth="repeat">
+      <a:schemeClr val="lt1">
+        <a:alpha val="0"/>
+      </a:schemeClr>
+    </dgm:fillClrLst>
+    <dgm:linClrLst meth="repeat">
+      <a:schemeClr val="dk1">
+        <a:alpha val="0"/>
+      </a:schemeClr>
+    </dgm:linClrLst>
+    <dgm:effectClrLst/>
+    <dgm:txLinClrLst/>
+    <dgm:txFillClrLst meth="repeat">
+      <a:schemeClr val="tx1"/>
+    </dgm:txFillClrLst>
+    <dgm:txEffectClrLst/>
+  </dgm:styleLbl>
+</dgm:colorsDef>
+</file>
+
+<file path=ppt/diagrams/colors3.xml><?xml version="1.0" encoding="utf-8"?>
+<dgm:colorsDef xmlns:dgm="http://schemas.openxmlformats.org/drawingml/2006/diagram" xmlns:a="http://schemas.openxmlformats.org/drawingml/2006/main" uniqueId="urn:microsoft.com/office/officeart/2005/8/colors/accent2_2">
+  <dgm:title val=""/>
+  <dgm:desc val=""/>
+  <dgm:catLst>
+    <dgm:cat type="accent2" pri="11200"/>
+  </dgm:catLst>
+  <dgm:styleLbl name="node0">
+    <dgm:fillClrLst meth="repeat">
+      <a:schemeClr val="accent2"/>
+    </dgm:fillClrLst>
+    <dgm:linClrLst meth="repeat">
+      <a:schemeClr val="lt1"/>
+    </dgm:linClrLst>
+    <dgm:effectClrLst/>
+    <dgm:txLinClrLst/>
+    <dgm:txFillClrLst/>
+    <dgm:txEffectClrLst/>
+  </dgm:styleLbl>
+  <dgm:styleLbl name="node1">
+    <dgm:fillClrLst meth="repeat">
+      <a:schemeClr val="accent2"/>
+    </dgm:fillClrLst>
+    <dgm:linClrLst meth="repeat">
+      <a:schemeClr val="lt1"/>
+    </dgm:linClrLst>
+    <dgm:effectClrLst/>
+    <dgm:txLinClrLst/>
+    <dgm:txFillClrLst/>
+    <dgm:txEffectClrLst/>
+  </dgm:styleLbl>
+  <dgm:styleLbl name="alignNode1">
+    <dgm:fillClrLst meth="repeat">
+      <a:schemeClr val="accent2"/>
+    </dgm:fillClrLst>
+    <dgm:linClrLst meth="repeat">
+      <a:schemeClr val="accent2"/>
+    </dgm:linClrLst>
+    <dgm:effectClrLst/>
+    <dgm:txLinClrLst/>
+    <dgm:txFillClrLst/>
+    <dgm:txEffectClrLst/>
+  </dgm:styleLbl>
+  <dgm:styleLbl name="lnNode1">
+    <dgm:fillClrLst meth="repeat">
+      <a:schemeClr val="accent2"/>
+    </dgm:fillClrLst>
+    <dgm:linClrLst meth="repeat">
+      <a:schemeClr val="lt1"/>
+    </dgm:linClrLst>
+    <dgm:effectClrLst/>
+    <dgm:txLinClrLst/>
+    <dgm:txFillClrLst/>
+    <dgm:txEffectClrLst/>
+  </dgm:styleLbl>
+  <dgm:styleLbl name="vennNode1">
+    <dgm:fillClrLst meth="repeat">
+      <a:schemeClr val="accent2">
+        <a:alpha val="50000"/>
+      </a:schemeClr>
+    </dgm:fillClrLst>
+    <dgm:linClrLst meth="repeat">
+      <a:schemeClr val="lt1"/>
+    </dgm:linClrLst>
+    <dgm:effectClrLst/>
+    <dgm:txLinClrLst/>
+    <dgm:txFillClrLst/>
+    <dgm:txEffectClrLst/>
+  </dgm:styleLbl>
+  <dgm:styleLbl name="node2">
+    <dgm:fillClrLst meth="repeat">
+      <a:schemeClr val="accent2"/>
+    </dgm:fillClrLst>
+    <dgm:linClrLst meth="repeat">
+      <a:schemeClr val="lt1"/>
+    </dgm:linClrLst>
+    <dgm:effectClrLst/>
+    <dgm:txLinClrLst/>
+    <dgm:txFillClrLst/>
+    <dgm:txEffectClrLst/>
+  </dgm:styleLbl>
+  <dgm:styleLbl name="node3">
+    <dgm:fillClrLst meth="repeat">
+      <a:schemeClr val="accent2"/>
+    </dgm:fillClrLst>
+    <dgm:linClrLst meth="repeat">
+      <a:schemeClr val="lt1"/>
+    </dgm:linClrLst>
+    <dgm:effectClrLst/>
+    <dgm:txLinClrLst/>
+    <dgm:txFillClrLst/>
+    <dgm:txEffectClrLst/>
+  </dgm:styleLbl>
+  <dgm:styleLbl name="node4">
+    <dgm:fillClrLst meth="repeat">
+      <a:schemeClr val="accent2"/>
+    </dgm:fillClrLst>
+    <dgm:linClrLst meth="repeat">
+      <a:schemeClr val="lt1"/>
+    </dgm:linClrLst>
+    <dgm:effectClrLst/>
+    <dgm:txLinClrLst/>
+    <dgm:txFillClrLst/>
+    <dgm:txEffectClrLst/>
+  </dgm:styleLbl>
+  <dgm:styleLbl name="fgImgPlace1">
+    <dgm:fillClrLst meth="repeat">
+      <a:schemeClr val="accent2">
+        <a:tint val="50000"/>
+      </a:schemeClr>
+    </dgm:fillClrLst>
+    <dgm:linClrLst meth="repeat">
+      <a:schemeClr val="lt1"/>
+    </dgm:linClrLst>
+    <dgm:effectClrLst/>
+    <dgm:txLinClrLst/>
+    <dgm:txFillClrLst meth="repeat">
+      <a:schemeClr val="lt1"/>
+    </dgm:txFillClrLst>
+    <dgm:txEffectClrLst/>
+  </dgm:styleLbl>
+  <dgm:styleLbl name="alignImgPlace1">
+    <dgm:fillClrLst meth="repeat">
+      <a:schemeClr val="accent2">
+        <a:tint val="50000"/>
+      </a:schemeClr>
+    </dgm:fillClrLst>
+    <dgm:linClrLst meth="repeat">
+      <a:schemeClr val="lt1"/>
+    </dgm:linClrLst>
+    <dgm:effectClrLst/>
+    <dgm:txLinClrLst/>
+    <dgm:txFillClrLst meth="repeat">
+      <a:schemeClr val="lt1"/>
+    </dgm:txFillClrLst>
+    <dgm:txEffectClrLst/>
+  </dgm:styleLbl>
+  <dgm:styleLbl name="bgImgPlace1">
+    <dgm:fillClrLst meth="repeat">
+      <a:schemeClr val="accent2">
+        <a:tint val="50000"/>
+      </a:schemeClr>
+    </dgm:fillClrLst>
+    <dgm:linClrLst meth="repeat">
+      <a:schemeClr val="lt1"/>
+    </dgm:linClrLst>
+    <dgm:effectClrLst/>
+    <dgm:txLinClrLst/>
+    <dgm:txFillClrLst meth="repeat">
+      <a:schemeClr val="lt1"/>
+    </dgm:txFillClrLst>
+    <dgm:txEffectClrLst/>
+  </dgm:styleLbl>
+  <dgm:styleLbl name="sibTrans2D1">
+    <dgm:fillClrLst meth="repeat">
+      <a:schemeClr val="accent2">
+        <a:tint val="60000"/>
+      </a:schemeClr>
+    </dgm:fillClrLst>
+    <dgm:linClrLst meth="repeat">
+      <a:schemeClr val="accent2">
+        <a:tint val="60000"/>
+      </a:schemeClr>
+    </dgm:linClrLst>
+    <dgm:effectClrLst/>
+    <dgm:txLinClrLst/>
+    <dgm:txFillClrLst/>
+    <dgm:txEffectClrLst/>
+  </dgm:styleLbl>
+  <dgm:styleLbl name="fgSibTrans2D1">
+    <dgm:fillClrLst meth="repeat">
+      <a:schemeClr val="accent2">
+        <a:tint val="60000"/>
+      </a:schemeClr>
+    </dgm:fillClrLst>
+    <dgm:linClrLst meth="repeat">
+      <a:schemeClr val="accent2">
+        <a:tint val="60000"/>
+      </a:schemeClr>
+    </dgm:linClrLst>
+    <dgm:effectClrLst/>
+    <dgm:txLinClrLst/>
+    <dgm:txFillClrLst/>
+    <dgm:txEffectClrLst/>
+  </dgm:styleLbl>
+  <dgm:styleLbl name="bgSibTrans2D1">
+    <dgm:fillClrLst meth="repeat">
+      <a:schemeClr val="accent2">
+        <a:tint val="60000"/>
+      </a:schemeClr>
+    </dgm:fillClrLst>
+    <dgm:linClrLst meth="repeat">
+      <a:schemeClr val="accent2">
+        <a:tint val="60000"/>
+      </a:schemeClr>
+    </dgm:linClrLst>
+    <dgm:effectClrLst/>
+    <dgm:txLinClrLst/>
+    <dgm:txFillClrLst/>
+    <dgm:txEffectClrLst/>
+  </dgm:styleLbl>
+  <dgm:styleLbl name="sibTrans1D1">
+    <dgm:fillClrLst meth="repeat">
+      <a:schemeClr val="accent2"/>
+    </dgm:fillClrLst>
+    <dgm:linClrLst meth="repeat">
+      <a:schemeClr val="accent2"/>
+    </dgm:linClrLst>
+    <dgm:effectClrLst/>
+    <dgm:txLinClrLst/>
+    <dgm:txFillClrLst meth="repeat">
+      <a:schemeClr val="tx1"/>
+    </dgm:txFillClrLst>
+    <dgm:txEffectClrLst/>
+  </dgm:styleLbl>
+  <dgm:styleLbl name="callout">
+    <dgm:fillClrLst meth="repeat">
+      <a:schemeClr val="accent2"/>
+    </dgm:fillClrLst>
+    <dgm:linClrLst meth="repeat">
+      <a:schemeClr val="accent2">
+        <a:tint val="50000"/>
+      </a:schemeClr>
+    </dgm:linClrLst>
+    <dgm:effectClrLst/>
+    <dgm:txLinClrLst/>
+    <dgm:txFillClrLst meth="repeat">
+      <a:schemeClr val="tx1"/>
+    </dgm:txFillClrLst>
+    <dgm:txEffectClrLst/>
+  </dgm:styleLbl>
+  <dgm:styleLbl name="asst0">
+    <dgm:fillClrLst meth="repeat">
+      <a:schemeClr val="accent2"/>
+    </dgm:fillClrLst>
+    <dgm:linClrLst meth="repeat">
+      <a:schemeClr val="lt1"/>
+    </dgm:linClrLst>
+    <dgm:effectClrLst/>
+    <dgm:txLinClrLst/>
+    <dgm:txFillClrLst/>
+    <dgm:txEffectClrLst/>
+  </dgm:styleLbl>
+  <dgm:styleLbl name="asst1">
+    <dgm:fillClrLst meth="repeat">
+      <a:schemeClr val="accent2"/>
+    </dgm:fillClrLst>
+    <dgm:linClrLst meth="repeat">
+      <a:schemeClr val="lt1"/>
+    </dgm:linClrLst>
+    <dgm:effectClrLst/>
+    <dgm:txLinClrLst/>
+    <dgm:txFillClrLst/>
+    <dgm:txEffectClrLst/>
+  </dgm:styleLbl>
+  <dgm:styleLbl name="asst2">
+    <dgm:fillClrLst meth="repeat">
+      <a:schemeClr val="accent2"/>
+    </dgm:fillClrLst>
+    <dgm:linClrLst meth="repeat">
+      <a:schemeClr val="lt1"/>
+    </dgm:linClrLst>
+    <dgm:effectClrLst/>
+    <dgm:txLinClrLst/>
+    <dgm:txFillClrLst/>
+    <dgm:txEffectClrLst/>
+  </dgm:styleLbl>
+  <dgm:styleLbl name="asst3">
+    <dgm:fillClrLst meth="repeat">
+      <a:schemeClr val="accent2"/>
+    </dgm:fillClrLst>
+    <dgm:linClrLst meth="repeat">
+      <a:schemeClr val="lt1"/>
+    </dgm:linClrLst>
+    <dgm:effectClrLst/>
+    <dgm:txLinClrLst/>
+    <dgm:txFillClrLst/>
+    <dgm:txEffectClrLst/>
+  </dgm:styleLbl>
+  <dgm:styleLbl name="asst4">
+    <dgm:fillClrLst meth="repeat">
+      <a:schemeClr val="accent2"/>
+    </dgm:fillClrLst>
+    <dgm:linClrLst meth="repeat">
+      <a:schemeClr val="lt1"/>
+    </dgm:linClrLst>
+    <dgm:effectClrLst/>
+    <dgm:txLinClrLst/>
+    <dgm:txFillClrLst/>
+    <dgm:txEffectClrLst/>
+  </dgm:styleLbl>
+  <dgm:styleLbl name="parChTrans2D1">
+    <dgm:fillClrLst meth="repeat">
+      <a:schemeClr val="accent2">
+        <a:tint val="60000"/>
+      </a:schemeClr>
+    </dgm:fillClrLst>
+    <dgm:linClrLst meth="repeat">
+      <a:schemeClr val="accent2">
+        <a:tint val="60000"/>
+      </a:schemeClr>
+    </dgm:linClrLst>
+    <dgm:effectClrLst/>
+    <dgm:txLinClrLst/>
+    <dgm:txFillClrLst meth="repeat">
+      <a:schemeClr val="lt1"/>
+    </dgm:txFillClrLst>
+    <dgm:txEffectClrLst/>
+  </dgm:styleLbl>
+  <dgm:styleLbl name="parChTrans2D2">
+    <dgm:fillClrLst meth="repeat">
+      <a:schemeClr val="accent2"/>
+    </dgm:fillClrLst>
+    <dgm:linClrLst meth="repeat">
+      <a:schemeClr val="accent2"/>
+    </dgm:linClrLst>
+    <dgm:effectClrLst/>
+    <dgm:txLinClrLst/>
+    <dgm:txFillClrLst meth="repeat">
+      <a:schemeClr val="lt1"/>
+    </dgm:txFillClrLst>
+    <dgm:txEffectClrLst/>
+  </dgm:styleLbl>
+  <dgm:styleLbl name="parChTrans2D3">
+    <dgm:fillClrLst meth="repeat">
+      <a:schemeClr val="accent2"/>
+    </dgm:fillClrLst>
+    <dgm:linClrLst meth="repeat">
+      <a:schemeClr val="accent2"/>
+    </dgm:linClrLst>
+    <dgm:effectClrLst/>
+    <dgm:txLinClrLst/>
+    <dgm:txFillClrLst meth="repeat">
+      <a:schemeClr val="lt1"/>
+    </dgm:txFillClrLst>
+    <dgm:txEffectClrLst/>
+  </dgm:styleLbl>
+  <dgm:styleLbl name="parChTrans2D4">
+    <dgm:fillClrLst meth="repeat">
+      <a:schemeClr val="accent2"/>
+    </dgm:fillClrLst>
+    <dgm:linClrLst meth="repeat">
+      <a:schemeClr val="accent2"/>
+    </dgm:linClrLst>
+    <dgm:effectClrLst/>
+    <dgm:txLinClrLst/>
+    <dgm:txFillClrLst meth="repeat">
+      <a:schemeClr val="lt1"/>
+    </dgm:txFillClrLst>
+    <dgm:txEffectClrLst/>
+  </dgm:styleLbl>
+  <dgm:styleLbl name="parChTrans1D1">
+    <dgm:fillClrLst meth="repeat">
+      <a:schemeClr val="accent2"/>
+    </dgm:fillClrLst>
+    <dgm:linClrLst meth="repeat">
+      <a:schemeClr val="accent2">
+        <a:shade val="60000"/>
+      </a:schemeClr>
+    </dgm:linClrLst>
+    <dgm:effectClrLst/>
+    <dgm:txLinClrLst/>
+    <dgm:txFillClrLst meth="repeat">
+      <a:schemeClr val="tx1"/>
+    </dgm:txFillClrLst>
+    <dgm:txEffectClrLst/>
+  </dgm:styleLbl>
+  <dgm:styleLbl name="parChTrans1D2">
+    <dgm:fillClrLst meth="repeat">
+      <a:schemeClr val="accent2"/>
+    </dgm:fillClrLst>
+    <dgm:linClrLst meth="repeat">
+      <a:schemeClr val="accent2">
+        <a:shade val="60000"/>
+      </a:schemeClr>
+    </dgm:linClrLst>
+    <dgm:effectClrLst/>
+    <dgm:txLinClrLst/>
+    <dgm:txFillClrLst meth="repeat">
+      <a:schemeClr val="tx1"/>
+    </dgm:txFillClrLst>
+    <dgm:txEffectClrLst/>
+  </dgm:styleLbl>
+  <dgm:styleLbl name="parChTrans1D3">
+    <dgm:fillClrLst meth="repeat">
+      <a:schemeClr val="accent2"/>
+    </dgm:fillClrLst>
+    <dgm:linClrLst meth="repeat">
+      <a:schemeClr val="accent2">
+        <a:shade val="80000"/>
+      </a:schemeClr>
+    </dgm:linClrLst>
+    <dgm:effectClrLst/>
+    <dgm:txLinClrLst/>
+    <dgm:txFillClrLst meth="repeat">
+      <a:schemeClr val="tx1"/>
+    </dgm:txFillClrLst>
+    <dgm:txEffectClrLst/>
+  </dgm:styleLbl>
+  <dgm:styleLbl name="parChTrans1D4">
+    <dgm:fillClrLst meth="repeat">
+      <a:schemeClr val="accent2"/>
+    </dgm:fillClrLst>
+    <dgm:linClrLst meth="repeat">
+      <a:schemeClr val="accent2">
+        <a:shade val="80000"/>
+      </a:schemeClr>
+    </dgm:linClrLst>
+    <dgm:effectClrLst/>
+    <dgm:txLinClrLst/>
+    <dgm:txFillClrLst meth="repeat">
+      <a:schemeClr val="tx1"/>
+    </dgm:txFillClrLst>
+    <dgm:txEffectClrLst/>
+  </dgm:styleLbl>
+  <dgm:styleLbl name="fgAcc1">
+    <dgm:fillClrLst meth="repeat">
+      <a:schemeClr val="lt1">
+        <a:alpha val="90000"/>
+      </a:schemeClr>
+    </dgm:fillClrLst>
+    <dgm:linClrLst meth="repeat">
+      <a:schemeClr val="accent2"/>
+    </dgm:linClrLst>
+    <dgm:effectClrLst/>
+    <dgm:txLinClrLst/>
+    <dgm:txFillClrLst meth="repeat">
+      <a:schemeClr val="dk1"/>
+    </dgm:txFillClrLst>
+    <dgm:txEffectClrLst/>
+  </dgm:styleLbl>
+  <dgm:styleLbl name="conFgAcc1">
+    <dgm:fillClrLst meth="repeat">
+      <a:schemeClr val="lt1">
+        <a:alpha val="90000"/>
+      </a:schemeClr>
+    </dgm:fillClrLst>
+    <dgm:linClrLst meth="repeat">
+      <a:schemeClr val="accent2"/>
+    </dgm:linClrLst>
+    <dgm:effectClrLst/>
+    <dgm:txLinClrLst/>
+    <dgm:txFillClrLst meth="repeat">
+      <a:schemeClr val="dk1"/>
+    </dgm:txFillClrLst>
+    <dgm:txEffectClrLst/>
+  </dgm:styleLbl>
+  <dgm:styleLbl name="alignAcc1">
+    <dgm:fillClrLst meth="repeat">
+      <a:schemeClr val="lt1">
+        <a:alpha val="90000"/>
+      </a:schemeClr>
+    </dgm:fillClrLst>
+    <dgm:linClrLst meth="repeat">
+      <a:schemeClr val="accent2"/>
+    </dgm:linClrLst>
+    <dgm:effectClrLst/>
+    <dgm:txLinClrLst/>
+    <dgm:txFillClrLst meth="repeat">
+      <a:schemeClr val="dk1"/>
+    </dgm:txFillClrLst>
+    <dgm:txEffectClrLst/>
+  </dgm:styleLbl>
+  <dgm:styleLbl name="trAlignAcc1">
+    <dgm:fillClrLst meth="repeat">
+      <a:schemeClr val="lt1">
+        <a:alpha val="40000"/>
+      </a:schemeClr>
+    </dgm:fillClrLst>
+    <dgm:linClrLst meth="repeat">
+      <a:schemeClr val="accent2"/>
+    </dgm:linClrLst>
+    <dgm:effectClrLst/>
+    <dgm:txLinClrLst/>
+    <dgm:txFillClrLst meth="repeat">
+      <a:schemeClr val="dk1"/>
+    </dgm:txFillClrLst>
+    <dgm:txEffectClrLst/>
+  </dgm:styleLbl>
+  <dgm:styleLbl name="bgAcc1">
+    <dgm:fillClrLst meth="repeat">
+      <a:schemeClr val="lt1">
+        <a:alpha val="90000"/>
+      </a:schemeClr>
+    </dgm:fillClrLst>
+    <dgm:linClrLst meth="repeat">
+      <a:schemeClr val="accent2"/>
+    </dgm:linClrLst>
+    <dgm:effectClrLst/>
+    <dgm:txLinClrLst/>
+    <dgm:txFillClrLst meth="repeat">
+      <a:schemeClr val="dk1"/>
+    </dgm:txFillClrLst>
+    <dgm:txEffectClrLst/>
+  </dgm:styleLbl>
+  <dgm:styleLbl name="solidFgAcc1">
+    <dgm:fillClrLst meth="repeat">
+      <a:schemeClr val="lt1"/>
+    </dgm:fillClrLst>
+    <dgm:linClrLst meth="repeat">
+      <a:schemeClr val="accent2"/>
+    </dgm:linClrLst>
+    <dgm:effectClrLst/>
+    <dgm:txLinClrLst/>
+    <dgm:txFillClrLst meth="repeat">
+      <a:schemeClr val="dk1"/>
+    </dgm:txFillClrLst>
+    <dgm:txEffectClrLst/>
+  </dgm:styleLbl>
+  <dgm:styleLbl name="solidAlignAcc1">
+    <dgm:fillClrLst meth="repeat">
+      <a:schemeClr val="lt1"/>
+    </dgm:fillClrLst>
+    <dgm:linClrLst meth="repeat">
+      <a:schemeClr val="accent2"/>
+    </dgm:linClrLst>
+    <dgm:effectClrLst/>
+    <dgm:txLinClrLst/>
+    <dgm:txFillClrLst meth="repeat">
+      <a:schemeClr val="dk1"/>
+    </dgm:txFillClrLst>
+    <dgm:txEffectClrLst/>
+  </dgm:styleLbl>
+  <dgm:styleLbl name="solidBgAcc1">
+    <dgm:fillClrLst meth="repeat">
+      <a:schemeClr val="lt1"/>
+    </dgm:fillClrLst>
+    <dgm:linClrLst meth="repeat">
+      <a:schemeClr val="accent2"/>
+    </dgm:linClrLst>
+    <dgm:effectClrLst/>
+    <dgm:txLinClrLst/>
+    <dgm:txFillClrLst meth="repeat">
+      <a:schemeClr val="dk1"/>
+    </dgm:txFillClrLst>
+    <dgm:txEffectClrLst/>
+  </dgm:styleLbl>
+  <dgm:styleLbl name="fgAccFollowNode1">
+    <dgm:fillClrLst meth="repeat">
+      <a:schemeClr val="accent2">
+        <a:alpha val="90000"/>
+        <a:tint val="40000"/>
+      </a:schemeClr>
+    </dgm:fillClrLst>
+    <dgm:linClrLst meth="repeat">
+      <a:schemeClr val="accent2">
+        <a:alpha val="90000"/>
+        <a:tint val="40000"/>
+      </a:schemeClr>
+    </dgm:linClrLst>
+    <dgm:effectClrLst/>
+    <dgm:txLinClrLst/>
+    <dgm:txFillClrLst meth="repeat">
+      <a:schemeClr val="dk1"/>
+    </dgm:txFillClrLst>
+    <dgm:txEffectClrLst/>
+  </dgm:styleLbl>
+  <dgm:styleLbl name="alignAccFollowNode1">
+    <dgm:fillClrLst meth="repeat">
+      <a:schemeClr val="accent2">
+        <a:alpha val="90000"/>
+        <a:tint val="40000"/>
+      </a:schemeClr>
+    </dgm:fillClrLst>
+    <dgm:linClrLst meth="repeat">
+      <a:schemeClr val="accent2">
+        <a:alpha val="90000"/>
+        <a:tint val="40000"/>
+      </a:schemeClr>
+    </dgm:linClrLst>
+    <dgm:effectClrLst/>
+    <dgm:txLinClrLst/>
+    <dgm:txFillClrLst meth="repeat">
+      <a:schemeClr val="dk1"/>
+    </dgm:txFillClrLst>
+    <dgm:txEffectClrLst/>
+  </dgm:styleLbl>
+  <dgm:styleLbl name="bgAccFollowNode1">
+    <dgm:fillClrLst meth="repeat">
+      <a:schemeClr val="accent2">
+        <a:alpha val="90000"/>
+        <a:tint val="40000"/>
+      </a:schemeClr>
+    </dgm:fillClrLst>
+    <dgm:linClrLst meth="repeat">
+      <a:schemeClr val="accent2">
+        <a:alpha val="90000"/>
+        <a:tint val="40000"/>
+      </a:schemeClr>
+    </dgm:linClrLst>
+    <dgm:effectClrLst/>
+    <dgm:txLinClrLst/>
+    <dgm:txFillClrLst meth="repeat">
+      <a:schemeClr val="dk1"/>
+    </dgm:txFillClrLst>
+    <dgm:txEffectClrLst/>
+  </dgm:styleLbl>
+  <dgm:styleLbl name="fgAcc0">
+    <dgm:fillClrLst meth="repeat">
+      <a:schemeClr val="lt1">
+        <a:alpha val="90000"/>
+      </a:schemeClr>
+    </dgm:fillClrLst>
+    <dgm:linClrLst meth="repeat">
+      <a:schemeClr val="accent2"/>
+    </dgm:linClrLst>
+    <dgm:effectClrLst/>
+    <dgm:txLinClrLst/>
+    <dgm:txFillClrLst meth="repeat">
+      <a:schemeClr val="dk1"/>
+    </dgm:txFillClrLst>
+    <dgm:txEffectClrLst/>
+  </dgm:styleLbl>
+  <dgm:styleLbl name="fgAcc2">
+    <dgm:fillClrLst meth="repeat">
+      <a:schemeClr val="lt1">
+        <a:alpha val="90000"/>
+      </a:schemeClr>
+    </dgm:fillClrLst>
+    <dgm:linClrLst meth="repeat">
+      <a:schemeClr val="accent2"/>
+    </dgm:linClrLst>
+    <dgm:effectClrLst/>
+    <dgm:txLinClrLst/>
+    <dgm:txFillClrLst meth="repeat">
+      <a:schemeClr val="dk1"/>
+    </dgm:txFillClrLst>
+    <dgm:txEffectClrLst/>
+  </dgm:styleLbl>
+  <dgm:styleLbl name="fgAcc3">
+    <dgm:fillClrLst meth="repeat">
+      <a:schemeClr val="lt1">
+        <a:alpha val="90000"/>
+      </a:schemeClr>
+    </dgm:fillClrLst>
+    <dgm:linClrLst meth="repeat">
+      <a:schemeClr val="accent2"/>
+    </dgm:linClrLst>
+    <dgm:effectClrLst/>
+    <dgm:txLinClrLst/>
+    <dgm:txFillClrLst meth="repeat">
+      <a:schemeClr val="dk1"/>
+    </dgm:txFillClrLst>
+    <dgm:txEffectClrLst/>
+  </dgm:styleLbl>
+  <dgm:styleLbl name="fgAcc4">
+    <dgm:fillClrLst meth="repeat">
+      <a:schemeClr val="lt1">
+        <a:alpha val="90000"/>
+      </a:schemeClr>
+    </dgm:fillClrLst>
+    <dgm:linClrLst meth="repeat">
+      <a:schemeClr val="accent2"/>
+    </dgm:linClrLst>
+    <dgm:effectClrLst/>
+    <dgm:txLinClrLst/>
+    <dgm:txFillClrLst meth="repeat">
+      <a:schemeClr val="dk1"/>
+    </dgm:txFillClrLst>
+    <dgm:txEffectClrLst/>
+  </dgm:styleLbl>
+  <dgm:styleLbl name="bgShp">
+    <dgm:fillClrLst meth="repeat">
+      <a:schemeClr val="accent2">
+        <a:tint val="40000"/>
+      </a:schemeClr>
+    </dgm:fillClrLst>
+    <dgm:linClrLst meth="repeat">
+      <a:schemeClr val="accent2"/>
+    </dgm:linClrLst>
+    <dgm:effectClrLst/>
+    <dgm:txLinClrLst/>
+    <dgm:txFillClrLst meth="repeat">
+      <a:schemeClr val="dk1"/>
+    </dgm:txFillClrLst>
+    <dgm:txEffectClrLst/>
+  </dgm:styleLbl>
+  <dgm:styleLbl name="dkBgShp">
+    <dgm:fillClrLst meth="repeat">
+      <a:schemeClr val="accent2">
+        <a:shade val="80000"/>
+      </a:schemeClr>
+    </dgm:fillClrLst>
+    <dgm:linClrLst meth="repeat">
+      <a:schemeClr val="accent2"/>
+    </dgm:linClrLst>
+    <dgm:effectClrLst/>
+    <dgm:txLinClrLst/>
+    <dgm:txFillClrLst meth="repeat">
+      <a:schemeClr val="lt1"/>
+    </dgm:txFillClrLst>
+    <dgm:txEffectClrLst/>
+  </dgm:styleLbl>
+  <dgm:styleLbl name="trBgShp">
+    <dgm:fillClrLst meth="repeat">
+      <a:schemeClr val="accent2">
+        <a:tint val="50000"/>
+        <a:alpha val="40000"/>
+      </a:schemeClr>
+    </dgm:fillClrLst>
+    <dgm:linClrLst meth="repeat">
+      <a:schemeClr val="accent2"/>
+    </dgm:linClrLst>
+    <dgm:effectClrLst/>
+    <dgm:txLinClrLst/>
+    <dgm:txFillClrLst meth="repeat">
+      <a:schemeClr val="lt1"/>
+    </dgm:txFillClrLst>
+    <dgm:txEffectClrLst/>
+  </dgm:styleLbl>
+  <dgm:styleLbl name="fgShp">
+    <dgm:fillClrLst meth="repeat">
+      <a:schemeClr val="accent2">
+        <a:tint val="60000"/>
       </a:schemeClr>
     </dgm:fillClrLst>
     <dgm:linClrLst meth="repeat">
@@ -2723,6 +3470,161 @@
 </dgm:dataModel>
 </file>
 
+<file path=ppt/diagrams/data3.xml><?xml version="1.0" encoding="utf-8"?>
+<dgm:dataModel xmlns:dgm="http://schemas.openxmlformats.org/drawingml/2006/diagram" xmlns:a="http://schemas.openxmlformats.org/drawingml/2006/main">
+  <dgm:ptLst>
+    <dgm:pt modelId="{21C4A847-E78D-4E95-B03F-F1D441D273F0}" type="doc">
+      <dgm:prSet loTypeId="urn:microsoft.com/office/officeart/2005/8/layout/cycle6" loCatId="cycle" qsTypeId="urn:microsoft.com/office/officeart/2005/8/quickstyle/simple1" qsCatId="simple" csTypeId="urn:microsoft.com/office/officeart/2005/8/colors/accent2_2" csCatId="accent2"/>
+      <dgm:spPr/>
+      <dgm:t>
+        <a:bodyPr/>
+        <a:lstStyle/>
+        <a:p>
+          <a:endParaRPr lang="en-US"/>
+        </a:p>
+      </dgm:t>
+    </dgm:pt>
+    <dgm:pt modelId="{748DADF9-4DB5-4007-A47B-F0231DF034D0}">
+      <dgm:prSet/>
+      <dgm:spPr/>
+      <dgm:t>
+        <a:bodyPr/>
+        <a:lstStyle/>
+        <a:p>
+          <a:r>
+            <a:rPr lang="en-GB"/>
+            <a:t>Importing the CSV file containing historical sales data</a:t>
+          </a:r>
+          <a:endParaRPr lang="en-US"/>
+        </a:p>
+      </dgm:t>
+    </dgm:pt>
+    <dgm:pt modelId="{75426736-6D9F-4CB7-A0C1-D0A443BDCB04}" type="parTrans" cxnId="{F3926F58-EC68-4C7B-A952-82E4D57101B4}">
+      <dgm:prSet/>
+      <dgm:spPr/>
+      <dgm:t>
+        <a:bodyPr/>
+        <a:lstStyle/>
+        <a:p>
+          <a:endParaRPr lang="en-US"/>
+        </a:p>
+      </dgm:t>
+    </dgm:pt>
+    <dgm:pt modelId="{23653F89-B2ED-44BA-B0EA-CB0342CCE20A}" type="sibTrans" cxnId="{F3926F58-EC68-4C7B-A952-82E4D57101B4}">
+      <dgm:prSet/>
+      <dgm:spPr/>
+      <dgm:t>
+        <a:bodyPr/>
+        <a:lstStyle/>
+        <a:p>
+          <a:endParaRPr lang="en-US"/>
+        </a:p>
+      </dgm:t>
+    </dgm:pt>
+    <dgm:pt modelId="{F83076C7-AF95-4460-B62A-546E1430F155}">
+      <dgm:prSet/>
+      <dgm:spPr/>
+      <dgm:t>
+        <a:bodyPr/>
+        <a:lstStyle/>
+        <a:p>
+          <a:r>
+            <a:rPr lang="en-GB"/>
+            <a:t>Initial data checks to ensure data integrity and correctness</a:t>
+          </a:r>
+          <a:endParaRPr lang="en-US"/>
+        </a:p>
+      </dgm:t>
+    </dgm:pt>
+    <dgm:pt modelId="{4BD58B4F-B923-4E7A-9921-20585B710B88}" type="parTrans" cxnId="{8C063FAE-6907-4E81-AED7-43B6922CEB2A}">
+      <dgm:prSet/>
+      <dgm:spPr/>
+      <dgm:t>
+        <a:bodyPr/>
+        <a:lstStyle/>
+        <a:p>
+          <a:endParaRPr lang="en-US"/>
+        </a:p>
+      </dgm:t>
+    </dgm:pt>
+    <dgm:pt modelId="{BC67202F-CA6F-4DF6-ABFF-D3DE57002420}" type="sibTrans" cxnId="{8C063FAE-6907-4E81-AED7-43B6922CEB2A}">
+      <dgm:prSet/>
+      <dgm:spPr/>
+      <dgm:t>
+        <a:bodyPr/>
+        <a:lstStyle/>
+        <a:p>
+          <a:endParaRPr lang="en-US"/>
+        </a:p>
+      </dgm:t>
+    </dgm:pt>
+    <dgm:pt modelId="{0B377381-4D9C-124C-B4D7-C1D51F3BC9AC}" type="pres">
+      <dgm:prSet presAssocID="{21C4A847-E78D-4E95-B03F-F1D441D273F0}" presName="cycle" presStyleCnt="0">
+        <dgm:presLayoutVars>
+          <dgm:dir/>
+          <dgm:resizeHandles val="exact"/>
+        </dgm:presLayoutVars>
+      </dgm:prSet>
+      <dgm:spPr/>
+    </dgm:pt>
+    <dgm:pt modelId="{C1C7835D-F627-3640-A86B-9951458A6172}" type="pres">
+      <dgm:prSet presAssocID="{748DADF9-4DB5-4007-A47B-F0231DF034D0}" presName="node" presStyleLbl="node1" presStyleIdx="0" presStyleCnt="2">
+        <dgm:presLayoutVars>
+          <dgm:bulletEnabled val="1"/>
+        </dgm:presLayoutVars>
+      </dgm:prSet>
+      <dgm:spPr/>
+    </dgm:pt>
+    <dgm:pt modelId="{6A981D9C-0C5E-134B-962E-D010CD56C344}" type="pres">
+      <dgm:prSet presAssocID="{748DADF9-4DB5-4007-A47B-F0231DF034D0}" presName="spNode" presStyleCnt="0"/>
+      <dgm:spPr/>
+    </dgm:pt>
+    <dgm:pt modelId="{1B0B3FDD-2AB3-3E47-BCF6-8F56B50237DD}" type="pres">
+      <dgm:prSet presAssocID="{23653F89-B2ED-44BA-B0EA-CB0342CCE20A}" presName="sibTrans" presStyleLbl="sibTrans1D1" presStyleIdx="0" presStyleCnt="2"/>
+      <dgm:spPr/>
+    </dgm:pt>
+    <dgm:pt modelId="{5D99AD6D-77A0-F348-AEA8-08DE5D7E56E4}" type="pres">
+      <dgm:prSet presAssocID="{F83076C7-AF95-4460-B62A-546E1430F155}" presName="node" presStyleLbl="node1" presStyleIdx="1" presStyleCnt="2">
+        <dgm:presLayoutVars>
+          <dgm:bulletEnabled val="1"/>
+        </dgm:presLayoutVars>
+      </dgm:prSet>
+      <dgm:spPr/>
+    </dgm:pt>
+    <dgm:pt modelId="{A5DE5BA9-25D9-4A41-838B-08BB4455562F}" type="pres">
+      <dgm:prSet presAssocID="{F83076C7-AF95-4460-B62A-546E1430F155}" presName="spNode" presStyleCnt="0"/>
+      <dgm:spPr/>
+    </dgm:pt>
+    <dgm:pt modelId="{EF88D9BD-5D2B-C54E-8DE0-F880BBA39F90}" type="pres">
+      <dgm:prSet presAssocID="{BC67202F-CA6F-4DF6-ABFF-D3DE57002420}" presName="sibTrans" presStyleLbl="sibTrans1D1" presStyleIdx="1" presStyleCnt="2"/>
+      <dgm:spPr/>
+    </dgm:pt>
+  </dgm:ptLst>
+  <dgm:cxnLst>
+    <dgm:cxn modelId="{F3926F58-EC68-4C7B-A952-82E4D57101B4}" srcId="{21C4A847-E78D-4E95-B03F-F1D441D273F0}" destId="{748DADF9-4DB5-4007-A47B-F0231DF034D0}" srcOrd="0" destOrd="0" parTransId="{75426736-6D9F-4CB7-A0C1-D0A443BDCB04}" sibTransId="{23653F89-B2ED-44BA-B0EA-CB0342CCE20A}"/>
+    <dgm:cxn modelId="{5441BF5A-AD12-C342-B386-1C790189C9DF}" type="presOf" srcId="{F83076C7-AF95-4460-B62A-546E1430F155}" destId="{5D99AD6D-77A0-F348-AEA8-08DE5D7E56E4}" srcOrd="0" destOrd="0" presId="urn:microsoft.com/office/officeart/2005/8/layout/cycle6"/>
+    <dgm:cxn modelId="{963790A8-6A7A-9941-AA5C-925C9AEC55E6}" type="presOf" srcId="{BC67202F-CA6F-4DF6-ABFF-D3DE57002420}" destId="{EF88D9BD-5D2B-C54E-8DE0-F880BBA39F90}" srcOrd="0" destOrd="0" presId="urn:microsoft.com/office/officeart/2005/8/layout/cycle6"/>
+    <dgm:cxn modelId="{2853CEA8-EF2F-874E-8856-788571E465C9}" type="presOf" srcId="{23653F89-B2ED-44BA-B0EA-CB0342CCE20A}" destId="{1B0B3FDD-2AB3-3E47-BCF6-8F56B50237DD}" srcOrd="0" destOrd="0" presId="urn:microsoft.com/office/officeart/2005/8/layout/cycle6"/>
+    <dgm:cxn modelId="{8C063FAE-6907-4E81-AED7-43B6922CEB2A}" srcId="{21C4A847-E78D-4E95-B03F-F1D441D273F0}" destId="{F83076C7-AF95-4460-B62A-546E1430F155}" srcOrd="1" destOrd="0" parTransId="{4BD58B4F-B923-4E7A-9921-20585B710B88}" sibTransId="{BC67202F-CA6F-4DF6-ABFF-D3DE57002420}"/>
+    <dgm:cxn modelId="{CFF3A4C4-0E96-3F49-85E7-929F8E36DE11}" type="presOf" srcId="{748DADF9-4DB5-4007-A47B-F0231DF034D0}" destId="{C1C7835D-F627-3640-A86B-9951458A6172}" srcOrd="0" destOrd="0" presId="urn:microsoft.com/office/officeart/2005/8/layout/cycle6"/>
+    <dgm:cxn modelId="{12B154FB-122D-4E4C-BD7D-9A52D45063F0}" type="presOf" srcId="{21C4A847-E78D-4E95-B03F-F1D441D273F0}" destId="{0B377381-4D9C-124C-B4D7-C1D51F3BC9AC}" srcOrd="0" destOrd="0" presId="urn:microsoft.com/office/officeart/2005/8/layout/cycle6"/>
+    <dgm:cxn modelId="{CC7A4A95-DE45-DB4F-9476-8810BF35729C}" type="presParOf" srcId="{0B377381-4D9C-124C-B4D7-C1D51F3BC9AC}" destId="{C1C7835D-F627-3640-A86B-9951458A6172}" srcOrd="0" destOrd="0" presId="urn:microsoft.com/office/officeart/2005/8/layout/cycle6"/>
+    <dgm:cxn modelId="{60573CB9-00F2-DD4D-95E8-7B03842513E1}" type="presParOf" srcId="{0B377381-4D9C-124C-B4D7-C1D51F3BC9AC}" destId="{6A981D9C-0C5E-134B-962E-D010CD56C344}" srcOrd="1" destOrd="0" presId="urn:microsoft.com/office/officeart/2005/8/layout/cycle6"/>
+    <dgm:cxn modelId="{87035CB5-503E-E14E-BC0D-3179E0C1FAA3}" type="presParOf" srcId="{0B377381-4D9C-124C-B4D7-C1D51F3BC9AC}" destId="{1B0B3FDD-2AB3-3E47-BCF6-8F56B50237DD}" srcOrd="2" destOrd="0" presId="urn:microsoft.com/office/officeart/2005/8/layout/cycle6"/>
+    <dgm:cxn modelId="{63C90360-8841-8044-839F-F4332EE79C66}" type="presParOf" srcId="{0B377381-4D9C-124C-B4D7-C1D51F3BC9AC}" destId="{5D99AD6D-77A0-F348-AEA8-08DE5D7E56E4}" srcOrd="3" destOrd="0" presId="urn:microsoft.com/office/officeart/2005/8/layout/cycle6"/>
+    <dgm:cxn modelId="{CDF52030-C29B-4E45-950B-0B4EE7424A76}" type="presParOf" srcId="{0B377381-4D9C-124C-B4D7-C1D51F3BC9AC}" destId="{A5DE5BA9-25D9-4A41-838B-08BB4455562F}" srcOrd="4" destOrd="0" presId="urn:microsoft.com/office/officeart/2005/8/layout/cycle6"/>
+    <dgm:cxn modelId="{254662C0-1E9B-A441-BDCD-C9E98C81F0A5}" type="presParOf" srcId="{0B377381-4D9C-124C-B4D7-C1D51F3BC9AC}" destId="{EF88D9BD-5D2B-C54E-8DE0-F880BBA39F90}" srcOrd="5" destOrd="0" presId="urn:microsoft.com/office/officeart/2005/8/layout/cycle6"/>
+  </dgm:cxnLst>
+  <dgm:bg/>
+  <dgm:whole/>
+  <dgm:extLst>
+    <a:ext uri="http://schemas.microsoft.com/office/drawing/2008/diagram">
+      <dsp:dataModelExt xmlns:dsp="http://schemas.microsoft.com/office/drawing/2008/diagram" relId="rId6" minVer="http://schemas.openxmlformats.org/drawingml/2006/diagram"/>
+    </a:ext>
+  </dgm:extLst>
+</dgm:dataModel>
+</file>
+
 <file path=ppt/diagrams/drawing1.xml><?xml version="1.0" encoding="utf-8"?>
 <dsp:drawing xmlns:dgm="http://schemas.openxmlformats.org/drawingml/2006/diagram" xmlns:dsp="http://schemas.microsoft.com/office/drawing/2008/diagram" xmlns:a="http://schemas.openxmlformats.org/drawingml/2006/main">
   <dsp:spTree>
@@ -3813,6 +4715,282 @@
         <a:off x="1332954" y="4330050"/>
         <a:ext cx="4907714" cy="1154072"/>
       </dsp:txXfrm>
+    </dsp:sp>
+  </dsp:spTree>
+</dsp:drawing>
+</file>
+
+<file path=ppt/diagrams/drawing3.xml><?xml version="1.0" encoding="utf-8"?>
+<dsp:drawing xmlns:dgm="http://schemas.openxmlformats.org/drawingml/2006/diagram" xmlns:dsp="http://schemas.microsoft.com/office/drawing/2008/diagram" xmlns:a="http://schemas.openxmlformats.org/drawingml/2006/main">
+  <dsp:spTree>
+    <dsp:nvGrpSpPr>
+      <dsp:cNvPr id="0" name=""/>
+      <dsp:cNvGrpSpPr/>
+    </dsp:nvGrpSpPr>
+    <dsp:grpSpPr/>
+    <dsp:sp modelId="{C1C7835D-F627-3640-A86B-9951458A6172}">
+      <dsp:nvSpPr>
+        <dsp:cNvPr id="0" name=""/>
+        <dsp:cNvSpPr/>
+      </dsp:nvSpPr>
+      <dsp:spPr>
+        <a:xfrm>
+          <a:off x="1226" y="1782849"/>
+          <a:ext cx="2713021" cy="1763464"/>
+        </a:xfrm>
+        <a:prstGeom prst="roundRect">
+          <a:avLst/>
+        </a:prstGeom>
+        <a:solidFill>
+          <a:schemeClr val="accent2">
+            <a:hueOff val="0"/>
+            <a:satOff val="0"/>
+            <a:lumOff val="0"/>
+            <a:alphaOff val="0"/>
+          </a:schemeClr>
+        </a:solidFill>
+        <a:ln w="12700" cap="flat" cmpd="sng" algn="ctr">
+          <a:solidFill>
+            <a:schemeClr val="lt1">
+              <a:hueOff val="0"/>
+              <a:satOff val="0"/>
+              <a:lumOff val="0"/>
+              <a:alphaOff val="0"/>
+            </a:schemeClr>
+          </a:solidFill>
+          <a:prstDash val="solid"/>
+          <a:miter lim="800000"/>
+        </a:ln>
+        <a:effectLst/>
+      </dsp:spPr>
+      <dsp:style>
+        <a:lnRef idx="2">
+          <a:scrgbClr r="0" g="0" b="0"/>
+        </a:lnRef>
+        <a:fillRef idx="1">
+          <a:scrgbClr r="0" g="0" b="0"/>
+        </a:fillRef>
+        <a:effectRef idx="0">
+          <a:scrgbClr r="0" g="0" b="0"/>
+        </a:effectRef>
+        <a:fontRef idx="minor">
+          <a:schemeClr val="lt1"/>
+        </a:fontRef>
+      </dsp:style>
+      <dsp:txBody>
+        <a:bodyPr spcFirstLastPara="0" vert="horz" wrap="square" lIns="95250" tIns="95250" rIns="95250" bIns="95250" numCol="1" spcCol="1270" anchor="ctr" anchorCtr="0">
+          <a:noAutofit/>
+        </a:bodyPr>
+        <a:lstStyle/>
+        <a:p>
+          <a:pPr marL="0" lvl="0" indent="0" algn="ctr" defTabSz="1111250">
+            <a:lnSpc>
+              <a:spcPct val="90000"/>
+            </a:lnSpc>
+            <a:spcBef>
+              <a:spcPct val="0"/>
+            </a:spcBef>
+            <a:spcAft>
+              <a:spcPct val="35000"/>
+            </a:spcAft>
+            <a:buNone/>
+          </a:pPr>
+          <a:r>
+            <a:rPr lang="en-GB" sz="2500" kern="1200"/>
+            <a:t>Importing the CSV file containing historical sales data</a:t>
+          </a:r>
+          <a:endParaRPr lang="en-US" sz="2500" kern="1200"/>
+        </a:p>
+      </dsp:txBody>
+      <dsp:txXfrm>
+        <a:off x="87311" y="1868934"/>
+        <a:ext cx="2540851" cy="1591294"/>
+      </dsp:txXfrm>
+    </dsp:sp>
+    <dsp:sp modelId="{1B0B3FDD-2AB3-3E47-BCF6-8F56B50237DD}">
+      <dsp:nvSpPr>
+        <dsp:cNvPr id="0" name=""/>
+        <dsp:cNvSpPr/>
+      </dsp:nvSpPr>
+      <dsp:spPr>
+        <a:xfrm>
+          <a:off x="1357736" y="1167092"/>
+          <a:ext cx="2994977" cy="2994977"/>
+        </a:xfrm>
+        <a:custGeom>
+          <a:avLst/>
+          <a:gdLst/>
+          <a:ahLst/>
+          <a:cxnLst/>
+          <a:rect l="0" t="0" r="0" b="0"/>
+          <a:pathLst>
+            <a:path>
+              <a:moveTo>
+                <a:pt x="301519" y="596306"/>
+              </a:moveTo>
+              <a:arcTo wR="1497488" hR="1497488" stAng="13019918" swAng="6360165"/>
+            </a:path>
+          </a:pathLst>
+        </a:custGeom>
+        <a:noFill/>
+        <a:ln w="6350" cap="flat" cmpd="sng" algn="ctr">
+          <a:solidFill>
+            <a:schemeClr val="accent2">
+              <a:hueOff val="0"/>
+              <a:satOff val="0"/>
+              <a:lumOff val="0"/>
+              <a:alphaOff val="0"/>
+            </a:schemeClr>
+          </a:solidFill>
+          <a:prstDash val="solid"/>
+          <a:miter lim="800000"/>
+        </a:ln>
+        <a:effectLst/>
+      </dsp:spPr>
+      <dsp:style>
+        <a:lnRef idx="1">
+          <a:scrgbClr r="0" g="0" b="0"/>
+        </a:lnRef>
+        <a:fillRef idx="0">
+          <a:scrgbClr r="0" g="0" b="0"/>
+        </a:fillRef>
+        <a:effectRef idx="0">
+          <a:scrgbClr r="0" g="0" b="0"/>
+        </a:effectRef>
+        <a:fontRef idx="minor"/>
+      </dsp:style>
+    </dsp:sp>
+    <dsp:sp modelId="{5D99AD6D-77A0-F348-AEA8-08DE5D7E56E4}">
+      <dsp:nvSpPr>
+        <dsp:cNvPr id="0" name=""/>
+        <dsp:cNvSpPr/>
+      </dsp:nvSpPr>
+      <dsp:spPr>
+        <a:xfrm>
+          <a:off x="2996203" y="1782849"/>
+          <a:ext cx="2713021" cy="1763464"/>
+        </a:xfrm>
+        <a:prstGeom prst="roundRect">
+          <a:avLst/>
+        </a:prstGeom>
+        <a:solidFill>
+          <a:schemeClr val="accent2">
+            <a:hueOff val="0"/>
+            <a:satOff val="0"/>
+            <a:lumOff val="0"/>
+            <a:alphaOff val="0"/>
+          </a:schemeClr>
+        </a:solidFill>
+        <a:ln w="12700" cap="flat" cmpd="sng" algn="ctr">
+          <a:solidFill>
+            <a:schemeClr val="lt1">
+              <a:hueOff val="0"/>
+              <a:satOff val="0"/>
+              <a:lumOff val="0"/>
+              <a:alphaOff val="0"/>
+            </a:schemeClr>
+          </a:solidFill>
+          <a:prstDash val="solid"/>
+          <a:miter lim="800000"/>
+        </a:ln>
+        <a:effectLst/>
+      </dsp:spPr>
+      <dsp:style>
+        <a:lnRef idx="2">
+          <a:scrgbClr r="0" g="0" b="0"/>
+        </a:lnRef>
+        <a:fillRef idx="1">
+          <a:scrgbClr r="0" g="0" b="0"/>
+        </a:fillRef>
+        <a:effectRef idx="0">
+          <a:scrgbClr r="0" g="0" b="0"/>
+        </a:effectRef>
+        <a:fontRef idx="minor">
+          <a:schemeClr val="lt1"/>
+        </a:fontRef>
+      </dsp:style>
+      <dsp:txBody>
+        <a:bodyPr spcFirstLastPara="0" vert="horz" wrap="square" lIns="95250" tIns="95250" rIns="95250" bIns="95250" numCol="1" spcCol="1270" anchor="ctr" anchorCtr="0">
+          <a:noAutofit/>
+        </a:bodyPr>
+        <a:lstStyle/>
+        <a:p>
+          <a:pPr marL="0" lvl="0" indent="0" algn="ctr" defTabSz="1111250">
+            <a:lnSpc>
+              <a:spcPct val="90000"/>
+            </a:lnSpc>
+            <a:spcBef>
+              <a:spcPct val="0"/>
+            </a:spcBef>
+            <a:spcAft>
+              <a:spcPct val="35000"/>
+            </a:spcAft>
+            <a:buNone/>
+          </a:pPr>
+          <a:r>
+            <a:rPr lang="en-GB" sz="2500" kern="1200"/>
+            <a:t>Initial data checks to ensure data integrity and correctness</a:t>
+          </a:r>
+          <a:endParaRPr lang="en-US" sz="2500" kern="1200"/>
+        </a:p>
+      </dsp:txBody>
+      <dsp:txXfrm>
+        <a:off x="3082288" y="1868934"/>
+        <a:ext cx="2540851" cy="1591294"/>
+      </dsp:txXfrm>
+    </dsp:sp>
+    <dsp:sp modelId="{EF88D9BD-5D2B-C54E-8DE0-F880BBA39F90}">
+      <dsp:nvSpPr>
+        <dsp:cNvPr id="0" name=""/>
+        <dsp:cNvSpPr/>
+      </dsp:nvSpPr>
+      <dsp:spPr>
+        <a:xfrm>
+          <a:off x="1357736" y="1167092"/>
+          <a:ext cx="2994977" cy="2994977"/>
+        </a:xfrm>
+        <a:custGeom>
+          <a:avLst/>
+          <a:gdLst/>
+          <a:ahLst/>
+          <a:cxnLst/>
+          <a:rect l="0" t="0" r="0" b="0"/>
+          <a:pathLst>
+            <a:path>
+              <a:moveTo>
+                <a:pt x="2693457" y="2398670"/>
+              </a:moveTo>
+              <a:arcTo wR="1497488" hR="1497488" stAng="2219918" swAng="6360165"/>
+            </a:path>
+          </a:pathLst>
+        </a:custGeom>
+        <a:noFill/>
+        <a:ln w="6350" cap="flat" cmpd="sng" algn="ctr">
+          <a:solidFill>
+            <a:schemeClr val="accent2">
+              <a:hueOff val="0"/>
+              <a:satOff val="0"/>
+              <a:lumOff val="0"/>
+              <a:alphaOff val="0"/>
+            </a:schemeClr>
+          </a:solidFill>
+          <a:prstDash val="solid"/>
+          <a:miter lim="800000"/>
+        </a:ln>
+        <a:effectLst/>
+      </dsp:spPr>
+      <dsp:style>
+        <a:lnRef idx="1">
+          <a:scrgbClr r="0" g="0" b="0"/>
+        </a:lnRef>
+        <a:fillRef idx="0">
+          <a:scrgbClr r="0" g="0" b="0"/>
+        </a:fillRef>
+        <a:effectRef idx="0">
+          <a:scrgbClr r="0" g="0" b="0"/>
+        </a:effectRef>
+        <a:fontRef idx="minor"/>
+      </dsp:style>
     </dsp:sp>
   </dsp:spTree>
 </dsp:drawing>
@@ -4406,6 +5584,215 @@
 </dgm:layoutDef>
 </file>
 
+<file path=ppt/diagrams/layout3.xml><?xml version="1.0" encoding="utf-8"?>
+<dgm:layoutDef xmlns:dgm="http://schemas.openxmlformats.org/drawingml/2006/diagram" xmlns:a="http://schemas.openxmlformats.org/drawingml/2006/main" uniqueId="urn:microsoft.com/office/officeart/2005/8/layout/cycle6">
+  <dgm:title val=""/>
+  <dgm:desc val=""/>
+  <dgm:catLst>
+    <dgm:cat type="cycle" pri="4000"/>
+    <dgm:cat type="relationship" pri="24000"/>
+  </dgm:catLst>
+  <dgm:sampData>
+    <dgm:dataModel>
+      <dgm:ptLst>
+        <dgm:pt modelId="0" type="doc"/>
+        <dgm:pt modelId="1">
+          <dgm:prSet phldr="1"/>
+        </dgm:pt>
+        <dgm:pt modelId="2">
+          <dgm:prSet phldr="1"/>
+        </dgm:pt>
+        <dgm:pt modelId="3">
+          <dgm:prSet phldr="1"/>
+        </dgm:pt>
+        <dgm:pt modelId="4">
+          <dgm:prSet phldr="1"/>
+        </dgm:pt>
+        <dgm:pt modelId="5">
+          <dgm:prSet phldr="1"/>
+        </dgm:pt>
+      </dgm:ptLst>
+      <dgm:cxnLst>
+        <dgm:cxn modelId="6" srcId="0" destId="1" srcOrd="0" destOrd="0"/>
+        <dgm:cxn modelId="7" srcId="0" destId="2" srcOrd="1" destOrd="0"/>
+        <dgm:cxn modelId="8" srcId="0" destId="3" srcOrd="2" destOrd="0"/>
+        <dgm:cxn modelId="9" srcId="0" destId="4" srcOrd="3" destOrd="0"/>
+        <dgm:cxn modelId="10" srcId="0" destId="5" srcOrd="4" destOrd="0"/>
+      </dgm:cxnLst>
+      <dgm:bg/>
+      <dgm:whole/>
+    </dgm:dataModel>
+  </dgm:sampData>
+  <dgm:styleData>
+    <dgm:dataModel>
+      <dgm:ptLst>
+        <dgm:pt modelId="0" type="doc"/>
+        <dgm:pt modelId="1"/>
+        <dgm:pt modelId="2"/>
+        <dgm:pt modelId="3"/>
+      </dgm:ptLst>
+      <dgm:cxnLst>
+        <dgm:cxn modelId="4" srcId="0" destId="1" srcOrd="0" destOrd="0"/>
+        <dgm:cxn modelId="5" srcId="0" destId="2" srcOrd="1" destOrd="0"/>
+        <dgm:cxn modelId="6" srcId="0" destId="3" srcOrd="2" destOrd="0"/>
+      </dgm:cxnLst>
+      <dgm:bg/>
+      <dgm:whole/>
+    </dgm:dataModel>
+  </dgm:styleData>
+  <dgm:clrData>
+    <dgm:dataModel>
+      <dgm:ptLst>
+        <dgm:pt modelId="0" type="doc"/>
+        <dgm:pt modelId="1"/>
+        <dgm:pt modelId="2"/>
+        <dgm:pt modelId="3"/>
+        <dgm:pt modelId="4"/>
+        <dgm:pt modelId="5"/>
+        <dgm:pt modelId="6"/>
+      </dgm:ptLst>
+      <dgm:cxnLst>
+        <dgm:cxn modelId="7" srcId="0" destId="1" srcOrd="0" destOrd="0"/>
+        <dgm:cxn modelId="8" srcId="0" destId="2" srcOrd="1" destOrd="0"/>
+        <dgm:cxn modelId="9" srcId="0" destId="3" srcOrd="2" destOrd="0"/>
+        <dgm:cxn modelId="10" srcId="0" destId="4" srcOrd="3" destOrd="0"/>
+        <dgm:cxn modelId="11" srcId="0" destId="5" srcOrd="4" destOrd="0"/>
+        <dgm:cxn modelId="12" srcId="0" destId="6" srcOrd="5" destOrd="0"/>
+      </dgm:cxnLst>
+      <dgm:bg/>
+      <dgm:whole/>
+    </dgm:dataModel>
+  </dgm:clrData>
+  <dgm:layoutNode name="cycle">
+    <dgm:varLst>
+      <dgm:dir/>
+      <dgm:resizeHandles val="exact"/>
+    </dgm:varLst>
+    <dgm:choose name="Name0">
+      <dgm:if name="Name1" func="var" arg="dir" op="equ" val="norm">
+        <dgm:choose name="Name2">
+          <dgm:if name="Name3" axis="ch" ptType="node" func="cnt" op="gt" val="2">
+            <dgm:alg type="cycle">
+              <dgm:param type="stAng" val="0"/>
+              <dgm:param type="spanAng" val="360"/>
+            </dgm:alg>
+          </dgm:if>
+          <dgm:else name="Name4">
+            <dgm:alg type="cycle">
+              <dgm:param type="stAng" val="-90"/>
+              <dgm:param type="spanAng" val="360"/>
+            </dgm:alg>
+          </dgm:else>
+        </dgm:choose>
+      </dgm:if>
+      <dgm:else name="Name5">
+        <dgm:choose name="Name6">
+          <dgm:if name="Name7" axis="ch" ptType="node" func="cnt" op="gt" val="2">
+            <dgm:alg type="cycle">
+              <dgm:param type="stAng" val="0"/>
+              <dgm:param type="spanAng" val="-360"/>
+            </dgm:alg>
+          </dgm:if>
+          <dgm:else name="Name8">
+            <dgm:alg type="cycle">
+              <dgm:param type="stAng" val="90"/>
+              <dgm:param type="spanAng" val="-360"/>
+            </dgm:alg>
+          </dgm:else>
+        </dgm:choose>
+      </dgm:else>
+    </dgm:choose>
+    <dgm:shape xmlns:r="http://schemas.openxmlformats.org/officeDocument/2006/relationships" r:blip="">
+      <dgm:adjLst/>
+    </dgm:shape>
+    <dgm:presOf/>
+    <dgm:choose name="Name9">
+      <dgm:if name="Name10" func="var" arg="dir" op="equ" val="norm">
+        <dgm:constrLst>
+          <dgm:constr type="w" for="ch" forName="node" refType="w"/>
+          <dgm:constr type="w" for="ch" ptType="sibTrans" refType="w" refFor="ch" refForName="node" op="equ" fact="0.3"/>
+          <dgm:constr type="diam" for="ch" ptType="sibTrans" refType="diam" op="equ"/>
+          <dgm:constr type="sibSp" refType="w" refFor="ch" refForName="node" op="equ" fact="0.15"/>
+          <dgm:constr type="w" for="ch" forName="spNode" refType="sibSp" fact="1.6"/>
+          <dgm:constr type="primFontSz" for="ch" forName="node" op="equ" val="65"/>
+        </dgm:constrLst>
+      </dgm:if>
+      <dgm:else name="Name11">
+        <dgm:constrLst>
+          <dgm:constr type="w" for="ch" forName="node" refType="w"/>
+          <dgm:constr type="w" for="ch" ptType="sibTrans" refType="w" refFor="ch" refForName="node" op="equ" fact="0.3"/>
+          <dgm:constr type="diam" for="ch" ptType="sibTrans" refType="diam" op="equ" fact="-1"/>
+          <dgm:constr type="sibSp" refType="w" refFor="ch" refForName="node" op="equ" fact="0.15"/>
+          <dgm:constr type="w" for="ch" forName="spNode" refType="sibSp" fact="1.6"/>
+          <dgm:constr type="primFontSz" for="ch" forName="node" op="equ" val="65"/>
+        </dgm:constrLst>
+      </dgm:else>
+    </dgm:choose>
+    <dgm:ruleLst/>
+    <dgm:forEach name="Name12" axis="ch" ptType="node">
+      <dgm:layoutNode name="node">
+        <dgm:varLst>
+          <dgm:bulletEnabled val="1"/>
+        </dgm:varLst>
+        <dgm:alg type="tx"/>
+        <dgm:shape xmlns:r="http://schemas.openxmlformats.org/officeDocument/2006/relationships" type="roundRect" r:blip="">
+          <dgm:adjLst/>
+        </dgm:shape>
+        <dgm:presOf axis="desOrSelf" ptType="node"/>
+        <dgm:constrLst>
+          <dgm:constr type="h" refType="w" fact="0.65"/>
+          <dgm:constr type="tMarg" refType="primFontSz" fact="0.3"/>
+          <dgm:constr type="bMarg" refType="primFontSz" fact="0.3"/>
+          <dgm:constr type="lMarg" refType="primFontSz" fact="0.3"/>
+          <dgm:constr type="rMarg" refType="primFontSz" fact="0.3"/>
+        </dgm:constrLst>
+        <dgm:ruleLst>
+          <dgm:rule type="primFontSz" val="5" fact="NaN" max="NaN"/>
+        </dgm:ruleLst>
+      </dgm:layoutNode>
+      <dgm:choose name="Name13">
+        <dgm:if name="Name14" axis="par ch" ptType="doc node" func="cnt" op="gt" val="1">
+          <dgm:layoutNode name="spNode">
+            <dgm:alg type="sp"/>
+            <dgm:shape xmlns:r="http://schemas.openxmlformats.org/officeDocument/2006/relationships" r:blip="">
+              <dgm:adjLst/>
+            </dgm:shape>
+            <dgm:presOf/>
+            <dgm:constrLst>
+              <dgm:constr type="h" refType="w"/>
+            </dgm:constrLst>
+            <dgm:ruleLst/>
+          </dgm:layoutNode>
+          <dgm:forEach name="Name15" axis="followSib" ptType="sibTrans" hideLastTrans="0" cnt="1">
+            <dgm:layoutNode name="sibTrans">
+              <dgm:alg type="conn">
+                <dgm:param type="dim" val="1D"/>
+                <dgm:param type="connRout" val="curve"/>
+                <dgm:param type="begPts" val="radial"/>
+                <dgm:param type="endPts" val="radial"/>
+                <dgm:param type="endSty" val="noArr"/>
+              </dgm:alg>
+              <dgm:shape xmlns:r="http://schemas.openxmlformats.org/officeDocument/2006/relationships" type="conn" r:blip="">
+                <dgm:adjLst/>
+              </dgm:shape>
+              <dgm:presOf axis="self"/>
+              <dgm:constrLst>
+                <dgm:constr type="h" refType="w" fact="0.65"/>
+                <dgm:constr type="connDist"/>
+                <dgm:constr type="begPad" refType="connDist" fact="0.01"/>
+                <dgm:constr type="endPad" refType="connDist" fact="0.01"/>
+              </dgm:constrLst>
+              <dgm:ruleLst/>
+            </dgm:layoutNode>
+          </dgm:forEach>
+        </dgm:if>
+        <dgm:else name="Name16"/>
+      </dgm:choose>
+    </dgm:forEach>
+  </dgm:layoutNode>
+</dgm:layoutDef>
+</file>
+
 <file path=ppt/diagrams/quickStyle1.xml><?xml version="1.0" encoding="utf-8"?>
 <dgm:styleDef xmlns:dgm="http://schemas.openxmlformats.org/drawingml/2006/diagram" xmlns:a="http://schemas.openxmlformats.org/drawingml/2006/main" uniqueId="urn:microsoft.com/office/officeart/2005/8/quickstyle/simple1">
   <dgm:title val=""/>
@@ -5441,6 +6828,1040 @@
 </file>
 
 <file path=ppt/diagrams/quickStyle2.xml><?xml version="1.0" encoding="utf-8"?>
+<dgm:styleDef xmlns:dgm="http://schemas.openxmlformats.org/drawingml/2006/diagram" xmlns:a="http://schemas.openxmlformats.org/drawingml/2006/main" uniqueId="urn:microsoft.com/office/officeart/2005/8/quickstyle/simple1">
+  <dgm:title val=""/>
+  <dgm:desc val=""/>
+  <dgm:catLst>
+    <dgm:cat type="simple" pri="10100"/>
+  </dgm:catLst>
+  <dgm:scene3d>
+    <a:camera prst="orthographicFront"/>
+    <a:lightRig rig="threePt" dir="t"/>
+  </dgm:scene3d>
+  <dgm:styleLbl name="node0">
+    <dgm:scene3d>
+      <a:camera prst="orthographicFront"/>
+      <a:lightRig rig="threePt" dir="t"/>
+    </dgm:scene3d>
+    <dgm:sp3d/>
+    <dgm:txPr/>
+    <dgm:style>
+      <a:lnRef idx="2">
+        <a:scrgbClr r="0" g="0" b="0"/>
+      </a:lnRef>
+      <a:fillRef idx="1">
+        <a:scrgbClr r="0" g="0" b="0"/>
+      </a:fillRef>
+      <a:effectRef idx="0">
+        <a:scrgbClr r="0" g="0" b="0"/>
+      </a:effectRef>
+      <a:fontRef idx="minor">
+        <a:schemeClr val="lt1"/>
+      </a:fontRef>
+    </dgm:style>
+  </dgm:styleLbl>
+  <dgm:styleLbl name="lnNode1">
+    <dgm:scene3d>
+      <a:camera prst="orthographicFront"/>
+      <a:lightRig rig="threePt" dir="t"/>
+    </dgm:scene3d>
+    <dgm:sp3d/>
+    <dgm:txPr/>
+    <dgm:style>
+      <a:lnRef idx="2">
+        <a:scrgbClr r="0" g="0" b="0"/>
+      </a:lnRef>
+      <a:fillRef idx="1">
+        <a:scrgbClr r="0" g="0" b="0"/>
+      </a:fillRef>
+      <a:effectRef idx="0">
+        <a:scrgbClr r="0" g="0" b="0"/>
+      </a:effectRef>
+      <a:fontRef idx="minor">
+        <a:schemeClr val="lt1"/>
+      </a:fontRef>
+    </dgm:style>
+  </dgm:styleLbl>
+  <dgm:styleLbl name="vennNode1">
+    <dgm:scene3d>
+      <a:camera prst="orthographicFront"/>
+      <a:lightRig rig="threePt" dir="t"/>
+    </dgm:scene3d>
+    <dgm:sp3d/>
+    <dgm:txPr/>
+    <dgm:style>
+      <a:lnRef idx="2">
+        <a:scrgbClr r="0" g="0" b="0"/>
+      </a:lnRef>
+      <a:fillRef idx="1">
+        <a:scrgbClr r="0" g="0" b="0"/>
+      </a:fillRef>
+      <a:effectRef idx="0">
+        <a:scrgbClr r="0" g="0" b="0"/>
+      </a:effectRef>
+      <a:fontRef idx="minor">
+        <a:schemeClr val="tx1"/>
+      </a:fontRef>
+    </dgm:style>
+  </dgm:styleLbl>
+  <dgm:styleLbl name="alignNode1">
+    <dgm:scene3d>
+      <a:camera prst="orthographicFront"/>
+      <a:lightRig rig="threePt" dir="t"/>
+    </dgm:scene3d>
+    <dgm:sp3d/>
+    <dgm:txPr/>
+    <dgm:style>
+      <a:lnRef idx="2">
+        <a:scrgbClr r="0" g="0" b="0"/>
+      </a:lnRef>
+      <a:fillRef idx="1">
+        <a:scrgbClr r="0" g="0" b="0"/>
+      </a:fillRef>
+      <a:effectRef idx="0">
+        <a:scrgbClr r="0" g="0" b="0"/>
+      </a:effectRef>
+      <a:fontRef idx="minor">
+        <a:schemeClr val="lt1"/>
+      </a:fontRef>
+    </dgm:style>
+  </dgm:styleLbl>
+  <dgm:styleLbl name="node1">
+    <dgm:scene3d>
+      <a:camera prst="orthographicFront"/>
+      <a:lightRig rig="threePt" dir="t"/>
+    </dgm:scene3d>
+    <dgm:sp3d/>
+    <dgm:txPr/>
+    <dgm:style>
+      <a:lnRef idx="2">
+        <a:scrgbClr r="0" g="0" b="0"/>
+      </a:lnRef>
+      <a:fillRef idx="1">
+        <a:scrgbClr r="0" g="0" b="0"/>
+      </a:fillRef>
+      <a:effectRef idx="0">
+        <a:scrgbClr r="0" g="0" b="0"/>
+      </a:effectRef>
+      <a:fontRef idx="minor">
+        <a:schemeClr val="lt1"/>
+      </a:fontRef>
+    </dgm:style>
+  </dgm:styleLbl>
+  <dgm:styleLbl name="node2">
+    <dgm:scene3d>
+      <a:camera prst="orthographicFront"/>
+      <a:lightRig rig="threePt" dir="t"/>
+    </dgm:scene3d>
+    <dgm:sp3d/>
+    <dgm:txPr/>
+    <dgm:style>
+      <a:lnRef idx="2">
+        <a:scrgbClr r="0" g="0" b="0"/>
+      </a:lnRef>
+      <a:fillRef idx="1">
+        <a:scrgbClr r="0" g="0" b="0"/>
+      </a:fillRef>
+      <a:effectRef idx="0">
+        <a:scrgbClr r="0" g="0" b="0"/>
+      </a:effectRef>
+      <a:fontRef idx="minor">
+        <a:schemeClr val="lt1"/>
+      </a:fontRef>
+    </dgm:style>
+  </dgm:styleLbl>
+  <dgm:styleLbl name="node3">
+    <dgm:scene3d>
+      <a:camera prst="orthographicFront"/>
+      <a:lightRig rig="threePt" dir="t"/>
+    </dgm:scene3d>
+    <dgm:sp3d/>
+    <dgm:txPr/>
+    <dgm:style>
+      <a:lnRef idx="2">
+        <a:scrgbClr r="0" g="0" b="0"/>
+      </a:lnRef>
+      <a:fillRef idx="1">
+        <a:scrgbClr r="0" g="0" b="0"/>
+      </a:fillRef>
+      <a:effectRef idx="0">
+        <a:scrgbClr r="0" g="0" b="0"/>
+      </a:effectRef>
+      <a:fontRef idx="minor">
+        <a:schemeClr val="lt1"/>
+      </a:fontRef>
+    </dgm:style>
+  </dgm:styleLbl>
+  <dgm:styleLbl name="node4">
+    <dgm:scene3d>
+      <a:camera prst="orthographicFront"/>
+      <a:lightRig rig="threePt" dir="t"/>
+    </dgm:scene3d>
+    <dgm:sp3d/>
+    <dgm:txPr/>
+    <dgm:style>
+      <a:lnRef idx="2">
+        <a:scrgbClr r="0" g="0" b="0"/>
+      </a:lnRef>
+      <a:fillRef idx="1">
+        <a:scrgbClr r="0" g="0" b="0"/>
+      </a:fillRef>
+      <a:effectRef idx="0">
+        <a:scrgbClr r="0" g="0" b="0"/>
+      </a:effectRef>
+      <a:fontRef idx="minor">
+        <a:schemeClr val="lt1"/>
+      </a:fontRef>
+    </dgm:style>
+  </dgm:styleLbl>
+  <dgm:styleLbl name="fgImgPlace1">
+    <dgm:scene3d>
+      <a:camera prst="orthographicFront"/>
+      <a:lightRig rig="threePt" dir="t"/>
+    </dgm:scene3d>
+    <dgm:sp3d/>
+    <dgm:txPr/>
+    <dgm:style>
+      <a:lnRef idx="2">
+        <a:scrgbClr r="0" g="0" b="0"/>
+      </a:lnRef>
+      <a:fillRef idx="1">
+        <a:scrgbClr r="0" g="0" b="0"/>
+      </a:fillRef>
+      <a:effectRef idx="0">
+        <a:scrgbClr r="0" g="0" b="0"/>
+      </a:effectRef>
+      <a:fontRef idx="minor"/>
+    </dgm:style>
+  </dgm:styleLbl>
+  <dgm:styleLbl name="alignImgPlace1">
+    <dgm:scene3d>
+      <a:camera prst="orthographicFront"/>
+      <a:lightRig rig="threePt" dir="t"/>
+    </dgm:scene3d>
+    <dgm:sp3d/>
+    <dgm:txPr/>
+    <dgm:style>
+      <a:lnRef idx="2">
+        <a:scrgbClr r="0" g="0" b="0"/>
+      </a:lnRef>
+      <a:fillRef idx="1">
+        <a:scrgbClr r="0" g="0" b="0"/>
+      </a:fillRef>
+      <a:effectRef idx="0">
+        <a:scrgbClr r="0" g="0" b="0"/>
+      </a:effectRef>
+      <a:fontRef idx="minor"/>
+    </dgm:style>
+  </dgm:styleLbl>
+  <dgm:styleLbl name="bgImgPlace1">
+    <dgm:scene3d>
+      <a:camera prst="orthographicFront"/>
+      <a:lightRig rig="threePt" dir="t"/>
+    </dgm:scene3d>
+    <dgm:sp3d/>
+    <dgm:txPr/>
+    <dgm:style>
+      <a:lnRef idx="2">
+        <a:scrgbClr r="0" g="0" b="0"/>
+      </a:lnRef>
+      <a:fillRef idx="1">
+        <a:scrgbClr r="0" g="0" b="0"/>
+      </a:fillRef>
+      <a:effectRef idx="0">
+        <a:scrgbClr r="0" g="0" b="0"/>
+      </a:effectRef>
+      <a:fontRef idx="minor"/>
+    </dgm:style>
+  </dgm:styleLbl>
+  <dgm:styleLbl name="sibTrans2D1">
+    <dgm:scene3d>
+      <a:camera prst="orthographicFront"/>
+      <a:lightRig rig="threePt" dir="t"/>
+    </dgm:scene3d>
+    <dgm:sp3d/>
+    <dgm:txPr/>
+    <dgm:style>
+      <a:lnRef idx="0">
+        <a:scrgbClr r="0" g="0" b="0"/>
+      </a:lnRef>
+      <a:fillRef idx="1">
+        <a:scrgbClr r="0" g="0" b="0"/>
+      </a:fillRef>
+      <a:effectRef idx="0">
+        <a:scrgbClr r="0" g="0" b="0"/>
+      </a:effectRef>
+      <a:fontRef idx="minor">
+        <a:schemeClr val="lt1"/>
+      </a:fontRef>
+    </dgm:style>
+  </dgm:styleLbl>
+  <dgm:styleLbl name="fgSibTrans2D1">
+    <dgm:scene3d>
+      <a:camera prst="orthographicFront"/>
+      <a:lightRig rig="threePt" dir="t"/>
+    </dgm:scene3d>
+    <dgm:sp3d/>
+    <dgm:txPr/>
+    <dgm:style>
+      <a:lnRef idx="0">
+        <a:scrgbClr r="0" g="0" b="0"/>
+      </a:lnRef>
+      <a:fillRef idx="1">
+        <a:scrgbClr r="0" g="0" b="0"/>
+      </a:fillRef>
+      <a:effectRef idx="0">
+        <a:scrgbClr r="0" g="0" b="0"/>
+      </a:effectRef>
+      <a:fontRef idx="minor">
+        <a:schemeClr val="lt1"/>
+      </a:fontRef>
+    </dgm:style>
+  </dgm:styleLbl>
+  <dgm:styleLbl name="bgSibTrans2D1">
+    <dgm:scene3d>
+      <a:camera prst="orthographicFront"/>
+      <a:lightRig rig="threePt" dir="t"/>
+    </dgm:scene3d>
+    <dgm:sp3d/>
+    <dgm:txPr/>
+    <dgm:style>
+      <a:lnRef idx="0">
+        <a:scrgbClr r="0" g="0" b="0"/>
+      </a:lnRef>
+      <a:fillRef idx="1">
+        <a:scrgbClr r="0" g="0" b="0"/>
+      </a:fillRef>
+      <a:effectRef idx="0">
+        <a:scrgbClr r="0" g="0" b="0"/>
+      </a:effectRef>
+      <a:fontRef idx="minor">
+        <a:schemeClr val="lt1"/>
+      </a:fontRef>
+    </dgm:style>
+  </dgm:styleLbl>
+  <dgm:styleLbl name="sibTrans1D1">
+    <dgm:scene3d>
+      <a:camera prst="orthographicFront"/>
+      <a:lightRig rig="threePt" dir="t"/>
+    </dgm:scene3d>
+    <dgm:sp3d/>
+    <dgm:txPr/>
+    <dgm:style>
+      <a:lnRef idx="1">
+        <a:scrgbClr r="0" g="0" b="0"/>
+      </a:lnRef>
+      <a:fillRef idx="0">
+        <a:scrgbClr r="0" g="0" b="0"/>
+      </a:fillRef>
+      <a:effectRef idx="0">
+        <a:scrgbClr r="0" g="0" b="0"/>
+      </a:effectRef>
+      <a:fontRef idx="minor"/>
+    </dgm:style>
+  </dgm:styleLbl>
+  <dgm:styleLbl name="callout">
+    <dgm:scene3d>
+      <a:camera prst="orthographicFront"/>
+      <a:lightRig rig="threePt" dir="t"/>
+    </dgm:scene3d>
+    <dgm:sp3d/>
+    <dgm:txPr/>
+    <dgm:style>
+      <a:lnRef idx="2">
+        <a:scrgbClr r="0" g="0" b="0"/>
+      </a:lnRef>
+      <a:fillRef idx="1">
+        <a:scrgbClr r="0" g="0" b="0"/>
+      </a:fillRef>
+      <a:effectRef idx="0">
+        <a:scrgbClr r="0" g="0" b="0"/>
+      </a:effectRef>
+      <a:fontRef idx="minor"/>
+    </dgm:style>
+  </dgm:styleLbl>
+  <dgm:styleLbl name="asst0">
+    <dgm:scene3d>
+      <a:camera prst="orthographicFront"/>
+      <a:lightRig rig="threePt" dir="t"/>
+    </dgm:scene3d>
+    <dgm:sp3d/>
+    <dgm:txPr/>
+    <dgm:style>
+      <a:lnRef idx="2">
+        <a:scrgbClr r="0" g="0" b="0"/>
+      </a:lnRef>
+      <a:fillRef idx="1">
+        <a:scrgbClr r="0" g="0" b="0"/>
+      </a:fillRef>
+      <a:effectRef idx="0">
+        <a:scrgbClr r="0" g="0" b="0"/>
+      </a:effectRef>
+      <a:fontRef idx="minor">
+        <a:schemeClr val="lt1"/>
+      </a:fontRef>
+    </dgm:style>
+  </dgm:styleLbl>
+  <dgm:styleLbl name="asst1">
+    <dgm:scene3d>
+      <a:camera prst="orthographicFront"/>
+      <a:lightRig rig="threePt" dir="t"/>
+    </dgm:scene3d>
+    <dgm:sp3d/>
+    <dgm:txPr/>
+    <dgm:style>
+      <a:lnRef idx="2">
+        <a:scrgbClr r="0" g="0" b="0"/>
+      </a:lnRef>
+      <a:fillRef idx="1">
+        <a:scrgbClr r="0" g="0" b="0"/>
+      </a:fillRef>
+      <a:effectRef idx="0">
+        <a:scrgbClr r="0" g="0" b="0"/>
+      </a:effectRef>
+      <a:fontRef idx="minor">
+        <a:schemeClr val="lt1"/>
+      </a:fontRef>
+    </dgm:style>
+  </dgm:styleLbl>
+  <dgm:styleLbl name="asst2">
+    <dgm:scene3d>
+      <a:camera prst="orthographicFront"/>
+      <a:lightRig rig="threePt" dir="t"/>
+    </dgm:scene3d>
+    <dgm:sp3d/>
+    <dgm:txPr/>
+    <dgm:style>
+      <a:lnRef idx="2">
+        <a:scrgbClr r="0" g="0" b="0"/>
+      </a:lnRef>
+      <a:fillRef idx="1">
+        <a:scrgbClr r="0" g="0" b="0"/>
+      </a:fillRef>
+      <a:effectRef idx="0">
+        <a:scrgbClr r="0" g="0" b="0"/>
+      </a:effectRef>
+      <a:fontRef idx="minor">
+        <a:schemeClr val="lt1"/>
+      </a:fontRef>
+    </dgm:style>
+  </dgm:styleLbl>
+  <dgm:styleLbl name="asst3">
+    <dgm:scene3d>
+      <a:camera prst="orthographicFront"/>
+      <a:lightRig rig="threePt" dir="t"/>
+    </dgm:scene3d>
+    <dgm:sp3d/>
+    <dgm:txPr/>
+    <dgm:style>
+      <a:lnRef idx="2">
+        <a:scrgbClr r="0" g="0" b="0"/>
+      </a:lnRef>
+      <a:fillRef idx="1">
+        <a:scrgbClr r="0" g="0" b="0"/>
+      </a:fillRef>
+      <a:effectRef idx="0">
+        <a:scrgbClr r="0" g="0" b="0"/>
+      </a:effectRef>
+      <a:fontRef idx="minor">
+        <a:schemeClr val="lt1"/>
+      </a:fontRef>
+    </dgm:style>
+  </dgm:styleLbl>
+  <dgm:styleLbl name="asst4">
+    <dgm:scene3d>
+      <a:camera prst="orthographicFront"/>
+      <a:lightRig rig="threePt" dir="t"/>
+    </dgm:scene3d>
+    <dgm:sp3d/>
+    <dgm:txPr/>
+    <dgm:style>
+      <a:lnRef idx="2">
+        <a:scrgbClr r="0" g="0" b="0"/>
+      </a:lnRef>
+      <a:fillRef idx="1">
+        <a:scrgbClr r="0" g="0" b="0"/>
+      </a:fillRef>
+      <a:effectRef idx="0">
+        <a:scrgbClr r="0" g="0" b="0"/>
+      </a:effectRef>
+      <a:fontRef idx="minor">
+        <a:schemeClr val="lt1"/>
+      </a:fontRef>
+    </dgm:style>
+  </dgm:styleLbl>
+  <dgm:styleLbl name="parChTrans2D1">
+    <dgm:scene3d>
+      <a:camera prst="orthographicFront"/>
+      <a:lightRig rig="threePt" dir="t"/>
+    </dgm:scene3d>
+    <dgm:sp3d/>
+    <dgm:txPr/>
+    <dgm:style>
+      <a:lnRef idx="2">
+        <a:scrgbClr r="0" g="0" b="0"/>
+      </a:lnRef>
+      <a:fillRef idx="1">
+        <a:scrgbClr r="0" g="0" b="0"/>
+      </a:fillRef>
+      <a:effectRef idx="0">
+        <a:scrgbClr r="0" g="0" b="0"/>
+      </a:effectRef>
+      <a:fontRef idx="minor">
+        <a:schemeClr val="lt1"/>
+      </a:fontRef>
+    </dgm:style>
+  </dgm:styleLbl>
+  <dgm:styleLbl name="parChTrans2D2">
+    <dgm:scene3d>
+      <a:camera prst="orthographicFront"/>
+      <a:lightRig rig="threePt" dir="t"/>
+    </dgm:scene3d>
+    <dgm:sp3d/>
+    <dgm:txPr/>
+    <dgm:style>
+      <a:lnRef idx="2">
+        <a:scrgbClr r="0" g="0" b="0"/>
+      </a:lnRef>
+      <a:fillRef idx="1">
+        <a:scrgbClr r="0" g="0" b="0"/>
+      </a:fillRef>
+      <a:effectRef idx="0">
+        <a:scrgbClr r="0" g="0" b="0"/>
+      </a:effectRef>
+      <a:fontRef idx="minor">
+        <a:schemeClr val="lt1"/>
+      </a:fontRef>
+    </dgm:style>
+  </dgm:styleLbl>
+  <dgm:styleLbl name="parChTrans2D3">
+    <dgm:scene3d>
+      <a:camera prst="orthographicFront"/>
+      <a:lightRig rig="threePt" dir="t"/>
+    </dgm:scene3d>
+    <dgm:sp3d/>
+    <dgm:txPr/>
+    <dgm:style>
+      <a:lnRef idx="2">
+        <a:scrgbClr r="0" g="0" b="0"/>
+      </a:lnRef>
+      <a:fillRef idx="1">
+        <a:scrgbClr r="0" g="0" b="0"/>
+      </a:fillRef>
+      <a:effectRef idx="0">
+        <a:scrgbClr r="0" g="0" b="0"/>
+      </a:effectRef>
+      <a:fontRef idx="minor">
+        <a:schemeClr val="lt1"/>
+      </a:fontRef>
+    </dgm:style>
+  </dgm:styleLbl>
+  <dgm:styleLbl name="parChTrans2D4">
+    <dgm:scene3d>
+      <a:camera prst="orthographicFront"/>
+      <a:lightRig rig="threePt" dir="t"/>
+    </dgm:scene3d>
+    <dgm:sp3d/>
+    <dgm:txPr/>
+    <dgm:style>
+      <a:lnRef idx="2">
+        <a:scrgbClr r="0" g="0" b="0"/>
+      </a:lnRef>
+      <a:fillRef idx="1">
+        <a:scrgbClr r="0" g="0" b="0"/>
+      </a:fillRef>
+      <a:effectRef idx="0">
+        <a:scrgbClr r="0" g="0" b="0"/>
+      </a:effectRef>
+      <a:fontRef idx="minor">
+        <a:schemeClr val="lt1"/>
+      </a:fontRef>
+    </dgm:style>
+  </dgm:styleLbl>
+  <dgm:styleLbl name="parChTrans1D1">
+    <dgm:scene3d>
+      <a:camera prst="orthographicFront"/>
+      <a:lightRig rig="threePt" dir="t"/>
+    </dgm:scene3d>
+    <dgm:sp3d/>
+    <dgm:txPr/>
+    <dgm:style>
+      <a:lnRef idx="2">
+        <a:scrgbClr r="0" g="0" b="0"/>
+      </a:lnRef>
+      <a:fillRef idx="0">
+        <a:scrgbClr r="0" g="0" b="0"/>
+      </a:fillRef>
+      <a:effectRef idx="0">
+        <a:scrgbClr r="0" g="0" b="0"/>
+      </a:effectRef>
+      <a:fontRef idx="minor"/>
+    </dgm:style>
+  </dgm:styleLbl>
+  <dgm:styleLbl name="parChTrans1D2">
+    <dgm:scene3d>
+      <a:camera prst="orthographicFront"/>
+      <a:lightRig rig="threePt" dir="t"/>
+    </dgm:scene3d>
+    <dgm:sp3d/>
+    <dgm:txPr/>
+    <dgm:style>
+      <a:lnRef idx="2">
+        <a:scrgbClr r="0" g="0" b="0"/>
+      </a:lnRef>
+      <a:fillRef idx="0">
+        <a:scrgbClr r="0" g="0" b="0"/>
+      </a:fillRef>
+      <a:effectRef idx="0">
+        <a:scrgbClr r="0" g="0" b="0"/>
+      </a:effectRef>
+      <a:fontRef idx="minor"/>
+    </dgm:style>
+  </dgm:styleLbl>
+  <dgm:styleLbl name="parChTrans1D3">
+    <dgm:scene3d>
+      <a:camera prst="orthographicFront"/>
+      <a:lightRig rig="threePt" dir="t"/>
+    </dgm:scene3d>
+    <dgm:sp3d/>
+    <dgm:txPr/>
+    <dgm:style>
+      <a:lnRef idx="2">
+        <a:scrgbClr r="0" g="0" b="0"/>
+      </a:lnRef>
+      <a:fillRef idx="0">
+        <a:scrgbClr r="0" g="0" b="0"/>
+      </a:fillRef>
+      <a:effectRef idx="0">
+        <a:scrgbClr r="0" g="0" b="0"/>
+      </a:effectRef>
+      <a:fontRef idx="minor"/>
+    </dgm:style>
+  </dgm:styleLbl>
+  <dgm:styleLbl name="parChTrans1D4">
+    <dgm:scene3d>
+      <a:camera prst="orthographicFront"/>
+      <a:lightRig rig="threePt" dir="t"/>
+    </dgm:scene3d>
+    <dgm:sp3d/>
+    <dgm:txPr/>
+    <dgm:style>
+      <a:lnRef idx="2">
+        <a:scrgbClr r="0" g="0" b="0"/>
+      </a:lnRef>
+      <a:fillRef idx="0">
+        <a:scrgbClr r="0" g="0" b="0"/>
+      </a:fillRef>
+      <a:effectRef idx="0">
+        <a:scrgbClr r="0" g="0" b="0"/>
+      </a:effectRef>
+      <a:fontRef idx="minor"/>
+    </dgm:style>
+  </dgm:styleLbl>
+  <dgm:styleLbl name="fgAcc1">
+    <dgm:scene3d>
+      <a:camera prst="orthographicFront"/>
+      <a:lightRig rig="threePt" dir="t"/>
+    </dgm:scene3d>
+    <dgm:sp3d/>
+    <dgm:txPr/>
+    <dgm:style>
+      <a:lnRef idx="2">
+        <a:scrgbClr r="0" g="0" b="0"/>
+      </a:lnRef>
+      <a:fillRef idx="1">
+        <a:scrgbClr r="0" g="0" b="0"/>
+      </a:fillRef>
+      <a:effectRef idx="0">
+        <a:scrgbClr r="0" g="0" b="0"/>
+      </a:effectRef>
+      <a:fontRef idx="minor"/>
+    </dgm:style>
+  </dgm:styleLbl>
+  <dgm:styleLbl name="conFgAcc1">
+    <dgm:scene3d>
+      <a:camera prst="orthographicFront"/>
+      <a:lightRig rig="threePt" dir="t"/>
+    </dgm:scene3d>
+    <dgm:sp3d/>
+    <dgm:txPr/>
+    <dgm:style>
+      <a:lnRef idx="2">
+        <a:scrgbClr r="0" g="0" b="0"/>
+      </a:lnRef>
+      <a:fillRef idx="1">
+        <a:scrgbClr r="0" g="0" b="0"/>
+      </a:fillRef>
+      <a:effectRef idx="0">
+        <a:scrgbClr r="0" g="0" b="0"/>
+      </a:effectRef>
+      <a:fontRef idx="minor"/>
+    </dgm:style>
+  </dgm:styleLbl>
+  <dgm:styleLbl name="alignAcc1">
+    <dgm:scene3d>
+      <a:camera prst="orthographicFront"/>
+      <a:lightRig rig="threePt" dir="t"/>
+    </dgm:scene3d>
+    <dgm:sp3d/>
+    <dgm:txPr/>
+    <dgm:style>
+      <a:lnRef idx="2">
+        <a:scrgbClr r="0" g="0" b="0"/>
+      </a:lnRef>
+      <a:fillRef idx="1">
+        <a:scrgbClr r="0" g="0" b="0"/>
+      </a:fillRef>
+      <a:effectRef idx="0">
+        <a:scrgbClr r="0" g="0" b="0"/>
+      </a:effectRef>
+      <a:fontRef idx="minor"/>
+    </dgm:style>
+  </dgm:styleLbl>
+  <dgm:styleLbl name="trAlignAcc1">
+    <dgm:scene3d>
+      <a:camera prst="orthographicFront"/>
+      <a:lightRig rig="threePt" dir="t"/>
+    </dgm:scene3d>
+    <dgm:sp3d/>
+    <dgm:txPr/>
+    <dgm:style>
+      <a:lnRef idx="1">
+        <a:scrgbClr r="0" g="0" b="0"/>
+      </a:lnRef>
+      <a:fillRef idx="1">
+        <a:scrgbClr r="0" g="0" b="0"/>
+      </a:fillRef>
+      <a:effectRef idx="0">
+        <a:scrgbClr r="0" g="0" b="0"/>
+      </a:effectRef>
+      <a:fontRef idx="minor"/>
+    </dgm:style>
+  </dgm:styleLbl>
+  <dgm:styleLbl name="bgAcc1">
+    <dgm:scene3d>
+      <a:camera prst="orthographicFront"/>
+      <a:lightRig rig="threePt" dir="t"/>
+    </dgm:scene3d>
+    <dgm:sp3d/>
+    <dgm:txPr/>
+    <dgm:style>
+      <a:lnRef idx="2">
+        <a:scrgbClr r="0" g="0" b="0"/>
+      </a:lnRef>
+      <a:fillRef idx="1">
+        <a:scrgbClr r="0" g="0" b="0"/>
+      </a:fillRef>
+      <a:effectRef idx="0">
+        <a:scrgbClr r="0" g="0" b="0"/>
+      </a:effectRef>
+      <a:fontRef idx="minor"/>
+    </dgm:style>
+  </dgm:styleLbl>
+  <dgm:styleLbl name="solidFgAcc1">
+    <dgm:scene3d>
+      <a:camera prst="orthographicFront"/>
+      <a:lightRig rig="threePt" dir="t"/>
+    </dgm:scene3d>
+    <dgm:sp3d/>
+    <dgm:txPr/>
+    <dgm:style>
+      <a:lnRef idx="2">
+        <a:scrgbClr r="0" g="0" b="0"/>
+      </a:lnRef>
+      <a:fillRef idx="1">
+        <a:scrgbClr r="0" g="0" b="0"/>
+      </a:fillRef>
+      <a:effectRef idx="0">
+        <a:scrgbClr r="0" g="0" b="0"/>
+      </a:effectRef>
+      <a:fontRef idx="minor"/>
+    </dgm:style>
+  </dgm:styleLbl>
+  <dgm:styleLbl name="solidAlignAcc1">
+    <dgm:scene3d>
+      <a:camera prst="orthographicFront"/>
+      <a:lightRig rig="threePt" dir="t"/>
+    </dgm:scene3d>
+    <dgm:sp3d/>
+    <dgm:txPr/>
+    <dgm:style>
+      <a:lnRef idx="2">
+        <a:scrgbClr r="0" g="0" b="0"/>
+      </a:lnRef>
+      <a:fillRef idx="1">
+        <a:scrgbClr r="0" g="0" b="0"/>
+      </a:fillRef>
+      <a:effectRef idx="0">
+        <a:scrgbClr r="0" g="0" b="0"/>
+      </a:effectRef>
+      <a:fontRef idx="minor"/>
+    </dgm:style>
+  </dgm:styleLbl>
+  <dgm:styleLbl name="solidBgAcc1">
+    <dgm:scene3d>
+      <a:camera prst="orthographicFront"/>
+      <a:lightRig rig="threePt" dir="t"/>
+    </dgm:scene3d>
+    <dgm:sp3d/>
+    <dgm:txPr/>
+    <dgm:style>
+      <a:lnRef idx="2">
+        <a:scrgbClr r="0" g="0" b="0"/>
+      </a:lnRef>
+      <a:fillRef idx="1">
+        <a:scrgbClr r="0" g="0" b="0"/>
+      </a:fillRef>
+      <a:effectRef idx="0">
+        <a:scrgbClr r="0" g="0" b="0"/>
+      </a:effectRef>
+      <a:fontRef idx="minor"/>
+    </dgm:style>
+  </dgm:styleLbl>
+  <dgm:styleLbl name="fgAccFollowNode1">
+    <dgm:scene3d>
+      <a:camera prst="orthographicFront"/>
+      <a:lightRig rig="threePt" dir="t"/>
+    </dgm:scene3d>
+    <dgm:sp3d/>
+    <dgm:txPr/>
+    <dgm:style>
+      <a:lnRef idx="2">
+        <a:scrgbClr r="0" g="0" b="0"/>
+      </a:lnRef>
+      <a:fillRef idx="1">
+        <a:scrgbClr r="0" g="0" b="0"/>
+      </a:fillRef>
+      <a:effectRef idx="0">
+        <a:scrgbClr r="0" g="0" b="0"/>
+      </a:effectRef>
+      <a:fontRef idx="minor"/>
+    </dgm:style>
+  </dgm:styleLbl>
+  <dgm:styleLbl name="alignAccFollowNode1">
+    <dgm:scene3d>
+      <a:camera prst="orthographicFront"/>
+      <a:lightRig rig="threePt" dir="t"/>
+    </dgm:scene3d>
+    <dgm:sp3d/>
+    <dgm:txPr/>
+    <dgm:style>
+      <a:lnRef idx="2">
+        <a:scrgbClr r="0" g="0" b="0"/>
+      </a:lnRef>
+      <a:fillRef idx="1">
+        <a:scrgbClr r="0" g="0" b="0"/>
+      </a:fillRef>
+      <a:effectRef idx="0">
+        <a:scrgbClr r="0" g="0" b="0"/>
+      </a:effectRef>
+      <a:fontRef idx="minor"/>
+    </dgm:style>
+  </dgm:styleLbl>
+  <dgm:styleLbl name="bgAccFollowNode1">
+    <dgm:scene3d>
+      <a:camera prst="orthographicFront"/>
+      <a:lightRig rig="threePt" dir="t"/>
+    </dgm:scene3d>
+    <dgm:sp3d/>
+    <dgm:txPr/>
+    <dgm:style>
+      <a:lnRef idx="2">
+        <a:scrgbClr r="0" g="0" b="0"/>
+      </a:lnRef>
+      <a:fillRef idx="1">
+        <a:scrgbClr r="0" g="0" b="0"/>
+      </a:fillRef>
+      <a:effectRef idx="0">
+        <a:scrgbClr r="0" g="0" b="0"/>
+      </a:effectRef>
+      <a:fontRef idx="minor"/>
+    </dgm:style>
+  </dgm:styleLbl>
+  <dgm:styleLbl name="fgAcc0">
+    <dgm:scene3d>
+      <a:camera prst="orthographicFront"/>
+      <a:lightRig rig="threePt" dir="t"/>
+    </dgm:scene3d>
+    <dgm:sp3d/>
+    <dgm:txPr/>
+    <dgm:style>
+      <a:lnRef idx="2">
+        <a:scrgbClr r="0" g="0" b="0"/>
+      </a:lnRef>
+      <a:fillRef idx="1">
+        <a:scrgbClr r="0" g="0" b="0"/>
+      </a:fillRef>
+      <a:effectRef idx="0">
+        <a:scrgbClr r="0" g="0" b="0"/>
+      </a:effectRef>
+      <a:fontRef idx="minor"/>
+    </dgm:style>
+  </dgm:styleLbl>
+  <dgm:styleLbl name="fgAcc2">
+    <dgm:scene3d>
+      <a:camera prst="orthographicFront"/>
+      <a:lightRig rig="threePt" dir="t"/>
+    </dgm:scene3d>
+    <dgm:sp3d/>
+    <dgm:txPr/>
+    <dgm:style>
+      <a:lnRef idx="2">
+        <a:scrgbClr r="0" g="0" b="0"/>
+      </a:lnRef>
+      <a:fillRef idx="1">
+        <a:scrgbClr r="0" g="0" b="0"/>
+      </a:fillRef>
+      <a:effectRef idx="0">
+        <a:scrgbClr r="0" g="0" b="0"/>
+      </a:effectRef>
+      <a:fontRef idx="minor"/>
+    </dgm:style>
+  </dgm:styleLbl>
+  <dgm:styleLbl name="fgAcc3">
+    <dgm:scene3d>
+      <a:camera prst="orthographicFront"/>
+      <a:lightRig rig="threePt" dir="t"/>
+    </dgm:scene3d>
+    <dgm:sp3d/>
+    <dgm:txPr/>
+    <dgm:style>
+      <a:lnRef idx="2">
+        <a:scrgbClr r="0" g="0" b="0"/>
+      </a:lnRef>
+      <a:fillRef idx="1">
+        <a:scrgbClr r="0" g="0" b="0"/>
+      </a:fillRef>
+      <a:effectRef idx="0">
+        <a:scrgbClr r="0" g="0" b="0"/>
+      </a:effectRef>
+      <a:fontRef idx="minor"/>
+    </dgm:style>
+  </dgm:styleLbl>
+  <dgm:styleLbl name="fgAcc4">
+    <dgm:scene3d>
+      <a:camera prst="orthographicFront"/>
+      <a:lightRig rig="threePt" dir="t"/>
+    </dgm:scene3d>
+    <dgm:sp3d/>
+    <dgm:txPr/>
+    <dgm:style>
+      <a:lnRef idx="2">
+        <a:scrgbClr r="0" g="0" b="0"/>
+      </a:lnRef>
+      <a:fillRef idx="1">
+        <a:scrgbClr r="0" g="0" b="0"/>
+      </a:fillRef>
+      <a:effectRef idx="0">
+        <a:scrgbClr r="0" g="0" b="0"/>
+      </a:effectRef>
+      <a:fontRef idx="minor"/>
+    </dgm:style>
+  </dgm:styleLbl>
+  <dgm:styleLbl name="bgShp">
+    <dgm:scene3d>
+      <a:camera prst="orthographicFront"/>
+      <a:lightRig rig="threePt" dir="t"/>
+    </dgm:scene3d>
+    <dgm:sp3d/>
+    <dgm:txPr/>
+    <dgm:style>
+      <a:lnRef idx="0">
+        <a:scrgbClr r="0" g="0" b="0"/>
+      </a:lnRef>
+      <a:fillRef idx="1">
+        <a:scrgbClr r="0" g="0" b="0"/>
+      </a:fillRef>
+      <a:effectRef idx="0">
+        <a:scrgbClr r="0" g="0" b="0"/>
+      </a:effectRef>
+      <a:fontRef idx="minor"/>
+    </dgm:style>
+  </dgm:styleLbl>
+  <dgm:styleLbl name="dkBgShp">
+    <dgm:scene3d>
+      <a:camera prst="orthographicFront"/>
+      <a:lightRig rig="threePt" dir="t"/>
+    </dgm:scene3d>
+    <dgm:sp3d/>
+    <dgm:txPr/>
+    <dgm:style>
+      <a:lnRef idx="0">
+        <a:scrgbClr r="0" g="0" b="0"/>
+      </a:lnRef>
+      <a:fillRef idx="1">
+        <a:scrgbClr r="0" g="0" b="0"/>
+      </a:fillRef>
+      <a:effectRef idx="0">
+        <a:scrgbClr r="0" g="0" b="0"/>
+      </a:effectRef>
+      <a:fontRef idx="minor"/>
+    </dgm:style>
+  </dgm:styleLbl>
+  <dgm:styleLbl name="trBgShp">
+    <dgm:scene3d>
+      <a:camera prst="orthographicFront"/>
+      <a:lightRig rig="threePt" dir="t"/>
+    </dgm:scene3d>
+    <dgm:sp3d/>
+    <dgm:txPr/>
+    <dgm:style>
+      <a:lnRef idx="0">
+        <a:scrgbClr r="0" g="0" b="0"/>
+      </a:lnRef>
+      <a:fillRef idx="1">
+        <a:scrgbClr r="0" g="0" b="0"/>
+      </a:fillRef>
+      <a:effectRef idx="0">
+        <a:scrgbClr r="0" g="0" b="0"/>
+      </a:effectRef>
+      <a:fontRef idx="minor"/>
+    </dgm:style>
+  </dgm:styleLbl>
+  <dgm:styleLbl name="fgShp">
+    <dgm:scene3d>
+      <a:camera prst="orthographicFront"/>
+      <a:lightRig rig="threePt" dir="t"/>
+    </dgm:scene3d>
+    <dgm:sp3d/>
+    <dgm:txPr/>
+    <dgm:style>
+      <a:lnRef idx="2">
+        <a:scrgbClr r="0" g="0" b="0"/>
+      </a:lnRef>
+      <a:fillRef idx="1">
+        <a:scrgbClr r="0" g="0" b="0"/>
+      </a:fillRef>
+      <a:effectRef idx="0">
+        <a:scrgbClr r="0" g="0" b="0"/>
+      </a:effectRef>
+      <a:fontRef idx="minor"/>
+    </dgm:style>
+  </dgm:styleLbl>
+  <dgm:styleLbl name="revTx">
+    <dgm:scene3d>
+      <a:camera prst="orthographicFront"/>
+      <a:lightRig rig="threePt" dir="t"/>
+    </dgm:scene3d>
+    <dgm:sp3d/>
+    <dgm:txPr/>
+    <dgm:style>
+      <a:lnRef idx="0">
+        <a:scrgbClr r="0" g="0" b="0"/>
+      </a:lnRef>
+      <a:fillRef idx="0">
+        <a:scrgbClr r="0" g="0" b="0"/>
+      </a:fillRef>
+      <a:effectRef idx="0">
+        <a:scrgbClr r="0" g="0" b="0"/>
+      </a:effectRef>
+      <a:fontRef idx="minor"/>
+    </dgm:style>
+  </dgm:styleLbl>
+</dgm:styleDef>
+</file>
+
+<file path=ppt/diagrams/quickStyle3.xml><?xml version="1.0" encoding="utf-8"?>
 <dgm:styleDef xmlns:dgm="http://schemas.openxmlformats.org/drawingml/2006/diagram" xmlns:a="http://schemas.openxmlformats.org/drawingml/2006/main" uniqueId="urn:microsoft.com/office/officeart/2005/8/quickstyle/simple1">
   <dgm:title val=""/>
   <dgm:desc val=""/>
@@ -12935,1338 +15356,6 @@
 <file path=ppt/slides/slide13.xml><?xml version="1.0" encoding="utf-8"?>
 <p:sld xmlns:a="http://schemas.openxmlformats.org/drawingml/2006/main" xmlns:r="http://schemas.openxmlformats.org/officeDocument/2006/relationships" xmlns:p="http://schemas.openxmlformats.org/presentationml/2006/main">
   <p:cSld>
-    <p:spTree>
-      <p:nvGrpSpPr>
-        <p:cNvPr id="1" name=""/>
-        <p:cNvGrpSpPr/>
-        <p:nvPr/>
-      </p:nvGrpSpPr>
-      <p:grpSpPr>
-        <a:xfrm>
-          <a:off x="0" y="0"/>
-          <a:ext cx="0" cy="0"/>
-          <a:chOff x="0" y="0"/>
-          <a:chExt cx="0" cy="0"/>
-        </a:xfrm>
-      </p:grpSpPr>
-      <p:sp>
-        <p:nvSpPr>
-          <p:cNvPr id="2" name="Title 1">
-            <a:extLst>
-              <a:ext uri="{FF2B5EF4-FFF2-40B4-BE49-F238E27FC236}">
-                <a16:creationId xmlns:a16="http://schemas.microsoft.com/office/drawing/2014/main" id="{702C098B-088A-8C28-DD0A-6BD359A4F4A8}"/>
-              </a:ext>
-            </a:extLst>
-          </p:cNvPr>
-          <p:cNvSpPr>
-            <a:spLocks noGrp="1"/>
-          </p:cNvSpPr>
-          <p:nvPr>
-            <p:ph type="title"/>
-          </p:nvPr>
-        </p:nvSpPr>
-        <p:spPr>
-          <a:xfrm>
-            <a:off x="1765738" y="825992"/>
-            <a:ext cx="9170486" cy="864696"/>
-          </a:xfrm>
-        </p:spPr>
-        <p:txBody>
-          <a:bodyPr/>
-          <a:lstStyle/>
-          <a:p>
-            <a:pPr algn="ctr"/>
-            <a:r>
-              <a:rPr lang="en-GB" dirty="0"/>
-              <a:t>Train Model</a:t>
-            </a:r>
-            <a:endParaRPr lang="en-AT" dirty="0"/>
-          </a:p>
-        </p:txBody>
-      </p:sp>
-      <p:sp>
-        <p:nvSpPr>
-          <p:cNvPr id="3" name="Content Placeholder 2">
-            <a:extLst>
-              <a:ext uri="{FF2B5EF4-FFF2-40B4-BE49-F238E27FC236}">
-                <a16:creationId xmlns:a16="http://schemas.microsoft.com/office/drawing/2014/main" id="{BADDB51A-9065-FC38-27CF-BCD08AD5F808}"/>
-              </a:ext>
-            </a:extLst>
-          </p:cNvPr>
-          <p:cNvSpPr>
-            <a:spLocks noGrp="1"/>
-          </p:cNvSpPr>
-          <p:nvPr>
-            <p:ph idx="1"/>
-          </p:nvPr>
-        </p:nvSpPr>
-        <p:spPr>
-          <a:xfrm>
-            <a:off x="1524000" y="1933903"/>
-            <a:ext cx="9979152" cy="4098105"/>
-          </a:xfrm>
-        </p:spPr>
-        <p:txBody>
-          <a:bodyPr>
-            <a:normAutofit fontScale="92500" lnSpcReduction="10000"/>
-          </a:bodyPr>
-          <a:lstStyle/>
-          <a:p>
-            <a:pPr>
-              <a:buFont typeface="Arial" panose="020B0604020202020204" pitchFamily="34" charset="0"/>
-              <a:buChar char="•"/>
-            </a:pPr>
-            <a:r>
-              <a:rPr lang="en-GB" sz="2200" b="1" dirty="0"/>
-              <a:t>Since the data is stationary,I will use ARIMA and LSTM to train the models</a:t>
-            </a:r>
-          </a:p>
-          <a:p>
-            <a:pPr>
-              <a:buFont typeface="Arial" panose="020B0604020202020204" pitchFamily="34" charset="0"/>
-              <a:buChar char="•"/>
-            </a:pPr>
-            <a:r>
-              <a:rPr lang="en-GB" sz="2200" b="1" dirty="0"/>
-              <a:t>ARIMA:</a:t>
-            </a:r>
-            <a:r>
-              <a:rPr lang="en-GB" sz="2200" dirty="0"/>
-              <a:t> Use techniques like stationarity checks, order selection (p, d, q), and model fitting using tools like statsmodels or auto.arima in Python.</a:t>
-            </a:r>
-          </a:p>
-          <a:p>
-            <a:pPr>
-              <a:buFont typeface="Arial" panose="020B0604020202020204" pitchFamily="34" charset="0"/>
-              <a:buChar char="•"/>
-            </a:pPr>
-            <a:r>
-              <a:rPr lang="en-GB" sz="2200" b="1" dirty="0"/>
-              <a:t>LSTM:</a:t>
-            </a:r>
-            <a:r>
-              <a:rPr lang="en-GB" sz="2200" dirty="0"/>
-              <a:t> Build and train an LSTM network using libraries like Keras . Experiment with hyperparameters like number of layers, neurons, and learning rate on the validation set.</a:t>
-            </a:r>
-          </a:p>
-          <a:p>
-            <a:r>
-              <a:rPr lang="en-GB" sz="2200" b="1" dirty="0"/>
-              <a:t>Evaluate on the testing set:</a:t>
-            </a:r>
-            <a:r>
-              <a:rPr lang="en-GB" sz="2200" dirty="0"/>
-              <a:t> Make predictions for the next X days using the trained models on the unseen testing data. Calculate the chosen error and accuracy metrics for each model.</a:t>
-            </a:r>
-          </a:p>
-          <a:p>
-            <a:r>
-              <a:rPr lang="en-GB" sz="2200" b="1" dirty="0"/>
-              <a:t>Compare performance:</a:t>
-            </a:r>
-            <a:r>
-              <a:rPr lang="en-GB" sz="2200" dirty="0"/>
-              <a:t> Analyze the calculated metrics. Lower error and higher accuracy values indicate better forecasting performance.</a:t>
-            </a:r>
-          </a:p>
-          <a:p>
-            <a:pPr>
-              <a:buFont typeface="Arial" panose="020B0604020202020204" pitchFamily="34" charset="0"/>
-              <a:buChar char="•"/>
-            </a:pPr>
-            <a:endParaRPr lang="en-GB" sz="2200" dirty="0"/>
-          </a:p>
-          <a:p>
-            <a:endParaRPr lang="en-AT" dirty="0"/>
-          </a:p>
-        </p:txBody>
-      </p:sp>
-      <p:sp>
-        <p:nvSpPr>
-          <p:cNvPr id="4" name="Date Placeholder 3">
-            <a:extLst>
-              <a:ext uri="{FF2B5EF4-FFF2-40B4-BE49-F238E27FC236}">
-                <a16:creationId xmlns:a16="http://schemas.microsoft.com/office/drawing/2014/main" id="{07DEE1B8-DDAE-1C81-2C1F-86384280BC08}"/>
-              </a:ext>
-            </a:extLst>
-          </p:cNvPr>
-          <p:cNvSpPr>
-            <a:spLocks noGrp="1"/>
-          </p:cNvSpPr>
-          <p:nvPr>
-            <p:ph type="dt" sz="half" idx="10"/>
-          </p:nvPr>
-        </p:nvSpPr>
-        <p:spPr/>
-        <p:txBody>
-          <a:bodyPr/>
-          <a:lstStyle/>
-          <a:p>
-            <a:fld id="{57997BA6-BEF8-495F-ACCD-8D19769E4FC6}" type="datetime2">
-              <a:rPr lang="en-US" smtClean="0"/>
-              <a:t>Monday, July 22, 2024</a:t>
-            </a:fld>
-            <a:endParaRPr lang="en-US" dirty="0"/>
-          </a:p>
-        </p:txBody>
-      </p:sp>
-      <p:sp>
-        <p:nvSpPr>
-          <p:cNvPr id="5" name="Footer Placeholder 4">
-            <a:extLst>
-              <a:ext uri="{FF2B5EF4-FFF2-40B4-BE49-F238E27FC236}">
-                <a16:creationId xmlns:a16="http://schemas.microsoft.com/office/drawing/2014/main" id="{D538812C-329E-D007-3D40-6C414B290B02}"/>
-              </a:ext>
-            </a:extLst>
-          </p:cNvPr>
-          <p:cNvSpPr>
-            <a:spLocks noGrp="1"/>
-          </p:cNvSpPr>
-          <p:nvPr>
-            <p:ph type="ftr" sz="quarter" idx="11"/>
-          </p:nvPr>
-        </p:nvSpPr>
-        <p:spPr/>
-        <p:txBody>
-          <a:bodyPr/>
-          <a:lstStyle/>
-          <a:p>
-            <a:r>
-              <a:rPr lang="en-US"/>
-              <a:t>Sample Footer Text</a:t>
-            </a:r>
-            <a:endParaRPr lang="en-US" dirty="0"/>
-          </a:p>
-        </p:txBody>
-      </p:sp>
-      <p:sp>
-        <p:nvSpPr>
-          <p:cNvPr id="6" name="Slide Number Placeholder 5">
-            <a:extLst>
-              <a:ext uri="{FF2B5EF4-FFF2-40B4-BE49-F238E27FC236}">
-                <a16:creationId xmlns:a16="http://schemas.microsoft.com/office/drawing/2014/main" id="{1849D2D0-01BF-4A24-775E-808B14EF6ECA}"/>
-              </a:ext>
-            </a:extLst>
-          </p:cNvPr>
-          <p:cNvSpPr>
-            <a:spLocks noGrp="1"/>
-          </p:cNvSpPr>
-          <p:nvPr>
-            <p:ph type="sldNum" sz="quarter" idx="12"/>
-          </p:nvPr>
-        </p:nvSpPr>
-        <p:spPr/>
-        <p:txBody>
-          <a:bodyPr/>
-          <a:lstStyle/>
-          <a:p>
-            <a:fld id="{7BE69E03-4804-4553-A1EC-F089884EF50F}" type="slidenum">
-              <a:rPr lang="en-US" smtClean="0"/>
-              <a:t>13</a:t>
-            </a:fld>
-            <a:endParaRPr lang="en-US"/>
-          </a:p>
-        </p:txBody>
-      </p:sp>
-    </p:spTree>
-    <p:extLst>
-      <p:ext uri="{BB962C8B-B14F-4D97-AF65-F5344CB8AC3E}">
-        <p14:creationId xmlns:p14="http://schemas.microsoft.com/office/powerpoint/2010/main" val="3624473889"/>
-      </p:ext>
-    </p:extLst>
-  </p:cSld>
-  <p:clrMapOvr>
-    <a:masterClrMapping/>
-  </p:clrMapOvr>
-</p:sld>
-</file>
-
-<file path=ppt/slides/slide14.xml><?xml version="1.0" encoding="utf-8"?>
-<p:sld xmlns:a="http://schemas.openxmlformats.org/drawingml/2006/main" xmlns:r="http://schemas.openxmlformats.org/officeDocument/2006/relationships" xmlns:p="http://schemas.openxmlformats.org/presentationml/2006/main">
-  <p:cSld>
-    <p:spTree>
-      <p:nvGrpSpPr>
-        <p:cNvPr id="1" name=""/>
-        <p:cNvGrpSpPr/>
-        <p:nvPr/>
-      </p:nvGrpSpPr>
-      <p:grpSpPr>
-        <a:xfrm>
-          <a:off x="0" y="0"/>
-          <a:ext cx="0" cy="0"/>
-          <a:chOff x="0" y="0"/>
-          <a:chExt cx="0" cy="0"/>
-        </a:xfrm>
-      </p:grpSpPr>
-      <p:sp>
-        <p:nvSpPr>
-          <p:cNvPr id="2" name="Title 1">
-            <a:extLst>
-              <a:ext uri="{FF2B5EF4-FFF2-40B4-BE49-F238E27FC236}">
-                <a16:creationId xmlns:a16="http://schemas.microsoft.com/office/drawing/2014/main" id="{AFAA8187-506B-50D5-50C3-088B87C7C453}"/>
-              </a:ext>
-            </a:extLst>
-          </p:cNvPr>
-          <p:cNvSpPr>
-            <a:spLocks noGrp="1"/>
-          </p:cNvSpPr>
-          <p:nvPr>
-            <p:ph type="title"/>
-          </p:nvPr>
-        </p:nvSpPr>
-        <p:spPr>
-          <a:xfrm>
-            <a:off x="1658470" y="667512"/>
-            <a:ext cx="9277753" cy="1023176"/>
-          </a:xfrm>
-        </p:spPr>
-        <p:txBody>
-          <a:bodyPr/>
-          <a:lstStyle/>
-          <a:p>
-            <a:pPr algn="ctr"/>
-            <a:r>
-              <a:rPr lang="en-AT" dirty="0"/>
-              <a:t>Evaluation Metrics</a:t>
-            </a:r>
-          </a:p>
-        </p:txBody>
-      </p:sp>
-      <p:sp>
-        <p:nvSpPr>
-          <p:cNvPr id="3" name="Content Placeholder 2">
-            <a:extLst>
-              <a:ext uri="{FF2B5EF4-FFF2-40B4-BE49-F238E27FC236}">
-                <a16:creationId xmlns:a16="http://schemas.microsoft.com/office/drawing/2014/main" id="{034E3EFA-DDE3-F53A-C840-EAE557620377}"/>
-              </a:ext>
-            </a:extLst>
-          </p:cNvPr>
-          <p:cNvSpPr>
-            <a:spLocks noGrp="1"/>
-          </p:cNvSpPr>
-          <p:nvPr>
-            <p:ph idx="1"/>
-          </p:nvPr>
-        </p:nvSpPr>
-        <p:spPr>
-          <a:xfrm>
-            <a:off x="1515034" y="1828800"/>
-            <a:ext cx="9421189" cy="4203208"/>
-          </a:xfrm>
-        </p:spPr>
-        <p:txBody>
-          <a:bodyPr>
-            <a:normAutofit/>
-          </a:bodyPr>
-          <a:lstStyle/>
-          <a:p>
-            <a:pPr>
-              <a:buFont typeface="Arial" panose="020B0604020202020204" pitchFamily="34" charset="0"/>
-              <a:buChar char="•"/>
-            </a:pPr>
-            <a:endParaRPr lang="en-GB" sz="1800" b="1" dirty="0"/>
-          </a:p>
-          <a:p>
-            <a:pPr>
-              <a:buFont typeface="Arial" panose="020B0604020202020204" pitchFamily="34" charset="0"/>
-              <a:buChar char="•"/>
-            </a:pPr>
-            <a:r>
-              <a:rPr lang="en-GB" sz="1800" dirty="0"/>
-              <a:t>Data is evaluated both visually and using using evaluation Metrics</a:t>
-            </a:r>
-          </a:p>
-          <a:p>
-            <a:pPr>
-              <a:buFont typeface="Arial" panose="020B0604020202020204" pitchFamily="34" charset="0"/>
-              <a:buChar char="•"/>
-            </a:pPr>
-            <a:r>
-              <a:rPr lang="en-GB" sz="1800" b="1" dirty="0"/>
-              <a:t>Error metrics: Mean Squared Error (MSE):</a:t>
-            </a:r>
-            <a:r>
-              <a:rPr lang="en-GB" sz="1800" dirty="0"/>
-              <a:t> Measures the average squared difference between predicted and actual values. Lower MSE indicates better fit.</a:t>
-            </a:r>
-          </a:p>
-          <a:p>
-            <a:pPr>
-              <a:buFont typeface="Arial" panose="020B0604020202020204" pitchFamily="34" charset="0"/>
-              <a:buChar char="•"/>
-            </a:pPr>
-            <a:r>
-              <a:rPr lang="en-GB" sz="1800" b="1" dirty="0"/>
-              <a:t>Root Mean Squared Error (RMSE):</a:t>
-            </a:r>
-            <a:r>
-              <a:rPr lang="en-GB" sz="1800" dirty="0"/>
-              <a:t> Square root of MSE, expressed in the same units as the data. Easier to interpret the error magnitude.</a:t>
-            </a:r>
-          </a:p>
-          <a:p>
-            <a:pPr>
-              <a:buFont typeface="Arial" panose="020B0604020202020204" pitchFamily="34" charset="0"/>
-              <a:buChar char="•"/>
-            </a:pPr>
-            <a:r>
-              <a:rPr lang="en-GB" sz="1800" b="1" dirty="0"/>
-              <a:t>Mean Absolute Error (MAE):</a:t>
-            </a:r>
-            <a:r>
-              <a:rPr lang="en-GB" sz="1800" dirty="0"/>
-              <a:t> Average absolute difference between predicted and actual values. Less sensitive to outliers compared to MSE.</a:t>
-            </a:r>
-          </a:p>
-          <a:p>
-            <a:pPr>
-              <a:buFont typeface="Arial" panose="020B0604020202020204" pitchFamily="34" charset="0"/>
-              <a:buChar char="•"/>
-            </a:pPr>
-            <a:r>
-              <a:rPr lang="en-GB" sz="1800" b="1" dirty="0"/>
-              <a:t>Accuracy metrics: Mean Absolute Percentage Error (MAPE):</a:t>
-            </a:r>
-            <a:r>
-              <a:rPr lang="en-GB" sz="1800" dirty="0"/>
-              <a:t> Average absolute percentage difference between predicted and actual values. Useful for comparing models with data containing large variations.</a:t>
-            </a:r>
-          </a:p>
-          <a:p>
-            <a:endParaRPr lang="en-AT" dirty="0"/>
-          </a:p>
-        </p:txBody>
-      </p:sp>
-      <p:sp>
-        <p:nvSpPr>
-          <p:cNvPr id="4" name="Date Placeholder 3">
-            <a:extLst>
-              <a:ext uri="{FF2B5EF4-FFF2-40B4-BE49-F238E27FC236}">
-                <a16:creationId xmlns:a16="http://schemas.microsoft.com/office/drawing/2014/main" id="{0892FB28-04EB-315A-B470-B8AF54DA50D7}"/>
-              </a:ext>
-            </a:extLst>
-          </p:cNvPr>
-          <p:cNvSpPr>
-            <a:spLocks noGrp="1"/>
-          </p:cNvSpPr>
-          <p:nvPr>
-            <p:ph type="dt" sz="half" idx="10"/>
-          </p:nvPr>
-        </p:nvSpPr>
-        <p:spPr/>
-        <p:txBody>
-          <a:bodyPr/>
-          <a:lstStyle/>
-          <a:p>
-            <a:fld id="{57997BA6-BEF8-495F-ACCD-8D19769E4FC6}" type="datetime2">
-              <a:rPr lang="en-US" smtClean="0"/>
-              <a:t>Monday, July 22, 2024</a:t>
-            </a:fld>
-            <a:endParaRPr lang="en-US" dirty="0"/>
-          </a:p>
-        </p:txBody>
-      </p:sp>
-      <p:sp>
-        <p:nvSpPr>
-          <p:cNvPr id="5" name="Footer Placeholder 4">
-            <a:extLst>
-              <a:ext uri="{FF2B5EF4-FFF2-40B4-BE49-F238E27FC236}">
-                <a16:creationId xmlns:a16="http://schemas.microsoft.com/office/drawing/2014/main" id="{6EBC407E-6BD8-AD4A-134B-4787F712A88B}"/>
-              </a:ext>
-            </a:extLst>
-          </p:cNvPr>
-          <p:cNvSpPr>
-            <a:spLocks noGrp="1"/>
-          </p:cNvSpPr>
-          <p:nvPr>
-            <p:ph type="ftr" sz="quarter" idx="11"/>
-          </p:nvPr>
-        </p:nvSpPr>
-        <p:spPr/>
-        <p:txBody>
-          <a:bodyPr/>
-          <a:lstStyle/>
-          <a:p>
-            <a:r>
-              <a:rPr lang="en-US"/>
-              <a:t>Sample Footer Text</a:t>
-            </a:r>
-            <a:endParaRPr lang="en-US" dirty="0"/>
-          </a:p>
-        </p:txBody>
-      </p:sp>
-      <p:sp>
-        <p:nvSpPr>
-          <p:cNvPr id="6" name="Slide Number Placeholder 5">
-            <a:extLst>
-              <a:ext uri="{FF2B5EF4-FFF2-40B4-BE49-F238E27FC236}">
-                <a16:creationId xmlns:a16="http://schemas.microsoft.com/office/drawing/2014/main" id="{F45C4AF0-5377-5F76-56EB-32B030BB58BC}"/>
-              </a:ext>
-            </a:extLst>
-          </p:cNvPr>
-          <p:cNvSpPr>
-            <a:spLocks noGrp="1"/>
-          </p:cNvSpPr>
-          <p:nvPr>
-            <p:ph type="sldNum" sz="quarter" idx="12"/>
-          </p:nvPr>
-        </p:nvSpPr>
-        <p:spPr/>
-        <p:txBody>
-          <a:bodyPr/>
-          <a:lstStyle/>
-          <a:p>
-            <a:fld id="{7BE69E03-4804-4553-A1EC-F089884EF50F}" type="slidenum">
-              <a:rPr lang="en-US" smtClean="0"/>
-              <a:t>14</a:t>
-            </a:fld>
-            <a:endParaRPr lang="en-US"/>
-          </a:p>
-        </p:txBody>
-      </p:sp>
-    </p:spTree>
-    <p:extLst>
-      <p:ext uri="{BB962C8B-B14F-4D97-AF65-F5344CB8AC3E}">
-        <p14:creationId xmlns:p14="http://schemas.microsoft.com/office/powerpoint/2010/main" val="1136921035"/>
-      </p:ext>
-    </p:extLst>
-  </p:cSld>
-  <p:clrMapOvr>
-    <a:masterClrMapping/>
-  </p:clrMapOvr>
-</p:sld>
-</file>
-
-<file path=ppt/slides/slide15.xml><?xml version="1.0" encoding="utf-8"?>
-<p:sld xmlns:a="http://schemas.openxmlformats.org/drawingml/2006/main" xmlns:r="http://schemas.openxmlformats.org/officeDocument/2006/relationships" xmlns:p="http://schemas.openxmlformats.org/presentationml/2006/main">
-  <p:cSld>
-    <p:spTree>
-      <p:nvGrpSpPr>
-        <p:cNvPr id="1" name=""/>
-        <p:cNvGrpSpPr/>
-        <p:nvPr/>
-      </p:nvGrpSpPr>
-      <p:grpSpPr>
-        <a:xfrm>
-          <a:off x="0" y="0"/>
-          <a:ext cx="0" cy="0"/>
-          <a:chOff x="0" y="0"/>
-          <a:chExt cx="0" cy="0"/>
-        </a:xfrm>
-      </p:grpSpPr>
-      <p:sp>
-        <p:nvSpPr>
-          <p:cNvPr id="2" name="Title 1">
-            <a:extLst>
-              <a:ext uri="{FF2B5EF4-FFF2-40B4-BE49-F238E27FC236}">
-                <a16:creationId xmlns:a16="http://schemas.microsoft.com/office/drawing/2014/main" id="{C054B3F2-2D41-D455-C648-C9DAC4EED3B4}"/>
-              </a:ext>
-            </a:extLst>
-          </p:cNvPr>
-          <p:cNvSpPr>
-            <a:spLocks noGrp="1"/>
-          </p:cNvSpPr>
-          <p:nvPr>
-            <p:ph type="title"/>
-          </p:nvPr>
-        </p:nvSpPr>
-        <p:spPr/>
-        <p:txBody>
-          <a:bodyPr/>
-          <a:lstStyle/>
-          <a:p>
-            <a:pPr algn="ctr"/>
-            <a:r>
-              <a:rPr lang="en-AT" dirty="0"/>
-              <a:t>Forecast</a:t>
-            </a:r>
-          </a:p>
-        </p:txBody>
-      </p:sp>
-      <p:sp>
-        <p:nvSpPr>
-          <p:cNvPr id="3" name="Content Placeholder 2">
-            <a:extLst>
-              <a:ext uri="{FF2B5EF4-FFF2-40B4-BE49-F238E27FC236}">
-                <a16:creationId xmlns:a16="http://schemas.microsoft.com/office/drawing/2014/main" id="{2AD20148-F0CE-6A30-B3A8-B2506E7E2C49}"/>
-              </a:ext>
-            </a:extLst>
-          </p:cNvPr>
-          <p:cNvSpPr>
-            <a:spLocks noGrp="1"/>
-          </p:cNvSpPr>
-          <p:nvPr>
-            <p:ph sz="half" idx="1"/>
-          </p:nvPr>
-        </p:nvSpPr>
-        <p:spPr/>
-        <p:txBody>
-          <a:bodyPr/>
-          <a:lstStyle/>
-          <a:p>
-            <a:endParaRPr lang="en-GB" dirty="0"/>
-          </a:p>
-          <a:p>
-            <a:r>
-              <a:rPr lang="en-GB" dirty="0"/>
-              <a:t>The ARIMA model appears to have performed better at predicting the sales quantity of the item compared to SARIMA and LSTM.</a:t>
-            </a:r>
-          </a:p>
-          <a:p>
-            <a:endParaRPr lang="en-AT" dirty="0"/>
-          </a:p>
-        </p:txBody>
-      </p:sp>
-      <p:sp>
-        <p:nvSpPr>
-          <p:cNvPr id="5" name="Date Placeholder 4">
-            <a:extLst>
-              <a:ext uri="{FF2B5EF4-FFF2-40B4-BE49-F238E27FC236}">
-                <a16:creationId xmlns:a16="http://schemas.microsoft.com/office/drawing/2014/main" id="{CAFEEF8C-8CA0-D71A-8F97-62AE021F0CB9}"/>
-              </a:ext>
-            </a:extLst>
-          </p:cNvPr>
-          <p:cNvSpPr>
-            <a:spLocks noGrp="1"/>
-          </p:cNvSpPr>
-          <p:nvPr>
-            <p:ph type="dt" sz="half" idx="10"/>
-          </p:nvPr>
-        </p:nvSpPr>
-        <p:spPr/>
-        <p:txBody>
-          <a:bodyPr/>
-          <a:lstStyle/>
-          <a:p>
-            <a:fld id="{003E0E29-2C79-4A2A-B61C-A21B8362A50A}" type="datetime2">
-              <a:rPr lang="en-US" smtClean="0"/>
-              <a:t>Monday, July 22, 2024</a:t>
-            </a:fld>
-            <a:endParaRPr lang="en-US"/>
-          </a:p>
-        </p:txBody>
-      </p:sp>
-      <p:sp>
-        <p:nvSpPr>
-          <p:cNvPr id="6" name="Footer Placeholder 5">
-            <a:extLst>
-              <a:ext uri="{FF2B5EF4-FFF2-40B4-BE49-F238E27FC236}">
-                <a16:creationId xmlns:a16="http://schemas.microsoft.com/office/drawing/2014/main" id="{2181E0A0-3C4C-DE03-0829-C59C136D7712}"/>
-              </a:ext>
-            </a:extLst>
-          </p:cNvPr>
-          <p:cNvSpPr>
-            <a:spLocks noGrp="1"/>
-          </p:cNvSpPr>
-          <p:nvPr>
-            <p:ph type="ftr" sz="quarter" idx="11"/>
-          </p:nvPr>
-        </p:nvSpPr>
-        <p:spPr/>
-        <p:txBody>
-          <a:bodyPr/>
-          <a:lstStyle/>
-          <a:p>
-            <a:r>
-              <a:rPr lang="en-US"/>
-              <a:t>Sample Footer Text</a:t>
-            </a:r>
-          </a:p>
-        </p:txBody>
-      </p:sp>
-      <p:sp>
-        <p:nvSpPr>
-          <p:cNvPr id="7" name="Slide Number Placeholder 6">
-            <a:extLst>
-              <a:ext uri="{FF2B5EF4-FFF2-40B4-BE49-F238E27FC236}">
-                <a16:creationId xmlns:a16="http://schemas.microsoft.com/office/drawing/2014/main" id="{07909E71-CAC8-8C91-F8A6-4B74D5705381}"/>
-              </a:ext>
-            </a:extLst>
-          </p:cNvPr>
-          <p:cNvSpPr>
-            <a:spLocks noGrp="1"/>
-          </p:cNvSpPr>
-          <p:nvPr>
-            <p:ph type="sldNum" sz="quarter" idx="12"/>
-          </p:nvPr>
-        </p:nvSpPr>
-        <p:spPr/>
-        <p:txBody>
-          <a:bodyPr/>
-          <a:lstStyle/>
-          <a:p>
-            <a:fld id="{7BE69E03-4804-4553-A1EC-F089884EF50F}" type="slidenum">
-              <a:rPr lang="en-US" smtClean="0"/>
-              <a:t>15</a:t>
-            </a:fld>
-            <a:endParaRPr lang="en-US"/>
-          </a:p>
-        </p:txBody>
-      </p:sp>
-      <p:pic>
-        <p:nvPicPr>
-          <p:cNvPr id="4098" name="Picture 2">
-            <a:extLst>
-              <a:ext uri="{FF2B5EF4-FFF2-40B4-BE49-F238E27FC236}">
-                <a16:creationId xmlns:a16="http://schemas.microsoft.com/office/drawing/2014/main" id="{4141C71E-7E69-1EF3-8859-29140D8FE321}"/>
-              </a:ext>
-            </a:extLst>
-          </p:cNvPr>
-          <p:cNvPicPr>
-            <a:picLocks noGrp="1" noChangeAspect="1" noChangeArrowheads="1"/>
-          </p:cNvPicPr>
-          <p:nvPr>
-            <p:ph sz="half" idx="2"/>
-          </p:nvPr>
-        </p:nvPicPr>
-        <p:blipFill>
-          <a:blip r:embed="rId2">
-            <a:extLst>
-              <a:ext uri="{28A0092B-C50C-407E-A947-70E740481C1C}">
-                <a14:useLocalDpi xmlns:a14="http://schemas.microsoft.com/office/drawing/2010/main" val="0"/>
-              </a:ext>
-            </a:extLst>
-          </a:blip>
-          <a:srcRect/>
-          <a:stretch>
-            <a:fillRect/>
-          </a:stretch>
-        </p:blipFill>
-        <p:spPr bwMode="auto">
-          <a:xfrm>
-            <a:off x="5756275" y="2563811"/>
-            <a:ext cx="5180013" cy="2730502"/>
-          </a:xfrm>
-          <a:prstGeom prst="rect">
-            <a:avLst/>
-          </a:prstGeom>
-          <a:noFill/>
-          <a:extLst>
-            <a:ext uri="{909E8E84-426E-40DD-AFC4-6F175D3DCCD1}">
-              <a14:hiddenFill xmlns:a14="http://schemas.microsoft.com/office/drawing/2010/main">
-                <a:solidFill>
-                  <a:srgbClr val="FFFFFF"/>
-                </a:solidFill>
-              </a14:hiddenFill>
-            </a:ext>
-          </a:extLst>
-        </p:spPr>
-      </p:pic>
-    </p:spTree>
-    <p:extLst>
-      <p:ext uri="{BB962C8B-B14F-4D97-AF65-F5344CB8AC3E}">
-        <p14:creationId xmlns:p14="http://schemas.microsoft.com/office/powerpoint/2010/main" val="4141019105"/>
-      </p:ext>
-    </p:extLst>
-  </p:cSld>
-  <p:clrMapOvr>
-    <a:masterClrMapping/>
-  </p:clrMapOvr>
-</p:sld>
-</file>
-
-<file path=ppt/slides/slide16.xml><?xml version="1.0" encoding="utf-8"?>
-<p:sld xmlns:a="http://schemas.openxmlformats.org/drawingml/2006/main" xmlns:r="http://schemas.openxmlformats.org/officeDocument/2006/relationships" xmlns:p="http://schemas.openxmlformats.org/presentationml/2006/main">
-  <p:cSld>
-    <p:spTree>
-      <p:nvGrpSpPr>
-        <p:cNvPr id="1" name=""/>
-        <p:cNvGrpSpPr/>
-        <p:nvPr/>
-      </p:nvGrpSpPr>
-      <p:grpSpPr>
-        <a:xfrm>
-          <a:off x="0" y="0"/>
-          <a:ext cx="0" cy="0"/>
-          <a:chOff x="0" y="0"/>
-          <a:chExt cx="0" cy="0"/>
-        </a:xfrm>
-      </p:grpSpPr>
-      <p:sp>
-        <p:nvSpPr>
-          <p:cNvPr id="2" name="Title 1">
-            <a:extLst>
-              <a:ext uri="{FF2B5EF4-FFF2-40B4-BE49-F238E27FC236}">
-                <a16:creationId xmlns:a16="http://schemas.microsoft.com/office/drawing/2014/main" id="{B0198481-8754-D83D-85CC-1F99442F3A7B}"/>
-              </a:ext>
-            </a:extLst>
-          </p:cNvPr>
-          <p:cNvSpPr>
-            <a:spLocks noGrp="1"/>
-          </p:cNvSpPr>
-          <p:nvPr>
-            <p:ph type="title"/>
-          </p:nvPr>
-        </p:nvSpPr>
-        <p:spPr>
-          <a:xfrm>
-            <a:off x="1608082" y="667512"/>
-            <a:ext cx="9328141" cy="1023176"/>
-          </a:xfrm>
-        </p:spPr>
-        <p:txBody>
-          <a:bodyPr/>
-          <a:lstStyle/>
-          <a:p>
-            <a:pPr algn="ctr"/>
-            <a:r>
-              <a:rPr lang="en-GB" dirty="0"/>
-              <a:t>Conclusion</a:t>
-            </a:r>
-            <a:endParaRPr lang="en-AT" dirty="0"/>
-          </a:p>
-        </p:txBody>
-      </p:sp>
-      <p:sp>
-        <p:nvSpPr>
-          <p:cNvPr id="3" name="Content Placeholder 2">
-            <a:extLst>
-              <a:ext uri="{FF2B5EF4-FFF2-40B4-BE49-F238E27FC236}">
-                <a16:creationId xmlns:a16="http://schemas.microsoft.com/office/drawing/2014/main" id="{BAB325DF-1EAD-E25E-9812-4A94161C9DCC}"/>
-              </a:ext>
-            </a:extLst>
-          </p:cNvPr>
-          <p:cNvSpPr>
-            <a:spLocks noGrp="1"/>
-          </p:cNvSpPr>
-          <p:nvPr>
-            <p:ph idx="1"/>
-          </p:nvPr>
-        </p:nvSpPr>
-        <p:spPr>
-          <a:xfrm>
-            <a:off x="1460938" y="1860331"/>
-            <a:ext cx="9475286" cy="4171677"/>
-          </a:xfrm>
-        </p:spPr>
-        <p:txBody>
-          <a:bodyPr>
-            <a:normAutofit fontScale="77500" lnSpcReduction="20000"/>
-          </a:bodyPr>
-          <a:lstStyle/>
-          <a:p>
-            <a:pPr algn="l"/>
-            <a:r>
-              <a:rPr lang="en-GB" b="1" i="0" dirty="0">
-                <a:effectLst/>
-                <a:highlight>
-                  <a:srgbClr val="FFFFFF"/>
-                </a:highlight>
-                <a:latin typeface="var(--jp-content-font-family)"/>
-              </a:rPr>
-              <a:t>Interpretation of Results</a:t>
-            </a:r>
-          </a:p>
-          <a:p>
-            <a:pPr algn="l"/>
-            <a:r>
-              <a:rPr lang="en-GB" b="0" i="0" dirty="0">
-                <a:effectLst/>
-                <a:highlight>
-                  <a:srgbClr val="FFFFFF"/>
-                </a:highlight>
-                <a:latin typeface="var(--jp-content-font-family)"/>
-              </a:rPr>
-              <a:t>Based on the above analysis the ARIMA model performed best in predicting future sales. </a:t>
-            </a:r>
-          </a:p>
-          <a:p>
-            <a:pPr algn="l"/>
-            <a:r>
-              <a:rPr lang="en-GB" b="0" i="0" dirty="0">
-                <a:effectLst/>
-                <a:highlight>
-                  <a:srgbClr val="FFFFFF"/>
-                </a:highlight>
-                <a:latin typeface="var(--jp-content-font-family)"/>
-              </a:rPr>
-              <a:t>Here are some of the limitations to consider when interpreting forecast graphs like this one:</a:t>
-            </a:r>
-          </a:p>
-          <a:p>
-            <a:pPr algn="l"/>
-            <a:r>
-              <a:rPr lang="en-GB" b="0" i="0" dirty="0">
-                <a:effectLst/>
-                <a:highlight>
-                  <a:srgbClr val="FFFFFF"/>
-                </a:highlight>
-                <a:latin typeface="var(--jp-content-font-family)"/>
-              </a:rPr>
-              <a:t>The forecast may only be accurate for a short period of time. This is because future sales can be influenced by many factors that are difficult to predict, such as changes in the economy, consumer preferences, and competitor activity.</a:t>
-            </a:r>
-          </a:p>
-          <a:p>
-            <a:pPr algn="l"/>
-            <a:r>
-              <a:rPr lang="en-GB" b="0" i="0" dirty="0">
-                <a:effectLst/>
-                <a:highlight>
-                  <a:srgbClr val="FFFFFF"/>
-                </a:highlight>
-                <a:latin typeface="var(--jp-content-font-family)"/>
-              </a:rPr>
-              <a:t>The graph may not show the confidence interval around the forecast. The confidence interval is a range of values that are likely to contain the actual future sales. A wider confidence interval indicates that the forecast is more uncertain.</a:t>
-            </a:r>
-          </a:p>
-          <a:p>
-            <a:pPr algn="l"/>
-            <a:r>
-              <a:rPr lang="en-GB" b="0" i="0" dirty="0">
-                <a:effectLst/>
-                <a:highlight>
-                  <a:srgbClr val="FFFFFF"/>
-                </a:highlight>
-                <a:latin typeface="var(--jp-content-font-family)"/>
-              </a:rPr>
-              <a:t>It is important to consider these limitations when using sales forecasts for decision-making.</a:t>
-            </a:r>
-          </a:p>
-          <a:p>
-            <a:pPr algn="l"/>
-            <a:r>
-              <a:rPr lang="en-GB" b="0" i="0" dirty="0">
-                <a:effectLst/>
-                <a:highlight>
-                  <a:srgbClr val="FFFFFF"/>
-                </a:highlight>
-                <a:latin typeface="var(--jp-content-font-family)"/>
-              </a:rPr>
-              <a:t>Forecasts can be a valuable tool, but they should not be used as the only source of information.</a:t>
-            </a:r>
-          </a:p>
-          <a:p>
-            <a:endParaRPr lang="en-AT" dirty="0"/>
-          </a:p>
-        </p:txBody>
-      </p:sp>
-      <p:sp>
-        <p:nvSpPr>
-          <p:cNvPr id="4" name="Date Placeholder 3">
-            <a:extLst>
-              <a:ext uri="{FF2B5EF4-FFF2-40B4-BE49-F238E27FC236}">
-                <a16:creationId xmlns:a16="http://schemas.microsoft.com/office/drawing/2014/main" id="{BFB2DA9A-F490-065D-957C-1867080553A3}"/>
-              </a:ext>
-            </a:extLst>
-          </p:cNvPr>
-          <p:cNvSpPr>
-            <a:spLocks noGrp="1"/>
-          </p:cNvSpPr>
-          <p:nvPr>
-            <p:ph type="dt" sz="half" idx="10"/>
-          </p:nvPr>
-        </p:nvSpPr>
-        <p:spPr/>
-        <p:txBody>
-          <a:bodyPr/>
-          <a:lstStyle/>
-          <a:p>
-            <a:fld id="{57997BA6-BEF8-495F-ACCD-8D19769E4FC6}" type="datetime2">
-              <a:rPr lang="en-US" smtClean="0"/>
-              <a:t>Monday, July 22, 2024</a:t>
-            </a:fld>
-            <a:endParaRPr lang="en-US" dirty="0"/>
-          </a:p>
-        </p:txBody>
-      </p:sp>
-      <p:sp>
-        <p:nvSpPr>
-          <p:cNvPr id="5" name="Footer Placeholder 4">
-            <a:extLst>
-              <a:ext uri="{FF2B5EF4-FFF2-40B4-BE49-F238E27FC236}">
-                <a16:creationId xmlns:a16="http://schemas.microsoft.com/office/drawing/2014/main" id="{2C713482-695E-6DFA-AC61-E654E60FA3AC}"/>
-              </a:ext>
-            </a:extLst>
-          </p:cNvPr>
-          <p:cNvSpPr>
-            <a:spLocks noGrp="1"/>
-          </p:cNvSpPr>
-          <p:nvPr>
-            <p:ph type="ftr" sz="quarter" idx="11"/>
-          </p:nvPr>
-        </p:nvSpPr>
-        <p:spPr/>
-        <p:txBody>
-          <a:bodyPr/>
-          <a:lstStyle/>
-          <a:p>
-            <a:r>
-              <a:rPr lang="en-US"/>
-              <a:t>Sample Footer Text</a:t>
-            </a:r>
-            <a:endParaRPr lang="en-US" dirty="0"/>
-          </a:p>
-        </p:txBody>
-      </p:sp>
-      <p:sp>
-        <p:nvSpPr>
-          <p:cNvPr id="6" name="Slide Number Placeholder 5">
-            <a:extLst>
-              <a:ext uri="{FF2B5EF4-FFF2-40B4-BE49-F238E27FC236}">
-                <a16:creationId xmlns:a16="http://schemas.microsoft.com/office/drawing/2014/main" id="{69D24C12-3BB4-B365-C90D-82F1D7418AA1}"/>
-              </a:ext>
-            </a:extLst>
-          </p:cNvPr>
-          <p:cNvSpPr>
-            <a:spLocks noGrp="1"/>
-          </p:cNvSpPr>
-          <p:nvPr>
-            <p:ph type="sldNum" sz="quarter" idx="12"/>
-          </p:nvPr>
-        </p:nvSpPr>
-        <p:spPr/>
-        <p:txBody>
-          <a:bodyPr/>
-          <a:lstStyle/>
-          <a:p>
-            <a:fld id="{7BE69E03-4804-4553-A1EC-F089884EF50F}" type="slidenum">
-              <a:rPr lang="en-US" smtClean="0"/>
-              <a:t>16</a:t>
-            </a:fld>
-            <a:endParaRPr lang="en-US"/>
-          </a:p>
-        </p:txBody>
-      </p:sp>
-    </p:spTree>
-    <p:extLst>
-      <p:ext uri="{BB962C8B-B14F-4D97-AF65-F5344CB8AC3E}">
-        <p14:creationId xmlns:p14="http://schemas.microsoft.com/office/powerpoint/2010/main" val="203244991"/>
-      </p:ext>
-    </p:extLst>
-  </p:cSld>
-  <p:clrMapOvr>
-    <a:masterClrMapping/>
-  </p:clrMapOvr>
-</p:sld>
-</file>
-
-<file path=ppt/slides/slide17.xml><?xml version="1.0" encoding="utf-8"?>
-<p:sld xmlns:a="http://schemas.openxmlformats.org/drawingml/2006/main" xmlns:r="http://schemas.openxmlformats.org/officeDocument/2006/relationships" xmlns:p="http://schemas.openxmlformats.org/presentationml/2006/main">
-  <p:cSld>
-    <p:spTree>
-      <p:nvGrpSpPr>
-        <p:cNvPr id="1" name=""/>
-        <p:cNvGrpSpPr/>
-        <p:nvPr/>
-      </p:nvGrpSpPr>
-      <p:grpSpPr>
-        <a:xfrm>
-          <a:off x="0" y="0"/>
-          <a:ext cx="0" cy="0"/>
-          <a:chOff x="0" y="0"/>
-          <a:chExt cx="0" cy="0"/>
-        </a:xfrm>
-      </p:grpSpPr>
-      <p:sp>
-        <p:nvSpPr>
-          <p:cNvPr id="2" name="Title 1">
-            <a:extLst>
-              <a:ext uri="{FF2B5EF4-FFF2-40B4-BE49-F238E27FC236}">
-                <a16:creationId xmlns:a16="http://schemas.microsoft.com/office/drawing/2014/main" id="{3572540A-602F-6200-0BA1-FA40FCCA7E51}"/>
-              </a:ext>
-            </a:extLst>
-          </p:cNvPr>
-          <p:cNvSpPr>
-            <a:spLocks noGrp="1"/>
-          </p:cNvSpPr>
-          <p:nvPr>
-            <p:ph type="title"/>
-          </p:nvPr>
-        </p:nvSpPr>
-        <p:spPr>
-          <a:xfrm>
-            <a:off x="2060028" y="667512"/>
-            <a:ext cx="8876196" cy="1023176"/>
-          </a:xfrm>
-        </p:spPr>
-        <p:txBody>
-          <a:bodyPr>
-            <a:normAutofit fontScale="90000"/>
-          </a:bodyPr>
-          <a:lstStyle/>
-          <a:p>
-            <a:pPr algn="ctr"/>
-            <a:br>
-              <a:rPr lang="en-GB" sz="4000" b="1" i="0" dirty="0">
-                <a:effectLst/>
-                <a:highlight>
-                  <a:srgbClr val="FFFFFF"/>
-                </a:highlight>
-                <a:latin typeface="Arial" panose="020B0604020202020204" pitchFamily="34" charset="0"/>
-                <a:cs typeface="Arial" panose="020B0604020202020204" pitchFamily="34" charset="0"/>
-              </a:rPr>
-            </a:br>
-            <a:r>
-              <a:rPr lang="en-GB" sz="4000" b="1" i="0" dirty="0">
-                <a:effectLst/>
-                <a:highlight>
-                  <a:srgbClr val="FFFFFF"/>
-                </a:highlight>
-                <a:latin typeface="Arial" panose="020B0604020202020204" pitchFamily="34" charset="0"/>
-                <a:cs typeface="Arial" panose="020B0604020202020204" pitchFamily="34" charset="0"/>
-              </a:rPr>
-              <a:t>Next Steps</a:t>
-            </a:r>
-            <a:br>
-              <a:rPr lang="en-GB" b="1" i="0" dirty="0">
-                <a:effectLst/>
-                <a:highlight>
-                  <a:srgbClr val="FFFFFF"/>
-                </a:highlight>
-                <a:latin typeface="var(--jp-content-font-family)"/>
-              </a:rPr>
-            </a:br>
-            <a:endParaRPr lang="en-AT" dirty="0"/>
-          </a:p>
-        </p:txBody>
-      </p:sp>
-      <p:sp>
-        <p:nvSpPr>
-          <p:cNvPr id="3" name="Content Placeholder 2">
-            <a:extLst>
-              <a:ext uri="{FF2B5EF4-FFF2-40B4-BE49-F238E27FC236}">
-                <a16:creationId xmlns:a16="http://schemas.microsoft.com/office/drawing/2014/main" id="{9143C45A-CC23-0CFE-663F-218205D9456B}"/>
-              </a:ext>
-            </a:extLst>
-          </p:cNvPr>
-          <p:cNvSpPr>
-            <a:spLocks noGrp="1"/>
-          </p:cNvSpPr>
-          <p:nvPr>
-            <p:ph idx="1"/>
-          </p:nvPr>
-        </p:nvSpPr>
-        <p:spPr>
-          <a:xfrm>
-            <a:off x="1534510" y="2165131"/>
-            <a:ext cx="9401714" cy="3866877"/>
-          </a:xfrm>
-        </p:spPr>
-        <p:txBody>
-          <a:bodyPr>
-            <a:normAutofit fontScale="62500" lnSpcReduction="20000"/>
-          </a:bodyPr>
-          <a:lstStyle/>
-          <a:p>
-            <a:pPr algn="l"/>
-            <a:r>
-              <a:rPr lang="en-GB" b="0" i="0" dirty="0">
-                <a:effectLst/>
-                <a:highlight>
-                  <a:srgbClr val="FFFFFF"/>
-                </a:highlight>
-                <a:latin typeface="var(--jp-content-font-family)"/>
-              </a:rPr>
-              <a:t>There are several ways to improve the performance of your ARIMA and LSTM models for sales forecasting. Here are some steps you can follow:</a:t>
-            </a:r>
-          </a:p>
-          <a:p>
-            <a:pPr algn="l"/>
-            <a:r>
-              <a:rPr lang="en-GB" b="0" i="0" dirty="0">
-                <a:effectLst/>
-                <a:highlight>
-                  <a:srgbClr val="FFFFFF"/>
-                </a:highlight>
-                <a:latin typeface="var(--jp-content-font-family)"/>
-              </a:rPr>
-              <a:t>Improve data quality: Ensure your sales data is clean and free of errors. Address missing values and outliers.</a:t>
-            </a:r>
-          </a:p>
-          <a:p>
-            <a:pPr algn="l"/>
-            <a:r>
-              <a:rPr lang="en-GB" b="0" i="0" dirty="0">
-                <a:effectLst/>
-                <a:highlight>
-                  <a:srgbClr val="FFFFFF"/>
-                </a:highlight>
-                <a:latin typeface="var(--jp-content-font-family)"/>
-              </a:rPr>
-              <a:t>Feature engineering: Consider including additional relevant features that might influence sales, like holidays, promotions, or economic indicators.</a:t>
-            </a:r>
-          </a:p>
-          <a:p>
-            <a:pPr algn="l"/>
-            <a:r>
-              <a:rPr lang="en-GB" b="0" i="0" dirty="0">
-                <a:effectLst/>
-                <a:highlight>
-                  <a:srgbClr val="FFFFFF"/>
-                </a:highlight>
-                <a:latin typeface="var(--jp-content-font-family)"/>
-              </a:rPr>
-              <a:t>Hyperparameter tuning: Experiment with different hyperparameter values for each model. This can involve adjusting the number of lags in ARIMA/SARIMA or the network architecture in LSTM. </a:t>
-            </a:r>
-          </a:p>
-          <a:p>
-            <a:pPr algn="l"/>
-            <a:r>
-              <a:rPr lang="en-GB" b="0" i="0" dirty="0">
-                <a:effectLst/>
-                <a:highlight>
-                  <a:srgbClr val="FFFFFF"/>
-                </a:highlight>
-                <a:latin typeface="var(--jp-content-font-family)"/>
-              </a:rPr>
-              <a:t>Techniques like GridSearchCV or RandomizedSearchCV can automate this process </a:t>
-            </a:r>
-            <a:r>
-              <a:rPr lang="en-GB" b="0" i="0" u="none" strike="noStrike" dirty="0">
-                <a:effectLst/>
-                <a:highlight>
-                  <a:srgbClr val="FFFFFF"/>
-                </a:highlight>
-                <a:latin typeface="var(--jp-content-font-family)"/>
-                <a:hlinkClick r:id="rId2"/>
-              </a:rPr>
-              <a:t>https://neptune.ai/blog/improving-ml-model-performance</a:t>
-            </a:r>
-            <a:r>
-              <a:rPr lang="en-GB" b="0" i="0" dirty="0">
-                <a:effectLst/>
-                <a:highlight>
-                  <a:srgbClr val="FFFFFF"/>
-                </a:highlight>
-                <a:latin typeface="var(--jp-content-font-family)"/>
-              </a:rPr>
-              <a:t>.</a:t>
-            </a:r>
-          </a:p>
-          <a:p>
-            <a:pPr algn="l"/>
-            <a:r>
-              <a:rPr lang="en-GB" b="0" i="0" dirty="0">
-                <a:effectLst/>
-                <a:highlight>
-                  <a:srgbClr val="FFFFFF"/>
-                </a:highlight>
-                <a:latin typeface="var(--jp-content-font-family)"/>
-              </a:rPr>
-              <a:t>Early stopping: Implement early stopping to prevent overfitting. This technique stops training the model once the validation error starts to increase, allowing it to focus on generalizability.</a:t>
-            </a:r>
-          </a:p>
-          <a:p>
-            <a:pPr algn="l"/>
-            <a:r>
-              <a:rPr lang="en-GB" b="0" i="0" dirty="0">
-                <a:effectLst/>
-                <a:highlight>
-                  <a:srgbClr val="FFFFFF"/>
-                </a:highlight>
-                <a:latin typeface="var(--jp-content-font-family)"/>
-              </a:rPr>
-              <a:t>Ensemble methods: Explore combining multiple models (ARIMA, SARIMA, LSTM) using ensemble methods like averaging or stacking. This can often improve overall accuracy by leveraging the strengths of each model.</a:t>
-            </a:r>
-          </a:p>
-          <a:p>
-            <a:endParaRPr lang="en-AT" dirty="0"/>
-          </a:p>
-        </p:txBody>
-      </p:sp>
-      <p:sp>
-        <p:nvSpPr>
-          <p:cNvPr id="4" name="Date Placeholder 3">
-            <a:extLst>
-              <a:ext uri="{FF2B5EF4-FFF2-40B4-BE49-F238E27FC236}">
-                <a16:creationId xmlns:a16="http://schemas.microsoft.com/office/drawing/2014/main" id="{347AD447-EBF2-4FA4-06FF-CFA793631CF3}"/>
-              </a:ext>
-            </a:extLst>
-          </p:cNvPr>
-          <p:cNvSpPr>
-            <a:spLocks noGrp="1"/>
-          </p:cNvSpPr>
-          <p:nvPr>
-            <p:ph type="dt" sz="half" idx="10"/>
-          </p:nvPr>
-        </p:nvSpPr>
-        <p:spPr/>
-        <p:txBody>
-          <a:bodyPr/>
-          <a:lstStyle/>
-          <a:p>
-            <a:fld id="{57997BA6-BEF8-495F-ACCD-8D19769E4FC6}" type="datetime2">
-              <a:rPr lang="en-US" smtClean="0"/>
-              <a:t>Monday, July 22, 2024</a:t>
-            </a:fld>
-            <a:endParaRPr lang="en-US" dirty="0"/>
-          </a:p>
-        </p:txBody>
-      </p:sp>
-      <p:sp>
-        <p:nvSpPr>
-          <p:cNvPr id="5" name="Footer Placeholder 4">
-            <a:extLst>
-              <a:ext uri="{FF2B5EF4-FFF2-40B4-BE49-F238E27FC236}">
-                <a16:creationId xmlns:a16="http://schemas.microsoft.com/office/drawing/2014/main" id="{B0EF9663-6621-3367-99C5-8A636DABC80D}"/>
-              </a:ext>
-            </a:extLst>
-          </p:cNvPr>
-          <p:cNvSpPr>
-            <a:spLocks noGrp="1"/>
-          </p:cNvSpPr>
-          <p:nvPr>
-            <p:ph type="ftr" sz="quarter" idx="11"/>
-          </p:nvPr>
-        </p:nvSpPr>
-        <p:spPr/>
-        <p:txBody>
-          <a:bodyPr/>
-          <a:lstStyle/>
-          <a:p>
-            <a:r>
-              <a:rPr lang="en-US"/>
-              <a:t>Sample Footer Text</a:t>
-            </a:r>
-            <a:endParaRPr lang="en-US" dirty="0"/>
-          </a:p>
-        </p:txBody>
-      </p:sp>
-      <p:sp>
-        <p:nvSpPr>
-          <p:cNvPr id="6" name="Slide Number Placeholder 5">
-            <a:extLst>
-              <a:ext uri="{FF2B5EF4-FFF2-40B4-BE49-F238E27FC236}">
-                <a16:creationId xmlns:a16="http://schemas.microsoft.com/office/drawing/2014/main" id="{B26F7B3B-8406-E42F-5C53-B013F35642AB}"/>
-              </a:ext>
-            </a:extLst>
-          </p:cNvPr>
-          <p:cNvSpPr>
-            <a:spLocks noGrp="1"/>
-          </p:cNvSpPr>
-          <p:nvPr>
-            <p:ph type="sldNum" sz="quarter" idx="12"/>
-          </p:nvPr>
-        </p:nvSpPr>
-        <p:spPr/>
-        <p:txBody>
-          <a:bodyPr/>
-          <a:lstStyle/>
-          <a:p>
-            <a:fld id="{7BE69E03-4804-4553-A1EC-F089884EF50F}" type="slidenum">
-              <a:rPr lang="en-US" smtClean="0"/>
-              <a:t>17</a:t>
-            </a:fld>
-            <a:endParaRPr lang="en-US"/>
-          </a:p>
-        </p:txBody>
-      </p:sp>
-    </p:spTree>
-    <p:extLst>
-      <p:ext uri="{BB962C8B-B14F-4D97-AF65-F5344CB8AC3E}">
-        <p14:creationId xmlns:p14="http://schemas.microsoft.com/office/powerpoint/2010/main" val="1088919387"/>
-      </p:ext>
-    </p:extLst>
-  </p:cSld>
-  <p:clrMapOvr>
-    <a:masterClrMapping/>
-  </p:clrMapOvr>
-</p:sld>
-</file>
-
-<file path=ppt/slides/slide2.xml><?xml version="1.0" encoding="utf-8"?>
-<p:sld xmlns:a="http://schemas.openxmlformats.org/drawingml/2006/main" xmlns:r="http://schemas.openxmlformats.org/officeDocument/2006/relationships" xmlns:p="http://schemas.openxmlformats.org/presentationml/2006/main">
-  <p:cSld>
     <p:bg>
       <p:bgPr>
         <a:solidFill>
@@ -14291,10 +15380,10 @@
       </p:grpSpPr>
       <p:sp useBgFill="1">
         <p:nvSpPr>
-          <p:cNvPr id="12" name="Rectangle 11">
+          <p:cNvPr id="27" name="Rectangle 26">
             <a:extLst>
               <a:ext uri="{FF2B5EF4-FFF2-40B4-BE49-F238E27FC236}">
-                <a16:creationId xmlns:a16="http://schemas.microsoft.com/office/drawing/2014/main" id="{BF9286D4-7AB4-4607-B491-39A5953574E7}"/>
+                <a16:creationId xmlns:a16="http://schemas.microsoft.com/office/drawing/2014/main" id="{6186370A-7D90-48F7-B93A-F5621720A5C7}"/>
               </a:ext>
               <a:ext uri="{C183D7F6-B498-43B3-948B-1728B52AA6E4}">
                 <adec:decorative xmlns:adec="http://schemas.microsoft.com/office/drawing/2017/decorative" val="1"/>
@@ -14315,30 +15404,14 @@
         <p:spPr>
           <a:xfrm>
             <a:off x="0" y="0"/>
-            <a:ext cx="12192000" cy="6858000"/>
+            <a:ext cx="12188952" cy="6858000"/>
           </a:xfrm>
           <a:prstGeom prst="rect">
             <a:avLst/>
           </a:prstGeom>
-          <a:ln w="12700" cap="flat" cmpd="sng" algn="ctr">
+          <a:ln>
             <a:noFill/>
-            <a:prstDash val="solid"/>
-            <a:miter lim="800000"/>
           </a:ln>
-          <a:effectLst/>
-          <a:extLst>
-            <a:ext uri="{91240B29-F687-4F45-9708-019B960494DF}">
-              <a14:hiddenLine xmlns:a14="http://schemas.microsoft.com/office/drawing/2010/main" w="12700" cap="flat" cmpd="sng" algn="ctr">
-                <a:solidFill>
-                  <a:schemeClr val="accent1">
-                    <a:shade val="50000"/>
-                  </a:schemeClr>
-                </a:solidFill>
-                <a:prstDash val="solid"/>
-                <a:miter lim="800000"/>
-              </a14:hiddenLine>
-            </a:ext>
-          </a:extLst>
         </p:spPr>
         <p:style>
           <a:lnRef idx="2">
@@ -14358,19 +15431,113 @@
         </p:style>
         <p:txBody>
           <a:bodyPr rtlCol="0" anchor="ctr"/>
-          <a:lstStyle/>
+          <a:lstStyle>
+            <a:defPPr>
+              <a:defRPr lang="en-US"/>
+            </a:defPPr>
+            <a:lvl1pPr marL="0" algn="l" defTabSz="914400" rtl="0" eaLnBrk="1" latinLnBrk="0" hangingPunct="1">
+              <a:defRPr sz="1800" kern="1200">
+                <a:solidFill>
+                  <a:schemeClr val="lt1"/>
+                </a:solidFill>
+                <a:latin typeface="+mn-lt"/>
+                <a:ea typeface="+mn-ea"/>
+                <a:cs typeface="+mn-cs"/>
+              </a:defRPr>
+            </a:lvl1pPr>
+            <a:lvl2pPr marL="457200" algn="l" defTabSz="914400" rtl="0" eaLnBrk="1" latinLnBrk="0" hangingPunct="1">
+              <a:defRPr sz="1800" kern="1200">
+                <a:solidFill>
+                  <a:schemeClr val="lt1"/>
+                </a:solidFill>
+                <a:latin typeface="+mn-lt"/>
+                <a:ea typeface="+mn-ea"/>
+                <a:cs typeface="+mn-cs"/>
+              </a:defRPr>
+            </a:lvl2pPr>
+            <a:lvl3pPr marL="914400" algn="l" defTabSz="914400" rtl="0" eaLnBrk="1" latinLnBrk="0" hangingPunct="1">
+              <a:defRPr sz="1800" kern="1200">
+                <a:solidFill>
+                  <a:schemeClr val="lt1"/>
+                </a:solidFill>
+                <a:latin typeface="+mn-lt"/>
+                <a:ea typeface="+mn-ea"/>
+                <a:cs typeface="+mn-cs"/>
+              </a:defRPr>
+            </a:lvl3pPr>
+            <a:lvl4pPr marL="1371600" algn="l" defTabSz="914400" rtl="0" eaLnBrk="1" latinLnBrk="0" hangingPunct="1">
+              <a:defRPr sz="1800" kern="1200">
+                <a:solidFill>
+                  <a:schemeClr val="lt1"/>
+                </a:solidFill>
+                <a:latin typeface="+mn-lt"/>
+                <a:ea typeface="+mn-ea"/>
+                <a:cs typeface="+mn-cs"/>
+              </a:defRPr>
+            </a:lvl4pPr>
+            <a:lvl5pPr marL="1828800" algn="l" defTabSz="914400" rtl="0" eaLnBrk="1" latinLnBrk="0" hangingPunct="1">
+              <a:defRPr sz="1800" kern="1200">
+                <a:solidFill>
+                  <a:schemeClr val="lt1"/>
+                </a:solidFill>
+                <a:latin typeface="+mn-lt"/>
+                <a:ea typeface="+mn-ea"/>
+                <a:cs typeface="+mn-cs"/>
+              </a:defRPr>
+            </a:lvl5pPr>
+            <a:lvl6pPr marL="2286000" algn="l" defTabSz="914400" rtl="0" eaLnBrk="1" latinLnBrk="0" hangingPunct="1">
+              <a:defRPr sz="1800" kern="1200">
+                <a:solidFill>
+                  <a:schemeClr val="lt1"/>
+                </a:solidFill>
+                <a:latin typeface="+mn-lt"/>
+                <a:ea typeface="+mn-ea"/>
+                <a:cs typeface="+mn-cs"/>
+              </a:defRPr>
+            </a:lvl6pPr>
+            <a:lvl7pPr marL="2743200" algn="l" defTabSz="914400" rtl="0" eaLnBrk="1" latinLnBrk="0" hangingPunct="1">
+              <a:defRPr sz="1800" kern="1200">
+                <a:solidFill>
+                  <a:schemeClr val="lt1"/>
+                </a:solidFill>
+                <a:latin typeface="+mn-lt"/>
+                <a:ea typeface="+mn-ea"/>
+                <a:cs typeface="+mn-cs"/>
+              </a:defRPr>
+            </a:lvl7pPr>
+            <a:lvl8pPr marL="3200400" algn="l" defTabSz="914400" rtl="0" eaLnBrk="1" latinLnBrk="0" hangingPunct="1">
+              <a:defRPr sz="1800" kern="1200">
+                <a:solidFill>
+                  <a:schemeClr val="lt1"/>
+                </a:solidFill>
+                <a:latin typeface="+mn-lt"/>
+                <a:ea typeface="+mn-ea"/>
+                <a:cs typeface="+mn-cs"/>
+              </a:defRPr>
+            </a:lvl8pPr>
+            <a:lvl9pPr marL="3657600" algn="l" defTabSz="914400" rtl="0" eaLnBrk="1" latinLnBrk="0" hangingPunct="1">
+              <a:defRPr sz="1800" kern="1200">
+                <a:solidFill>
+                  <a:schemeClr val="lt1"/>
+                </a:solidFill>
+                <a:latin typeface="+mn-lt"/>
+                <a:ea typeface="+mn-ea"/>
+                <a:cs typeface="+mn-cs"/>
+              </a:defRPr>
+            </a:lvl9pPr>
+          </a:lstStyle>
           <a:p>
             <a:pPr algn="ctr"/>
-            <a:endParaRPr lang="en-US"/>
+            <a:endParaRPr lang="en-US" dirty="0"/>
           </a:p>
         </p:txBody>
       </p:sp>
       <p:sp>
         <p:nvSpPr>
-          <p:cNvPr id="14" name="Background Gray Rectangle">
+          <p:cNvPr id="29" name="Rectangle 28">
             <a:extLst>
               <a:ext uri="{FF2B5EF4-FFF2-40B4-BE49-F238E27FC236}">
-                <a16:creationId xmlns:a16="http://schemas.microsoft.com/office/drawing/2014/main" id="{C5547980-FC15-420A-AB09-867110FD6F6B}"/>
+                <a16:creationId xmlns:a16="http://schemas.microsoft.com/office/drawing/2014/main" id="{1A9038BE-6A17-40FF-81FE-AB75B7190E04}"/>
               </a:ext>
               <a:ext uri="{C183D7F6-B498-43B3-948B-1728B52AA6E4}">
                 <adec:decorative xmlns:adec="http://schemas.microsoft.com/office/drawing/2017/decorative" val="1"/>
@@ -14520,16 +15687,16 @@
           </a:lstStyle>
           <a:p>
             <a:pPr algn="ctr"/>
-            <a:endParaRPr lang="en-US"/>
+            <a:endParaRPr lang="en-US" dirty="0"/>
           </a:p>
         </p:txBody>
       </p:sp>
       <p:sp>
         <p:nvSpPr>
-          <p:cNvPr id="16" name="White Rectangle">
+          <p:cNvPr id="31" name="Rectangle 30">
             <a:extLst>
               <a:ext uri="{FF2B5EF4-FFF2-40B4-BE49-F238E27FC236}">
-                <a16:creationId xmlns:a16="http://schemas.microsoft.com/office/drawing/2014/main" id="{DB5A9F3F-CEFA-48C9-BA7B-BD2EBBC711F2}"/>
+                <a16:creationId xmlns:a16="http://schemas.microsoft.com/office/drawing/2014/main" id="{0B746F1B-EB94-41AF-9BAF-6306744217F5}"/>
               </a:ext>
               <a:ext uri="{C183D7F6-B498-43B3-948B-1728B52AA6E4}">
                 <adec:decorative xmlns:adec="http://schemas.microsoft.com/office/drawing/2017/decorative" val="1"/>
@@ -14592,7 +15759,7 @@
           <p:cNvPr id="2" name="Title 1">
             <a:extLst>
               <a:ext uri="{FF2B5EF4-FFF2-40B4-BE49-F238E27FC236}">
-                <a16:creationId xmlns:a16="http://schemas.microsoft.com/office/drawing/2014/main" id="{4F344E6B-80DF-3D4D-EC7A-51A7AC0C64C8}"/>
+                <a16:creationId xmlns:a16="http://schemas.microsoft.com/office/drawing/2014/main" id="{702C098B-088A-8C28-DD0A-6BD359A4F4A8}"/>
               </a:ext>
             </a:extLst>
           </p:cNvPr>
@@ -14605,20 +15772,29 @@
         </p:nvSpPr>
         <p:spPr>
           <a:xfrm>
-            <a:off x="7221688" y="948519"/>
-            <a:ext cx="4185360" cy="4976179"/>
+            <a:off x="1682496" y="768096"/>
+            <a:ext cx="4110979" cy="877824"/>
           </a:xfrm>
         </p:spPr>
         <p:txBody>
-          <a:bodyPr>
+          <a:bodyPr anchor="b">
             <a:normAutofit/>
           </a:bodyPr>
           <a:lstStyle/>
           <a:p>
             <a:r>
-              <a:rPr lang="en-AT" dirty="0"/>
-              <a:t>Problem Statement:</a:t>
-            </a:r>
+              <a:rPr lang="en-GB" sz="4800" dirty="0">
+                <a:solidFill>
+                  <a:schemeClr val="tx1"/>
+                </a:solidFill>
+              </a:rPr>
+              <a:t>Train Model</a:t>
+            </a:r>
+            <a:endParaRPr lang="en-AT" sz="4800" dirty="0">
+              <a:solidFill>
+                <a:schemeClr val="tx1"/>
+              </a:solidFill>
+            </a:endParaRPr>
           </a:p>
         </p:txBody>
       </p:sp>
@@ -14627,7 +15803,7 @@
           <p:cNvPr id="6" name="Slide Number Placeholder 5">
             <a:extLst>
               <a:ext uri="{FF2B5EF4-FFF2-40B4-BE49-F238E27FC236}">
-                <a16:creationId xmlns:a16="http://schemas.microsoft.com/office/drawing/2014/main" id="{C3FA3D05-FED1-D12C-2481-FE040EFFACFD}"/>
+                <a16:creationId xmlns:a16="http://schemas.microsoft.com/office/drawing/2014/main" id="{1849D2D0-01BF-4A24-775E-808B14EF6ECA}"/>
               </a:ext>
             </a:extLst>
           </p:cNvPr>
@@ -14662,7 +15838,7 @@
                   <a:spcPts val="600"/>
                 </a:spcAft>
               </a:pPr>
-              <a:t>2</a:t>
+              <a:t>13</a:t>
             </a:fld>
             <a:endParaRPr lang="en-US"/>
           </a:p>
@@ -14670,10 +15846,303 @@
       </p:sp>
       <p:sp>
         <p:nvSpPr>
+          <p:cNvPr id="3" name="Content Placeholder 2">
+            <a:extLst>
+              <a:ext uri="{FF2B5EF4-FFF2-40B4-BE49-F238E27FC236}">
+                <a16:creationId xmlns:a16="http://schemas.microsoft.com/office/drawing/2014/main" id="{BADDB51A-9065-FC38-27CF-BCD08AD5F808}"/>
+              </a:ext>
+            </a:extLst>
+          </p:cNvPr>
+          <p:cNvSpPr>
+            <a:spLocks noGrp="1"/>
+          </p:cNvSpPr>
+          <p:nvPr>
+            <p:ph idx="1"/>
+          </p:nvPr>
+        </p:nvSpPr>
+        <p:spPr>
+          <a:xfrm>
+            <a:off x="1443228" y="1660118"/>
+            <a:ext cx="5370576" cy="4253083"/>
+          </a:xfrm>
+        </p:spPr>
+        <p:txBody>
+          <a:bodyPr anchor="t">
+            <a:normAutofit fontScale="85000" lnSpcReduction="10000"/>
+          </a:bodyPr>
+          <a:lstStyle/>
+          <a:p>
+            <a:pPr>
+              <a:lnSpc>
+                <a:spcPct val="90000"/>
+              </a:lnSpc>
+              <a:buFont typeface="Arial" panose="020B0604020202020204" pitchFamily="34" charset="0"/>
+              <a:buChar char="•"/>
+            </a:pPr>
+            <a:r>
+              <a:rPr lang="en-GB" sz="2000" b="1" dirty="0">
+                <a:solidFill>
+                  <a:schemeClr val="tx1"/>
+                </a:solidFill>
+              </a:rPr>
+              <a:t>Since the data is stationary,I will use ARIMA and LSTM to train the models</a:t>
+            </a:r>
+          </a:p>
+          <a:p>
+            <a:pPr>
+              <a:lnSpc>
+                <a:spcPct val="90000"/>
+              </a:lnSpc>
+              <a:buFont typeface="Arial" panose="020B0604020202020204" pitchFamily="34" charset="0"/>
+              <a:buChar char="•"/>
+            </a:pPr>
+            <a:r>
+              <a:rPr lang="en-GB" sz="2000" b="1" dirty="0">
+                <a:solidFill>
+                  <a:schemeClr val="tx1"/>
+                </a:solidFill>
+              </a:rPr>
+              <a:t>ARIMA:</a:t>
+            </a:r>
+            <a:r>
+              <a:rPr lang="en-GB" sz="2000" dirty="0">
+                <a:solidFill>
+                  <a:schemeClr val="tx1"/>
+                </a:solidFill>
+              </a:rPr>
+              <a:t> Use techniques like stationarity checks, order selection (p, d, q), and model fitting using tools like statsmodels or auto.arima in Python.</a:t>
+            </a:r>
+          </a:p>
+          <a:p>
+            <a:pPr>
+              <a:lnSpc>
+                <a:spcPct val="90000"/>
+              </a:lnSpc>
+              <a:buFont typeface="Arial" panose="020B0604020202020204" pitchFamily="34" charset="0"/>
+              <a:buChar char="•"/>
+            </a:pPr>
+            <a:r>
+              <a:rPr lang="en-GB" sz="2000" b="1" dirty="0">
+                <a:solidFill>
+                  <a:schemeClr val="tx1"/>
+                </a:solidFill>
+              </a:rPr>
+              <a:t>LSTM:</a:t>
+            </a:r>
+            <a:r>
+              <a:rPr lang="en-GB" sz="2000" dirty="0">
+                <a:solidFill>
+                  <a:schemeClr val="tx1"/>
+                </a:solidFill>
+              </a:rPr>
+              <a:t> Build and train an LSTM network using libraries like Keras . Experiment with hyperparameters like number of layers, neurons, and learning rate on the validation set.</a:t>
+            </a:r>
+          </a:p>
+          <a:p>
+            <a:pPr>
+              <a:lnSpc>
+                <a:spcPct val="90000"/>
+              </a:lnSpc>
+            </a:pPr>
+            <a:r>
+              <a:rPr lang="en-GB" sz="2000" b="1" dirty="0">
+                <a:solidFill>
+                  <a:schemeClr val="tx1"/>
+                </a:solidFill>
+              </a:rPr>
+              <a:t>Evaluate on the testing set:</a:t>
+            </a:r>
+            <a:r>
+              <a:rPr lang="en-GB" sz="2000" dirty="0">
+                <a:solidFill>
+                  <a:schemeClr val="tx1"/>
+                </a:solidFill>
+              </a:rPr>
+              <a:t> Make predictions for the next X days using the trained models on the unseen testing data. Calculate the chosen error and accuracy metrics for each model.</a:t>
+            </a:r>
+          </a:p>
+          <a:p>
+            <a:pPr>
+              <a:lnSpc>
+                <a:spcPct val="90000"/>
+              </a:lnSpc>
+            </a:pPr>
+            <a:r>
+              <a:rPr lang="en-GB" sz="2000" b="1" dirty="0">
+                <a:solidFill>
+                  <a:schemeClr val="tx1"/>
+                </a:solidFill>
+              </a:rPr>
+              <a:t>Compare performance:</a:t>
+            </a:r>
+            <a:r>
+              <a:rPr lang="en-GB" sz="2000" dirty="0">
+                <a:solidFill>
+                  <a:schemeClr val="tx1"/>
+                </a:solidFill>
+              </a:rPr>
+              <a:t> Analyze the calculated metrics. Lower error and higher accuracy values indicate better forecasting performance.</a:t>
+            </a:r>
+          </a:p>
+          <a:p>
+            <a:pPr>
+              <a:lnSpc>
+                <a:spcPct val="90000"/>
+              </a:lnSpc>
+              <a:buFont typeface="Arial" panose="020B0604020202020204" pitchFamily="34" charset="0"/>
+              <a:buChar char="•"/>
+            </a:pPr>
+            <a:endParaRPr lang="en-GB" sz="2000" dirty="0">
+              <a:solidFill>
+                <a:schemeClr val="tx1"/>
+              </a:solidFill>
+            </a:endParaRPr>
+          </a:p>
+          <a:p>
+            <a:pPr>
+              <a:lnSpc>
+                <a:spcPct val="90000"/>
+              </a:lnSpc>
+            </a:pPr>
+            <a:endParaRPr lang="en-AT" sz="1100" dirty="0">
+              <a:solidFill>
+                <a:schemeClr val="tx1"/>
+              </a:solidFill>
+            </a:endParaRPr>
+          </a:p>
+        </p:txBody>
+      </p:sp>
+      <p:sp>
+        <p:nvSpPr>
+          <p:cNvPr id="33" name="Rectangle 32">
+            <a:extLst>
+              <a:ext uri="{FF2B5EF4-FFF2-40B4-BE49-F238E27FC236}">
+                <a16:creationId xmlns:a16="http://schemas.microsoft.com/office/drawing/2014/main" id="{2C8ABDC5-2AC0-4E31-8744-FACDC1B33C1D}"/>
+              </a:ext>
+              <a:ext uri="{C183D7F6-B498-43B3-948B-1728B52AA6E4}">
+                <adec:decorative xmlns:adec="http://schemas.microsoft.com/office/drawing/2017/decorative" val="1"/>
+              </a:ext>
+            </a:extLst>
+          </p:cNvPr>
+          <p:cNvSpPr>
+            <a:spLocks noGrp="1" noRot="1" noChangeAspect="1" noMove="1" noResize="1" noEditPoints="1" noAdjustHandles="1" noChangeArrowheads="1" noChangeShapeType="1" noTextEdit="1"/>
+          </p:cNvSpPr>
+          <p:nvPr>
+            <p:extLst>
+              <p:ext uri="{386F3935-93C4-4BCD-93E2-E3B085C9AB24}">
+                <p16:designElem xmlns:p16="http://schemas.microsoft.com/office/powerpoint/2015/main" val="1"/>
+              </p:ext>
+            </p:extLst>
+          </p:nvPr>
+        </p:nvSpPr>
+        <p:spPr>
+          <a:xfrm rot="10800000">
+            <a:off x="11496182" y="680186"/>
+            <a:ext cx="688785" cy="5477813"/>
+          </a:xfrm>
+          <a:prstGeom prst="rect">
+            <a:avLst/>
+          </a:prstGeom>
+          <a:solidFill>
+            <a:srgbClr val="F3A42D">
+              <a:alpha val="25000"/>
+            </a:srgbClr>
+          </a:solidFill>
+          <a:ln w="25400" cap="flat">
+            <a:noFill/>
+            <a:prstDash val="solid"/>
+            <a:round/>
+          </a:ln>
+          <a:effectLst/>
+          <a:sp3d/>
+        </p:spPr>
+        <p:style>
+          <a:lnRef idx="0">
+            <a:scrgbClr r="0" g="0" b="0"/>
+          </a:lnRef>
+          <a:fillRef idx="0">
+            <a:scrgbClr r="0" g="0" b="0"/>
+          </a:fillRef>
+          <a:effectRef idx="0">
+            <a:scrgbClr r="0" g="0" b="0"/>
+          </a:effectRef>
+          <a:fontRef idx="none"/>
+        </p:style>
+        <p:txBody>
+          <a:bodyPr rot="0" spcFirstLastPara="1" vertOverflow="overflow" horzOverflow="overflow" vert="horz" wrap="square" lIns="0" tIns="0" rIns="0" bIns="0" numCol="1" spcCol="38100" rtlCol="0" anchor="ctr">
+            <a:spAutoFit/>
+          </a:bodyPr>
+          <a:lstStyle/>
+          <a:p>
+            <a:pPr marL="0" marR="0" indent="0" algn="ctr" defTabSz="825500" rtl="0" fontAlgn="auto" latinLnBrk="0" hangingPunct="0">
+              <a:lnSpc>
+                <a:spcPct val="100000"/>
+              </a:lnSpc>
+              <a:spcBef>
+                <a:spcPts val="0"/>
+              </a:spcBef>
+              <a:spcAft>
+                <a:spcPts val="0"/>
+              </a:spcAft>
+              <a:buClrTx/>
+              <a:buSzTx/>
+              <a:buFontTx/>
+              <a:buNone/>
+              <a:tabLst/>
+            </a:pPr>
+            <a:endParaRPr kumimoji="0" lang="en-US" sz="3000" b="0" i="0" u="none" strike="noStrike" cap="none" spc="0" normalizeH="0" baseline="0">
+              <a:ln>
+                <a:noFill/>
+              </a:ln>
+              <a:solidFill>
+                <a:srgbClr val="000000"/>
+              </a:solidFill>
+              <a:effectLst/>
+              <a:uFillTx/>
+              <a:latin typeface="Helvetica Neue Medium"/>
+              <a:ea typeface="Helvetica Neue Medium"/>
+              <a:cs typeface="Helvetica Neue Medium"/>
+              <a:sym typeface="Helvetica Neue Medium"/>
+            </a:endParaRPr>
+          </a:p>
+        </p:txBody>
+      </p:sp>
+      <p:pic>
+        <p:nvPicPr>
+          <p:cNvPr id="8" name="Picture 7" descr="tmpg_4ack8v.png">
+            <a:extLst>
+              <a:ext uri="{FF2B5EF4-FFF2-40B4-BE49-F238E27FC236}">
+                <a16:creationId xmlns:a16="http://schemas.microsoft.com/office/drawing/2014/main" id="{41F0EF10-901D-CF7C-D241-D20654EDB076}"/>
+              </a:ext>
+            </a:extLst>
+          </p:cNvPr>
+          <p:cNvPicPr>
+            <a:picLocks noChangeAspect="1"/>
+          </p:cNvPicPr>
+          <p:nvPr/>
+        </p:nvPicPr>
+        <p:blipFill>
+          <a:blip r:embed="rId2"/>
+          <a:stretch>
+            <a:fillRect/>
+          </a:stretch>
+        </p:blipFill>
+        <p:spPr>
+          <a:xfrm>
+            <a:off x="6965367" y="1331148"/>
+            <a:ext cx="4379252" cy="3994448"/>
+          </a:xfrm>
+          <a:prstGeom prst="rect">
+            <a:avLst/>
+          </a:prstGeom>
+        </p:spPr>
+      </p:pic>
+      <p:sp>
+        <p:nvSpPr>
           <p:cNvPr id="4" name="Date Placeholder 3">
             <a:extLst>
               <a:ext uri="{FF2B5EF4-FFF2-40B4-BE49-F238E27FC236}">
-                <a16:creationId xmlns:a16="http://schemas.microsoft.com/office/drawing/2014/main" id="{9452E2AF-84D4-F064-C3F0-7792672EB542}"/>
+                <a16:creationId xmlns:a16="http://schemas.microsoft.com/office/drawing/2014/main" id="{07DEE1B8-DDAE-1C81-2C1F-86384280BC08}"/>
               </a:ext>
             </a:extLst>
           </p:cNvPr>
@@ -14719,7 +16188,7 @@
           <p:cNvPr id="5" name="Footer Placeholder 4">
             <a:extLst>
               <a:ext uri="{FF2B5EF4-FFF2-40B4-BE49-F238E27FC236}">
-                <a16:creationId xmlns:a16="http://schemas.microsoft.com/office/drawing/2014/main" id="{1A65FF40-2632-6349-493B-B4D3EED056D0}"/>
+                <a16:creationId xmlns:a16="http://schemas.microsoft.com/office/drawing/2014/main" id="{D538812C-329E-D007-3D40-6C414B290B02}"/>
               </a:ext>
             </a:extLst>
           </p:cNvPr>
@@ -14732,8 +16201,8 @@
         </p:nvSpPr>
         <p:spPr>
           <a:xfrm>
-            <a:off x="6842943" y="6217920"/>
-            <a:ext cx="4114800" cy="640080"/>
+            <a:off x="3762376" y="6217920"/>
+            <a:ext cx="7195367" cy="640080"/>
           </a:xfrm>
         </p:spPr>
         <p:txBody>
@@ -14756,10 +16225,10 @@
       </p:sp>
       <p:cxnSp>
         <p:nvCxnSpPr>
-          <p:cNvPr id="18" name="Vertical Connector">
+          <p:cNvPr id="35" name="Straight Connector 34">
             <a:extLst>
               <a:ext uri="{FF2B5EF4-FFF2-40B4-BE49-F238E27FC236}">
-                <a16:creationId xmlns:a16="http://schemas.microsoft.com/office/drawing/2014/main" id="{5EF257B4-536F-43F8-B592-C5C82EC9DBC8}"/>
+                <a16:creationId xmlns:a16="http://schemas.microsoft.com/office/drawing/2014/main" id="{A0F0A2E1-1F18-4CF7-A33C-17302F1ADECB}"/>
               </a:ext>
               <a:ext uri="{C183D7F6-B498-43B3-948B-1728B52AA6E4}">
                 <adec:decorative xmlns:adec="http://schemas.microsoft.com/office/drawing/2017/decorative" val="1"/>
@@ -14787,7 +16256,7 @@
           </a:prstGeom>
           <a:ln w="9525" cap="rnd">
             <a:solidFill>
-              <a:schemeClr val="accent1"/>
+              <a:srgbClr val="F3A42D"/>
             </a:solidFill>
             <a:prstDash val="dash"/>
           </a:ln>
@@ -14809,10 +16278,10 @@
       </p:cxnSp>
       <p:cxnSp>
         <p:nvCxnSpPr>
-          <p:cNvPr id="20" name="Horizontal Connector 2">
+          <p:cNvPr id="37" name="Straight Connector 36">
             <a:extLst>
               <a:ext uri="{FF2B5EF4-FFF2-40B4-BE49-F238E27FC236}">
-                <a16:creationId xmlns:a16="http://schemas.microsoft.com/office/drawing/2014/main" id="{C267A879-D70E-4568-868D-00157FAC4A33}"/>
+                <a16:creationId xmlns:a16="http://schemas.microsoft.com/office/drawing/2014/main" id="{D100C619-2991-4D0C-8B1F-2CCE3A2823CA}"/>
               </a:ext>
               <a:ext uri="{C183D7F6-B498-43B3-948B-1728B52AA6E4}">
                 <adec:decorative xmlns:adec="http://schemas.microsoft.com/office/drawing/2017/decorative" val="1"/>
@@ -14840,7 +16309,7 @@
           </a:prstGeom>
           <a:ln w="9525" cap="rnd">
             <a:solidFill>
-              <a:schemeClr val="accent1"/>
+              <a:srgbClr val="F3A42D"/>
             </a:solidFill>
             <a:prstDash val="dash"/>
           </a:ln>
@@ -14860,41 +16329,10 @@
           </a:fontRef>
         </p:style>
       </p:cxnSp>
-      <p:graphicFrame>
-        <p:nvGraphicFramePr>
-          <p:cNvPr id="8" name="Content Placeholder 2">
-            <a:extLst>
-              <a:ext uri="{FF2B5EF4-FFF2-40B4-BE49-F238E27FC236}">
-                <a16:creationId xmlns:a16="http://schemas.microsoft.com/office/drawing/2014/main" id="{E6583586-8BF2-3493-657D-0BE35D42F6FE}"/>
-              </a:ext>
-            </a:extLst>
-          </p:cNvPr>
-          <p:cNvGraphicFramePr>
-            <a:graphicFrameLocks noGrp="1"/>
-          </p:cNvGraphicFramePr>
-          <p:nvPr>
-            <p:ph idx="1"/>
-            <p:extLst>
-              <p:ext uri="{D42A27DB-BD31-4B8C-83A1-F6EECF244321}">
-                <p14:modId xmlns:p14="http://schemas.microsoft.com/office/powerpoint/2010/main" val="1901461930"/>
-              </p:ext>
-            </p:extLst>
-          </p:nvPr>
-        </p:nvGraphicFramePr>
-        <p:xfrm>
-          <a:off x="248140" y="753026"/>
-          <a:ext cx="6635260" cy="5381355"/>
-        </p:xfrm>
-        <a:graphic>
-          <a:graphicData uri="http://schemas.openxmlformats.org/drawingml/2006/diagram">
-            <dgm:relIds xmlns:dgm="http://schemas.openxmlformats.org/drawingml/2006/diagram" xmlns:r="http://schemas.openxmlformats.org/officeDocument/2006/relationships" r:dm="rId2" r:lo="rId3" r:qs="rId4" r:cs="rId5"/>
-          </a:graphicData>
-        </a:graphic>
-      </p:graphicFrame>
     </p:spTree>
     <p:extLst>
       <p:ext uri="{BB962C8B-B14F-4D97-AF65-F5344CB8AC3E}">
-        <p14:creationId xmlns:p14="http://schemas.microsoft.com/office/powerpoint/2010/main" val="2305606006"/>
+        <p14:creationId xmlns:p14="http://schemas.microsoft.com/office/powerpoint/2010/main" val="3624473889"/>
       </p:ext>
     </p:extLst>
   </p:cSld>
@@ -14904,7 +16342,1150 @@
 </p:sld>
 </file>
 
-<file path=ppt/slides/slide3.xml><?xml version="1.0" encoding="utf-8"?>
+<file path=ppt/slides/slide14.xml><?xml version="1.0" encoding="utf-8"?>
+<p:sld xmlns:a="http://schemas.openxmlformats.org/drawingml/2006/main" xmlns:r="http://schemas.openxmlformats.org/officeDocument/2006/relationships" xmlns:p="http://schemas.openxmlformats.org/presentationml/2006/main">
+  <p:cSld>
+    <p:spTree>
+      <p:nvGrpSpPr>
+        <p:cNvPr id="1" name=""/>
+        <p:cNvGrpSpPr/>
+        <p:nvPr/>
+      </p:nvGrpSpPr>
+      <p:grpSpPr>
+        <a:xfrm>
+          <a:off x="0" y="0"/>
+          <a:ext cx="0" cy="0"/>
+          <a:chOff x="0" y="0"/>
+          <a:chExt cx="0" cy="0"/>
+        </a:xfrm>
+      </p:grpSpPr>
+      <p:sp>
+        <p:nvSpPr>
+          <p:cNvPr id="2" name="Title 1">
+            <a:extLst>
+              <a:ext uri="{FF2B5EF4-FFF2-40B4-BE49-F238E27FC236}">
+                <a16:creationId xmlns:a16="http://schemas.microsoft.com/office/drawing/2014/main" id="{AFAA8187-506B-50D5-50C3-088B87C7C453}"/>
+              </a:ext>
+            </a:extLst>
+          </p:cNvPr>
+          <p:cNvSpPr>
+            <a:spLocks noGrp="1"/>
+          </p:cNvSpPr>
+          <p:nvPr>
+            <p:ph type="title"/>
+          </p:nvPr>
+        </p:nvSpPr>
+        <p:spPr>
+          <a:xfrm>
+            <a:off x="1658470" y="667512"/>
+            <a:ext cx="9277753" cy="1023176"/>
+          </a:xfrm>
+        </p:spPr>
+        <p:txBody>
+          <a:bodyPr/>
+          <a:lstStyle/>
+          <a:p>
+            <a:pPr algn="ctr"/>
+            <a:r>
+              <a:rPr lang="en-AT" dirty="0"/>
+              <a:t>Evaluation Metrics</a:t>
+            </a:r>
+          </a:p>
+        </p:txBody>
+      </p:sp>
+      <p:sp>
+        <p:nvSpPr>
+          <p:cNvPr id="3" name="Content Placeholder 2">
+            <a:extLst>
+              <a:ext uri="{FF2B5EF4-FFF2-40B4-BE49-F238E27FC236}">
+                <a16:creationId xmlns:a16="http://schemas.microsoft.com/office/drawing/2014/main" id="{034E3EFA-DDE3-F53A-C840-EAE557620377}"/>
+              </a:ext>
+            </a:extLst>
+          </p:cNvPr>
+          <p:cNvSpPr>
+            <a:spLocks noGrp="1"/>
+          </p:cNvSpPr>
+          <p:nvPr>
+            <p:ph idx="1"/>
+          </p:nvPr>
+        </p:nvSpPr>
+        <p:spPr>
+          <a:xfrm>
+            <a:off x="1515035" y="1828800"/>
+            <a:ext cx="6165926" cy="4023360"/>
+          </a:xfrm>
+        </p:spPr>
+        <p:txBody>
+          <a:bodyPr>
+            <a:normAutofit fontScale="85000" lnSpcReduction="10000"/>
+          </a:bodyPr>
+          <a:lstStyle/>
+          <a:p>
+            <a:pPr>
+              <a:buFont typeface="Arial" panose="020B0604020202020204" pitchFamily="34" charset="0"/>
+              <a:buChar char="•"/>
+            </a:pPr>
+            <a:endParaRPr lang="en-GB" sz="1800" b="1" dirty="0"/>
+          </a:p>
+          <a:p>
+            <a:pPr>
+              <a:buFont typeface="Arial" panose="020B0604020202020204" pitchFamily="34" charset="0"/>
+              <a:buChar char="•"/>
+            </a:pPr>
+            <a:r>
+              <a:rPr lang="en-GB" sz="1800" dirty="0"/>
+              <a:t>Data is evaluated both visually and using using evaluation Metrics</a:t>
+            </a:r>
+          </a:p>
+          <a:p>
+            <a:pPr>
+              <a:buFont typeface="Arial" panose="020B0604020202020204" pitchFamily="34" charset="0"/>
+              <a:buChar char="•"/>
+            </a:pPr>
+            <a:r>
+              <a:rPr lang="en-GB" sz="1800" b="1" dirty="0"/>
+              <a:t>Error metrics: Mean Squared Error (MSE):</a:t>
+            </a:r>
+            <a:r>
+              <a:rPr lang="en-GB" sz="1800" dirty="0"/>
+              <a:t> Measures the average squared difference between predicted and actual values. Lower MSE indicates better fit.</a:t>
+            </a:r>
+          </a:p>
+          <a:p>
+            <a:pPr>
+              <a:buFont typeface="Arial" panose="020B0604020202020204" pitchFamily="34" charset="0"/>
+              <a:buChar char="•"/>
+            </a:pPr>
+            <a:r>
+              <a:rPr lang="en-GB" sz="1800" b="1" dirty="0"/>
+              <a:t>Root Mean Squared Error (RMSE):</a:t>
+            </a:r>
+            <a:r>
+              <a:rPr lang="en-GB" sz="1800" dirty="0"/>
+              <a:t> Square root of MSE, expressed in the same units as the data. Easier to interpret the error magnitude.</a:t>
+            </a:r>
+          </a:p>
+          <a:p>
+            <a:pPr>
+              <a:buFont typeface="Arial" panose="020B0604020202020204" pitchFamily="34" charset="0"/>
+              <a:buChar char="•"/>
+            </a:pPr>
+            <a:r>
+              <a:rPr lang="en-GB" sz="1800" b="1" dirty="0"/>
+              <a:t>Mean Absolute Error (MAE):</a:t>
+            </a:r>
+            <a:r>
+              <a:rPr lang="en-GB" sz="1800" dirty="0"/>
+              <a:t> Average absolute difference between predicted and actual values. Less sensitive to outliers compared to MSE.</a:t>
+            </a:r>
+          </a:p>
+          <a:p>
+            <a:pPr>
+              <a:buFont typeface="Arial" panose="020B0604020202020204" pitchFamily="34" charset="0"/>
+              <a:buChar char="•"/>
+            </a:pPr>
+            <a:r>
+              <a:rPr lang="en-GB" sz="1800" b="1" dirty="0"/>
+              <a:t>Accuracy metrics: Mean Absolute Percentage Error (MAPE):</a:t>
+            </a:r>
+            <a:r>
+              <a:rPr lang="en-GB" sz="1800" dirty="0"/>
+              <a:t> Average absolute percentage difference between predicted and actual values. Useful for comparing models with data containing large variations.</a:t>
+            </a:r>
+          </a:p>
+          <a:p>
+            <a:endParaRPr lang="en-AT" dirty="0"/>
+          </a:p>
+        </p:txBody>
+      </p:sp>
+      <p:sp>
+        <p:nvSpPr>
+          <p:cNvPr id="4" name="Date Placeholder 3">
+            <a:extLst>
+              <a:ext uri="{FF2B5EF4-FFF2-40B4-BE49-F238E27FC236}">
+                <a16:creationId xmlns:a16="http://schemas.microsoft.com/office/drawing/2014/main" id="{0892FB28-04EB-315A-B470-B8AF54DA50D7}"/>
+              </a:ext>
+            </a:extLst>
+          </p:cNvPr>
+          <p:cNvSpPr>
+            <a:spLocks noGrp="1"/>
+          </p:cNvSpPr>
+          <p:nvPr>
+            <p:ph type="dt" sz="half" idx="10"/>
+          </p:nvPr>
+        </p:nvSpPr>
+        <p:spPr/>
+        <p:txBody>
+          <a:bodyPr/>
+          <a:lstStyle/>
+          <a:p>
+            <a:fld id="{57997BA6-BEF8-495F-ACCD-8D19769E4FC6}" type="datetime2">
+              <a:rPr lang="en-US" smtClean="0"/>
+              <a:t>Monday, July 22, 2024</a:t>
+            </a:fld>
+            <a:endParaRPr lang="en-US" dirty="0"/>
+          </a:p>
+        </p:txBody>
+      </p:sp>
+      <p:sp>
+        <p:nvSpPr>
+          <p:cNvPr id="5" name="Footer Placeholder 4">
+            <a:extLst>
+              <a:ext uri="{FF2B5EF4-FFF2-40B4-BE49-F238E27FC236}">
+                <a16:creationId xmlns:a16="http://schemas.microsoft.com/office/drawing/2014/main" id="{6EBC407E-6BD8-AD4A-134B-4787F712A88B}"/>
+              </a:ext>
+            </a:extLst>
+          </p:cNvPr>
+          <p:cNvSpPr>
+            <a:spLocks noGrp="1"/>
+          </p:cNvSpPr>
+          <p:nvPr>
+            <p:ph type="ftr" sz="quarter" idx="11"/>
+          </p:nvPr>
+        </p:nvSpPr>
+        <p:spPr/>
+        <p:txBody>
+          <a:bodyPr/>
+          <a:lstStyle/>
+          <a:p>
+            <a:r>
+              <a:rPr lang="en-US"/>
+              <a:t>Sample Footer Text</a:t>
+            </a:r>
+            <a:endParaRPr lang="en-US" dirty="0"/>
+          </a:p>
+        </p:txBody>
+      </p:sp>
+      <p:sp>
+        <p:nvSpPr>
+          <p:cNvPr id="6" name="Slide Number Placeholder 5">
+            <a:extLst>
+              <a:ext uri="{FF2B5EF4-FFF2-40B4-BE49-F238E27FC236}">
+                <a16:creationId xmlns:a16="http://schemas.microsoft.com/office/drawing/2014/main" id="{F45C4AF0-5377-5F76-56EB-32B030BB58BC}"/>
+              </a:ext>
+            </a:extLst>
+          </p:cNvPr>
+          <p:cNvSpPr>
+            <a:spLocks noGrp="1"/>
+          </p:cNvSpPr>
+          <p:nvPr>
+            <p:ph type="sldNum" sz="quarter" idx="12"/>
+          </p:nvPr>
+        </p:nvSpPr>
+        <p:spPr/>
+        <p:txBody>
+          <a:bodyPr/>
+          <a:lstStyle/>
+          <a:p>
+            <a:fld id="{7BE69E03-4804-4553-A1EC-F089884EF50F}" type="slidenum">
+              <a:rPr lang="en-US" smtClean="0"/>
+              <a:t>14</a:t>
+            </a:fld>
+            <a:endParaRPr lang="en-US"/>
+          </a:p>
+        </p:txBody>
+      </p:sp>
+      <p:pic>
+        <p:nvPicPr>
+          <p:cNvPr id="7" name="Picture 6" descr="tmpg60h_1na.png">
+            <a:extLst>
+              <a:ext uri="{FF2B5EF4-FFF2-40B4-BE49-F238E27FC236}">
+                <a16:creationId xmlns:a16="http://schemas.microsoft.com/office/drawing/2014/main" id="{28723974-62A7-BDDA-6D3C-E956F035E32D}"/>
+              </a:ext>
+            </a:extLst>
+          </p:cNvPr>
+          <p:cNvPicPr>
+            <a:picLocks noChangeAspect="1"/>
+          </p:cNvPicPr>
+          <p:nvPr/>
+        </p:nvPicPr>
+        <p:blipFill>
+          <a:blip r:embed="rId2"/>
+          <a:stretch>
+            <a:fillRect/>
+          </a:stretch>
+        </p:blipFill>
+        <p:spPr>
+          <a:xfrm>
+            <a:off x="8302752" y="2077914"/>
+            <a:ext cx="3229199" cy="3116830"/>
+          </a:xfrm>
+          <a:prstGeom prst="rect">
+            <a:avLst/>
+          </a:prstGeom>
+        </p:spPr>
+      </p:pic>
+    </p:spTree>
+    <p:extLst>
+      <p:ext uri="{BB962C8B-B14F-4D97-AF65-F5344CB8AC3E}">
+        <p14:creationId xmlns:p14="http://schemas.microsoft.com/office/powerpoint/2010/main" val="1136921035"/>
+      </p:ext>
+    </p:extLst>
+  </p:cSld>
+  <p:clrMapOvr>
+    <a:masterClrMapping/>
+  </p:clrMapOvr>
+</p:sld>
+</file>
+
+<file path=ppt/slides/slide15.xml><?xml version="1.0" encoding="utf-8"?>
+<p:sld xmlns:a="http://schemas.openxmlformats.org/drawingml/2006/main" xmlns:r="http://schemas.openxmlformats.org/officeDocument/2006/relationships" xmlns:p="http://schemas.openxmlformats.org/presentationml/2006/main">
+  <p:cSld>
+    <p:spTree>
+      <p:nvGrpSpPr>
+        <p:cNvPr id="1" name=""/>
+        <p:cNvGrpSpPr/>
+        <p:nvPr/>
+      </p:nvGrpSpPr>
+      <p:grpSpPr>
+        <a:xfrm>
+          <a:off x="0" y="0"/>
+          <a:ext cx="0" cy="0"/>
+          <a:chOff x="0" y="0"/>
+          <a:chExt cx="0" cy="0"/>
+        </a:xfrm>
+      </p:grpSpPr>
+      <p:sp>
+        <p:nvSpPr>
+          <p:cNvPr id="2" name="Title 1">
+            <a:extLst>
+              <a:ext uri="{FF2B5EF4-FFF2-40B4-BE49-F238E27FC236}">
+                <a16:creationId xmlns:a16="http://schemas.microsoft.com/office/drawing/2014/main" id="{C054B3F2-2D41-D455-C648-C9DAC4EED3B4}"/>
+              </a:ext>
+            </a:extLst>
+          </p:cNvPr>
+          <p:cNvSpPr>
+            <a:spLocks noGrp="1"/>
+          </p:cNvSpPr>
+          <p:nvPr>
+            <p:ph type="title"/>
+          </p:nvPr>
+        </p:nvSpPr>
+        <p:spPr/>
+        <p:txBody>
+          <a:bodyPr/>
+          <a:lstStyle/>
+          <a:p>
+            <a:pPr algn="ctr"/>
+            <a:r>
+              <a:rPr lang="en-AT" dirty="0"/>
+              <a:t>Forecast</a:t>
+            </a:r>
+          </a:p>
+        </p:txBody>
+      </p:sp>
+      <p:sp>
+        <p:nvSpPr>
+          <p:cNvPr id="3" name="Content Placeholder 2">
+            <a:extLst>
+              <a:ext uri="{FF2B5EF4-FFF2-40B4-BE49-F238E27FC236}">
+                <a16:creationId xmlns:a16="http://schemas.microsoft.com/office/drawing/2014/main" id="{2AD20148-F0CE-6A30-B3A8-B2506E7E2C49}"/>
+              </a:ext>
+            </a:extLst>
+          </p:cNvPr>
+          <p:cNvSpPr>
+            <a:spLocks noGrp="1"/>
+          </p:cNvSpPr>
+          <p:nvPr>
+            <p:ph sz="half" idx="1"/>
+          </p:nvPr>
+        </p:nvSpPr>
+        <p:spPr/>
+        <p:txBody>
+          <a:bodyPr/>
+          <a:lstStyle/>
+          <a:p>
+            <a:endParaRPr lang="en-GB" dirty="0"/>
+          </a:p>
+          <a:p>
+            <a:r>
+              <a:rPr lang="en-GB" dirty="0"/>
+              <a:t>The ARIMA model appears to have performed better at predicting the sales quantity of the item compared to SARIMA and LSTM.</a:t>
+            </a:r>
+          </a:p>
+          <a:p>
+            <a:endParaRPr lang="en-AT" dirty="0"/>
+          </a:p>
+        </p:txBody>
+      </p:sp>
+      <p:sp>
+        <p:nvSpPr>
+          <p:cNvPr id="5" name="Date Placeholder 4">
+            <a:extLst>
+              <a:ext uri="{FF2B5EF4-FFF2-40B4-BE49-F238E27FC236}">
+                <a16:creationId xmlns:a16="http://schemas.microsoft.com/office/drawing/2014/main" id="{CAFEEF8C-8CA0-D71A-8F97-62AE021F0CB9}"/>
+              </a:ext>
+            </a:extLst>
+          </p:cNvPr>
+          <p:cNvSpPr>
+            <a:spLocks noGrp="1"/>
+          </p:cNvSpPr>
+          <p:nvPr>
+            <p:ph type="dt" sz="half" idx="10"/>
+          </p:nvPr>
+        </p:nvSpPr>
+        <p:spPr/>
+        <p:txBody>
+          <a:bodyPr/>
+          <a:lstStyle/>
+          <a:p>
+            <a:fld id="{003E0E29-2C79-4A2A-B61C-A21B8362A50A}" type="datetime2">
+              <a:rPr lang="en-US" smtClean="0"/>
+              <a:t>Monday, July 22, 2024</a:t>
+            </a:fld>
+            <a:endParaRPr lang="en-US"/>
+          </a:p>
+        </p:txBody>
+      </p:sp>
+      <p:sp>
+        <p:nvSpPr>
+          <p:cNvPr id="6" name="Footer Placeholder 5">
+            <a:extLst>
+              <a:ext uri="{FF2B5EF4-FFF2-40B4-BE49-F238E27FC236}">
+                <a16:creationId xmlns:a16="http://schemas.microsoft.com/office/drawing/2014/main" id="{2181E0A0-3C4C-DE03-0829-C59C136D7712}"/>
+              </a:ext>
+            </a:extLst>
+          </p:cNvPr>
+          <p:cNvSpPr>
+            <a:spLocks noGrp="1"/>
+          </p:cNvSpPr>
+          <p:nvPr>
+            <p:ph type="ftr" sz="quarter" idx="11"/>
+          </p:nvPr>
+        </p:nvSpPr>
+        <p:spPr/>
+        <p:txBody>
+          <a:bodyPr/>
+          <a:lstStyle/>
+          <a:p>
+            <a:r>
+              <a:rPr lang="en-US"/>
+              <a:t>Sample Footer Text</a:t>
+            </a:r>
+          </a:p>
+        </p:txBody>
+      </p:sp>
+      <p:sp>
+        <p:nvSpPr>
+          <p:cNvPr id="7" name="Slide Number Placeholder 6">
+            <a:extLst>
+              <a:ext uri="{FF2B5EF4-FFF2-40B4-BE49-F238E27FC236}">
+                <a16:creationId xmlns:a16="http://schemas.microsoft.com/office/drawing/2014/main" id="{07909E71-CAC8-8C91-F8A6-4B74D5705381}"/>
+              </a:ext>
+            </a:extLst>
+          </p:cNvPr>
+          <p:cNvSpPr>
+            <a:spLocks noGrp="1"/>
+          </p:cNvSpPr>
+          <p:nvPr>
+            <p:ph type="sldNum" sz="quarter" idx="12"/>
+          </p:nvPr>
+        </p:nvSpPr>
+        <p:spPr/>
+        <p:txBody>
+          <a:bodyPr/>
+          <a:lstStyle/>
+          <a:p>
+            <a:fld id="{7BE69E03-4804-4553-A1EC-F089884EF50F}" type="slidenum">
+              <a:rPr lang="en-US" smtClean="0"/>
+              <a:t>15</a:t>
+            </a:fld>
+            <a:endParaRPr lang="en-US"/>
+          </a:p>
+        </p:txBody>
+      </p:sp>
+      <p:pic>
+        <p:nvPicPr>
+          <p:cNvPr id="4098" name="Picture 2">
+            <a:extLst>
+              <a:ext uri="{FF2B5EF4-FFF2-40B4-BE49-F238E27FC236}">
+                <a16:creationId xmlns:a16="http://schemas.microsoft.com/office/drawing/2014/main" id="{4141C71E-7E69-1EF3-8859-29140D8FE321}"/>
+              </a:ext>
+            </a:extLst>
+          </p:cNvPr>
+          <p:cNvPicPr>
+            <a:picLocks noGrp="1" noChangeAspect="1" noChangeArrowheads="1"/>
+          </p:cNvPicPr>
+          <p:nvPr>
+            <p:ph sz="half" idx="2"/>
+          </p:nvPr>
+        </p:nvPicPr>
+        <p:blipFill>
+          <a:blip r:embed="rId2">
+            <a:extLst>
+              <a:ext uri="{28A0092B-C50C-407E-A947-70E740481C1C}">
+                <a14:useLocalDpi xmlns:a14="http://schemas.microsoft.com/office/drawing/2010/main" val="0"/>
+              </a:ext>
+            </a:extLst>
+          </a:blip>
+          <a:srcRect/>
+          <a:stretch>
+            <a:fillRect/>
+          </a:stretch>
+        </p:blipFill>
+        <p:spPr bwMode="auto">
+          <a:xfrm>
+            <a:off x="5756275" y="2563811"/>
+            <a:ext cx="5180013" cy="2730502"/>
+          </a:xfrm>
+          <a:prstGeom prst="rect">
+            <a:avLst/>
+          </a:prstGeom>
+          <a:noFill/>
+          <a:extLst>
+            <a:ext uri="{909E8E84-426E-40DD-AFC4-6F175D3DCCD1}">
+              <a14:hiddenFill xmlns:a14="http://schemas.microsoft.com/office/drawing/2010/main">
+                <a:solidFill>
+                  <a:srgbClr val="FFFFFF"/>
+                </a:solidFill>
+              </a14:hiddenFill>
+            </a:ext>
+          </a:extLst>
+        </p:spPr>
+      </p:pic>
+    </p:spTree>
+    <p:extLst>
+      <p:ext uri="{BB962C8B-B14F-4D97-AF65-F5344CB8AC3E}">
+        <p14:creationId xmlns:p14="http://schemas.microsoft.com/office/powerpoint/2010/main" val="4141019105"/>
+      </p:ext>
+    </p:extLst>
+  </p:cSld>
+  <p:clrMapOvr>
+    <a:masterClrMapping/>
+  </p:clrMapOvr>
+</p:sld>
+</file>
+
+<file path=ppt/slides/slide16.xml><?xml version="1.0" encoding="utf-8"?>
+<p:sld xmlns:a="http://schemas.openxmlformats.org/drawingml/2006/main" xmlns:r="http://schemas.openxmlformats.org/officeDocument/2006/relationships" xmlns:p="http://schemas.openxmlformats.org/presentationml/2006/main">
+  <p:cSld>
+    <p:spTree>
+      <p:nvGrpSpPr>
+        <p:cNvPr id="1" name=""/>
+        <p:cNvGrpSpPr/>
+        <p:nvPr/>
+      </p:nvGrpSpPr>
+      <p:grpSpPr>
+        <a:xfrm>
+          <a:off x="0" y="0"/>
+          <a:ext cx="0" cy="0"/>
+          <a:chOff x="0" y="0"/>
+          <a:chExt cx="0" cy="0"/>
+        </a:xfrm>
+      </p:grpSpPr>
+      <p:sp>
+        <p:nvSpPr>
+          <p:cNvPr id="2" name="Title 1">
+            <a:extLst>
+              <a:ext uri="{FF2B5EF4-FFF2-40B4-BE49-F238E27FC236}">
+                <a16:creationId xmlns:a16="http://schemas.microsoft.com/office/drawing/2014/main" id="{B0198481-8754-D83D-85CC-1F99442F3A7B}"/>
+              </a:ext>
+            </a:extLst>
+          </p:cNvPr>
+          <p:cNvSpPr>
+            <a:spLocks noGrp="1"/>
+          </p:cNvSpPr>
+          <p:nvPr>
+            <p:ph type="title"/>
+          </p:nvPr>
+        </p:nvSpPr>
+        <p:spPr>
+          <a:xfrm>
+            <a:off x="1608082" y="667512"/>
+            <a:ext cx="9328141" cy="1023176"/>
+          </a:xfrm>
+        </p:spPr>
+        <p:txBody>
+          <a:bodyPr/>
+          <a:lstStyle/>
+          <a:p>
+            <a:pPr algn="ctr"/>
+            <a:r>
+              <a:rPr lang="en-GB"/>
+              <a:t>Conclusion</a:t>
+            </a:r>
+            <a:endParaRPr lang="en-AT" dirty="0"/>
+          </a:p>
+        </p:txBody>
+      </p:sp>
+      <p:sp>
+        <p:nvSpPr>
+          <p:cNvPr id="3" name="Content Placeholder 2">
+            <a:extLst>
+              <a:ext uri="{FF2B5EF4-FFF2-40B4-BE49-F238E27FC236}">
+                <a16:creationId xmlns:a16="http://schemas.microsoft.com/office/drawing/2014/main" id="{BAB325DF-1EAD-E25E-9812-4A94161C9DCC}"/>
+              </a:ext>
+            </a:extLst>
+          </p:cNvPr>
+          <p:cNvSpPr>
+            <a:spLocks noGrp="1"/>
+          </p:cNvSpPr>
+          <p:nvPr>
+            <p:ph idx="1"/>
+          </p:nvPr>
+        </p:nvSpPr>
+        <p:spPr>
+          <a:xfrm>
+            <a:off x="1460938" y="1860331"/>
+            <a:ext cx="9475286" cy="4171677"/>
+          </a:xfrm>
+        </p:spPr>
+        <p:txBody>
+          <a:bodyPr>
+            <a:normAutofit fontScale="77500" lnSpcReduction="20000"/>
+          </a:bodyPr>
+          <a:lstStyle/>
+          <a:p>
+            <a:pPr algn="l"/>
+            <a:r>
+              <a:rPr lang="en-GB" b="1" i="0">
+                <a:effectLst/>
+                <a:highlight>
+                  <a:srgbClr val="FFFFFF"/>
+                </a:highlight>
+                <a:latin typeface="var(--jp-content-font-family)"/>
+              </a:rPr>
+              <a:t>Interpretation of Results</a:t>
+            </a:r>
+          </a:p>
+          <a:p>
+            <a:pPr algn="l"/>
+            <a:r>
+              <a:rPr lang="en-GB" b="0" i="0">
+                <a:effectLst/>
+                <a:highlight>
+                  <a:srgbClr val="FFFFFF"/>
+                </a:highlight>
+                <a:latin typeface="var(--jp-content-font-family)"/>
+              </a:rPr>
+              <a:t>Based on the above analysis the ARIMA model performed best in predicting future sales. </a:t>
+            </a:r>
+          </a:p>
+          <a:p>
+            <a:pPr algn="l"/>
+            <a:r>
+              <a:rPr lang="en-GB" b="0" i="0">
+                <a:effectLst/>
+                <a:highlight>
+                  <a:srgbClr val="FFFFFF"/>
+                </a:highlight>
+                <a:latin typeface="var(--jp-content-font-family)"/>
+              </a:rPr>
+              <a:t>Here are some of the limitations to consider when interpreting forecast graphs like this one:</a:t>
+            </a:r>
+          </a:p>
+          <a:p>
+            <a:pPr algn="l"/>
+            <a:r>
+              <a:rPr lang="en-GB" b="0" i="0">
+                <a:effectLst/>
+                <a:highlight>
+                  <a:srgbClr val="FFFFFF"/>
+                </a:highlight>
+                <a:latin typeface="var(--jp-content-font-family)"/>
+              </a:rPr>
+              <a:t>The forecast may only be accurate for a short period of time. This is because future sales can be influenced by many factors that are difficult to predict, such as changes in the economy, consumer preferences, and competitor activity.</a:t>
+            </a:r>
+          </a:p>
+          <a:p>
+            <a:pPr algn="l"/>
+            <a:r>
+              <a:rPr lang="en-GB" b="0" i="0">
+                <a:effectLst/>
+                <a:highlight>
+                  <a:srgbClr val="FFFFFF"/>
+                </a:highlight>
+                <a:latin typeface="var(--jp-content-font-family)"/>
+              </a:rPr>
+              <a:t>The graph may not show the confidence interval around the forecast. The confidence interval is a range of values that are likely to contain the actual future sales. A wider confidence interval indicates that the forecast is more uncertain.</a:t>
+            </a:r>
+          </a:p>
+          <a:p>
+            <a:pPr algn="l"/>
+            <a:r>
+              <a:rPr lang="en-GB" b="0" i="0">
+                <a:effectLst/>
+                <a:highlight>
+                  <a:srgbClr val="FFFFFF"/>
+                </a:highlight>
+                <a:latin typeface="var(--jp-content-font-family)"/>
+              </a:rPr>
+              <a:t>It is important to consider these limitations when using sales forecasts for decision-making.</a:t>
+            </a:r>
+          </a:p>
+          <a:p>
+            <a:pPr algn="l"/>
+            <a:r>
+              <a:rPr lang="en-GB" b="0" i="0">
+                <a:effectLst/>
+                <a:highlight>
+                  <a:srgbClr val="FFFFFF"/>
+                </a:highlight>
+                <a:latin typeface="var(--jp-content-font-family)"/>
+              </a:rPr>
+              <a:t>Forecasts can be a valuable tool, but they should not be used as the only source of information.</a:t>
+            </a:r>
+          </a:p>
+          <a:p>
+            <a:endParaRPr lang="en-AT" dirty="0"/>
+          </a:p>
+        </p:txBody>
+      </p:sp>
+      <p:sp>
+        <p:nvSpPr>
+          <p:cNvPr id="4" name="Date Placeholder 3">
+            <a:extLst>
+              <a:ext uri="{FF2B5EF4-FFF2-40B4-BE49-F238E27FC236}">
+                <a16:creationId xmlns:a16="http://schemas.microsoft.com/office/drawing/2014/main" id="{BFB2DA9A-F490-065D-957C-1867080553A3}"/>
+              </a:ext>
+            </a:extLst>
+          </p:cNvPr>
+          <p:cNvSpPr>
+            <a:spLocks noGrp="1"/>
+          </p:cNvSpPr>
+          <p:nvPr>
+            <p:ph type="dt" sz="half" idx="10"/>
+          </p:nvPr>
+        </p:nvSpPr>
+        <p:spPr/>
+        <p:txBody>
+          <a:bodyPr/>
+          <a:lstStyle/>
+          <a:p>
+            <a:fld id="{57997BA6-BEF8-495F-ACCD-8D19769E4FC6}" type="datetime2">
+              <a:rPr lang="en-US" smtClean="0"/>
+              <a:t>Monday, July 22, 2024</a:t>
+            </a:fld>
+            <a:endParaRPr lang="en-US" dirty="0"/>
+          </a:p>
+        </p:txBody>
+      </p:sp>
+      <p:sp>
+        <p:nvSpPr>
+          <p:cNvPr id="5" name="Footer Placeholder 4">
+            <a:extLst>
+              <a:ext uri="{FF2B5EF4-FFF2-40B4-BE49-F238E27FC236}">
+                <a16:creationId xmlns:a16="http://schemas.microsoft.com/office/drawing/2014/main" id="{2C713482-695E-6DFA-AC61-E654E60FA3AC}"/>
+              </a:ext>
+            </a:extLst>
+          </p:cNvPr>
+          <p:cNvSpPr>
+            <a:spLocks noGrp="1"/>
+          </p:cNvSpPr>
+          <p:nvPr>
+            <p:ph type="ftr" sz="quarter" idx="11"/>
+          </p:nvPr>
+        </p:nvSpPr>
+        <p:spPr/>
+        <p:txBody>
+          <a:bodyPr/>
+          <a:lstStyle/>
+          <a:p>
+            <a:r>
+              <a:rPr lang="en-US"/>
+              <a:t>Sample Footer Text</a:t>
+            </a:r>
+            <a:endParaRPr lang="en-US" dirty="0"/>
+          </a:p>
+        </p:txBody>
+      </p:sp>
+      <p:sp>
+        <p:nvSpPr>
+          <p:cNvPr id="6" name="Slide Number Placeholder 5">
+            <a:extLst>
+              <a:ext uri="{FF2B5EF4-FFF2-40B4-BE49-F238E27FC236}">
+                <a16:creationId xmlns:a16="http://schemas.microsoft.com/office/drawing/2014/main" id="{69D24C12-3BB4-B365-C90D-82F1D7418AA1}"/>
+              </a:ext>
+            </a:extLst>
+          </p:cNvPr>
+          <p:cNvSpPr>
+            <a:spLocks noGrp="1"/>
+          </p:cNvSpPr>
+          <p:nvPr>
+            <p:ph type="sldNum" sz="quarter" idx="12"/>
+          </p:nvPr>
+        </p:nvSpPr>
+        <p:spPr/>
+        <p:txBody>
+          <a:bodyPr/>
+          <a:lstStyle/>
+          <a:p>
+            <a:fld id="{7BE69E03-4804-4553-A1EC-F089884EF50F}" type="slidenum">
+              <a:rPr lang="en-US" smtClean="0"/>
+              <a:t>16</a:t>
+            </a:fld>
+            <a:endParaRPr lang="en-US"/>
+          </a:p>
+        </p:txBody>
+      </p:sp>
+    </p:spTree>
+    <p:extLst>
+      <p:ext uri="{BB962C8B-B14F-4D97-AF65-F5344CB8AC3E}">
+        <p14:creationId xmlns:p14="http://schemas.microsoft.com/office/powerpoint/2010/main" val="203244991"/>
+      </p:ext>
+    </p:extLst>
+  </p:cSld>
+  <p:clrMapOvr>
+    <a:masterClrMapping/>
+  </p:clrMapOvr>
+</p:sld>
+</file>
+
+<file path=ppt/slides/slide17.xml><?xml version="1.0" encoding="utf-8"?>
+<p:sld xmlns:a="http://schemas.openxmlformats.org/drawingml/2006/main" xmlns:r="http://schemas.openxmlformats.org/officeDocument/2006/relationships" xmlns:p="http://schemas.openxmlformats.org/presentationml/2006/main">
+  <p:cSld>
+    <p:spTree>
+      <p:nvGrpSpPr>
+        <p:cNvPr id="1" name=""/>
+        <p:cNvGrpSpPr/>
+        <p:nvPr/>
+      </p:nvGrpSpPr>
+      <p:grpSpPr>
+        <a:xfrm>
+          <a:off x="0" y="0"/>
+          <a:ext cx="0" cy="0"/>
+          <a:chOff x="0" y="0"/>
+          <a:chExt cx="0" cy="0"/>
+        </a:xfrm>
+      </p:grpSpPr>
+      <p:sp>
+        <p:nvSpPr>
+          <p:cNvPr id="2" name="Title 1">
+            <a:extLst>
+              <a:ext uri="{FF2B5EF4-FFF2-40B4-BE49-F238E27FC236}">
+                <a16:creationId xmlns:a16="http://schemas.microsoft.com/office/drawing/2014/main" id="{3572540A-602F-6200-0BA1-FA40FCCA7E51}"/>
+              </a:ext>
+            </a:extLst>
+          </p:cNvPr>
+          <p:cNvSpPr>
+            <a:spLocks noGrp="1"/>
+          </p:cNvSpPr>
+          <p:nvPr>
+            <p:ph type="title"/>
+          </p:nvPr>
+        </p:nvSpPr>
+        <p:spPr>
+          <a:xfrm>
+            <a:off x="2060028" y="667512"/>
+            <a:ext cx="8876196" cy="1023176"/>
+          </a:xfrm>
+        </p:spPr>
+        <p:txBody>
+          <a:bodyPr>
+            <a:normAutofit fontScale="90000"/>
+          </a:bodyPr>
+          <a:lstStyle/>
+          <a:p>
+            <a:pPr algn="ctr"/>
+            <a:br>
+              <a:rPr lang="en-GB" sz="4000" b="1" i="0" dirty="0">
+                <a:effectLst/>
+                <a:highlight>
+                  <a:srgbClr val="FFFFFF"/>
+                </a:highlight>
+                <a:latin typeface="Arial" panose="020B0604020202020204" pitchFamily="34" charset="0"/>
+                <a:cs typeface="Arial" panose="020B0604020202020204" pitchFamily="34" charset="0"/>
+              </a:rPr>
+            </a:br>
+            <a:r>
+              <a:rPr lang="en-GB" sz="4000" b="1" i="0" dirty="0">
+                <a:effectLst/>
+                <a:highlight>
+                  <a:srgbClr val="FFFFFF"/>
+                </a:highlight>
+                <a:latin typeface="Arial" panose="020B0604020202020204" pitchFamily="34" charset="0"/>
+                <a:cs typeface="Arial" panose="020B0604020202020204" pitchFamily="34" charset="0"/>
+              </a:rPr>
+              <a:t>Next Steps</a:t>
+            </a:r>
+            <a:br>
+              <a:rPr lang="en-GB" b="1" i="0" dirty="0">
+                <a:effectLst/>
+                <a:highlight>
+                  <a:srgbClr val="FFFFFF"/>
+                </a:highlight>
+                <a:latin typeface="var(--jp-content-font-family)"/>
+              </a:rPr>
+            </a:br>
+            <a:endParaRPr lang="en-AT" dirty="0"/>
+          </a:p>
+        </p:txBody>
+      </p:sp>
+      <p:sp>
+        <p:nvSpPr>
+          <p:cNvPr id="3" name="Content Placeholder 2">
+            <a:extLst>
+              <a:ext uri="{FF2B5EF4-FFF2-40B4-BE49-F238E27FC236}">
+                <a16:creationId xmlns:a16="http://schemas.microsoft.com/office/drawing/2014/main" id="{9143C45A-CC23-0CFE-663F-218205D9456B}"/>
+              </a:ext>
+            </a:extLst>
+          </p:cNvPr>
+          <p:cNvSpPr>
+            <a:spLocks noGrp="1"/>
+          </p:cNvSpPr>
+          <p:nvPr>
+            <p:ph idx="1"/>
+          </p:nvPr>
+        </p:nvSpPr>
+        <p:spPr>
+          <a:xfrm>
+            <a:off x="1534510" y="2165131"/>
+            <a:ext cx="6853586" cy="3714891"/>
+          </a:xfrm>
+        </p:spPr>
+        <p:txBody>
+          <a:bodyPr>
+            <a:normAutofit fontScale="55000" lnSpcReduction="20000"/>
+          </a:bodyPr>
+          <a:lstStyle/>
+          <a:p>
+            <a:pPr algn="l"/>
+            <a:r>
+              <a:rPr lang="en-GB" b="0" i="0" dirty="0">
+                <a:effectLst/>
+                <a:highlight>
+                  <a:srgbClr val="FFFFFF"/>
+                </a:highlight>
+                <a:latin typeface="var(--jp-content-font-family)"/>
+              </a:rPr>
+              <a:t>There are several ways to improve the performance of your ARIMA and LSTM models for sales forecasting. Here are some steps you can follow:</a:t>
+            </a:r>
+          </a:p>
+          <a:p>
+            <a:pPr algn="l"/>
+            <a:r>
+              <a:rPr lang="en-GB" b="0" i="0" dirty="0">
+                <a:effectLst/>
+                <a:highlight>
+                  <a:srgbClr val="FFFFFF"/>
+                </a:highlight>
+                <a:latin typeface="var(--jp-content-font-family)"/>
+              </a:rPr>
+              <a:t>Improve data quality: Ensure your sales data is clean and free of errors. Address missing values and outliers.</a:t>
+            </a:r>
+          </a:p>
+          <a:p>
+            <a:pPr algn="l"/>
+            <a:r>
+              <a:rPr lang="en-GB" b="0" i="0" dirty="0">
+                <a:effectLst/>
+                <a:highlight>
+                  <a:srgbClr val="FFFFFF"/>
+                </a:highlight>
+                <a:latin typeface="var(--jp-content-font-family)"/>
+              </a:rPr>
+              <a:t>Feature engineering: Consider including additional relevant features that might influence sales, like holidays, promotions, or economic indicators.</a:t>
+            </a:r>
+          </a:p>
+          <a:p>
+            <a:pPr algn="l"/>
+            <a:r>
+              <a:rPr lang="en-GB" b="0" i="0" dirty="0">
+                <a:effectLst/>
+                <a:highlight>
+                  <a:srgbClr val="FFFFFF"/>
+                </a:highlight>
+                <a:latin typeface="var(--jp-content-font-family)"/>
+              </a:rPr>
+              <a:t>Hyperparameter tuning: Experiment with different hyperparameter values for each model. This can involve adjusting the number of lags in ARIMA/SARIMA or the network architecture in LSTM. </a:t>
+            </a:r>
+          </a:p>
+          <a:p>
+            <a:pPr algn="l"/>
+            <a:r>
+              <a:rPr lang="en-GB" b="0" i="0" dirty="0">
+                <a:effectLst/>
+                <a:highlight>
+                  <a:srgbClr val="FFFFFF"/>
+                </a:highlight>
+                <a:latin typeface="var(--jp-content-font-family)"/>
+              </a:rPr>
+              <a:t>Techniques like GridSearchCV or RandomizedSearchCV can automate this process </a:t>
+            </a:r>
+            <a:r>
+              <a:rPr lang="en-GB" b="0" i="0" u="none" strike="noStrike" dirty="0">
+                <a:effectLst/>
+                <a:highlight>
+                  <a:srgbClr val="FFFFFF"/>
+                </a:highlight>
+                <a:latin typeface="var(--jp-content-font-family)"/>
+                <a:hlinkClick r:id="rId2"/>
+              </a:rPr>
+              <a:t>https://neptune.ai/blog/improving-ml-model-performance</a:t>
+            </a:r>
+            <a:r>
+              <a:rPr lang="en-GB" b="0" i="0" dirty="0">
+                <a:effectLst/>
+                <a:highlight>
+                  <a:srgbClr val="FFFFFF"/>
+                </a:highlight>
+                <a:latin typeface="var(--jp-content-font-family)"/>
+              </a:rPr>
+              <a:t>.</a:t>
+            </a:r>
+          </a:p>
+          <a:p>
+            <a:pPr algn="l"/>
+            <a:r>
+              <a:rPr lang="en-GB" b="0" i="0" dirty="0">
+                <a:effectLst/>
+                <a:highlight>
+                  <a:srgbClr val="FFFFFF"/>
+                </a:highlight>
+                <a:latin typeface="var(--jp-content-font-family)"/>
+              </a:rPr>
+              <a:t>Early stopping: Implement early stopping to prevent overfitting. This technique stops training the model once the validation error starts to increase, allowing it to focus on generalizability.</a:t>
+            </a:r>
+          </a:p>
+          <a:p>
+            <a:pPr algn="l"/>
+            <a:r>
+              <a:rPr lang="en-GB" b="0" i="0" dirty="0">
+                <a:effectLst/>
+                <a:highlight>
+                  <a:srgbClr val="FFFFFF"/>
+                </a:highlight>
+                <a:latin typeface="var(--jp-content-font-family)"/>
+              </a:rPr>
+              <a:t>Ensemble methods: Explore combining multiple models (ARIMA, SARIMA, LSTM) using ensemble methods like averaging or stacking. This can often improve overall accuracy by leveraging the strengths of each model.</a:t>
+            </a:r>
+          </a:p>
+          <a:p>
+            <a:endParaRPr lang="en-AT" dirty="0"/>
+          </a:p>
+        </p:txBody>
+      </p:sp>
+      <p:sp>
+        <p:nvSpPr>
+          <p:cNvPr id="4" name="Date Placeholder 3">
+            <a:extLst>
+              <a:ext uri="{FF2B5EF4-FFF2-40B4-BE49-F238E27FC236}">
+                <a16:creationId xmlns:a16="http://schemas.microsoft.com/office/drawing/2014/main" id="{347AD447-EBF2-4FA4-06FF-CFA793631CF3}"/>
+              </a:ext>
+            </a:extLst>
+          </p:cNvPr>
+          <p:cNvSpPr>
+            <a:spLocks noGrp="1"/>
+          </p:cNvSpPr>
+          <p:nvPr>
+            <p:ph type="dt" sz="half" idx="10"/>
+          </p:nvPr>
+        </p:nvSpPr>
+        <p:spPr/>
+        <p:txBody>
+          <a:bodyPr/>
+          <a:lstStyle/>
+          <a:p>
+            <a:fld id="{57997BA6-BEF8-495F-ACCD-8D19769E4FC6}" type="datetime2">
+              <a:rPr lang="en-US" smtClean="0"/>
+              <a:t>Monday, July 22, 2024</a:t>
+            </a:fld>
+            <a:endParaRPr lang="en-US" dirty="0"/>
+          </a:p>
+        </p:txBody>
+      </p:sp>
+      <p:sp>
+        <p:nvSpPr>
+          <p:cNvPr id="5" name="Footer Placeholder 4">
+            <a:extLst>
+              <a:ext uri="{FF2B5EF4-FFF2-40B4-BE49-F238E27FC236}">
+                <a16:creationId xmlns:a16="http://schemas.microsoft.com/office/drawing/2014/main" id="{B0EF9663-6621-3367-99C5-8A636DABC80D}"/>
+              </a:ext>
+            </a:extLst>
+          </p:cNvPr>
+          <p:cNvSpPr>
+            <a:spLocks noGrp="1"/>
+          </p:cNvSpPr>
+          <p:nvPr>
+            <p:ph type="ftr" sz="quarter" idx="11"/>
+          </p:nvPr>
+        </p:nvSpPr>
+        <p:spPr/>
+        <p:txBody>
+          <a:bodyPr/>
+          <a:lstStyle/>
+          <a:p>
+            <a:r>
+              <a:rPr lang="en-US"/>
+              <a:t>Sample Footer Text</a:t>
+            </a:r>
+            <a:endParaRPr lang="en-US" dirty="0"/>
+          </a:p>
+        </p:txBody>
+      </p:sp>
+      <p:sp>
+        <p:nvSpPr>
+          <p:cNvPr id="6" name="Slide Number Placeholder 5">
+            <a:extLst>
+              <a:ext uri="{FF2B5EF4-FFF2-40B4-BE49-F238E27FC236}">
+                <a16:creationId xmlns:a16="http://schemas.microsoft.com/office/drawing/2014/main" id="{B26F7B3B-8406-E42F-5C53-B013F35642AB}"/>
+              </a:ext>
+            </a:extLst>
+          </p:cNvPr>
+          <p:cNvSpPr>
+            <a:spLocks noGrp="1"/>
+          </p:cNvSpPr>
+          <p:nvPr>
+            <p:ph type="sldNum" sz="quarter" idx="12"/>
+          </p:nvPr>
+        </p:nvSpPr>
+        <p:spPr/>
+        <p:txBody>
+          <a:bodyPr/>
+          <a:lstStyle/>
+          <a:p>
+            <a:fld id="{7BE69E03-4804-4553-A1EC-F089884EF50F}" type="slidenum">
+              <a:rPr lang="en-US" smtClean="0"/>
+              <a:t>17</a:t>
+            </a:fld>
+            <a:endParaRPr lang="en-US"/>
+          </a:p>
+        </p:txBody>
+      </p:sp>
+      <p:pic>
+        <p:nvPicPr>
+          <p:cNvPr id="7" name="Picture 6" descr="tmpgc11slsa.png">
+            <a:extLst>
+              <a:ext uri="{FF2B5EF4-FFF2-40B4-BE49-F238E27FC236}">
+                <a16:creationId xmlns:a16="http://schemas.microsoft.com/office/drawing/2014/main" id="{E7D9A4BF-75A2-87DB-FA0C-E4B5CED01F68}"/>
+              </a:ext>
+            </a:extLst>
+          </p:cNvPr>
+          <p:cNvPicPr>
+            <a:picLocks noChangeAspect="1"/>
+          </p:cNvPicPr>
+          <p:nvPr/>
+        </p:nvPicPr>
+        <p:blipFill>
+          <a:blip r:embed="rId3"/>
+          <a:stretch>
+            <a:fillRect/>
+          </a:stretch>
+        </p:blipFill>
+        <p:spPr>
+          <a:xfrm>
+            <a:off x="8388096" y="1926336"/>
+            <a:ext cx="3102509" cy="3714891"/>
+          </a:xfrm>
+          <a:prstGeom prst="rect">
+            <a:avLst/>
+          </a:prstGeom>
+        </p:spPr>
+      </p:pic>
+    </p:spTree>
+    <p:extLst>
+      <p:ext uri="{BB962C8B-B14F-4D97-AF65-F5344CB8AC3E}">
+        <p14:creationId xmlns:p14="http://schemas.microsoft.com/office/powerpoint/2010/main" val="1088919387"/>
+      </p:ext>
+    </p:extLst>
+  </p:cSld>
+  <p:clrMapOvr>
+    <a:masterClrMapping/>
+  </p:clrMapOvr>
+</p:sld>
+</file>
+
+<file path=ppt/slides/slide2.xml><?xml version="1.0" encoding="utf-8"?>
 <p:sld xmlns:a="http://schemas.openxmlformats.org/drawingml/2006/main" xmlns:r="http://schemas.openxmlformats.org/officeDocument/2006/relationships" xmlns:p="http://schemas.openxmlformats.org/presentationml/2006/main">
   <p:cSld>
     <p:bg>
@@ -14934,7 +17515,7 @@
           <p:cNvPr id="12" name="Rectangle 11">
             <a:extLst>
               <a:ext uri="{FF2B5EF4-FFF2-40B4-BE49-F238E27FC236}">
-                <a16:creationId xmlns:a16="http://schemas.microsoft.com/office/drawing/2014/main" id="{A99D947B-1B59-4322-8CF2-73E813419999}"/>
+                <a16:creationId xmlns:a16="http://schemas.microsoft.com/office/drawing/2014/main" id="{BF9286D4-7AB4-4607-B491-39A5953574E7}"/>
               </a:ext>
               <a:ext uri="{C183D7F6-B498-43B3-948B-1728B52AA6E4}">
                 <adec:decorative xmlns:adec="http://schemas.microsoft.com/office/drawing/2017/decorative" val="1"/>
@@ -15010,7 +17591,7 @@
           <p:cNvPr id="14" name="Background Gray Rectangle">
             <a:extLst>
               <a:ext uri="{FF2B5EF4-FFF2-40B4-BE49-F238E27FC236}">
-                <a16:creationId xmlns:a16="http://schemas.microsoft.com/office/drawing/2014/main" id="{D803427E-36C0-4811-BE64-ACF653F6AA93}"/>
+                <a16:creationId xmlns:a16="http://schemas.microsoft.com/office/drawing/2014/main" id="{C5547980-FC15-420A-AB09-867110FD6F6B}"/>
               </a:ext>
               <a:ext uri="{C183D7F6-B498-43B3-948B-1728B52AA6E4}">
                 <adec:decorative xmlns:adec="http://schemas.microsoft.com/office/drawing/2017/decorative" val="1"/>
@@ -15169,7 +17750,7 @@
           <p:cNvPr id="16" name="White Rectangle">
             <a:extLst>
               <a:ext uri="{FF2B5EF4-FFF2-40B4-BE49-F238E27FC236}">
-                <a16:creationId xmlns:a16="http://schemas.microsoft.com/office/drawing/2014/main" id="{D9231370-89C4-4981-8C91-A3F3D1146CEB}"/>
+                <a16:creationId xmlns:a16="http://schemas.microsoft.com/office/drawing/2014/main" id="{DB5A9F3F-CEFA-48C9-BA7B-BD2EBBC711F2}"/>
               </a:ext>
               <a:ext uri="{C183D7F6-B498-43B3-948B-1728B52AA6E4}">
                 <adec:decorative xmlns:adec="http://schemas.microsoft.com/office/drawing/2017/decorative" val="1"/>
@@ -15232,7 +17813,7 @@
           <p:cNvPr id="2" name="Title 1">
             <a:extLst>
               <a:ext uri="{FF2B5EF4-FFF2-40B4-BE49-F238E27FC236}">
-                <a16:creationId xmlns:a16="http://schemas.microsoft.com/office/drawing/2014/main" id="{1C54C962-B09E-A869-A637-F4CC8C5A9FBE}"/>
+                <a16:creationId xmlns:a16="http://schemas.microsoft.com/office/drawing/2014/main" id="{4F344E6B-80DF-3D4D-EC7A-51A7AC0C64C8}"/>
               </a:ext>
             </a:extLst>
           </p:cNvPr>
@@ -15245,8 +17826,8 @@
         </p:nvSpPr>
         <p:spPr>
           <a:xfrm>
-            <a:off x="1659467" y="940911"/>
-            <a:ext cx="3234266" cy="4647090"/>
+            <a:off x="7221688" y="948519"/>
+            <a:ext cx="4185360" cy="4976179"/>
           </a:xfrm>
         </p:spPr>
         <p:txBody>
@@ -15256,16 +17837,9 @@
           <a:lstStyle/>
           <a:p>
             <a:r>
-              <a:rPr lang="en-GB" sz="4000" dirty="0">
-                <a:latin typeface="Arial" panose="020B0604020202020204" pitchFamily="34" charset="0"/>
-                <a:cs typeface="Arial" panose="020B0604020202020204" pitchFamily="34" charset="0"/>
-              </a:rPr>
-              <a:t>Data Science Pipeline</a:t>
-            </a:r>
-            <a:endParaRPr lang="en-AT" sz="4000" dirty="0">
-              <a:latin typeface="Arial" panose="020B0604020202020204" pitchFamily="34" charset="0"/>
-              <a:cs typeface="Arial" panose="020B0604020202020204" pitchFamily="34" charset="0"/>
-            </a:endParaRPr>
+              <a:rPr lang="en-AT" dirty="0"/>
+              <a:t>Problem Statement:</a:t>
+            </a:r>
           </a:p>
         </p:txBody>
       </p:sp>
@@ -15274,7 +17848,7 @@
           <p:cNvPr id="6" name="Slide Number Placeholder 5">
             <a:extLst>
               <a:ext uri="{FF2B5EF4-FFF2-40B4-BE49-F238E27FC236}">
-                <a16:creationId xmlns:a16="http://schemas.microsoft.com/office/drawing/2014/main" id="{086667FA-014E-45FC-F16B-0ADCBE2A763C}"/>
+                <a16:creationId xmlns:a16="http://schemas.microsoft.com/office/drawing/2014/main" id="{C3FA3D05-FED1-D12C-2481-FE040EFFACFD}"/>
               </a:ext>
             </a:extLst>
           </p:cNvPr>
@@ -15309,7 +17883,7 @@
                   <a:spcPts val="600"/>
                 </a:spcAft>
               </a:pPr>
-              <a:t>3</a:t>
+              <a:t>2</a:t>
             </a:fld>
             <a:endParaRPr lang="en-US"/>
           </a:p>
@@ -15320,7 +17894,7 @@
           <p:cNvPr id="4" name="Date Placeholder 3">
             <a:extLst>
               <a:ext uri="{FF2B5EF4-FFF2-40B4-BE49-F238E27FC236}">
-                <a16:creationId xmlns:a16="http://schemas.microsoft.com/office/drawing/2014/main" id="{4DBEDC8F-21FA-6381-BD88-097CAA9B5944}"/>
+                <a16:creationId xmlns:a16="http://schemas.microsoft.com/office/drawing/2014/main" id="{9452E2AF-84D4-F064-C3F0-7792672EB542}"/>
               </a:ext>
             </a:extLst>
           </p:cNvPr>
@@ -15366,7 +17940,7 @@
           <p:cNvPr id="5" name="Footer Placeholder 4">
             <a:extLst>
               <a:ext uri="{FF2B5EF4-FFF2-40B4-BE49-F238E27FC236}">
-                <a16:creationId xmlns:a16="http://schemas.microsoft.com/office/drawing/2014/main" id="{7F14EDF4-B496-7683-EAD0-DDD43BA719DB}"/>
+                <a16:creationId xmlns:a16="http://schemas.microsoft.com/office/drawing/2014/main" id="{1A65FF40-2632-6349-493B-B4D3EED056D0}"/>
               </a:ext>
             </a:extLst>
           </p:cNvPr>
@@ -15406,7 +17980,7 @@
           <p:cNvPr id="18" name="Vertical Connector">
             <a:extLst>
               <a:ext uri="{FF2B5EF4-FFF2-40B4-BE49-F238E27FC236}">
-                <a16:creationId xmlns:a16="http://schemas.microsoft.com/office/drawing/2014/main" id="{474D4826-9FF4-4E17-AB42-146B76BD3223}"/>
+                <a16:creationId xmlns:a16="http://schemas.microsoft.com/office/drawing/2014/main" id="{5EF257B4-536F-43F8-B592-C5C82EC9DBC8}"/>
               </a:ext>
               <a:ext uri="{C183D7F6-B498-43B3-948B-1728B52AA6E4}">
                 <adec:decorative xmlns:adec="http://schemas.microsoft.com/office/drawing/2017/decorative" val="1"/>
@@ -15459,7 +18033,7 @@
           <p:cNvPr id="20" name="Horizontal Connector 2">
             <a:extLst>
               <a:ext uri="{FF2B5EF4-FFF2-40B4-BE49-F238E27FC236}">
-                <a16:creationId xmlns:a16="http://schemas.microsoft.com/office/drawing/2014/main" id="{C5873965-CEB2-46E1-951E-037689B07891}"/>
+                <a16:creationId xmlns:a16="http://schemas.microsoft.com/office/drawing/2014/main" id="{C267A879-D70E-4568-868D-00157FAC4A33}"/>
               </a:ext>
               <a:ext uri="{C183D7F6-B498-43B3-948B-1728B52AA6E4}">
                 <adec:decorative xmlns:adec="http://schemas.microsoft.com/office/drawing/2017/decorative" val="1"/>
@@ -15512,6 +18086,653 @@
           <p:cNvPr id="8" name="Content Placeholder 2">
             <a:extLst>
               <a:ext uri="{FF2B5EF4-FFF2-40B4-BE49-F238E27FC236}">
+                <a16:creationId xmlns:a16="http://schemas.microsoft.com/office/drawing/2014/main" id="{E6583586-8BF2-3493-657D-0BE35D42F6FE}"/>
+              </a:ext>
+            </a:extLst>
+          </p:cNvPr>
+          <p:cNvGraphicFramePr>
+            <a:graphicFrameLocks noGrp="1"/>
+          </p:cNvGraphicFramePr>
+          <p:nvPr>
+            <p:ph idx="1"/>
+            <p:extLst>
+              <p:ext uri="{D42A27DB-BD31-4B8C-83A1-F6EECF244321}">
+                <p14:modId xmlns:p14="http://schemas.microsoft.com/office/powerpoint/2010/main" val="1901461930"/>
+              </p:ext>
+            </p:extLst>
+          </p:nvPr>
+        </p:nvGraphicFramePr>
+        <p:xfrm>
+          <a:off x="248140" y="753026"/>
+          <a:ext cx="6635260" cy="5381355"/>
+        </p:xfrm>
+        <a:graphic>
+          <a:graphicData uri="http://schemas.openxmlformats.org/drawingml/2006/diagram">
+            <dgm:relIds xmlns:dgm="http://schemas.openxmlformats.org/drawingml/2006/diagram" xmlns:r="http://schemas.openxmlformats.org/officeDocument/2006/relationships" r:dm="rId2" r:lo="rId3" r:qs="rId4" r:cs="rId5"/>
+          </a:graphicData>
+        </a:graphic>
+      </p:graphicFrame>
+    </p:spTree>
+    <p:extLst>
+      <p:ext uri="{BB962C8B-B14F-4D97-AF65-F5344CB8AC3E}">
+        <p14:creationId xmlns:p14="http://schemas.microsoft.com/office/powerpoint/2010/main" val="2305606006"/>
+      </p:ext>
+    </p:extLst>
+  </p:cSld>
+  <p:clrMapOvr>
+    <a:masterClrMapping/>
+  </p:clrMapOvr>
+</p:sld>
+</file>
+
+<file path=ppt/slides/slide3.xml><?xml version="1.0" encoding="utf-8"?>
+<p:sld xmlns:a="http://schemas.openxmlformats.org/drawingml/2006/main" xmlns:r="http://schemas.openxmlformats.org/officeDocument/2006/relationships" xmlns:p="http://schemas.openxmlformats.org/presentationml/2006/main">
+  <p:cSld>
+    <p:bg>
+      <p:bgPr>
+        <a:solidFill>
+          <a:schemeClr val="bg1"/>
+        </a:solidFill>
+        <a:effectLst/>
+      </p:bgPr>
+    </p:bg>
+    <p:spTree>
+      <p:nvGrpSpPr>
+        <p:cNvPr id="1" name=""/>
+        <p:cNvGrpSpPr/>
+        <p:nvPr/>
+      </p:nvGrpSpPr>
+      <p:grpSpPr>
+        <a:xfrm>
+          <a:off x="0" y="0"/>
+          <a:ext cx="0" cy="0"/>
+          <a:chOff x="0" y="0"/>
+          <a:chExt cx="0" cy="0"/>
+        </a:xfrm>
+      </p:grpSpPr>
+      <p:sp useBgFill="1">
+        <p:nvSpPr>
+          <p:cNvPr id="12" name="Rectangle 11">
+            <a:extLst>
+              <a:ext uri="{FF2B5EF4-FFF2-40B4-BE49-F238E27FC236}">
+                <a16:creationId xmlns:a16="http://schemas.microsoft.com/office/drawing/2014/main" id="{A99D947B-1B59-4322-8CF2-73E813419999}"/>
+              </a:ext>
+              <a:ext uri="{C183D7F6-B498-43B3-948B-1728B52AA6E4}">
+                <adec:decorative xmlns:adec="http://schemas.microsoft.com/office/drawing/2017/decorative" val="1"/>
+              </a:ext>
+            </a:extLst>
+          </p:cNvPr>
+          <p:cNvSpPr>
+            <a:spLocks noGrp="1" noRot="1" noChangeAspect="1" noMove="1" noResize="1" noEditPoints="1" noAdjustHandles="1" noChangeArrowheads="1" noChangeShapeType="1" noTextEdit="1"/>
+          </p:cNvSpPr>
+          <p:nvPr>
+            <p:extLst>
+              <p:ext uri="{386F3935-93C4-4BCD-93E2-E3B085C9AB24}">
+                <p16:designElem xmlns:p16="http://schemas.microsoft.com/office/powerpoint/2015/main" val="1"/>
+              </p:ext>
+            </p:extLst>
+          </p:nvPr>
+        </p:nvSpPr>
+        <p:spPr>
+          <a:xfrm>
+            <a:off x="0" y="0"/>
+            <a:ext cx="12192000" cy="6858000"/>
+          </a:xfrm>
+          <a:prstGeom prst="rect">
+            <a:avLst/>
+          </a:prstGeom>
+          <a:ln w="12700" cap="flat" cmpd="sng" algn="ctr">
+            <a:noFill/>
+            <a:prstDash val="solid"/>
+            <a:miter lim="800000"/>
+          </a:ln>
+          <a:effectLst/>
+          <a:extLst>
+            <a:ext uri="{91240B29-F687-4F45-9708-019B960494DF}">
+              <a14:hiddenLine xmlns:a14="http://schemas.microsoft.com/office/drawing/2010/main" w="12700" cap="flat" cmpd="sng" algn="ctr">
+                <a:solidFill>
+                  <a:schemeClr val="accent1">
+                    <a:shade val="50000"/>
+                  </a:schemeClr>
+                </a:solidFill>
+                <a:prstDash val="solid"/>
+                <a:miter lim="800000"/>
+              </a14:hiddenLine>
+            </a:ext>
+          </a:extLst>
+        </p:spPr>
+        <p:style>
+          <a:lnRef idx="2">
+            <a:schemeClr val="accent1">
+              <a:shade val="50000"/>
+            </a:schemeClr>
+          </a:lnRef>
+          <a:fillRef idx="1">
+            <a:schemeClr val="accent1"/>
+          </a:fillRef>
+          <a:effectRef idx="0">
+            <a:schemeClr val="accent1"/>
+          </a:effectRef>
+          <a:fontRef idx="minor">
+            <a:schemeClr val="lt1"/>
+          </a:fontRef>
+        </p:style>
+        <p:txBody>
+          <a:bodyPr rtlCol="0" anchor="ctr"/>
+          <a:lstStyle/>
+          <a:p>
+            <a:pPr algn="ctr"/>
+            <a:endParaRPr lang="en-US"/>
+          </a:p>
+        </p:txBody>
+      </p:sp>
+      <p:sp>
+        <p:nvSpPr>
+          <p:cNvPr id="14" name="Background Gray Rectangle">
+            <a:extLst>
+              <a:ext uri="{FF2B5EF4-FFF2-40B4-BE49-F238E27FC236}">
+                <a16:creationId xmlns:a16="http://schemas.microsoft.com/office/drawing/2014/main" id="{D803427E-36C0-4811-BE64-ACF653F6AA93}"/>
+              </a:ext>
+              <a:ext uri="{C183D7F6-B498-43B3-948B-1728B52AA6E4}">
+                <adec:decorative xmlns:adec="http://schemas.microsoft.com/office/drawing/2017/decorative" val="1"/>
+              </a:ext>
+            </a:extLst>
+          </p:cNvPr>
+          <p:cNvSpPr>
+            <a:spLocks noGrp="1" noRot="1" noChangeAspect="1" noMove="1" noResize="1" noEditPoints="1" noAdjustHandles="1" noChangeArrowheads="1" noChangeShapeType="1" noTextEdit="1"/>
+          </p:cNvSpPr>
+          <p:nvPr>
+            <p:extLst>
+              <p:ext uri="{386F3935-93C4-4BCD-93E2-E3B085C9AB24}">
+                <p16:designElem xmlns:p16="http://schemas.microsoft.com/office/powerpoint/2015/main" val="1"/>
+              </p:ext>
+            </p:extLst>
+          </p:nvPr>
+        </p:nvSpPr>
+        <p:spPr>
+          <a:xfrm>
+            <a:off x="1524" y="0"/>
+            <a:ext cx="12188952" cy="6858000"/>
+          </a:xfrm>
+          <a:prstGeom prst="rect">
+            <a:avLst/>
+          </a:prstGeom>
+          <a:solidFill>
+            <a:schemeClr val="bg2">
+              <a:alpha val="35000"/>
+            </a:schemeClr>
+          </a:solidFill>
+          <a:ln>
+            <a:noFill/>
+          </a:ln>
+        </p:spPr>
+        <p:style>
+          <a:lnRef idx="2">
+            <a:schemeClr val="accent1">
+              <a:shade val="50000"/>
+            </a:schemeClr>
+          </a:lnRef>
+          <a:fillRef idx="1">
+            <a:schemeClr val="accent1"/>
+          </a:fillRef>
+          <a:effectRef idx="0">
+            <a:schemeClr val="accent1"/>
+          </a:effectRef>
+          <a:fontRef idx="minor">
+            <a:schemeClr val="lt1"/>
+          </a:fontRef>
+        </p:style>
+        <p:txBody>
+          <a:bodyPr rtlCol="0" anchor="ctr"/>
+          <a:lstStyle>
+            <a:defPPr>
+              <a:defRPr lang="en-US"/>
+            </a:defPPr>
+            <a:lvl1pPr marL="0" algn="l" defTabSz="914400" rtl="0" eaLnBrk="1" latinLnBrk="0" hangingPunct="1">
+              <a:defRPr sz="1800" kern="1200">
+                <a:solidFill>
+                  <a:schemeClr val="lt1"/>
+                </a:solidFill>
+                <a:latin typeface="+mn-lt"/>
+                <a:ea typeface="+mn-ea"/>
+                <a:cs typeface="+mn-cs"/>
+              </a:defRPr>
+            </a:lvl1pPr>
+            <a:lvl2pPr marL="457200" algn="l" defTabSz="914400" rtl="0" eaLnBrk="1" latinLnBrk="0" hangingPunct="1">
+              <a:defRPr sz="1800" kern="1200">
+                <a:solidFill>
+                  <a:schemeClr val="lt1"/>
+                </a:solidFill>
+                <a:latin typeface="+mn-lt"/>
+                <a:ea typeface="+mn-ea"/>
+                <a:cs typeface="+mn-cs"/>
+              </a:defRPr>
+            </a:lvl2pPr>
+            <a:lvl3pPr marL="914400" algn="l" defTabSz="914400" rtl="0" eaLnBrk="1" latinLnBrk="0" hangingPunct="1">
+              <a:defRPr sz="1800" kern="1200">
+                <a:solidFill>
+                  <a:schemeClr val="lt1"/>
+                </a:solidFill>
+                <a:latin typeface="+mn-lt"/>
+                <a:ea typeface="+mn-ea"/>
+                <a:cs typeface="+mn-cs"/>
+              </a:defRPr>
+            </a:lvl3pPr>
+            <a:lvl4pPr marL="1371600" algn="l" defTabSz="914400" rtl="0" eaLnBrk="1" latinLnBrk="0" hangingPunct="1">
+              <a:defRPr sz="1800" kern="1200">
+                <a:solidFill>
+                  <a:schemeClr val="lt1"/>
+                </a:solidFill>
+                <a:latin typeface="+mn-lt"/>
+                <a:ea typeface="+mn-ea"/>
+                <a:cs typeface="+mn-cs"/>
+              </a:defRPr>
+            </a:lvl4pPr>
+            <a:lvl5pPr marL="1828800" algn="l" defTabSz="914400" rtl="0" eaLnBrk="1" latinLnBrk="0" hangingPunct="1">
+              <a:defRPr sz="1800" kern="1200">
+                <a:solidFill>
+                  <a:schemeClr val="lt1"/>
+                </a:solidFill>
+                <a:latin typeface="+mn-lt"/>
+                <a:ea typeface="+mn-ea"/>
+                <a:cs typeface="+mn-cs"/>
+              </a:defRPr>
+            </a:lvl5pPr>
+            <a:lvl6pPr marL="2286000" algn="l" defTabSz="914400" rtl="0" eaLnBrk="1" latinLnBrk="0" hangingPunct="1">
+              <a:defRPr sz="1800" kern="1200">
+                <a:solidFill>
+                  <a:schemeClr val="lt1"/>
+                </a:solidFill>
+                <a:latin typeface="+mn-lt"/>
+                <a:ea typeface="+mn-ea"/>
+                <a:cs typeface="+mn-cs"/>
+              </a:defRPr>
+            </a:lvl6pPr>
+            <a:lvl7pPr marL="2743200" algn="l" defTabSz="914400" rtl="0" eaLnBrk="1" latinLnBrk="0" hangingPunct="1">
+              <a:defRPr sz="1800" kern="1200">
+                <a:solidFill>
+                  <a:schemeClr val="lt1"/>
+                </a:solidFill>
+                <a:latin typeface="+mn-lt"/>
+                <a:ea typeface="+mn-ea"/>
+                <a:cs typeface="+mn-cs"/>
+              </a:defRPr>
+            </a:lvl7pPr>
+            <a:lvl8pPr marL="3200400" algn="l" defTabSz="914400" rtl="0" eaLnBrk="1" latinLnBrk="0" hangingPunct="1">
+              <a:defRPr sz="1800" kern="1200">
+                <a:solidFill>
+                  <a:schemeClr val="lt1"/>
+                </a:solidFill>
+                <a:latin typeface="+mn-lt"/>
+                <a:ea typeface="+mn-ea"/>
+                <a:cs typeface="+mn-cs"/>
+              </a:defRPr>
+            </a:lvl8pPr>
+            <a:lvl9pPr marL="3657600" algn="l" defTabSz="914400" rtl="0" eaLnBrk="1" latinLnBrk="0" hangingPunct="1">
+              <a:defRPr sz="1800" kern="1200">
+                <a:solidFill>
+                  <a:schemeClr val="lt1"/>
+                </a:solidFill>
+                <a:latin typeface="+mn-lt"/>
+                <a:ea typeface="+mn-ea"/>
+                <a:cs typeface="+mn-cs"/>
+              </a:defRPr>
+            </a:lvl9pPr>
+          </a:lstStyle>
+          <a:p>
+            <a:pPr algn="ctr"/>
+            <a:endParaRPr lang="en-US"/>
+          </a:p>
+        </p:txBody>
+      </p:sp>
+      <p:sp>
+        <p:nvSpPr>
+          <p:cNvPr id="16" name="White Rectangle">
+            <a:extLst>
+              <a:ext uri="{FF2B5EF4-FFF2-40B4-BE49-F238E27FC236}">
+                <a16:creationId xmlns:a16="http://schemas.microsoft.com/office/drawing/2014/main" id="{D9231370-89C4-4981-8C91-A3F3D1146CEB}"/>
+              </a:ext>
+              <a:ext uri="{C183D7F6-B498-43B3-948B-1728B52AA6E4}">
+                <adec:decorative xmlns:adec="http://schemas.microsoft.com/office/drawing/2017/decorative" val="1"/>
+              </a:ext>
+            </a:extLst>
+          </p:cNvPr>
+          <p:cNvSpPr>
+            <a:spLocks noGrp="1" noRot="1" noChangeAspect="1" noMove="1" noResize="1" noEditPoints="1" noAdjustHandles="1" noChangeArrowheads="1" noChangeShapeType="1" noTextEdit="1"/>
+          </p:cNvSpPr>
+          <p:nvPr>
+            <p:extLst>
+              <p:ext uri="{386F3935-93C4-4BCD-93E2-E3B085C9AB24}">
+                <p16:designElem xmlns:p16="http://schemas.microsoft.com/office/powerpoint/2015/main" val="1"/>
+              </p:ext>
+            </p:extLst>
+          </p:nvPr>
+        </p:nvSpPr>
+        <p:spPr>
+          <a:xfrm>
+            <a:off x="1446276" y="685800"/>
+            <a:ext cx="10744200" cy="5486400"/>
+          </a:xfrm>
+          <a:prstGeom prst="rect">
+            <a:avLst/>
+          </a:prstGeom>
+          <a:solidFill>
+            <a:schemeClr val="bg1"/>
+          </a:solidFill>
+          <a:ln>
+            <a:noFill/>
+          </a:ln>
+        </p:spPr>
+        <p:style>
+          <a:lnRef idx="2">
+            <a:schemeClr val="accent1">
+              <a:shade val="50000"/>
+            </a:schemeClr>
+          </a:lnRef>
+          <a:fillRef idx="1">
+            <a:schemeClr val="accent1"/>
+          </a:fillRef>
+          <a:effectRef idx="0">
+            <a:schemeClr val="accent1"/>
+          </a:effectRef>
+          <a:fontRef idx="minor">
+            <a:schemeClr val="lt1"/>
+          </a:fontRef>
+        </p:style>
+        <p:txBody>
+          <a:bodyPr rtlCol="0" anchor="ctr"/>
+          <a:lstStyle/>
+          <a:p>
+            <a:pPr algn="ctr"/>
+            <a:endParaRPr lang="en-US"/>
+          </a:p>
+        </p:txBody>
+      </p:sp>
+      <p:sp>
+        <p:nvSpPr>
+          <p:cNvPr id="2" name="Title 1">
+            <a:extLst>
+              <a:ext uri="{FF2B5EF4-FFF2-40B4-BE49-F238E27FC236}">
+                <a16:creationId xmlns:a16="http://schemas.microsoft.com/office/drawing/2014/main" id="{1C54C962-B09E-A869-A637-F4CC8C5A9FBE}"/>
+              </a:ext>
+            </a:extLst>
+          </p:cNvPr>
+          <p:cNvSpPr>
+            <a:spLocks noGrp="1"/>
+          </p:cNvSpPr>
+          <p:nvPr>
+            <p:ph type="title"/>
+          </p:nvPr>
+        </p:nvSpPr>
+        <p:spPr>
+          <a:xfrm>
+            <a:off x="1659467" y="940911"/>
+            <a:ext cx="3234266" cy="4647090"/>
+          </a:xfrm>
+        </p:spPr>
+        <p:txBody>
+          <a:bodyPr>
+            <a:normAutofit/>
+          </a:bodyPr>
+          <a:lstStyle/>
+          <a:p>
+            <a:r>
+              <a:rPr lang="en-GB" sz="4000" dirty="0">
+                <a:latin typeface="Arial" panose="020B0604020202020204" pitchFamily="34" charset="0"/>
+                <a:cs typeface="Arial" panose="020B0604020202020204" pitchFamily="34" charset="0"/>
+              </a:rPr>
+              <a:t>Data Science Pipeline</a:t>
+            </a:r>
+            <a:endParaRPr lang="en-AT" sz="4000" dirty="0">
+              <a:latin typeface="Arial" panose="020B0604020202020204" pitchFamily="34" charset="0"/>
+              <a:cs typeface="Arial" panose="020B0604020202020204" pitchFamily="34" charset="0"/>
+            </a:endParaRPr>
+          </a:p>
+        </p:txBody>
+      </p:sp>
+      <p:sp>
+        <p:nvSpPr>
+          <p:cNvPr id="6" name="Slide Number Placeholder 5">
+            <a:extLst>
+              <a:ext uri="{FF2B5EF4-FFF2-40B4-BE49-F238E27FC236}">
+                <a16:creationId xmlns:a16="http://schemas.microsoft.com/office/drawing/2014/main" id="{086667FA-014E-45FC-F16B-0ADCBE2A763C}"/>
+              </a:ext>
+            </a:extLst>
+          </p:cNvPr>
+          <p:cNvSpPr>
+            <a:spLocks noGrp="1"/>
+          </p:cNvSpPr>
+          <p:nvPr>
+            <p:ph type="sldNum" sz="quarter" idx="12"/>
+          </p:nvPr>
+        </p:nvSpPr>
+        <p:spPr>
+          <a:xfrm>
+            <a:off x="11504676" y="-14198"/>
+            <a:ext cx="685800" cy="685800"/>
+          </a:xfrm>
+        </p:spPr>
+        <p:txBody>
+          <a:bodyPr>
+            <a:normAutofit/>
+          </a:bodyPr>
+          <a:lstStyle/>
+          <a:p>
+            <a:pPr>
+              <a:spcAft>
+                <a:spcPts val="600"/>
+              </a:spcAft>
+            </a:pPr>
+            <a:fld id="{7BE69E03-4804-4553-A1EC-F089884EF50F}" type="slidenum">
+              <a:rPr lang="en-US" smtClean="0"/>
+              <a:pPr>
+                <a:spcAft>
+                  <a:spcPts val="600"/>
+                </a:spcAft>
+              </a:pPr>
+              <a:t>3</a:t>
+            </a:fld>
+            <a:endParaRPr lang="en-US"/>
+          </a:p>
+        </p:txBody>
+      </p:sp>
+      <p:sp>
+        <p:nvSpPr>
+          <p:cNvPr id="4" name="Date Placeholder 3">
+            <a:extLst>
+              <a:ext uri="{FF2B5EF4-FFF2-40B4-BE49-F238E27FC236}">
+                <a16:creationId xmlns:a16="http://schemas.microsoft.com/office/drawing/2014/main" id="{4DBEDC8F-21FA-6381-BD88-097CAA9B5944}"/>
+              </a:ext>
+            </a:extLst>
+          </p:cNvPr>
+          <p:cNvSpPr>
+            <a:spLocks noGrp="1"/>
+          </p:cNvSpPr>
+          <p:nvPr>
+            <p:ph type="dt" sz="half" idx="10"/>
+          </p:nvPr>
+        </p:nvSpPr>
+        <p:spPr>
+          <a:xfrm>
+            <a:off x="422899" y="6217920"/>
+            <a:ext cx="2743200" cy="640080"/>
+          </a:xfrm>
+        </p:spPr>
+        <p:txBody>
+          <a:bodyPr>
+            <a:normAutofit/>
+          </a:bodyPr>
+          <a:lstStyle/>
+          <a:p>
+            <a:pPr>
+              <a:spcAft>
+                <a:spcPts val="600"/>
+              </a:spcAft>
+            </a:pPr>
+            <a:fld id="{57997BA6-BEF8-495F-ACCD-8D19769E4FC6}" type="datetime2">
+              <a:rPr lang="en-US" smtClean="0"/>
+              <a:pPr>
+                <a:spcAft>
+                  <a:spcPts val="600"/>
+                </a:spcAft>
+              </a:pPr>
+              <a:t>Monday, July 22, 2024</a:t>
+            </a:fld>
+            <a:endParaRPr lang="en-US"/>
+          </a:p>
+        </p:txBody>
+      </p:sp>
+      <p:sp>
+        <p:nvSpPr>
+          <p:cNvPr id="5" name="Footer Placeholder 4">
+            <a:extLst>
+              <a:ext uri="{FF2B5EF4-FFF2-40B4-BE49-F238E27FC236}">
+                <a16:creationId xmlns:a16="http://schemas.microsoft.com/office/drawing/2014/main" id="{7F14EDF4-B496-7683-EAD0-DDD43BA719DB}"/>
+              </a:ext>
+            </a:extLst>
+          </p:cNvPr>
+          <p:cNvSpPr>
+            <a:spLocks noGrp="1"/>
+          </p:cNvSpPr>
+          <p:nvPr>
+            <p:ph type="ftr" sz="quarter" idx="11"/>
+          </p:nvPr>
+        </p:nvSpPr>
+        <p:spPr>
+          <a:xfrm>
+            <a:off x="6842943" y="6217920"/>
+            <a:ext cx="4114800" cy="640080"/>
+          </a:xfrm>
+        </p:spPr>
+        <p:txBody>
+          <a:bodyPr>
+            <a:normAutofit/>
+          </a:bodyPr>
+          <a:lstStyle/>
+          <a:p>
+            <a:pPr>
+              <a:spcAft>
+                <a:spcPts val="600"/>
+              </a:spcAft>
+            </a:pPr>
+            <a:r>
+              <a:rPr lang="en-US"/>
+              <a:t>Sample Footer Text</a:t>
+            </a:r>
+          </a:p>
+        </p:txBody>
+      </p:sp>
+      <p:cxnSp>
+        <p:nvCxnSpPr>
+          <p:cNvPr id="18" name="Vertical Connector">
+            <a:extLst>
+              <a:ext uri="{FF2B5EF4-FFF2-40B4-BE49-F238E27FC236}">
+                <a16:creationId xmlns:a16="http://schemas.microsoft.com/office/drawing/2014/main" id="{474D4826-9FF4-4E17-AB42-146B76BD3223}"/>
+              </a:ext>
+              <a:ext uri="{C183D7F6-B498-43B3-948B-1728B52AA6E4}">
+                <adec:decorative xmlns:adec="http://schemas.microsoft.com/office/drawing/2017/decorative" val="1"/>
+              </a:ext>
+            </a:extLst>
+          </p:cNvPr>
+          <p:cNvCxnSpPr>
+            <a:cxnSpLocks noGrp="1" noRot="1" noChangeAspect="1" noMove="1" noResize="1" noEditPoints="1" noAdjustHandles="1" noChangeArrowheads="1" noChangeShapeType="1"/>
+          </p:cNvCxnSpPr>
+          <p:nvPr>
+            <p:extLst>
+              <p:ext uri="{386F3935-93C4-4BCD-93E2-E3B085C9AB24}">
+                <p16:designElem xmlns:p16="http://schemas.microsoft.com/office/powerpoint/2015/main" val="1"/>
+              </p:ext>
+            </p:extLst>
+          </p:nvPr>
+        </p:nvCxnSpPr>
+        <p:spPr>
+          <a:xfrm flipV="1">
+            <a:off x="11496184" y="5610"/>
+            <a:ext cx="0" cy="6858000"/>
+          </a:xfrm>
+          <a:prstGeom prst="line">
+            <a:avLst/>
+          </a:prstGeom>
+          <a:ln w="9525" cap="rnd">
+            <a:solidFill>
+              <a:schemeClr val="accent1"/>
+            </a:solidFill>
+            <a:prstDash val="dash"/>
+          </a:ln>
+        </p:spPr>
+        <p:style>
+          <a:lnRef idx="1">
+            <a:schemeClr val="accent1"/>
+          </a:lnRef>
+          <a:fillRef idx="0">
+            <a:schemeClr val="accent1"/>
+          </a:fillRef>
+          <a:effectRef idx="0">
+            <a:schemeClr val="accent1"/>
+          </a:effectRef>
+          <a:fontRef idx="minor">
+            <a:schemeClr val="tx1"/>
+          </a:fontRef>
+        </p:style>
+      </p:cxnSp>
+      <p:cxnSp>
+        <p:nvCxnSpPr>
+          <p:cNvPr id="20" name="Horizontal Connector 2">
+            <a:extLst>
+              <a:ext uri="{FF2B5EF4-FFF2-40B4-BE49-F238E27FC236}">
+                <a16:creationId xmlns:a16="http://schemas.microsoft.com/office/drawing/2014/main" id="{C5873965-CEB2-46E1-951E-037689B07891}"/>
+              </a:ext>
+              <a:ext uri="{C183D7F6-B498-43B3-948B-1728B52AA6E4}">
+                <adec:decorative xmlns:adec="http://schemas.microsoft.com/office/drawing/2017/decorative" val="1"/>
+              </a:ext>
+            </a:extLst>
+          </p:cNvPr>
+          <p:cNvCxnSpPr>
+            <a:cxnSpLocks noGrp="1" noRot="1" noChangeAspect="1" noMove="1" noResize="1" noEditPoints="1" noAdjustHandles="1" noChangeArrowheads="1" noChangeShapeType="1"/>
+          </p:cNvCxnSpPr>
+          <p:nvPr>
+            <p:extLst>
+              <p:ext uri="{386F3935-93C4-4BCD-93E2-E3B085C9AB24}">
+                <p16:designElem xmlns:p16="http://schemas.microsoft.com/office/powerpoint/2015/main" val="1"/>
+              </p:ext>
+            </p:extLst>
+          </p:nvPr>
+        </p:nvCxnSpPr>
+        <p:spPr>
+          <a:xfrm>
+            <a:off x="1524" y="6172200"/>
+            <a:ext cx="12192000" cy="0"/>
+          </a:xfrm>
+          <a:prstGeom prst="line">
+            <a:avLst/>
+          </a:prstGeom>
+          <a:ln w="9525" cap="rnd">
+            <a:solidFill>
+              <a:schemeClr val="accent1"/>
+            </a:solidFill>
+            <a:prstDash val="dash"/>
+          </a:ln>
+        </p:spPr>
+        <p:style>
+          <a:lnRef idx="1">
+            <a:schemeClr val="accent1"/>
+          </a:lnRef>
+          <a:fillRef idx="0">
+            <a:schemeClr val="accent1"/>
+          </a:fillRef>
+          <a:effectRef idx="0">
+            <a:schemeClr val="accent1"/>
+          </a:effectRef>
+          <a:fontRef idx="minor">
+            <a:schemeClr val="tx1"/>
+          </a:fontRef>
+        </p:style>
+      </p:cxnSp>
+      <p:graphicFrame>
+        <p:nvGraphicFramePr>
+          <p:cNvPr id="8" name="Content Placeholder 2">
+            <a:extLst>
+              <a:ext uri="{FF2B5EF4-FFF2-40B4-BE49-F238E27FC236}">
                 <a16:creationId xmlns:a16="http://schemas.microsoft.com/office/drawing/2014/main" id="{A7CD2396-1B65-C8E5-DFCE-62166C4A626B}"/>
               </a:ext>
             </a:extLst>
@@ -15554,6 +18775,14 @@
 <file path=ppt/slides/slide4.xml><?xml version="1.0" encoding="utf-8"?>
 <p:sld xmlns:a="http://schemas.openxmlformats.org/drawingml/2006/main" xmlns:r="http://schemas.openxmlformats.org/officeDocument/2006/relationships" xmlns:p="http://schemas.openxmlformats.org/presentationml/2006/main">
   <p:cSld>
+    <p:bg>
+      <p:bgPr>
+        <a:solidFill>
+          <a:schemeClr val="bg1"/>
+        </a:solidFill>
+        <a:effectLst/>
+      </p:bgPr>
+    </p:bg>
     <p:spTree>
       <p:nvGrpSpPr>
         <p:cNvPr id="1" name=""/>
@@ -15568,6 +18797,304 @@
           <a:chExt cx="0" cy="0"/>
         </a:xfrm>
       </p:grpSpPr>
+      <p:sp useBgFill="1">
+        <p:nvSpPr>
+          <p:cNvPr id="12" name="Rectangle 11">
+            <a:extLst>
+              <a:ext uri="{FF2B5EF4-FFF2-40B4-BE49-F238E27FC236}">
+                <a16:creationId xmlns:a16="http://schemas.microsoft.com/office/drawing/2014/main" id="{A88A3AEA-8067-474F-940E-BD5B58D88D8B}"/>
+              </a:ext>
+              <a:ext uri="{C183D7F6-B498-43B3-948B-1728B52AA6E4}">
+                <adec:decorative xmlns:adec="http://schemas.microsoft.com/office/drawing/2017/decorative" val="1"/>
+              </a:ext>
+            </a:extLst>
+          </p:cNvPr>
+          <p:cNvSpPr>
+            <a:spLocks noGrp="1" noRot="1" noChangeAspect="1" noMove="1" noResize="1" noEditPoints="1" noAdjustHandles="1" noChangeArrowheads="1" noChangeShapeType="1" noTextEdit="1"/>
+          </p:cNvSpPr>
+          <p:nvPr>
+            <p:extLst>
+              <p:ext uri="{386F3935-93C4-4BCD-93E2-E3B085C9AB24}">
+                <p16:designElem xmlns:p16="http://schemas.microsoft.com/office/powerpoint/2015/main" val="1"/>
+              </p:ext>
+            </p:extLst>
+          </p:nvPr>
+        </p:nvSpPr>
+        <p:spPr>
+          <a:xfrm>
+            <a:off x="0" y="0"/>
+            <a:ext cx="12192000" cy="6858000"/>
+          </a:xfrm>
+          <a:prstGeom prst="rect">
+            <a:avLst/>
+          </a:prstGeom>
+          <a:ln w="12700" cap="flat" cmpd="sng" algn="ctr">
+            <a:noFill/>
+            <a:prstDash val="solid"/>
+            <a:miter lim="800000"/>
+          </a:ln>
+          <a:effectLst/>
+          <a:extLst>
+            <a:ext uri="{91240B29-F687-4F45-9708-019B960494DF}">
+              <a14:hiddenLine xmlns:a14="http://schemas.microsoft.com/office/drawing/2010/main" w="12700" cap="flat" cmpd="sng" algn="ctr">
+                <a:solidFill>
+                  <a:schemeClr val="accent1">
+                    <a:shade val="50000"/>
+                  </a:schemeClr>
+                </a:solidFill>
+                <a:prstDash val="solid"/>
+                <a:miter lim="800000"/>
+              </a14:hiddenLine>
+            </a:ext>
+          </a:extLst>
+        </p:spPr>
+        <p:style>
+          <a:lnRef idx="2">
+            <a:schemeClr val="accent1">
+              <a:shade val="50000"/>
+            </a:schemeClr>
+          </a:lnRef>
+          <a:fillRef idx="1">
+            <a:schemeClr val="accent1"/>
+          </a:fillRef>
+          <a:effectRef idx="0">
+            <a:schemeClr val="accent1"/>
+          </a:effectRef>
+          <a:fontRef idx="minor">
+            <a:schemeClr val="lt1"/>
+          </a:fontRef>
+        </p:style>
+        <p:txBody>
+          <a:bodyPr rtlCol="0" anchor="ctr"/>
+          <a:lstStyle/>
+          <a:p>
+            <a:pPr algn="ctr"/>
+            <a:endParaRPr lang="en-US"/>
+          </a:p>
+        </p:txBody>
+      </p:sp>
+      <p:sp>
+        <p:nvSpPr>
+          <p:cNvPr id="14" name="Background Gray Rectangle">
+            <a:extLst>
+              <a:ext uri="{FF2B5EF4-FFF2-40B4-BE49-F238E27FC236}">
+                <a16:creationId xmlns:a16="http://schemas.microsoft.com/office/drawing/2014/main" id="{D803427E-36C0-4811-BE64-ACF653F6AA93}"/>
+              </a:ext>
+              <a:ext uri="{C183D7F6-B498-43B3-948B-1728B52AA6E4}">
+                <adec:decorative xmlns:adec="http://schemas.microsoft.com/office/drawing/2017/decorative" val="1"/>
+              </a:ext>
+            </a:extLst>
+          </p:cNvPr>
+          <p:cNvSpPr>
+            <a:spLocks noGrp="1" noRot="1" noChangeAspect="1" noMove="1" noResize="1" noEditPoints="1" noAdjustHandles="1" noChangeArrowheads="1" noChangeShapeType="1" noTextEdit="1"/>
+          </p:cNvSpPr>
+          <p:nvPr>
+            <p:extLst>
+              <p:ext uri="{386F3935-93C4-4BCD-93E2-E3B085C9AB24}">
+                <p16:designElem xmlns:p16="http://schemas.microsoft.com/office/powerpoint/2015/main" val="1"/>
+              </p:ext>
+            </p:extLst>
+          </p:nvPr>
+        </p:nvSpPr>
+        <p:spPr>
+          <a:xfrm>
+            <a:off x="1524" y="0"/>
+            <a:ext cx="12188952" cy="6858000"/>
+          </a:xfrm>
+          <a:prstGeom prst="rect">
+            <a:avLst/>
+          </a:prstGeom>
+          <a:solidFill>
+            <a:schemeClr val="bg2">
+              <a:alpha val="35000"/>
+            </a:schemeClr>
+          </a:solidFill>
+          <a:ln>
+            <a:noFill/>
+          </a:ln>
+        </p:spPr>
+        <p:style>
+          <a:lnRef idx="2">
+            <a:schemeClr val="accent1">
+              <a:shade val="50000"/>
+            </a:schemeClr>
+          </a:lnRef>
+          <a:fillRef idx="1">
+            <a:schemeClr val="accent1"/>
+          </a:fillRef>
+          <a:effectRef idx="0">
+            <a:schemeClr val="accent1"/>
+          </a:effectRef>
+          <a:fontRef idx="minor">
+            <a:schemeClr val="lt1"/>
+          </a:fontRef>
+        </p:style>
+        <p:txBody>
+          <a:bodyPr rtlCol="0" anchor="ctr"/>
+          <a:lstStyle>
+            <a:defPPr>
+              <a:defRPr lang="en-US"/>
+            </a:defPPr>
+            <a:lvl1pPr marL="0" algn="l" defTabSz="914400" rtl="0" eaLnBrk="1" latinLnBrk="0" hangingPunct="1">
+              <a:defRPr sz="1800" kern="1200">
+                <a:solidFill>
+                  <a:schemeClr val="lt1"/>
+                </a:solidFill>
+                <a:latin typeface="+mn-lt"/>
+                <a:ea typeface="+mn-ea"/>
+                <a:cs typeface="+mn-cs"/>
+              </a:defRPr>
+            </a:lvl1pPr>
+            <a:lvl2pPr marL="457200" algn="l" defTabSz="914400" rtl="0" eaLnBrk="1" latinLnBrk="0" hangingPunct="1">
+              <a:defRPr sz="1800" kern="1200">
+                <a:solidFill>
+                  <a:schemeClr val="lt1"/>
+                </a:solidFill>
+                <a:latin typeface="+mn-lt"/>
+                <a:ea typeface="+mn-ea"/>
+                <a:cs typeface="+mn-cs"/>
+              </a:defRPr>
+            </a:lvl2pPr>
+            <a:lvl3pPr marL="914400" algn="l" defTabSz="914400" rtl="0" eaLnBrk="1" latinLnBrk="0" hangingPunct="1">
+              <a:defRPr sz="1800" kern="1200">
+                <a:solidFill>
+                  <a:schemeClr val="lt1"/>
+                </a:solidFill>
+                <a:latin typeface="+mn-lt"/>
+                <a:ea typeface="+mn-ea"/>
+                <a:cs typeface="+mn-cs"/>
+              </a:defRPr>
+            </a:lvl3pPr>
+            <a:lvl4pPr marL="1371600" algn="l" defTabSz="914400" rtl="0" eaLnBrk="1" latinLnBrk="0" hangingPunct="1">
+              <a:defRPr sz="1800" kern="1200">
+                <a:solidFill>
+                  <a:schemeClr val="lt1"/>
+                </a:solidFill>
+                <a:latin typeface="+mn-lt"/>
+                <a:ea typeface="+mn-ea"/>
+                <a:cs typeface="+mn-cs"/>
+              </a:defRPr>
+            </a:lvl4pPr>
+            <a:lvl5pPr marL="1828800" algn="l" defTabSz="914400" rtl="0" eaLnBrk="1" latinLnBrk="0" hangingPunct="1">
+              <a:defRPr sz="1800" kern="1200">
+                <a:solidFill>
+                  <a:schemeClr val="lt1"/>
+                </a:solidFill>
+                <a:latin typeface="+mn-lt"/>
+                <a:ea typeface="+mn-ea"/>
+                <a:cs typeface="+mn-cs"/>
+              </a:defRPr>
+            </a:lvl5pPr>
+            <a:lvl6pPr marL="2286000" algn="l" defTabSz="914400" rtl="0" eaLnBrk="1" latinLnBrk="0" hangingPunct="1">
+              <a:defRPr sz="1800" kern="1200">
+                <a:solidFill>
+                  <a:schemeClr val="lt1"/>
+                </a:solidFill>
+                <a:latin typeface="+mn-lt"/>
+                <a:ea typeface="+mn-ea"/>
+                <a:cs typeface="+mn-cs"/>
+              </a:defRPr>
+            </a:lvl6pPr>
+            <a:lvl7pPr marL="2743200" algn="l" defTabSz="914400" rtl="0" eaLnBrk="1" latinLnBrk="0" hangingPunct="1">
+              <a:defRPr sz="1800" kern="1200">
+                <a:solidFill>
+                  <a:schemeClr val="lt1"/>
+                </a:solidFill>
+                <a:latin typeface="+mn-lt"/>
+                <a:ea typeface="+mn-ea"/>
+                <a:cs typeface="+mn-cs"/>
+              </a:defRPr>
+            </a:lvl7pPr>
+            <a:lvl8pPr marL="3200400" algn="l" defTabSz="914400" rtl="0" eaLnBrk="1" latinLnBrk="0" hangingPunct="1">
+              <a:defRPr sz="1800" kern="1200">
+                <a:solidFill>
+                  <a:schemeClr val="lt1"/>
+                </a:solidFill>
+                <a:latin typeface="+mn-lt"/>
+                <a:ea typeface="+mn-ea"/>
+                <a:cs typeface="+mn-cs"/>
+              </a:defRPr>
+            </a:lvl8pPr>
+            <a:lvl9pPr marL="3657600" algn="l" defTabSz="914400" rtl="0" eaLnBrk="1" latinLnBrk="0" hangingPunct="1">
+              <a:defRPr sz="1800" kern="1200">
+                <a:solidFill>
+                  <a:schemeClr val="lt1"/>
+                </a:solidFill>
+                <a:latin typeface="+mn-lt"/>
+                <a:ea typeface="+mn-ea"/>
+                <a:cs typeface="+mn-cs"/>
+              </a:defRPr>
+            </a:lvl9pPr>
+          </a:lstStyle>
+          <a:p>
+            <a:pPr algn="ctr"/>
+            <a:endParaRPr lang="en-US"/>
+          </a:p>
+        </p:txBody>
+      </p:sp>
+      <p:sp>
+        <p:nvSpPr>
+          <p:cNvPr id="16" name="White Rectangle">
+            <a:extLst>
+              <a:ext uri="{FF2B5EF4-FFF2-40B4-BE49-F238E27FC236}">
+                <a16:creationId xmlns:a16="http://schemas.microsoft.com/office/drawing/2014/main" id="{D9231370-89C4-4981-8C91-A3F3D1146CEB}"/>
+              </a:ext>
+              <a:ext uri="{C183D7F6-B498-43B3-948B-1728B52AA6E4}">
+                <adec:decorative xmlns:adec="http://schemas.microsoft.com/office/drawing/2017/decorative" val="1"/>
+              </a:ext>
+            </a:extLst>
+          </p:cNvPr>
+          <p:cNvSpPr>
+            <a:spLocks noGrp="1" noRot="1" noChangeAspect="1" noMove="1" noResize="1" noEditPoints="1" noAdjustHandles="1" noChangeArrowheads="1" noChangeShapeType="1" noTextEdit="1"/>
+          </p:cNvSpPr>
+          <p:nvPr>
+            <p:extLst>
+              <p:ext uri="{386F3935-93C4-4BCD-93E2-E3B085C9AB24}">
+                <p16:designElem xmlns:p16="http://schemas.microsoft.com/office/powerpoint/2015/main" val="1"/>
+              </p:ext>
+            </p:extLst>
+          </p:nvPr>
+        </p:nvSpPr>
+        <p:spPr>
+          <a:xfrm>
+            <a:off x="1446276" y="685800"/>
+            <a:ext cx="10744200" cy="5486400"/>
+          </a:xfrm>
+          <a:prstGeom prst="rect">
+            <a:avLst/>
+          </a:prstGeom>
+          <a:solidFill>
+            <a:schemeClr val="bg1"/>
+          </a:solidFill>
+          <a:ln>
+            <a:noFill/>
+          </a:ln>
+        </p:spPr>
+        <p:style>
+          <a:lnRef idx="2">
+            <a:schemeClr val="accent1">
+              <a:shade val="50000"/>
+            </a:schemeClr>
+          </a:lnRef>
+          <a:fillRef idx="1">
+            <a:schemeClr val="accent1"/>
+          </a:fillRef>
+          <a:effectRef idx="0">
+            <a:schemeClr val="accent1"/>
+          </a:effectRef>
+          <a:fontRef idx="minor">
+            <a:schemeClr val="lt1"/>
+          </a:fontRef>
+        </p:style>
+        <p:txBody>
+          <a:bodyPr rtlCol="0" anchor="ctr"/>
+          <a:lstStyle/>
+          <a:p>
+            <a:pPr algn="ctr"/>
+            <a:endParaRPr lang="en-US"/>
+          </a:p>
+        </p:txBody>
+      </p:sp>
       <p:sp>
         <p:nvSpPr>
           <p:cNvPr id="2" name="Title 1">
@@ -15586,15 +19113,16 @@
         </p:nvSpPr>
         <p:spPr>
           <a:xfrm>
-            <a:off x="1629102" y="667512"/>
-            <a:ext cx="9307121" cy="1023176"/>
+            <a:off x="1706880" y="940910"/>
+            <a:ext cx="3784715" cy="4545491"/>
           </a:xfrm>
         </p:spPr>
         <p:txBody>
-          <a:bodyPr/>
+          <a:bodyPr>
+            <a:normAutofit/>
+          </a:bodyPr>
           <a:lstStyle/>
           <a:p>
-            <a:pPr algn="ctr"/>
             <a:r>
               <a:rPr lang="en-AT" dirty="0"/>
               <a:t>Load Data</a:t>
@@ -15604,10 +19132,10 @@
       </p:sp>
       <p:sp>
         <p:nvSpPr>
-          <p:cNvPr id="3" name="Content Placeholder 2">
+          <p:cNvPr id="6" name="Slide Number Placeholder 5">
             <a:extLst>
               <a:ext uri="{FF2B5EF4-FFF2-40B4-BE49-F238E27FC236}">
-                <a16:creationId xmlns:a16="http://schemas.microsoft.com/office/drawing/2014/main" id="{5D8B9908-CAAB-4B75-B5FA-117970B25BD8}"/>
+                <a16:creationId xmlns:a16="http://schemas.microsoft.com/office/drawing/2014/main" id="{0E1B7110-C959-8A4B-4B0E-B900880AFC8F}"/>
               </a:ext>
             </a:extLst>
           </p:cNvPr>
@@ -15615,55 +19143,36 @@
             <a:spLocks noGrp="1"/>
           </p:cNvSpPr>
           <p:nvPr>
-            <p:ph idx="1"/>
+            <p:ph type="sldNum" sz="quarter" idx="12"/>
           </p:nvPr>
         </p:nvSpPr>
         <p:spPr>
           <a:xfrm>
-            <a:off x="1545020" y="1933903"/>
-            <a:ext cx="9391203" cy="4098105"/>
+            <a:off x="11504676" y="-14198"/>
+            <a:ext cx="685800" cy="685800"/>
           </a:xfrm>
         </p:spPr>
         <p:txBody>
-          <a:bodyPr/>
+          <a:bodyPr>
+            <a:normAutofit/>
+          </a:bodyPr>
           <a:lstStyle/>
           <a:p>
             <a:pPr>
-              <a:buFont typeface="Arial" panose="020B0604020202020204" pitchFamily="34" charset="0"/>
-              <a:buChar char="•"/>
+              <a:spcAft>
+                <a:spcPts val="600"/>
+              </a:spcAft>
             </a:pPr>
-            <a:endParaRPr lang="en-GB" dirty="0"/>
-          </a:p>
-          <a:p>
-            <a:pPr marL="742950" lvl="1" indent="-285750">
-              <a:buFont typeface="Arial" panose="020B0604020202020204" pitchFamily="34" charset="0"/>
-              <a:buChar char="•"/>
-            </a:pPr>
-            <a:r>
-              <a:rPr lang="en-GB" dirty="0"/>
-              <a:t>Importing the CSV file containing historical sales data</a:t>
-            </a:r>
-          </a:p>
-          <a:p>
-            <a:pPr marL="742950" lvl="1" indent="-285750">
-              <a:buFont typeface="Arial" panose="020B0604020202020204" pitchFamily="34" charset="0"/>
-              <a:buChar char="•"/>
-            </a:pPr>
-            <a:r>
-              <a:rPr lang="en-GB" dirty="0"/>
-              <a:t>Initial data checks to </a:t>
-            </a:r>
-            <a:r>
-              <a:rPr lang="en-GB" sz="2400" dirty="0"/>
-              <a:t>ensure</a:t>
-            </a:r>
-            <a:r>
-              <a:rPr lang="en-GB" dirty="0"/>
-              <a:t> data integrity and correctness</a:t>
-            </a:r>
-          </a:p>
-          <a:p>
-            <a:endParaRPr lang="en-AT" dirty="0"/>
+            <a:fld id="{7BE69E03-4804-4553-A1EC-F089884EF50F}" type="slidenum">
+              <a:rPr lang="en-US" smtClean="0"/>
+              <a:pPr>
+                <a:spcAft>
+                  <a:spcPts val="600"/>
+                </a:spcAft>
+              </a:pPr>
+              <a:t>4</a:t>
+            </a:fld>
+            <a:endParaRPr lang="en-US"/>
           </a:p>
         </p:txBody>
       </p:sp>
@@ -15683,16 +19192,33 @@
             <p:ph type="dt" sz="half" idx="10"/>
           </p:nvPr>
         </p:nvSpPr>
-        <p:spPr/>
+        <p:spPr>
+          <a:xfrm>
+            <a:off x="422899" y="6217920"/>
+            <a:ext cx="2743200" cy="640080"/>
+          </a:xfrm>
+        </p:spPr>
         <p:txBody>
-          <a:bodyPr/>
+          <a:bodyPr>
+            <a:normAutofit/>
+          </a:bodyPr>
           <a:lstStyle/>
           <a:p>
+            <a:pPr>
+              <a:spcAft>
+                <a:spcPts val="600"/>
+              </a:spcAft>
+            </a:pPr>
             <a:fld id="{57997BA6-BEF8-495F-ACCD-8D19769E4FC6}" type="datetime2">
               <a:rPr lang="en-US" smtClean="0"/>
+              <a:pPr>
+                <a:spcAft>
+                  <a:spcPts val="600"/>
+                </a:spcAft>
+              </a:pPr>
               <a:t>Monday, July 22, 2024</a:t>
             </a:fld>
-            <a:endParaRPr lang="en-US" dirty="0"/>
+            <a:endParaRPr lang="en-US"/>
           </a:p>
         </p:txBody>
       </p:sp>
@@ -15712,48 +19238,167 @@
             <p:ph type="ftr" sz="quarter" idx="11"/>
           </p:nvPr>
         </p:nvSpPr>
-        <p:spPr/>
+        <p:spPr>
+          <a:xfrm>
+            <a:off x="6842943" y="6217920"/>
+            <a:ext cx="4114800" cy="640080"/>
+          </a:xfrm>
+        </p:spPr>
         <p:txBody>
-          <a:bodyPr/>
+          <a:bodyPr>
+            <a:normAutofit/>
+          </a:bodyPr>
           <a:lstStyle/>
           <a:p>
+            <a:pPr>
+              <a:spcAft>
+                <a:spcPts val="600"/>
+              </a:spcAft>
+            </a:pPr>
             <a:r>
               <a:rPr lang="en-US"/>
               <a:t>Sample Footer Text</a:t>
             </a:r>
-            <a:endParaRPr lang="en-US" dirty="0"/>
           </a:p>
         </p:txBody>
       </p:sp>
-      <p:sp>
-        <p:nvSpPr>
-          <p:cNvPr id="6" name="Slide Number Placeholder 5">
+      <p:cxnSp>
+        <p:nvCxnSpPr>
+          <p:cNvPr id="18" name="Vertical Connector">
             <a:extLst>
               <a:ext uri="{FF2B5EF4-FFF2-40B4-BE49-F238E27FC236}">
-                <a16:creationId xmlns:a16="http://schemas.microsoft.com/office/drawing/2014/main" id="{0E1B7110-C959-8A4B-4B0E-B900880AFC8F}"/>
+                <a16:creationId xmlns:a16="http://schemas.microsoft.com/office/drawing/2014/main" id="{474D4826-9FF4-4E17-AB42-146B76BD3223}"/>
+              </a:ext>
+              <a:ext uri="{C183D7F6-B498-43B3-948B-1728B52AA6E4}">
+                <adec:decorative xmlns:adec="http://schemas.microsoft.com/office/drawing/2017/decorative" val="1"/>
               </a:ext>
             </a:extLst>
           </p:cNvPr>
-          <p:cNvSpPr>
-            <a:spLocks noGrp="1"/>
-          </p:cNvSpPr>
+          <p:cNvCxnSpPr>
+            <a:cxnSpLocks noGrp="1" noRot="1" noChangeAspect="1" noMove="1" noResize="1" noEditPoints="1" noAdjustHandles="1" noChangeArrowheads="1" noChangeShapeType="1"/>
+          </p:cNvCxnSpPr>
           <p:nvPr>
-            <p:ph type="sldNum" sz="quarter" idx="12"/>
+            <p:extLst>
+              <p:ext uri="{386F3935-93C4-4BCD-93E2-E3B085C9AB24}">
+                <p16:designElem xmlns:p16="http://schemas.microsoft.com/office/powerpoint/2015/main" val="1"/>
+              </p:ext>
+            </p:extLst>
           </p:nvPr>
-        </p:nvSpPr>
-        <p:spPr/>
-        <p:txBody>
-          <a:bodyPr/>
-          <a:lstStyle/>
-          <a:p>
-            <a:fld id="{7BE69E03-4804-4553-A1EC-F089884EF50F}" type="slidenum">
-              <a:rPr lang="en-US" smtClean="0"/>
-              <a:t>4</a:t>
-            </a:fld>
-            <a:endParaRPr lang="en-US"/>
-          </a:p>
-        </p:txBody>
-      </p:sp>
+        </p:nvCxnSpPr>
+        <p:spPr>
+          <a:xfrm flipV="1">
+            <a:off x="11496184" y="5610"/>
+            <a:ext cx="0" cy="6858000"/>
+          </a:xfrm>
+          <a:prstGeom prst="line">
+            <a:avLst/>
+          </a:prstGeom>
+          <a:ln w="9525" cap="rnd">
+            <a:solidFill>
+              <a:schemeClr val="accent1"/>
+            </a:solidFill>
+            <a:prstDash val="dash"/>
+          </a:ln>
+        </p:spPr>
+        <p:style>
+          <a:lnRef idx="1">
+            <a:schemeClr val="accent1"/>
+          </a:lnRef>
+          <a:fillRef idx="0">
+            <a:schemeClr val="accent1"/>
+          </a:fillRef>
+          <a:effectRef idx="0">
+            <a:schemeClr val="accent1"/>
+          </a:effectRef>
+          <a:fontRef idx="minor">
+            <a:schemeClr val="tx1"/>
+          </a:fontRef>
+        </p:style>
+      </p:cxnSp>
+      <p:cxnSp>
+        <p:nvCxnSpPr>
+          <p:cNvPr id="20" name="Horizontal Connector 2">
+            <a:extLst>
+              <a:ext uri="{FF2B5EF4-FFF2-40B4-BE49-F238E27FC236}">
+                <a16:creationId xmlns:a16="http://schemas.microsoft.com/office/drawing/2014/main" id="{C5873965-CEB2-46E1-951E-037689B07891}"/>
+              </a:ext>
+              <a:ext uri="{C183D7F6-B498-43B3-948B-1728B52AA6E4}">
+                <adec:decorative xmlns:adec="http://schemas.microsoft.com/office/drawing/2017/decorative" val="1"/>
+              </a:ext>
+            </a:extLst>
+          </p:cNvPr>
+          <p:cNvCxnSpPr>
+            <a:cxnSpLocks noGrp="1" noRot="1" noChangeAspect="1" noMove="1" noResize="1" noEditPoints="1" noAdjustHandles="1" noChangeArrowheads="1" noChangeShapeType="1"/>
+          </p:cNvCxnSpPr>
+          <p:nvPr>
+            <p:extLst>
+              <p:ext uri="{386F3935-93C4-4BCD-93E2-E3B085C9AB24}">
+                <p16:designElem xmlns:p16="http://schemas.microsoft.com/office/powerpoint/2015/main" val="1"/>
+              </p:ext>
+            </p:extLst>
+          </p:nvPr>
+        </p:nvCxnSpPr>
+        <p:spPr>
+          <a:xfrm>
+            <a:off x="1524" y="6172200"/>
+            <a:ext cx="12192000" cy="0"/>
+          </a:xfrm>
+          <a:prstGeom prst="line">
+            <a:avLst/>
+          </a:prstGeom>
+          <a:ln w="9525" cap="rnd">
+            <a:solidFill>
+              <a:schemeClr val="accent1"/>
+            </a:solidFill>
+            <a:prstDash val="dash"/>
+          </a:ln>
+        </p:spPr>
+        <p:style>
+          <a:lnRef idx="1">
+            <a:schemeClr val="accent1"/>
+          </a:lnRef>
+          <a:fillRef idx="0">
+            <a:schemeClr val="accent1"/>
+          </a:fillRef>
+          <a:effectRef idx="0">
+            <a:schemeClr val="accent1"/>
+          </a:effectRef>
+          <a:fontRef idx="minor">
+            <a:schemeClr val="tx1"/>
+          </a:fontRef>
+        </p:style>
+      </p:cxnSp>
+      <p:graphicFrame>
+        <p:nvGraphicFramePr>
+          <p:cNvPr id="8" name="Content Placeholder 2">
+            <a:extLst>
+              <a:ext uri="{FF2B5EF4-FFF2-40B4-BE49-F238E27FC236}">
+                <a16:creationId xmlns:a16="http://schemas.microsoft.com/office/drawing/2014/main" id="{F7FBDAFB-001F-9041-E8C5-0176D3DD49D0}"/>
+              </a:ext>
+            </a:extLst>
+          </p:cNvPr>
+          <p:cNvGraphicFramePr>
+            <a:graphicFrameLocks noGrp="1"/>
+          </p:cNvGraphicFramePr>
+          <p:nvPr>
+            <p:ph idx="1"/>
+            <p:extLst>
+              <p:ext uri="{D42A27DB-BD31-4B8C-83A1-F6EECF244321}">
+                <p14:modId xmlns:p14="http://schemas.microsoft.com/office/powerpoint/2010/main" val="908299565"/>
+              </p:ext>
+            </p:extLst>
+          </p:nvPr>
+        </p:nvGraphicFramePr>
+        <p:xfrm>
+          <a:off x="5766179" y="805218"/>
+          <a:ext cx="5710451" cy="5329163"/>
+        </p:xfrm>
+        <a:graphic>
+          <a:graphicData uri="http://schemas.openxmlformats.org/drawingml/2006/diagram">
+            <dgm:relIds xmlns:dgm="http://schemas.openxmlformats.org/drawingml/2006/diagram" xmlns:r="http://schemas.openxmlformats.org/officeDocument/2006/relationships" r:dm="rId2" r:lo="rId3" r:qs="rId4" r:cs="rId5"/>
+          </a:graphicData>
+        </a:graphic>
+      </p:graphicFrame>
     </p:spTree>
     <p:extLst>
       <p:ext uri="{BB962C8B-B14F-4D97-AF65-F5344CB8AC3E}">
@@ -15838,13 +19483,13 @@
         </p:nvSpPr>
         <p:spPr>
           <a:xfrm>
-            <a:off x="1502978" y="1825625"/>
-            <a:ext cx="9433245" cy="4206384"/>
+            <a:off x="1502979" y="1661033"/>
+            <a:ext cx="6043870" cy="3746119"/>
           </a:xfrm>
         </p:spPr>
         <p:txBody>
           <a:bodyPr>
-            <a:normAutofit fontScale="92500" lnSpcReduction="20000"/>
+            <a:normAutofit fontScale="70000" lnSpcReduction="20000"/>
           </a:bodyPr>
           <a:lstStyle/>
           <a:p>
@@ -16019,6 +19664,36 @@
           </a:p>
         </p:txBody>
       </p:sp>
+      <p:pic>
+        <p:nvPicPr>
+          <p:cNvPr id="7" name="Picture 6" descr="tmpbfllazwh.png">
+            <a:extLst>
+              <a:ext uri="{FF2B5EF4-FFF2-40B4-BE49-F238E27FC236}">
+                <a16:creationId xmlns:a16="http://schemas.microsoft.com/office/drawing/2014/main" id="{D3CE2FBE-4863-8587-A66B-3811736F4F10}"/>
+              </a:ext>
+            </a:extLst>
+          </p:cNvPr>
+          <p:cNvPicPr>
+            <a:picLocks noChangeAspect="1"/>
+          </p:cNvPicPr>
+          <p:nvPr/>
+        </p:nvPicPr>
+        <p:blipFill>
+          <a:blip r:embed="rId2"/>
+          <a:stretch>
+            <a:fillRect/>
+          </a:stretch>
+        </p:blipFill>
+        <p:spPr>
+          <a:xfrm>
+            <a:off x="7546849" y="1689652"/>
+            <a:ext cx="3572358" cy="3552908"/>
+          </a:xfrm>
+          <a:prstGeom prst="rect">
+            <a:avLst/>
+          </a:prstGeom>
+        </p:spPr>
+      </p:pic>
     </p:spTree>
     <p:extLst>
       <p:ext uri="{BB962C8B-B14F-4D97-AF65-F5344CB8AC3E}">
@@ -16110,7 +19785,7 @@
         <p:spPr>
           <a:xfrm>
             <a:off x="1917350" y="1755371"/>
-            <a:ext cx="9018873" cy="4276638"/>
+            <a:ext cx="4861401" cy="4462549"/>
           </a:xfrm>
         </p:spPr>
         <p:txBody>
@@ -16545,6 +20220,36 @@
           </a:p>
         </p:txBody>
       </p:sp>
+      <p:pic>
+        <p:nvPicPr>
+          <p:cNvPr id="8" name="Picture 7" descr="tmpof3eqrr3.png">
+            <a:extLst>
+              <a:ext uri="{FF2B5EF4-FFF2-40B4-BE49-F238E27FC236}">
+                <a16:creationId xmlns:a16="http://schemas.microsoft.com/office/drawing/2014/main" id="{BB66AE18-0FB5-005B-34B5-A053A3DC06EC}"/>
+              </a:ext>
+            </a:extLst>
+          </p:cNvPr>
+          <p:cNvPicPr>
+            <a:picLocks noChangeAspect="1"/>
+          </p:cNvPicPr>
+          <p:nvPr/>
+        </p:nvPicPr>
+        <p:blipFill>
+          <a:blip r:embed="rId2"/>
+          <a:stretch>
+            <a:fillRect/>
+          </a:stretch>
+        </p:blipFill>
+        <p:spPr>
+          <a:xfrm>
+            <a:off x="7080505" y="2090818"/>
+            <a:ext cx="4190999" cy="3176126"/>
+          </a:xfrm>
+          <a:prstGeom prst="rect">
+            <a:avLst/>
+          </a:prstGeom>
+        </p:spPr>
+      </p:pic>
     </p:spTree>
     <p:extLst>
       <p:ext uri="{BB962C8B-B14F-4D97-AF65-F5344CB8AC3E}">

--- a/sales Circly.pptx
+++ b/sales Circly.pptx
@@ -5,7 +5,7 @@
     <p:sldMasterId id="2147483673" r:id="rId1"/>
   </p:sldMasterIdLst>
   <p:notesMasterIdLst>
-    <p:notesMasterId r:id="rId19"/>
+    <p:notesMasterId r:id="rId21"/>
   </p:notesMasterIdLst>
   <p:sldIdLst>
     <p:sldId id="256" r:id="rId2"/>
@@ -14,17 +14,19 @@
     <p:sldId id="263" r:id="rId5"/>
     <p:sldId id="262" r:id="rId6"/>
     <p:sldId id="261" r:id="rId7"/>
-    <p:sldId id="278" r:id="rId8"/>
-    <p:sldId id="279" r:id="rId9"/>
-    <p:sldId id="280" r:id="rId10"/>
-    <p:sldId id="273" r:id="rId11"/>
-    <p:sldId id="277" r:id="rId12"/>
-    <p:sldId id="274" r:id="rId13"/>
-    <p:sldId id="264" r:id="rId14"/>
-    <p:sldId id="282" r:id="rId15"/>
-    <p:sldId id="281" r:id="rId16"/>
-    <p:sldId id="271" r:id="rId17"/>
-    <p:sldId id="272" r:id="rId18"/>
+    <p:sldId id="283" r:id="rId8"/>
+    <p:sldId id="278" r:id="rId9"/>
+    <p:sldId id="279" r:id="rId10"/>
+    <p:sldId id="280" r:id="rId11"/>
+    <p:sldId id="273" r:id="rId12"/>
+    <p:sldId id="277" r:id="rId13"/>
+    <p:sldId id="274" r:id="rId14"/>
+    <p:sldId id="285" r:id="rId15"/>
+    <p:sldId id="264" r:id="rId16"/>
+    <p:sldId id="282" r:id="rId17"/>
+    <p:sldId id="281" r:id="rId18"/>
+    <p:sldId id="272" r:id="rId19"/>
+    <p:sldId id="287" r:id="rId20"/>
   </p:sldIdLst>
   <p:sldSz cx="12192000" cy="6858000"/>
   <p:notesSz cx="6858000" cy="9144000"/>
@@ -8977,7 +8979,7 @@
           <a:p>
             <a:fld id="{FF7E612B-EBCB-8740-8E0E-19C126A5A316}" type="datetimeFigureOut">
               <a:rPr lang="en-AT" smtClean="0"/>
-              <a:t>22.07.24</a:t>
+              <a:t>24.07.24</a:t>
             </a:fld>
             <a:endParaRPr lang="en-AT"/>
           </a:p>
@@ -9488,7 +9490,7 @@
           <a:p>
             <a:fld id="{17F50B8E-A176-49F2-A3C1-FEDA0200170B}" type="datetime2">
               <a:rPr lang="en-US" smtClean="0"/>
-              <a:t>Monday, July 22, 2024</a:t>
+              <a:t>Wednesday, July 24, 2024</a:t>
             </a:fld>
             <a:endParaRPr lang="en-US" dirty="0"/>
           </a:p>
@@ -9697,7 +9699,7 @@
           <a:p>
             <a:fld id="{0512A49D-4A7C-4944-9802-8EE0B5A6CEDD}" type="datetime2">
               <a:rPr lang="en-US" smtClean="0"/>
-              <a:t>Monday, July 22, 2024</a:t>
+              <a:t>Wednesday, July 24, 2024</a:t>
             </a:fld>
             <a:endParaRPr lang="en-US"/>
           </a:p>
@@ -9910,7 +9912,7 @@
           <a:p>
             <a:fld id="{5D689DDD-3B11-4150-8B39-3662C10D8BF9}" type="datetime2">
               <a:rPr lang="en-US" smtClean="0"/>
-              <a:t>Monday, July 22, 2024</a:t>
+              <a:t>Wednesday, July 24, 2024</a:t>
             </a:fld>
             <a:endParaRPr lang="en-US"/>
           </a:p>
@@ -10134,7 +10136,7 @@
           <a:p>
             <a:fld id="{57997BA6-BEF8-495F-ACCD-8D19769E4FC6}" type="datetime2">
               <a:rPr lang="en-US" smtClean="0"/>
-              <a:t>Monday, July 22, 2024</a:t>
+              <a:t>Wednesday, July 24, 2024</a:t>
             </a:fld>
             <a:endParaRPr lang="en-US" dirty="0"/>
           </a:p>
@@ -10417,7 +10419,7 @@
           <a:p>
             <a:fld id="{4857292D-4609-4E55-92E3-C12C6A1234E8}" type="datetime2">
               <a:rPr lang="en-US" smtClean="0"/>
-              <a:t>Monday, July 22, 2024</a:t>
+              <a:t>Wednesday, July 24, 2024</a:t>
             </a:fld>
             <a:endParaRPr lang="en-US" dirty="0"/>
           </a:p>
@@ -10800,7 +10802,7 @@
           <a:p>
             <a:fld id="{003E0E29-2C79-4A2A-B61C-A21B8362A50A}" type="datetime2">
               <a:rPr lang="en-US" smtClean="0"/>
-              <a:t>Monday, July 22, 2024</a:t>
+              <a:t>Wednesday, July 24, 2024</a:t>
             </a:fld>
             <a:endParaRPr lang="en-US"/>
           </a:p>
@@ -11294,7 +11296,7 @@
           <a:p>
             <a:fld id="{B0CA0177-5432-41AC-9593-8EC96BFF4F82}" type="datetime2">
               <a:rPr lang="en-US" smtClean="0"/>
-              <a:t>Monday, July 22, 2024</a:t>
+              <a:t>Wednesday, July 24, 2024</a:t>
             </a:fld>
             <a:endParaRPr lang="en-US" dirty="0"/>
           </a:p>
@@ -11450,7 +11452,7 @@
           <a:p>
             <a:fld id="{EED29A7B-B2F1-41A3-B969-4E25F618B967}" type="datetime2">
               <a:rPr lang="en-US" smtClean="0"/>
-              <a:t>Monday, July 22, 2024</a:t>
+              <a:t>Wednesday, July 24, 2024</a:t>
             </a:fld>
             <a:endParaRPr lang="en-US" dirty="0"/>
           </a:p>
@@ -11860,7 +11862,7 @@
           <a:p>
             <a:fld id="{4EE98B79-F222-4FD1-8713-07459E1B5004}" type="datetime2">
               <a:rPr lang="en-US" smtClean="0"/>
-              <a:t>Monday, July 22, 2024</a:t>
+              <a:t>Wednesday, July 24, 2024</a:t>
             </a:fld>
             <a:endParaRPr lang="en-US"/>
           </a:p>
@@ -12182,7 +12184,7 @@
           <a:p>
             <a:fld id="{792630FD-0818-4065-B5FE-410552D9B1BC}" type="datetime2">
               <a:rPr lang="en-US" smtClean="0"/>
-              <a:t>Monday, July 22, 2024</a:t>
+              <a:t>Wednesday, July 24, 2024</a:t>
             </a:fld>
             <a:endParaRPr lang="en-US"/>
           </a:p>
@@ -12484,7 +12486,7 @@
           <a:p>
             <a:fld id="{93C2D289-0EBF-40C7-B6E8-60285281F180}" type="datetime2">
               <a:rPr lang="en-US" smtClean="0"/>
-              <a:t>Monday, July 22, 2024</a:t>
+              <a:t>Wednesday, July 24, 2024</a:t>
             </a:fld>
             <a:endParaRPr lang="en-US"/>
           </a:p>
@@ -13019,7 +13021,7 @@
           <a:p>
             <a:fld id="{94CDC665-7415-4DAF-AE09-B9BBC1907393}" type="datetime2">
               <a:rPr lang="en-US" smtClean="0"/>
-              <a:t>Monday, July 22, 2024</a:t>
+              <a:t>Wednesday, July 24, 2024</a:t>
             </a:fld>
             <a:endParaRPr lang="en-US" dirty="0"/>
           </a:p>
@@ -14237,6 +14239,234 @@
           <p:cNvPr id="2" name="Title 1">
             <a:extLst>
               <a:ext uri="{FF2B5EF4-FFF2-40B4-BE49-F238E27FC236}">
+                <a16:creationId xmlns:a16="http://schemas.microsoft.com/office/drawing/2014/main" id="{70CCBE0E-C6A6-83C5-4BDF-B6A3E4E53476}"/>
+              </a:ext>
+            </a:extLst>
+          </p:cNvPr>
+          <p:cNvSpPr>
+            <a:spLocks noGrp="1"/>
+          </p:cNvSpPr>
+          <p:nvPr>
+            <p:ph type="title"/>
+          </p:nvPr>
+        </p:nvSpPr>
+        <p:spPr>
+          <a:xfrm>
+            <a:off x="1828800" y="1362635"/>
+            <a:ext cx="9107424" cy="901234"/>
+          </a:xfrm>
+        </p:spPr>
+        <p:txBody>
+          <a:bodyPr>
+            <a:normAutofit/>
+          </a:bodyPr>
+          <a:lstStyle/>
+          <a:p>
+            <a:pPr algn="ctr"/>
+            <a:r>
+              <a:rPr lang="en-AT" sz="3200" dirty="0"/>
+              <a:t>Outlier Analysis</a:t>
+            </a:r>
+          </a:p>
+        </p:txBody>
+      </p:sp>
+      <p:sp>
+        <p:nvSpPr>
+          <p:cNvPr id="3" name="Date Placeholder 2">
+            <a:extLst>
+              <a:ext uri="{FF2B5EF4-FFF2-40B4-BE49-F238E27FC236}">
+                <a16:creationId xmlns:a16="http://schemas.microsoft.com/office/drawing/2014/main" id="{E4DF5CC4-0EA2-4749-E16D-BD2BAA352BFE}"/>
+              </a:ext>
+            </a:extLst>
+          </p:cNvPr>
+          <p:cNvSpPr>
+            <a:spLocks noGrp="1"/>
+          </p:cNvSpPr>
+          <p:nvPr>
+            <p:ph type="dt" sz="half" idx="10"/>
+          </p:nvPr>
+        </p:nvSpPr>
+        <p:spPr/>
+        <p:txBody>
+          <a:bodyPr/>
+          <a:lstStyle/>
+          <a:p>
+            <a:fld id="{EED29A7B-B2F1-41A3-B969-4E25F618B967}" type="datetime2">
+              <a:rPr lang="en-US" smtClean="0"/>
+              <a:t>Wednesday, July 24, 2024</a:t>
+            </a:fld>
+            <a:endParaRPr lang="en-US" dirty="0"/>
+          </a:p>
+        </p:txBody>
+      </p:sp>
+      <p:sp>
+        <p:nvSpPr>
+          <p:cNvPr id="4" name="Footer Placeholder 3">
+            <a:extLst>
+              <a:ext uri="{FF2B5EF4-FFF2-40B4-BE49-F238E27FC236}">
+                <a16:creationId xmlns:a16="http://schemas.microsoft.com/office/drawing/2014/main" id="{A6D8A38A-46F8-767E-8343-593F12B6D675}"/>
+              </a:ext>
+            </a:extLst>
+          </p:cNvPr>
+          <p:cNvSpPr>
+            <a:spLocks noGrp="1"/>
+          </p:cNvSpPr>
+          <p:nvPr>
+            <p:ph type="ftr" sz="quarter" idx="11"/>
+          </p:nvPr>
+        </p:nvSpPr>
+        <p:spPr/>
+        <p:txBody>
+          <a:bodyPr/>
+          <a:lstStyle/>
+          <a:p>
+            <a:r>
+              <a:rPr lang="en-US"/>
+              <a:t>Sample Footer Text</a:t>
+            </a:r>
+          </a:p>
+        </p:txBody>
+      </p:sp>
+      <p:sp>
+        <p:nvSpPr>
+          <p:cNvPr id="5" name="Slide Number Placeholder 4">
+            <a:extLst>
+              <a:ext uri="{FF2B5EF4-FFF2-40B4-BE49-F238E27FC236}">
+                <a16:creationId xmlns:a16="http://schemas.microsoft.com/office/drawing/2014/main" id="{A81A1B5A-AEB2-FDBA-CC6E-2509053E67A6}"/>
+              </a:ext>
+            </a:extLst>
+          </p:cNvPr>
+          <p:cNvSpPr>
+            <a:spLocks noGrp="1"/>
+          </p:cNvSpPr>
+          <p:nvPr>
+            <p:ph type="sldNum" sz="quarter" idx="12"/>
+          </p:nvPr>
+        </p:nvSpPr>
+        <p:spPr/>
+        <p:txBody>
+          <a:bodyPr/>
+          <a:lstStyle/>
+          <a:p>
+            <a:fld id="{7BE69E03-4804-4553-A1EC-F089884EF50F}" type="slidenum">
+              <a:rPr lang="en-US" smtClean="0"/>
+              <a:t>10</a:t>
+            </a:fld>
+            <a:endParaRPr lang="en-US"/>
+          </a:p>
+        </p:txBody>
+      </p:sp>
+      <p:sp>
+        <p:nvSpPr>
+          <p:cNvPr id="6" name="TextBox 5">
+            <a:extLst>
+              <a:ext uri="{FF2B5EF4-FFF2-40B4-BE49-F238E27FC236}">
+                <a16:creationId xmlns:a16="http://schemas.microsoft.com/office/drawing/2014/main" id="{7389C040-A79D-1A66-1B21-307C56175CF4}"/>
+              </a:ext>
+            </a:extLst>
+          </p:cNvPr>
+          <p:cNvSpPr txBox="1"/>
+          <p:nvPr/>
+        </p:nvSpPr>
+        <p:spPr>
+          <a:xfrm>
+            <a:off x="1577788" y="2805953"/>
+            <a:ext cx="9771530" cy="2308324"/>
+          </a:xfrm>
+          <a:prstGeom prst="rect">
+            <a:avLst/>
+          </a:prstGeom>
+          <a:noFill/>
+        </p:spPr>
+        <p:txBody>
+          <a:bodyPr wrap="square" rtlCol="0">
+            <a:spAutoFit/>
+          </a:bodyPr>
+          <a:lstStyle/>
+          <a:p>
+            <a:pPr marL="285750" indent="-285750">
+              <a:buFont typeface="Arial" panose="020B0604020202020204" pitchFamily="34" charset="0"/>
+              <a:buChar char="•"/>
+            </a:pPr>
+            <a:r>
+              <a:rPr lang="en-GB" dirty="0"/>
+              <a:t>Boxplots shows the presence of Outliers</a:t>
+            </a:r>
+          </a:p>
+          <a:p>
+            <a:pPr marL="285750" indent="-285750">
+              <a:buFont typeface="Arial" panose="020B0604020202020204" pitchFamily="34" charset="0"/>
+              <a:buChar char="•"/>
+            </a:pPr>
+            <a:r>
+              <a:rPr lang="en-GB" dirty="0"/>
+              <a:t>Investigate the high outliers to understand the reasons behind the spikes in quantity. This could involve looking at the dates of these outliers, any promotions or special events, or particular  customers responsible for large orders.</a:t>
+            </a:r>
+          </a:p>
+          <a:p>
+            <a:pPr marL="285750" indent="-285750">
+              <a:buFont typeface="Arial" panose="020B0604020202020204" pitchFamily="34" charset="0"/>
+              <a:buChar char="•"/>
+            </a:pPr>
+            <a:r>
+              <a:rPr lang="en-GB" dirty="0"/>
+              <a:t> Data doesn’t follow a normal distribution, hence InterQuartile method is used to detect Ouliers</a:t>
+            </a:r>
+          </a:p>
+          <a:p>
+            <a:pPr marL="285750" indent="-285750">
+              <a:buFont typeface="Arial" panose="020B0604020202020204" pitchFamily="34" charset="0"/>
+              <a:buChar char="•"/>
+            </a:pPr>
+            <a:r>
+              <a:rPr lang="en-GB" dirty="0"/>
+              <a:t>The DataFrame is filtered to create a new DataFrame that excludes rows with outlier values</a:t>
+            </a:r>
+          </a:p>
+          <a:p>
+            <a:pPr marL="285750" indent="-285750">
+              <a:buFont typeface="Arial" panose="020B0604020202020204" pitchFamily="34" charset="0"/>
+              <a:buChar char="•"/>
+            </a:pPr>
+            <a:endParaRPr lang="en-GB" dirty="0"/>
+          </a:p>
+        </p:txBody>
+      </p:sp>
+    </p:spTree>
+    <p:extLst>
+      <p:ext uri="{BB962C8B-B14F-4D97-AF65-F5344CB8AC3E}">
+        <p14:creationId xmlns:p14="http://schemas.microsoft.com/office/powerpoint/2010/main" val="3442094441"/>
+      </p:ext>
+    </p:extLst>
+  </p:cSld>
+  <p:clrMapOvr>
+    <a:masterClrMapping/>
+  </p:clrMapOvr>
+</p:sld>
+</file>
+
+<file path=ppt/slides/slide11.xml><?xml version="1.0" encoding="utf-8"?>
+<p:sld xmlns:a="http://schemas.openxmlformats.org/drawingml/2006/main" xmlns:r="http://schemas.openxmlformats.org/officeDocument/2006/relationships" xmlns:p="http://schemas.openxmlformats.org/presentationml/2006/main">
+  <p:cSld>
+    <p:spTree>
+      <p:nvGrpSpPr>
+        <p:cNvPr id="1" name=""/>
+        <p:cNvGrpSpPr/>
+        <p:nvPr/>
+      </p:nvGrpSpPr>
+      <p:grpSpPr>
+        <a:xfrm>
+          <a:off x="0" y="0"/>
+          <a:ext cx="0" cy="0"/>
+          <a:chOff x="0" y="0"/>
+          <a:chExt cx="0" cy="0"/>
+        </a:xfrm>
+      </p:grpSpPr>
+      <p:sp>
+        <p:nvSpPr>
+          <p:cNvPr id="2" name="Title 1">
+            <a:extLst>
+              <a:ext uri="{FF2B5EF4-FFF2-40B4-BE49-F238E27FC236}">
                 <a16:creationId xmlns:a16="http://schemas.microsoft.com/office/drawing/2014/main" id="{0D5D3EB2-8EE7-8FDB-635F-DBAFCA40559F}"/>
               </a:ext>
             </a:extLst>
@@ -14284,7 +14514,7 @@
           <a:p>
             <a:fld id="{003E0E29-2C79-4A2A-B61C-A21B8362A50A}" type="datetime2">
               <a:rPr lang="en-US" smtClean="0"/>
-              <a:t>Monday, July 22, 2024</a:t>
+              <a:t>Wednesday, July 24, 2024</a:t>
             </a:fld>
             <a:endParaRPr lang="en-US"/>
           </a:p>
@@ -14341,7 +14571,7 @@
           <a:p>
             <a:fld id="{7BE69E03-4804-4553-A1EC-F089884EF50F}" type="slidenum">
               <a:rPr lang="en-US" smtClean="0"/>
-              <a:t>10</a:t>
+              <a:t>11</a:t>
             </a:fld>
             <a:endParaRPr lang="en-US"/>
           </a:p>
@@ -14644,7 +14874,7 @@
 </p:sld>
 </file>
 
-<file path=ppt/slides/slide11.xml><?xml version="1.0" encoding="utf-8"?>
+<file path=ppt/slides/slide12.xml><?xml version="1.0" encoding="utf-8"?>
 <p:sld xmlns:a="http://schemas.openxmlformats.org/drawingml/2006/main" xmlns:r="http://schemas.openxmlformats.org/officeDocument/2006/relationships" xmlns:p="http://schemas.openxmlformats.org/presentationml/2006/main">
   <p:cSld>
     <p:spTree>
@@ -14722,7 +14952,7 @@
           <a:p>
             <a:fld id="{003E0E29-2C79-4A2A-B61C-A21B8362A50A}" type="datetime2">
               <a:rPr lang="en-US" smtClean="0"/>
-              <a:t>Monday, July 22, 2024</a:t>
+              <a:t>Wednesday, July 24, 2024</a:t>
             </a:fld>
             <a:endParaRPr lang="en-US"/>
           </a:p>
@@ -14779,7 +15009,7 @@
           <a:p>
             <a:fld id="{7BE69E03-4804-4553-A1EC-F089884EF50F}" type="slidenum">
               <a:rPr lang="en-US" smtClean="0"/>
-              <a:t>11</a:t>
+              <a:t>12</a:t>
             </a:fld>
             <a:endParaRPr lang="en-US"/>
           </a:p>
@@ -14898,7 +15128,7 @@
         <p:spPr>
           <a:xfrm>
             <a:off x="972784" y="2413337"/>
-            <a:ext cx="4845270" cy="2031325"/>
+            <a:ext cx="4845270" cy="2585323"/>
           </a:xfrm>
           <a:prstGeom prst="rect">
             <a:avLst/>
@@ -14911,23 +15141,30 @@
           </a:bodyPr>
           <a:lstStyle/>
           <a:p>
-            <a:r>
-              <a:rPr lang="en-GB" b="1" dirty="0"/>
-              <a:t>Visualize the sales data over the same period</a:t>
-            </a:r>
+            <a:pPr marL="285750" indent="-285750">
+              <a:buFont typeface="Arial" panose="020B0604020202020204" pitchFamily="34" charset="0"/>
+              <a:buChar char="•"/>
+            </a:pPr>
             <a:r>
               <a:rPr lang="en-GB" dirty="0"/>
-              <a:t> to identify any trends or seasonal patterns and correlation.</a:t>
-            </a:r>
-          </a:p>
-          <a:p>
-            <a:pPr>
-              <a:buFont typeface="+mj-lt"/>
-              <a:buAutoNum type="arabicPeriod"/>
+              <a:t>Used the meteostat library for Vienna to analyse the temperature effect on Sales Quantity.</a:t>
+            </a:r>
+          </a:p>
+          <a:p>
+            <a:pPr marL="285750" indent="-285750">
+              <a:buFont typeface="Arial" panose="020B0604020202020204" pitchFamily="34" charset="0"/>
+              <a:buChar char="•"/>
             </a:pPr>
-            <a:endParaRPr lang="en-GB" dirty="0"/>
-          </a:p>
-          <a:p>
+            <a:r>
+              <a:rPr lang="en-GB" dirty="0"/>
+              <a:t>Visualize the sales data over the same period to identify any trends or seasonal patterns and correlation.</a:t>
+            </a:r>
+          </a:p>
+          <a:p>
+            <a:pPr marL="285750" indent="-285750">
+              <a:buFont typeface="Arial" panose="020B0604020202020204" pitchFamily="34" charset="0"/>
+              <a:buChar char="•"/>
+            </a:pPr>
             <a:r>
               <a:rPr lang="en-GB" dirty="0"/>
               <a:t>It is seen from the plots that Sales peaked during the summer months and dropped during winter.</a:t>
@@ -14948,7 +15185,7 @@
 </p:sld>
 </file>
 
-<file path=ppt/slides/slide12.xml><?xml version="1.0" encoding="utf-8"?>
+<file path=ppt/slides/slide13.xml><?xml version="1.0" encoding="utf-8"?>
 <p:sld xmlns:a="http://schemas.openxmlformats.org/drawingml/2006/main" xmlns:r="http://schemas.openxmlformats.org/officeDocument/2006/relationships" xmlns:p="http://schemas.openxmlformats.org/presentationml/2006/main">
   <p:cSld>
     <p:spTree>
@@ -15181,7 +15418,7 @@
           <a:p>
             <a:fld id="{792630FD-0818-4065-B5FE-410552D9B1BC}" type="datetime2">
               <a:rPr lang="en-US" smtClean="0"/>
-              <a:t>Monday, July 22, 2024</a:t>
+              <a:t>Wednesday, July 24, 2024</a:t>
             </a:fld>
             <a:endParaRPr lang="en-US"/>
           </a:p>
@@ -15238,7 +15475,7 @@
           <a:p>
             <a:fld id="{7BE69E03-4804-4553-A1EC-F089884EF50F}" type="slidenum">
               <a:rPr lang="en-US" smtClean="0"/>
-              <a:t>12</a:t>
+              <a:t>13</a:t>
             </a:fld>
             <a:endParaRPr lang="en-US"/>
           </a:p>
@@ -15353,7 +15590,244 @@
 </p:sld>
 </file>
 
-<file path=ppt/slides/slide13.xml><?xml version="1.0" encoding="utf-8"?>
+<file path=ppt/slides/slide14.xml><?xml version="1.0" encoding="utf-8"?>
+<p:sld xmlns:a="http://schemas.openxmlformats.org/drawingml/2006/main" xmlns:r="http://schemas.openxmlformats.org/officeDocument/2006/relationships" xmlns:p="http://schemas.openxmlformats.org/presentationml/2006/main">
+  <p:cSld>
+    <p:spTree>
+      <p:nvGrpSpPr>
+        <p:cNvPr id="1" name=""/>
+        <p:cNvGrpSpPr/>
+        <p:nvPr/>
+      </p:nvGrpSpPr>
+      <p:grpSpPr>
+        <a:xfrm>
+          <a:off x="0" y="0"/>
+          <a:ext cx="0" cy="0"/>
+          <a:chOff x="0" y="0"/>
+          <a:chExt cx="0" cy="0"/>
+        </a:xfrm>
+      </p:grpSpPr>
+      <p:sp>
+        <p:nvSpPr>
+          <p:cNvPr id="2" name="Title 1">
+            <a:extLst>
+              <a:ext uri="{FF2B5EF4-FFF2-40B4-BE49-F238E27FC236}">
+                <a16:creationId xmlns:a16="http://schemas.microsoft.com/office/drawing/2014/main" id="{508F7D87-B388-38BF-F69A-BF787A310FA4}"/>
+              </a:ext>
+            </a:extLst>
+          </p:cNvPr>
+          <p:cNvSpPr>
+            <a:spLocks noGrp="1"/>
+          </p:cNvSpPr>
+          <p:nvPr>
+            <p:ph type="title"/>
+          </p:nvPr>
+        </p:nvSpPr>
+        <p:spPr>
+          <a:xfrm>
+            <a:off x="1604210" y="753979"/>
+            <a:ext cx="9332013" cy="936709"/>
+          </a:xfrm>
+        </p:spPr>
+        <p:txBody>
+          <a:bodyPr>
+            <a:normAutofit/>
+          </a:bodyPr>
+          <a:lstStyle/>
+          <a:p>
+            <a:pPr algn="ctr"/>
+            <a:r>
+              <a:rPr lang="en-AT" sz="4000" dirty="0"/>
+              <a:t>Data Prepration</a:t>
+            </a:r>
+          </a:p>
+        </p:txBody>
+      </p:sp>
+      <p:sp>
+        <p:nvSpPr>
+          <p:cNvPr id="3" name="Content Placeholder 2">
+            <a:extLst>
+              <a:ext uri="{FF2B5EF4-FFF2-40B4-BE49-F238E27FC236}">
+                <a16:creationId xmlns:a16="http://schemas.microsoft.com/office/drawing/2014/main" id="{C54A681D-A9C6-B496-5B46-1F46A59B8B91}"/>
+              </a:ext>
+            </a:extLst>
+          </p:cNvPr>
+          <p:cNvSpPr>
+            <a:spLocks noGrp="1"/>
+          </p:cNvSpPr>
+          <p:nvPr>
+            <p:ph idx="1"/>
+          </p:nvPr>
+        </p:nvSpPr>
+        <p:spPr>
+          <a:xfrm>
+            <a:off x="1604210" y="1868905"/>
+            <a:ext cx="9332014" cy="4163103"/>
+          </a:xfrm>
+        </p:spPr>
+        <p:txBody>
+          <a:bodyPr>
+            <a:normAutofit/>
+          </a:bodyPr>
+          <a:lstStyle/>
+          <a:p>
+            <a:r>
+              <a:rPr lang="en-GB" sz="2000" b="1" dirty="0"/>
+              <a:t>Splitting the Data:</a:t>
+            </a:r>
+            <a:endParaRPr lang="en-GB" sz="2000" dirty="0"/>
+          </a:p>
+          <a:p>
+            <a:r>
+              <a:rPr lang="en-GB" sz="2000" dirty="0"/>
+              <a:t>For time series analysis, the data should be split into training and testing sets based on time, not randomly. </a:t>
+            </a:r>
+          </a:p>
+          <a:p>
+            <a:r>
+              <a:rPr lang="en-GB" b="1" dirty="0"/>
+              <a:t> </a:t>
+            </a:r>
+            <a:r>
+              <a:rPr lang="en-GB" sz="2000" b="1" dirty="0"/>
+              <a:t>Scaling the Data:</a:t>
+            </a:r>
+            <a:endParaRPr lang="en-GB" sz="2000" dirty="0"/>
+          </a:p>
+          <a:p>
+            <a:pPr>
+              <a:buFont typeface="Arial" panose="020B0604020202020204" pitchFamily="34" charset="0"/>
+              <a:buChar char="•"/>
+            </a:pPr>
+            <a:r>
+              <a:rPr lang="en-GB" sz="2000" b="1" dirty="0"/>
+              <a:t>ARIMA:</a:t>
+            </a:r>
+            <a:r>
+              <a:rPr lang="en-GB" sz="2000" dirty="0"/>
+              <a:t> Scaling is not typically necessary for ARIMA models.</a:t>
+            </a:r>
+          </a:p>
+          <a:p>
+            <a:pPr>
+              <a:buFont typeface="Arial" panose="020B0604020202020204" pitchFamily="34" charset="0"/>
+              <a:buChar char="•"/>
+            </a:pPr>
+            <a:r>
+              <a:rPr lang="en-GB" sz="2000" b="1" dirty="0"/>
+              <a:t>LSTM:</a:t>
+            </a:r>
+            <a:r>
+              <a:rPr lang="en-GB" sz="2000" dirty="0"/>
+              <a:t> Scaling is crucial for LSTM models to ensure that the neural network training is stable and effective. I have used Min-Max scaler.</a:t>
+            </a:r>
+          </a:p>
+          <a:p>
+            <a:endParaRPr lang="en-AT" dirty="0"/>
+          </a:p>
+        </p:txBody>
+      </p:sp>
+      <p:sp>
+        <p:nvSpPr>
+          <p:cNvPr id="4" name="Date Placeholder 3">
+            <a:extLst>
+              <a:ext uri="{FF2B5EF4-FFF2-40B4-BE49-F238E27FC236}">
+                <a16:creationId xmlns:a16="http://schemas.microsoft.com/office/drawing/2014/main" id="{EAB9275E-EC63-0E88-EB51-39AF1623609A}"/>
+              </a:ext>
+            </a:extLst>
+          </p:cNvPr>
+          <p:cNvSpPr>
+            <a:spLocks noGrp="1"/>
+          </p:cNvSpPr>
+          <p:nvPr>
+            <p:ph type="dt" sz="half" idx="10"/>
+          </p:nvPr>
+        </p:nvSpPr>
+        <p:spPr/>
+        <p:txBody>
+          <a:bodyPr/>
+          <a:lstStyle/>
+          <a:p>
+            <a:fld id="{57997BA6-BEF8-495F-ACCD-8D19769E4FC6}" type="datetime2">
+              <a:rPr lang="en-US" smtClean="0"/>
+              <a:t>Wednesday, July 24, 2024</a:t>
+            </a:fld>
+            <a:endParaRPr lang="en-US" dirty="0"/>
+          </a:p>
+        </p:txBody>
+      </p:sp>
+      <p:sp>
+        <p:nvSpPr>
+          <p:cNvPr id="5" name="Footer Placeholder 4">
+            <a:extLst>
+              <a:ext uri="{FF2B5EF4-FFF2-40B4-BE49-F238E27FC236}">
+                <a16:creationId xmlns:a16="http://schemas.microsoft.com/office/drawing/2014/main" id="{06472B0C-B36E-3991-FC0C-0F74B08B6EEC}"/>
+              </a:ext>
+            </a:extLst>
+          </p:cNvPr>
+          <p:cNvSpPr>
+            <a:spLocks noGrp="1"/>
+          </p:cNvSpPr>
+          <p:nvPr>
+            <p:ph type="ftr" sz="quarter" idx="11"/>
+          </p:nvPr>
+        </p:nvSpPr>
+        <p:spPr/>
+        <p:txBody>
+          <a:bodyPr/>
+          <a:lstStyle/>
+          <a:p>
+            <a:r>
+              <a:rPr lang="en-US"/>
+              <a:t>Sample Footer Text</a:t>
+            </a:r>
+            <a:endParaRPr lang="en-US" dirty="0"/>
+          </a:p>
+        </p:txBody>
+      </p:sp>
+      <p:sp>
+        <p:nvSpPr>
+          <p:cNvPr id="6" name="Slide Number Placeholder 5">
+            <a:extLst>
+              <a:ext uri="{FF2B5EF4-FFF2-40B4-BE49-F238E27FC236}">
+                <a16:creationId xmlns:a16="http://schemas.microsoft.com/office/drawing/2014/main" id="{95B583DB-6E7B-D938-DA59-118417D60ABC}"/>
+              </a:ext>
+            </a:extLst>
+          </p:cNvPr>
+          <p:cNvSpPr>
+            <a:spLocks noGrp="1"/>
+          </p:cNvSpPr>
+          <p:nvPr>
+            <p:ph type="sldNum" sz="quarter" idx="12"/>
+          </p:nvPr>
+        </p:nvSpPr>
+        <p:spPr/>
+        <p:txBody>
+          <a:bodyPr/>
+          <a:lstStyle/>
+          <a:p>
+            <a:fld id="{7BE69E03-4804-4553-A1EC-F089884EF50F}" type="slidenum">
+              <a:rPr lang="en-US" smtClean="0"/>
+              <a:t>14</a:t>
+            </a:fld>
+            <a:endParaRPr lang="en-US"/>
+          </a:p>
+        </p:txBody>
+      </p:sp>
+    </p:spTree>
+    <p:extLst>
+      <p:ext uri="{BB962C8B-B14F-4D97-AF65-F5344CB8AC3E}">
+        <p14:creationId xmlns:p14="http://schemas.microsoft.com/office/powerpoint/2010/main" val="548917311"/>
+      </p:ext>
+    </p:extLst>
+  </p:cSld>
+  <p:clrMapOvr>
+    <a:masterClrMapping/>
+  </p:clrMapOvr>
+</p:sld>
+</file>
+
+<file path=ppt/slides/slide15.xml><?xml version="1.0" encoding="utf-8"?>
 <p:sld xmlns:a="http://schemas.openxmlformats.org/drawingml/2006/main" xmlns:r="http://schemas.openxmlformats.org/officeDocument/2006/relationships" xmlns:p="http://schemas.openxmlformats.org/presentationml/2006/main">
   <p:cSld>
     <p:bg>
@@ -15773,7 +16247,7 @@
         <p:spPr>
           <a:xfrm>
             <a:off x="1682496" y="768096"/>
-            <a:ext cx="4110979" cy="877824"/>
+            <a:ext cx="7894641" cy="877824"/>
           </a:xfrm>
         </p:spPr>
         <p:txBody>
@@ -15782,15 +16256,16 @@
           </a:bodyPr>
           <a:lstStyle/>
           <a:p>
-            <a:r>
-              <a:rPr lang="en-GB" sz="4800" dirty="0">
+            <a:pPr algn="ctr"/>
+            <a:r>
+              <a:rPr lang="en-GB" sz="3200" dirty="0">
                 <a:solidFill>
                   <a:schemeClr val="tx1"/>
                 </a:solidFill>
               </a:rPr>
-              <a:t>Train Model</a:t>
-            </a:r>
-            <a:endParaRPr lang="en-AT" sz="4800" dirty="0">
+              <a:t>Model Training</a:t>
+            </a:r>
+            <a:endParaRPr lang="en-AT" sz="3200" dirty="0">
               <a:solidFill>
                 <a:schemeClr val="tx1"/>
               </a:solidFill>
@@ -15838,7 +16313,7 @@
                   <a:spcPts val="600"/>
                 </a:spcAft>
               </a:pPr>
-              <a:t>13</a:t>
+              <a:t>15</a:t>
             </a:fld>
             <a:endParaRPr lang="en-US"/>
           </a:p>
@@ -15863,12 +16338,12 @@
         <p:spPr>
           <a:xfrm>
             <a:off x="1443228" y="1660118"/>
-            <a:ext cx="5370576" cy="4253083"/>
+            <a:ext cx="5158098" cy="4267418"/>
           </a:xfrm>
         </p:spPr>
         <p:txBody>
           <a:bodyPr anchor="t">
-            <a:normAutofit fontScale="85000" lnSpcReduction="10000"/>
+            <a:normAutofit/>
           </a:bodyPr>
           <a:lstStyle/>
           <a:p>
@@ -15880,12 +16355,80 @@
               <a:buChar char="•"/>
             </a:pPr>
             <a:r>
-              <a:rPr lang="en-GB" sz="2000" b="1" dirty="0">
+              <a:rPr lang="en-GB" sz="1600" dirty="0">
                 <a:solidFill>
                   <a:schemeClr val="tx1"/>
                 </a:solidFill>
               </a:rPr>
-              <a:t>Since the data is stationary,I will use ARIMA and LSTM to train the models</a:t>
+              <a:t>Since the data is stationary,I will use ARIMA and LSTM to train the models.</a:t>
+            </a:r>
+          </a:p>
+          <a:p>
+            <a:r>
+              <a:rPr lang="en-GB" sz="1600" b="1" dirty="0"/>
+              <a:t>LSTM:</a:t>
+            </a:r>
+            <a:endParaRPr lang="en-GB" sz="1600" dirty="0"/>
+          </a:p>
+          <a:p>
+            <a:pPr lvl="1">
+              <a:buFont typeface="Arial" panose="020B0604020202020204" pitchFamily="34" charset="0"/>
+              <a:buChar char="•"/>
+            </a:pPr>
+            <a:r>
+              <a:rPr lang="en-GB" sz="1400" dirty="0"/>
+              <a:t>Normalize the data.</a:t>
+            </a:r>
+          </a:p>
+          <a:p>
+            <a:pPr lvl="1">
+              <a:buFont typeface="Arial" panose="020B0604020202020204" pitchFamily="34" charset="0"/>
+              <a:buChar char="•"/>
+            </a:pPr>
+            <a:r>
+              <a:rPr lang="en-GB" sz="1400" dirty="0"/>
+              <a:t>Convert the data into sequences.</a:t>
+            </a:r>
+          </a:p>
+          <a:p>
+            <a:pPr lvl="1">
+              <a:buFont typeface="Arial" panose="020B0604020202020204" pitchFamily="34" charset="0"/>
+              <a:buChar char="•"/>
+            </a:pPr>
+            <a:r>
+              <a:rPr lang="en-GB" sz="1400" dirty="0"/>
+              <a:t>Train the LSTM model on these sequences.</a:t>
+            </a:r>
+          </a:p>
+          <a:p>
+            <a:pPr>
+              <a:buFont typeface="Arial" panose="020B0604020202020204" pitchFamily="34" charset="0"/>
+              <a:buChar char="•"/>
+            </a:pPr>
+            <a:r>
+              <a:rPr lang="en-GB" sz="1600" b="1" dirty="0"/>
+              <a:t>ARIMA:</a:t>
+            </a:r>
+            <a:endParaRPr lang="en-GB" sz="1600" dirty="0"/>
+          </a:p>
+          <a:p>
+            <a:pPr marL="742950" lvl="1" indent="-285750">
+              <a:buFont typeface="Arial" panose="020B0604020202020204" pitchFamily="34" charset="0"/>
+              <a:buChar char="•"/>
+            </a:pPr>
+            <a:r>
+              <a:rPr lang="en-GB" sz="1600" dirty="0"/>
+              <a:t>Use raw time series data.</a:t>
+            </a:r>
+          </a:p>
+          <a:p>
+            <a:pPr marL="742950" lvl="1" indent="-285750">
+              <a:buFont typeface="Arial" panose="020B0604020202020204" pitchFamily="34" charset="0"/>
+              <a:buChar char="•"/>
+            </a:pPr>
+            <a:r>
+              <a:rPr lang="en-GB" sz="1600" dirty="0"/>
+              <a:t>Train the ARIMA model directly on the raw data.</a:t>
             </a:r>
           </a:p>
           <a:p>
@@ -15897,20 +16440,8 @@
               <a:buChar char="•"/>
             </a:pPr>
             <a:r>
-              <a:rPr lang="en-GB" sz="2000" b="1" dirty="0">
-                <a:solidFill>
-                  <a:schemeClr val="tx1"/>
-                </a:solidFill>
-              </a:rPr>
-              <a:t>ARIMA:</a:t>
-            </a:r>
-            <a:r>
-              <a:rPr lang="en-GB" sz="2000" dirty="0">
-                <a:solidFill>
-                  <a:schemeClr val="tx1"/>
-                </a:solidFill>
-              </a:rPr>
-              <a:t> Use techniques like stationarity checks, order selection (p, d, q), and model fitting using tools like statsmodels or auto.arima in Python.</a:t>
+              <a:rPr lang="en-GB" sz="1600" b="1" dirty="0"/>
+              <a:t>Prediction:</a:t>
             </a:r>
           </a:p>
           <a:p>
@@ -15922,88 +16453,9 @@
               <a:buChar char="•"/>
             </a:pPr>
             <a:r>
-              <a:rPr lang="en-GB" sz="2000" b="1" dirty="0">
-                <a:solidFill>
-                  <a:schemeClr val="tx1"/>
-                </a:solidFill>
-              </a:rPr>
-              <a:t>LSTM:</a:t>
-            </a:r>
-            <a:r>
-              <a:rPr lang="en-GB" sz="2000" dirty="0">
-                <a:solidFill>
-                  <a:schemeClr val="tx1"/>
-                </a:solidFill>
-              </a:rPr>
-              <a:t> Build and train an LSTM network using libraries like Keras . Experiment with hyperparameters like number of layers, neurons, and learning rate on the validation set.</a:t>
-            </a:r>
-          </a:p>
-          <a:p>
-            <a:pPr>
-              <a:lnSpc>
-                <a:spcPct val="90000"/>
-              </a:lnSpc>
-            </a:pPr>
-            <a:r>
-              <a:rPr lang="en-GB" sz="2000" b="1" dirty="0">
-                <a:solidFill>
-                  <a:schemeClr val="tx1"/>
-                </a:solidFill>
-              </a:rPr>
-              <a:t>Evaluate on the testing set:</a:t>
-            </a:r>
-            <a:r>
-              <a:rPr lang="en-GB" sz="2000" dirty="0">
-                <a:solidFill>
-                  <a:schemeClr val="tx1"/>
-                </a:solidFill>
-              </a:rPr>
-              <a:t> Make predictions for the next X days using the trained models on the unseen testing data. Calculate the chosen error and accuracy metrics for each model.</a:t>
-            </a:r>
-          </a:p>
-          <a:p>
-            <a:pPr>
-              <a:lnSpc>
-                <a:spcPct val="90000"/>
-              </a:lnSpc>
-            </a:pPr>
-            <a:r>
-              <a:rPr lang="en-GB" sz="2000" b="1" dirty="0">
-                <a:solidFill>
-                  <a:schemeClr val="tx1"/>
-                </a:solidFill>
-              </a:rPr>
-              <a:t>Compare performance:</a:t>
-            </a:r>
-            <a:r>
-              <a:rPr lang="en-GB" sz="2000" dirty="0">
-                <a:solidFill>
-                  <a:schemeClr val="tx1"/>
-                </a:solidFill>
-              </a:rPr>
-              <a:t> Analyze the calculated metrics. Lower error and higher accuracy values indicate better forecasting performance.</a:t>
-            </a:r>
-          </a:p>
-          <a:p>
-            <a:pPr>
-              <a:lnSpc>
-                <a:spcPct val="90000"/>
-              </a:lnSpc>
-              <a:buFont typeface="Arial" panose="020B0604020202020204" pitchFamily="34" charset="0"/>
-              <a:buChar char="•"/>
-            </a:pPr>
-            <a:endParaRPr lang="en-GB" sz="2000" dirty="0">
-              <a:solidFill>
-                <a:schemeClr val="tx1"/>
-              </a:solidFill>
-            </a:endParaRPr>
-          </a:p>
-          <a:p>
-            <a:pPr>
-              <a:lnSpc>
-                <a:spcPct val="90000"/>
-              </a:lnSpc>
-            </a:pPr>
+              <a:rPr lang="en-GB" sz="1600" dirty="0"/>
+              <a:t> </a:t>
+            </a:r>
             <a:endParaRPr lang="en-AT" sz="1100" dirty="0">
               <a:solidFill>
                 <a:schemeClr val="tx1"/>
@@ -16129,8 +16581,8 @@
         </p:blipFill>
         <p:spPr>
           <a:xfrm>
-            <a:off x="6965367" y="1331148"/>
-            <a:ext cx="4379252" cy="3994448"/>
+            <a:off x="6705599" y="1814468"/>
+            <a:ext cx="3540135" cy="3229064"/>
           </a:xfrm>
           <a:prstGeom prst="rect">
             <a:avLst/>
@@ -16177,7 +16629,7 @@
                   <a:spcPts val="600"/>
                 </a:spcAft>
               </a:pPr>
-              <a:t>Monday, July 22, 2024</a:t>
+              <a:t>Wednesday, July 24, 2024</a:t>
             </a:fld>
             <a:endParaRPr lang="en-US"/>
           </a:p>
@@ -16342,7 +16794,7 @@
 </p:sld>
 </file>
 
-<file path=ppt/slides/slide14.xml><?xml version="1.0" encoding="utf-8"?>
+<file path=ppt/slides/slide16.xml><?xml version="1.0" encoding="utf-8"?>
 <p:sld xmlns:a="http://schemas.openxmlformats.org/drawingml/2006/main" xmlns:r="http://schemas.openxmlformats.org/officeDocument/2006/relationships" xmlns:p="http://schemas.openxmlformats.org/presentationml/2006/main">
   <p:cSld>
     <p:spTree>
@@ -16382,13 +16834,15 @@
           </a:xfrm>
         </p:spPr>
         <p:txBody>
-          <a:bodyPr/>
+          <a:bodyPr>
+            <a:normAutofit/>
+          </a:bodyPr>
           <a:lstStyle/>
           <a:p>
             <a:pPr algn="ctr"/>
             <a:r>
-              <a:rPr lang="en-AT" dirty="0"/>
-              <a:t>Evaluation Metrics</a:t>
+              <a:rPr lang="en-AT" sz="4000" dirty="0"/>
+              <a:t>Model Evaluation</a:t>
             </a:r>
           </a:p>
         </p:txBody>
@@ -16412,12 +16866,12 @@
         <p:spPr>
           <a:xfrm>
             <a:off x="1515035" y="1828800"/>
-            <a:ext cx="6165926" cy="4023360"/>
+            <a:ext cx="5511407" cy="4023360"/>
           </a:xfrm>
         </p:spPr>
         <p:txBody>
           <a:bodyPr>
-            <a:normAutofit fontScale="85000" lnSpcReduction="10000"/>
+            <a:normAutofit/>
           </a:bodyPr>
           <a:lstStyle/>
           <a:p>
@@ -16429,68 +16883,40 @@
           </a:p>
           <a:p>
             <a:pPr>
-              <a:buFont typeface="Arial" panose="020B0604020202020204" pitchFamily="34" charset="0"/>
-              <a:buChar char="•"/>
+              <a:buFont typeface="+mj-lt"/>
+              <a:buAutoNum type="arabicPeriod"/>
             </a:pPr>
             <a:r>
+              <a:rPr lang="en-GB" sz="1800" b="1" dirty="0"/>
+              <a:t>RMSE, MAE, MAPE</a:t>
+            </a:r>
+            <a:r>
               <a:rPr lang="en-GB" sz="1800" dirty="0"/>
-              <a:t>Data is evaluated both visually and using using evaluation Metrics</a:t>
+              <a:t>: Compare these metrics for both ARIMA and LSTM models. </a:t>
             </a:r>
           </a:p>
           <a:p>
             <a:pPr>
-              <a:buFont typeface="Arial" panose="020B0604020202020204" pitchFamily="34" charset="0"/>
-              <a:buChar char="•"/>
+              <a:buFont typeface="+mj-lt"/>
+              <a:buAutoNum type="arabicPeriod"/>
             </a:pPr>
             <a:r>
+              <a:rPr lang="en-GB" sz="1800" dirty="0"/>
+              <a:t>Lower values indicate better performance.</a:t>
+            </a:r>
+          </a:p>
+          <a:p>
+            <a:pPr>
+              <a:buFont typeface="+mj-lt"/>
+              <a:buAutoNum type="arabicPeriod"/>
+            </a:pPr>
+            <a:r>
               <a:rPr lang="en-GB" sz="1800" b="1" dirty="0"/>
-              <a:t>Error metrics: Mean Squared Error (MSE):</a:t>
+              <a:t>Visual Inspection</a:t>
             </a:r>
             <a:r>
               <a:rPr lang="en-GB" sz="1800" dirty="0"/>
-              <a:t> Measures the average squared difference between predicted and actual values. Lower MSE indicates better fit.</a:t>
-            </a:r>
-          </a:p>
-          <a:p>
-            <a:pPr>
-              <a:buFont typeface="Arial" panose="020B0604020202020204" pitchFamily="34" charset="0"/>
-              <a:buChar char="•"/>
-            </a:pPr>
-            <a:r>
-              <a:rPr lang="en-GB" sz="1800" b="1" dirty="0"/>
-              <a:t>Root Mean Squared Error (RMSE):</a:t>
-            </a:r>
-            <a:r>
-              <a:rPr lang="en-GB" sz="1800" dirty="0"/>
-              <a:t> Square root of MSE, expressed in the same units as the data. Easier to interpret the error magnitude.</a:t>
-            </a:r>
-          </a:p>
-          <a:p>
-            <a:pPr>
-              <a:buFont typeface="Arial" panose="020B0604020202020204" pitchFamily="34" charset="0"/>
-              <a:buChar char="•"/>
-            </a:pPr>
-            <a:r>
-              <a:rPr lang="en-GB" sz="1800" b="1" dirty="0"/>
-              <a:t>Mean Absolute Error (MAE):</a:t>
-            </a:r>
-            <a:r>
-              <a:rPr lang="en-GB" sz="1800" dirty="0"/>
-              <a:t> Average absolute difference between predicted and actual values. Less sensitive to outliers compared to MSE.</a:t>
-            </a:r>
-          </a:p>
-          <a:p>
-            <a:pPr>
-              <a:buFont typeface="Arial" panose="020B0604020202020204" pitchFamily="34" charset="0"/>
-              <a:buChar char="•"/>
-            </a:pPr>
-            <a:r>
-              <a:rPr lang="en-GB" sz="1800" b="1" dirty="0"/>
-              <a:t>Accuracy metrics: Mean Absolute Percentage Error (MAPE):</a:t>
-            </a:r>
-            <a:r>
-              <a:rPr lang="en-GB" sz="1800" dirty="0"/>
-              <a:t> Average absolute percentage difference between predicted and actual values. Useful for comparing models with data containing large variations.</a:t>
+              <a:t>: Plot the actual vs. predicted values for both models to visually inspect how well each model is capturing the trends and patterns.</a:t>
             </a:r>
           </a:p>
           <a:p>
@@ -16521,7 +16947,7 @@
           <a:p>
             <a:fld id="{57997BA6-BEF8-495F-ACCD-8D19769E4FC6}" type="datetime2">
               <a:rPr lang="en-US" smtClean="0"/>
-              <a:t>Monday, July 22, 2024</a:t>
+              <a:t>Wednesday, July 24, 2024</a:t>
             </a:fld>
             <a:endParaRPr lang="en-US" dirty="0"/>
           </a:p>
@@ -16579,7 +17005,7 @@
           <a:p>
             <a:fld id="{7BE69E03-4804-4553-A1EC-F089884EF50F}" type="slidenum">
               <a:rPr lang="en-US" smtClean="0"/>
-              <a:t>14</a:t>
+              <a:t>16</a:t>
             </a:fld>
             <a:endParaRPr lang="en-US"/>
           </a:p>
@@ -16607,7 +17033,7 @@
         </p:blipFill>
         <p:spPr>
           <a:xfrm>
-            <a:off x="8302752" y="2077914"/>
+            <a:off x="7026442" y="2056448"/>
             <a:ext cx="3229199" cy="3116830"/>
           </a:xfrm>
           <a:prstGeom prst="rect">
@@ -16628,7 +17054,7 @@
 </p:sld>
 </file>
 
-<file path=ppt/slides/slide15.xml><?xml version="1.0" encoding="utf-8"?>
+<file path=ppt/slides/slide17.xml><?xml version="1.0" encoding="utf-8"?>
 <p:sld xmlns:a="http://schemas.openxmlformats.org/drawingml/2006/main" xmlns:r="http://schemas.openxmlformats.org/officeDocument/2006/relationships" xmlns:p="http://schemas.openxmlformats.org/presentationml/2006/main">
   <p:cSld>
     <p:spTree>
@@ -16700,8 +17126,23 @@
           <a:p>
             <a:r>
               <a:rPr lang="en-GB" dirty="0"/>
-              <a:t>The ARIMA model appears to have performed better at predicting the sales quantity of the item compared to SARIMA and LSTM.</a:t>
-            </a:r>
+              <a:t>The ARIMA model performed better at predicting the sales quantity of the item compared to LSTM as the data is linear and has a strong negative trend.</a:t>
+            </a:r>
+          </a:p>
+          <a:p>
+            <a:r>
+              <a:rPr lang="en-GB" b="0" i="0" dirty="0">
+                <a:effectLst/>
+                <a:highlight>
+                  <a:srgbClr val="FFFFFF"/>
+                </a:highlight>
+                <a:latin typeface="var(--jp-content-font-family)"/>
+              </a:rPr>
+              <a:t>The forecast may only be accurate for a short period of time. This is because future sales can be influenced by many factors that are difficult to predict, such as changes in the economy, consumer preferences, and competitor activity.</a:t>
+            </a:r>
+          </a:p>
+          <a:p>
+            <a:endParaRPr lang="en-GB" dirty="0"/>
           </a:p>
           <a:p>
             <a:endParaRPr lang="en-AT" dirty="0"/>
@@ -16731,7 +17172,7 @@
           <a:p>
             <a:fld id="{003E0E29-2C79-4A2A-B61C-A21B8362A50A}" type="datetime2">
               <a:rPr lang="en-US" smtClean="0"/>
-              <a:t>Monday, July 22, 2024</a:t>
+              <a:t>Wednesday, July 24, 2024</a:t>
             </a:fld>
             <a:endParaRPr lang="en-US"/>
           </a:p>
@@ -16788,7 +17229,7 @@
           <a:p>
             <a:fld id="{7BE69E03-4804-4553-A1EC-F089884EF50F}" type="slidenum">
               <a:rPr lang="en-US" smtClean="0"/>
-              <a:t>15</a:t>
+              <a:t>17</a:t>
             </a:fld>
             <a:endParaRPr lang="en-US"/>
           </a:p>
@@ -16856,7 +17297,7 @@
 </p:sld>
 </file>
 
-<file path=ppt/slides/slide16.xml><?xml version="1.0" encoding="utf-8"?>
+<file path=ppt/slides/slide18.xml><?xml version="1.0" encoding="utf-8"?>
 <p:sld xmlns:a="http://schemas.openxmlformats.org/drawingml/2006/main" xmlns:r="http://schemas.openxmlformats.org/officeDocument/2006/relationships" xmlns:p="http://schemas.openxmlformats.org/presentationml/2006/main">
   <p:cSld>
     <p:spTree>
@@ -16878,281 +17319,6 @@
           <p:cNvPr id="2" name="Title 1">
             <a:extLst>
               <a:ext uri="{FF2B5EF4-FFF2-40B4-BE49-F238E27FC236}">
-                <a16:creationId xmlns:a16="http://schemas.microsoft.com/office/drawing/2014/main" id="{B0198481-8754-D83D-85CC-1F99442F3A7B}"/>
-              </a:ext>
-            </a:extLst>
-          </p:cNvPr>
-          <p:cNvSpPr>
-            <a:spLocks noGrp="1"/>
-          </p:cNvSpPr>
-          <p:nvPr>
-            <p:ph type="title"/>
-          </p:nvPr>
-        </p:nvSpPr>
-        <p:spPr>
-          <a:xfrm>
-            <a:off x="1608082" y="667512"/>
-            <a:ext cx="9328141" cy="1023176"/>
-          </a:xfrm>
-        </p:spPr>
-        <p:txBody>
-          <a:bodyPr/>
-          <a:lstStyle/>
-          <a:p>
-            <a:pPr algn="ctr"/>
-            <a:r>
-              <a:rPr lang="en-GB"/>
-              <a:t>Conclusion</a:t>
-            </a:r>
-            <a:endParaRPr lang="en-AT" dirty="0"/>
-          </a:p>
-        </p:txBody>
-      </p:sp>
-      <p:sp>
-        <p:nvSpPr>
-          <p:cNvPr id="3" name="Content Placeholder 2">
-            <a:extLst>
-              <a:ext uri="{FF2B5EF4-FFF2-40B4-BE49-F238E27FC236}">
-                <a16:creationId xmlns:a16="http://schemas.microsoft.com/office/drawing/2014/main" id="{BAB325DF-1EAD-E25E-9812-4A94161C9DCC}"/>
-              </a:ext>
-            </a:extLst>
-          </p:cNvPr>
-          <p:cNvSpPr>
-            <a:spLocks noGrp="1"/>
-          </p:cNvSpPr>
-          <p:nvPr>
-            <p:ph idx="1"/>
-          </p:nvPr>
-        </p:nvSpPr>
-        <p:spPr>
-          <a:xfrm>
-            <a:off x="1460938" y="1860331"/>
-            <a:ext cx="9475286" cy="4171677"/>
-          </a:xfrm>
-        </p:spPr>
-        <p:txBody>
-          <a:bodyPr>
-            <a:normAutofit fontScale="77500" lnSpcReduction="20000"/>
-          </a:bodyPr>
-          <a:lstStyle/>
-          <a:p>
-            <a:pPr algn="l"/>
-            <a:r>
-              <a:rPr lang="en-GB" b="1" i="0">
-                <a:effectLst/>
-                <a:highlight>
-                  <a:srgbClr val="FFFFFF"/>
-                </a:highlight>
-                <a:latin typeface="var(--jp-content-font-family)"/>
-              </a:rPr>
-              <a:t>Interpretation of Results</a:t>
-            </a:r>
-          </a:p>
-          <a:p>
-            <a:pPr algn="l"/>
-            <a:r>
-              <a:rPr lang="en-GB" b="0" i="0">
-                <a:effectLst/>
-                <a:highlight>
-                  <a:srgbClr val="FFFFFF"/>
-                </a:highlight>
-                <a:latin typeface="var(--jp-content-font-family)"/>
-              </a:rPr>
-              <a:t>Based on the above analysis the ARIMA model performed best in predicting future sales. </a:t>
-            </a:r>
-          </a:p>
-          <a:p>
-            <a:pPr algn="l"/>
-            <a:r>
-              <a:rPr lang="en-GB" b="0" i="0">
-                <a:effectLst/>
-                <a:highlight>
-                  <a:srgbClr val="FFFFFF"/>
-                </a:highlight>
-                <a:latin typeface="var(--jp-content-font-family)"/>
-              </a:rPr>
-              <a:t>Here are some of the limitations to consider when interpreting forecast graphs like this one:</a:t>
-            </a:r>
-          </a:p>
-          <a:p>
-            <a:pPr algn="l"/>
-            <a:r>
-              <a:rPr lang="en-GB" b="0" i="0">
-                <a:effectLst/>
-                <a:highlight>
-                  <a:srgbClr val="FFFFFF"/>
-                </a:highlight>
-                <a:latin typeface="var(--jp-content-font-family)"/>
-              </a:rPr>
-              <a:t>The forecast may only be accurate for a short period of time. This is because future sales can be influenced by many factors that are difficult to predict, such as changes in the economy, consumer preferences, and competitor activity.</a:t>
-            </a:r>
-          </a:p>
-          <a:p>
-            <a:pPr algn="l"/>
-            <a:r>
-              <a:rPr lang="en-GB" b="0" i="0">
-                <a:effectLst/>
-                <a:highlight>
-                  <a:srgbClr val="FFFFFF"/>
-                </a:highlight>
-                <a:latin typeface="var(--jp-content-font-family)"/>
-              </a:rPr>
-              <a:t>The graph may not show the confidence interval around the forecast. The confidence interval is a range of values that are likely to contain the actual future sales. A wider confidence interval indicates that the forecast is more uncertain.</a:t>
-            </a:r>
-          </a:p>
-          <a:p>
-            <a:pPr algn="l"/>
-            <a:r>
-              <a:rPr lang="en-GB" b="0" i="0">
-                <a:effectLst/>
-                <a:highlight>
-                  <a:srgbClr val="FFFFFF"/>
-                </a:highlight>
-                <a:latin typeface="var(--jp-content-font-family)"/>
-              </a:rPr>
-              <a:t>It is important to consider these limitations when using sales forecasts for decision-making.</a:t>
-            </a:r>
-          </a:p>
-          <a:p>
-            <a:pPr algn="l"/>
-            <a:r>
-              <a:rPr lang="en-GB" b="0" i="0">
-                <a:effectLst/>
-                <a:highlight>
-                  <a:srgbClr val="FFFFFF"/>
-                </a:highlight>
-                <a:latin typeface="var(--jp-content-font-family)"/>
-              </a:rPr>
-              <a:t>Forecasts can be a valuable tool, but they should not be used as the only source of information.</a:t>
-            </a:r>
-          </a:p>
-          <a:p>
-            <a:endParaRPr lang="en-AT" dirty="0"/>
-          </a:p>
-        </p:txBody>
-      </p:sp>
-      <p:sp>
-        <p:nvSpPr>
-          <p:cNvPr id="4" name="Date Placeholder 3">
-            <a:extLst>
-              <a:ext uri="{FF2B5EF4-FFF2-40B4-BE49-F238E27FC236}">
-                <a16:creationId xmlns:a16="http://schemas.microsoft.com/office/drawing/2014/main" id="{BFB2DA9A-F490-065D-957C-1867080553A3}"/>
-              </a:ext>
-            </a:extLst>
-          </p:cNvPr>
-          <p:cNvSpPr>
-            <a:spLocks noGrp="1"/>
-          </p:cNvSpPr>
-          <p:nvPr>
-            <p:ph type="dt" sz="half" idx="10"/>
-          </p:nvPr>
-        </p:nvSpPr>
-        <p:spPr/>
-        <p:txBody>
-          <a:bodyPr/>
-          <a:lstStyle/>
-          <a:p>
-            <a:fld id="{57997BA6-BEF8-495F-ACCD-8D19769E4FC6}" type="datetime2">
-              <a:rPr lang="en-US" smtClean="0"/>
-              <a:t>Monday, July 22, 2024</a:t>
-            </a:fld>
-            <a:endParaRPr lang="en-US" dirty="0"/>
-          </a:p>
-        </p:txBody>
-      </p:sp>
-      <p:sp>
-        <p:nvSpPr>
-          <p:cNvPr id="5" name="Footer Placeholder 4">
-            <a:extLst>
-              <a:ext uri="{FF2B5EF4-FFF2-40B4-BE49-F238E27FC236}">
-                <a16:creationId xmlns:a16="http://schemas.microsoft.com/office/drawing/2014/main" id="{2C713482-695E-6DFA-AC61-E654E60FA3AC}"/>
-              </a:ext>
-            </a:extLst>
-          </p:cNvPr>
-          <p:cNvSpPr>
-            <a:spLocks noGrp="1"/>
-          </p:cNvSpPr>
-          <p:nvPr>
-            <p:ph type="ftr" sz="quarter" idx="11"/>
-          </p:nvPr>
-        </p:nvSpPr>
-        <p:spPr/>
-        <p:txBody>
-          <a:bodyPr/>
-          <a:lstStyle/>
-          <a:p>
-            <a:r>
-              <a:rPr lang="en-US"/>
-              <a:t>Sample Footer Text</a:t>
-            </a:r>
-            <a:endParaRPr lang="en-US" dirty="0"/>
-          </a:p>
-        </p:txBody>
-      </p:sp>
-      <p:sp>
-        <p:nvSpPr>
-          <p:cNvPr id="6" name="Slide Number Placeholder 5">
-            <a:extLst>
-              <a:ext uri="{FF2B5EF4-FFF2-40B4-BE49-F238E27FC236}">
-                <a16:creationId xmlns:a16="http://schemas.microsoft.com/office/drawing/2014/main" id="{69D24C12-3BB4-B365-C90D-82F1D7418AA1}"/>
-              </a:ext>
-            </a:extLst>
-          </p:cNvPr>
-          <p:cNvSpPr>
-            <a:spLocks noGrp="1"/>
-          </p:cNvSpPr>
-          <p:nvPr>
-            <p:ph type="sldNum" sz="quarter" idx="12"/>
-          </p:nvPr>
-        </p:nvSpPr>
-        <p:spPr/>
-        <p:txBody>
-          <a:bodyPr/>
-          <a:lstStyle/>
-          <a:p>
-            <a:fld id="{7BE69E03-4804-4553-A1EC-F089884EF50F}" type="slidenum">
-              <a:rPr lang="en-US" smtClean="0"/>
-              <a:t>16</a:t>
-            </a:fld>
-            <a:endParaRPr lang="en-US"/>
-          </a:p>
-        </p:txBody>
-      </p:sp>
-    </p:spTree>
-    <p:extLst>
-      <p:ext uri="{BB962C8B-B14F-4D97-AF65-F5344CB8AC3E}">
-        <p14:creationId xmlns:p14="http://schemas.microsoft.com/office/powerpoint/2010/main" val="203244991"/>
-      </p:ext>
-    </p:extLst>
-  </p:cSld>
-  <p:clrMapOvr>
-    <a:masterClrMapping/>
-  </p:clrMapOvr>
-</p:sld>
-</file>
-
-<file path=ppt/slides/slide17.xml><?xml version="1.0" encoding="utf-8"?>
-<p:sld xmlns:a="http://schemas.openxmlformats.org/drawingml/2006/main" xmlns:r="http://schemas.openxmlformats.org/officeDocument/2006/relationships" xmlns:p="http://schemas.openxmlformats.org/presentationml/2006/main">
-  <p:cSld>
-    <p:spTree>
-      <p:nvGrpSpPr>
-        <p:cNvPr id="1" name=""/>
-        <p:cNvGrpSpPr/>
-        <p:nvPr/>
-      </p:nvGrpSpPr>
-      <p:grpSpPr>
-        <a:xfrm>
-          <a:off x="0" y="0"/>
-          <a:ext cx="0" cy="0"/>
-          <a:chOff x="0" y="0"/>
-          <a:chExt cx="0" cy="0"/>
-        </a:xfrm>
-      </p:grpSpPr>
-      <p:sp>
-        <p:nvSpPr>
-          <p:cNvPr id="2" name="Title 1">
-            <a:extLst>
-              <a:ext uri="{FF2B5EF4-FFF2-40B4-BE49-F238E27FC236}">
                 <a16:creationId xmlns:a16="http://schemas.microsoft.com/office/drawing/2014/main" id="{3572540A-602F-6200-0BA1-FA40FCCA7E51}"/>
               </a:ext>
             </a:extLst>
@@ -17287,7 +17453,7 @@
                 </a:highlight>
                 <a:latin typeface="var(--jp-content-font-family)"/>
               </a:rPr>
-              <a:t>Hyperparameter tuning: Experiment with different hyperparameter values for each model. This can involve adjusting the number of lags in ARIMA/SARIMA or the network architecture in LSTM. </a:t>
+              <a:t>Hyperparameter tuning: Experiment with different hyperparameter values for each model. This can involve adjusting the number of lags in ARIMA or the network architecture in LSTM. </a:t>
             </a:r>
           </a:p>
           <a:p>
@@ -17378,7 +17544,7 @@
           <a:p>
             <a:fld id="{57997BA6-BEF8-495F-ACCD-8D19769E4FC6}" type="datetime2">
               <a:rPr lang="en-US" smtClean="0"/>
-              <a:t>Monday, July 22, 2024</a:t>
+              <a:t>Wednesday, July 24, 2024</a:t>
             </a:fld>
             <a:endParaRPr lang="en-US" dirty="0"/>
           </a:p>
@@ -17436,7 +17602,7 @@
           <a:p>
             <a:fld id="{7BE69E03-4804-4553-A1EC-F089884EF50F}" type="slidenum">
               <a:rPr lang="en-US" smtClean="0"/>
-              <a:t>17</a:t>
+              <a:t>18</a:t>
             </a:fld>
             <a:endParaRPr lang="en-US"/>
           </a:p>
@@ -17476,6 +17642,158 @@
     <p:extLst>
       <p:ext uri="{BB962C8B-B14F-4D97-AF65-F5344CB8AC3E}">
         <p14:creationId xmlns:p14="http://schemas.microsoft.com/office/powerpoint/2010/main" val="1088919387"/>
+      </p:ext>
+    </p:extLst>
+  </p:cSld>
+  <p:clrMapOvr>
+    <a:masterClrMapping/>
+  </p:clrMapOvr>
+</p:sld>
+</file>
+
+<file path=ppt/slides/slide19.xml><?xml version="1.0" encoding="utf-8"?>
+<p:sld xmlns:a="http://schemas.openxmlformats.org/drawingml/2006/main" xmlns:r="http://schemas.openxmlformats.org/officeDocument/2006/relationships" xmlns:p="http://schemas.openxmlformats.org/presentationml/2006/main">
+  <p:cSld>
+    <p:spTree>
+      <p:nvGrpSpPr>
+        <p:cNvPr id="1" name=""/>
+        <p:cNvGrpSpPr/>
+        <p:nvPr/>
+      </p:nvGrpSpPr>
+      <p:grpSpPr>
+        <a:xfrm>
+          <a:off x="0" y="0"/>
+          <a:ext cx="0" cy="0"/>
+          <a:chOff x="0" y="0"/>
+          <a:chExt cx="0" cy="0"/>
+        </a:xfrm>
+      </p:grpSpPr>
+      <p:sp>
+        <p:nvSpPr>
+          <p:cNvPr id="2" name="Date Placeholder 1">
+            <a:extLst>
+              <a:ext uri="{FF2B5EF4-FFF2-40B4-BE49-F238E27FC236}">
+                <a16:creationId xmlns:a16="http://schemas.microsoft.com/office/drawing/2014/main" id="{8F436E50-ADFD-C142-9BD1-A4B5843D3D10}"/>
+              </a:ext>
+            </a:extLst>
+          </p:cNvPr>
+          <p:cNvSpPr>
+            <a:spLocks noGrp="1"/>
+          </p:cNvSpPr>
+          <p:nvPr>
+            <p:ph type="dt" sz="half" idx="10"/>
+          </p:nvPr>
+        </p:nvSpPr>
+        <p:spPr/>
+        <p:txBody>
+          <a:bodyPr/>
+          <a:lstStyle/>
+          <a:p>
+            <a:fld id="{4EE98B79-F222-4FD1-8713-07459E1B5004}" type="datetime2">
+              <a:rPr lang="en-US" smtClean="0"/>
+              <a:t>Thursday, July 25, 2024</a:t>
+            </a:fld>
+            <a:endParaRPr lang="en-US"/>
+          </a:p>
+        </p:txBody>
+      </p:sp>
+      <p:sp>
+        <p:nvSpPr>
+          <p:cNvPr id="3" name="Footer Placeholder 2">
+            <a:extLst>
+              <a:ext uri="{FF2B5EF4-FFF2-40B4-BE49-F238E27FC236}">
+                <a16:creationId xmlns:a16="http://schemas.microsoft.com/office/drawing/2014/main" id="{DD84C379-38A4-88ED-3730-1F9145E99A79}"/>
+              </a:ext>
+            </a:extLst>
+          </p:cNvPr>
+          <p:cNvSpPr>
+            <a:spLocks noGrp="1"/>
+          </p:cNvSpPr>
+          <p:nvPr>
+            <p:ph type="ftr" sz="quarter" idx="11"/>
+          </p:nvPr>
+        </p:nvSpPr>
+        <p:spPr/>
+        <p:txBody>
+          <a:bodyPr/>
+          <a:lstStyle/>
+          <a:p>
+            <a:r>
+              <a:rPr lang="en-US"/>
+              <a:t>Sample Footer Text</a:t>
+            </a:r>
+          </a:p>
+        </p:txBody>
+      </p:sp>
+      <p:sp>
+        <p:nvSpPr>
+          <p:cNvPr id="4" name="Slide Number Placeholder 3">
+            <a:extLst>
+              <a:ext uri="{FF2B5EF4-FFF2-40B4-BE49-F238E27FC236}">
+                <a16:creationId xmlns:a16="http://schemas.microsoft.com/office/drawing/2014/main" id="{87480531-B50A-DD83-6F21-116F7280339D}"/>
+              </a:ext>
+            </a:extLst>
+          </p:cNvPr>
+          <p:cNvSpPr>
+            <a:spLocks noGrp="1"/>
+          </p:cNvSpPr>
+          <p:nvPr>
+            <p:ph type="sldNum" sz="quarter" idx="12"/>
+          </p:nvPr>
+        </p:nvSpPr>
+        <p:spPr/>
+        <p:txBody>
+          <a:bodyPr/>
+          <a:lstStyle/>
+          <a:p>
+            <a:fld id="{7BE69E03-4804-4553-A1EC-F089884EF50F}" type="slidenum">
+              <a:rPr lang="en-US" smtClean="0"/>
+              <a:t>19</a:t>
+            </a:fld>
+            <a:endParaRPr lang="en-US"/>
+          </a:p>
+        </p:txBody>
+      </p:sp>
+      <p:sp>
+        <p:nvSpPr>
+          <p:cNvPr id="5" name="TextBox 4">
+            <a:extLst>
+              <a:ext uri="{FF2B5EF4-FFF2-40B4-BE49-F238E27FC236}">
+                <a16:creationId xmlns:a16="http://schemas.microsoft.com/office/drawing/2014/main" id="{21410553-D964-E913-4014-5FFCDB56837F}"/>
+              </a:ext>
+            </a:extLst>
+          </p:cNvPr>
+          <p:cNvSpPr txBox="1"/>
+          <p:nvPr/>
+        </p:nvSpPr>
+        <p:spPr>
+          <a:xfrm>
+            <a:off x="2310062" y="3244334"/>
+            <a:ext cx="6063916" cy="707886"/>
+          </a:xfrm>
+          <a:prstGeom prst="rect">
+            <a:avLst/>
+          </a:prstGeom>
+          <a:noFill/>
+        </p:spPr>
+        <p:txBody>
+          <a:bodyPr wrap="square" rtlCol="0">
+            <a:spAutoFit/>
+          </a:bodyPr>
+          <a:lstStyle/>
+          <a:p>
+            <a:pPr algn="ctr"/>
+            <a:r>
+              <a:rPr lang="en-AT" sz="4000" dirty="0"/>
+              <a:t>Thank you!</a:t>
+            </a:r>
+          </a:p>
+        </p:txBody>
+      </p:sp>
+    </p:spTree>
+    <p:extLst>
+      <p:ext uri="{BB962C8B-B14F-4D97-AF65-F5344CB8AC3E}">
+        <p14:creationId xmlns:p14="http://schemas.microsoft.com/office/powerpoint/2010/main" val="1210642224"/>
       </p:ext>
     </p:extLst>
   </p:cSld>
@@ -17929,7 +18247,7 @@
                   <a:spcPts val="600"/>
                 </a:spcAft>
               </a:pPr>
-              <a:t>Monday, July 22, 2024</a:t>
+              <a:t>Wednesday, July 24, 2024</a:t>
             </a:fld>
             <a:endParaRPr lang="en-US"/>
           </a:p>
@@ -18576,7 +18894,7 @@
                   <a:spcPts val="600"/>
                 </a:spcAft>
               </a:pPr>
-              <a:t>Monday, July 22, 2024</a:t>
+              <a:t>Wednesday, July 24, 2024</a:t>
             </a:fld>
             <a:endParaRPr lang="en-US"/>
           </a:p>
@@ -19216,7 +19534,7 @@
                   <a:spcPts val="600"/>
                 </a:spcAft>
               </a:pPr>
-              <a:t>Monday, July 22, 2024</a:t>
+              <a:t>Wednesday, July 24, 2024</a:t>
             </a:fld>
             <a:endParaRPr lang="en-US"/>
           </a:p>
@@ -19600,7 +19918,7 @@
           <a:p>
             <a:fld id="{57997BA6-BEF8-495F-ACCD-8D19769E4FC6}" type="datetime2">
               <a:rPr lang="en-US" smtClean="0"/>
-              <a:t>Monday, July 22, 2024</a:t>
+              <a:t>Wednesday, July 24, 2024</a:t>
             </a:fld>
             <a:endParaRPr lang="en-US" dirty="0"/>
           </a:p>
@@ -19952,52 +20270,6 @@
               <a:buChar char="•"/>
             </a:pPr>
             <a:r>
-              <a:rPr lang="en-GB" sz="1100" b="1" i="0" dirty="0">
-                <a:solidFill>
-                  <a:srgbClr val="616161"/>
-                </a:solidFill>
-                <a:cs typeface="Arial" panose="020B0604020202020204" pitchFamily="34" charset="0"/>
-              </a:rPr>
-              <a:t>Correlation Analysis</a:t>
-            </a:r>
-            <a:r>
-              <a:rPr lang="en-GB" sz="1100" b="0" i="0" dirty="0">
-                <a:solidFill>
-                  <a:srgbClr val="616161"/>
-                </a:solidFill>
-                <a:cs typeface="Arial" panose="020B0604020202020204" pitchFamily="34" charset="0"/>
-              </a:rPr>
-              <a:t>: To identify the relationship between features and also which features are strongly correlated to the </a:t>
-            </a:r>
-            <a:r>
-              <a:rPr lang="en-GB" sz="1100" dirty="0">
-                <a:solidFill>
-                  <a:srgbClr val="616161"/>
-                </a:solidFill>
-                <a:cs typeface="Arial" panose="020B0604020202020204" pitchFamily="34" charset="0"/>
-              </a:rPr>
-              <a:t>s</a:t>
-            </a:r>
-            <a:r>
-              <a:rPr lang="en-GB" sz="1100" b="0" i="0" dirty="0">
-                <a:solidFill>
-                  <a:srgbClr val="616161"/>
-                </a:solidFill>
-                <a:cs typeface="Arial" panose="020B0604020202020204" pitchFamily="34" charset="0"/>
-              </a:rPr>
-              <a:t>ales quantity.</a:t>
-            </a:r>
-          </a:p>
-          <a:p>
-            <a:pPr marL="228600" lvl="1" indent="-91440">
-              <a:spcBef>
-                <a:spcPts val="1200"/>
-              </a:spcBef>
-              <a:buSzPct val="100000"/>
-              <a:buFont typeface="Arial"/>
-              <a:buChar char="•"/>
-            </a:pPr>
-            <a:r>
               <a:rPr lang="en-GB" sz="1100" b="1" dirty="0">
                 <a:solidFill>
                   <a:srgbClr val="616161"/>
@@ -20124,7 +20396,7 @@
           <a:p>
             <a:fld id="{57997BA6-BEF8-495F-ACCD-8D19769E4FC6}" type="datetime2">
               <a:rPr lang="en-US" smtClean="0"/>
-              <a:t>Monday, July 22, 2024</a:t>
+              <a:t>Wednesday, July 24, 2024</a:t>
             </a:fld>
             <a:endParaRPr lang="en-US" dirty="0"/>
           </a:p>
@@ -20285,6 +20557,264 @@
           <p:cNvPr id="2" name="Title 1">
             <a:extLst>
               <a:ext uri="{FF2B5EF4-FFF2-40B4-BE49-F238E27FC236}">
+                <a16:creationId xmlns:a16="http://schemas.microsoft.com/office/drawing/2014/main" id="{5AB1DD3C-22CB-6D83-4B99-F091D90AC09F}"/>
+              </a:ext>
+            </a:extLst>
+          </p:cNvPr>
+          <p:cNvSpPr>
+            <a:spLocks noGrp="1"/>
+          </p:cNvSpPr>
+          <p:nvPr>
+            <p:ph type="title"/>
+          </p:nvPr>
+        </p:nvSpPr>
+        <p:spPr>
+          <a:xfrm>
+            <a:off x="767254" y="825993"/>
+            <a:ext cx="10168969" cy="864695"/>
+          </a:xfrm>
+        </p:spPr>
+        <p:txBody>
+          <a:bodyPr/>
+          <a:lstStyle/>
+          <a:p>
+            <a:pPr algn="ctr"/>
+            <a:r>
+              <a:rPr lang="en-AT" dirty="0"/>
+              <a:t>Distribution of Quantity</a:t>
+            </a:r>
+          </a:p>
+        </p:txBody>
+      </p:sp>
+      <p:sp>
+        <p:nvSpPr>
+          <p:cNvPr id="3" name="Content Placeholder 2">
+            <a:extLst>
+              <a:ext uri="{FF2B5EF4-FFF2-40B4-BE49-F238E27FC236}">
+                <a16:creationId xmlns:a16="http://schemas.microsoft.com/office/drawing/2014/main" id="{436B3414-0BE7-C5F8-30D3-D848CD37E71F}"/>
+              </a:ext>
+            </a:extLst>
+          </p:cNvPr>
+          <p:cNvSpPr>
+            <a:spLocks noGrp="1"/>
+          </p:cNvSpPr>
+          <p:nvPr>
+            <p:ph sz="half" idx="1"/>
+          </p:nvPr>
+        </p:nvSpPr>
+        <p:spPr/>
+        <p:txBody>
+          <a:bodyPr/>
+          <a:lstStyle/>
+          <a:p>
+            <a:r>
+              <a:rPr lang="en-GB" b="0" i="0" dirty="0">
+                <a:effectLst/>
+                <a:highlight>
+                  <a:srgbClr val="FFFFFF"/>
+                </a:highlight>
+                <a:latin typeface="system-ui"/>
+              </a:rPr>
+              <a:t>The distribution is highly right-skewed, indicating that the majority of the quantity values are clustered towards the lower end of the range.</a:t>
+            </a:r>
+          </a:p>
+          <a:p>
+            <a:r>
+              <a:rPr lang="en-GB" b="0" i="0" dirty="0">
+                <a:effectLst/>
+                <a:highlight>
+                  <a:srgbClr val="FFFFFF"/>
+                </a:highlight>
+                <a:latin typeface="system-ui"/>
+              </a:rPr>
+              <a:t>There are noticeable outliers in the data, with quantities reaching up to 3500. </a:t>
+            </a:r>
+          </a:p>
+          <a:p>
+            <a:r>
+              <a:rPr lang="en-GB" b="0" i="0" dirty="0">
+                <a:effectLst/>
+                <a:highlight>
+                  <a:srgbClr val="FFFFFF"/>
+                </a:highlight>
+                <a:latin typeface="system-ui"/>
+              </a:rPr>
+              <a:t>These outliers could have a significant impact on the analysis and should be investigated further.</a:t>
+            </a:r>
+            <a:endParaRPr lang="en-AT" dirty="0"/>
+          </a:p>
+        </p:txBody>
+      </p:sp>
+      <p:sp>
+        <p:nvSpPr>
+          <p:cNvPr id="5" name="Date Placeholder 4">
+            <a:extLst>
+              <a:ext uri="{FF2B5EF4-FFF2-40B4-BE49-F238E27FC236}">
+                <a16:creationId xmlns:a16="http://schemas.microsoft.com/office/drawing/2014/main" id="{89BCF5F4-4496-0A80-237F-FA7EA677FDA5}"/>
+              </a:ext>
+            </a:extLst>
+          </p:cNvPr>
+          <p:cNvSpPr>
+            <a:spLocks noGrp="1"/>
+          </p:cNvSpPr>
+          <p:nvPr>
+            <p:ph type="dt" sz="half" idx="10"/>
+          </p:nvPr>
+        </p:nvSpPr>
+        <p:spPr/>
+        <p:txBody>
+          <a:bodyPr/>
+          <a:lstStyle/>
+          <a:p>
+            <a:fld id="{003E0E29-2C79-4A2A-B61C-A21B8362A50A}" type="datetime2">
+              <a:rPr lang="en-US" smtClean="0"/>
+              <a:t>Wednesday, July 24, 2024</a:t>
+            </a:fld>
+            <a:endParaRPr lang="en-US"/>
+          </a:p>
+        </p:txBody>
+      </p:sp>
+      <p:sp>
+        <p:nvSpPr>
+          <p:cNvPr id="6" name="Footer Placeholder 5">
+            <a:extLst>
+              <a:ext uri="{FF2B5EF4-FFF2-40B4-BE49-F238E27FC236}">
+                <a16:creationId xmlns:a16="http://schemas.microsoft.com/office/drawing/2014/main" id="{590147CB-44BE-C9C5-5A1A-0C80A2E25008}"/>
+              </a:ext>
+            </a:extLst>
+          </p:cNvPr>
+          <p:cNvSpPr>
+            <a:spLocks noGrp="1"/>
+          </p:cNvSpPr>
+          <p:nvPr>
+            <p:ph type="ftr" sz="quarter" idx="11"/>
+          </p:nvPr>
+        </p:nvSpPr>
+        <p:spPr/>
+        <p:txBody>
+          <a:bodyPr/>
+          <a:lstStyle/>
+          <a:p>
+            <a:r>
+              <a:rPr lang="en-US"/>
+              <a:t>Sample Footer Text</a:t>
+            </a:r>
+          </a:p>
+        </p:txBody>
+      </p:sp>
+      <p:sp>
+        <p:nvSpPr>
+          <p:cNvPr id="7" name="Slide Number Placeholder 6">
+            <a:extLst>
+              <a:ext uri="{FF2B5EF4-FFF2-40B4-BE49-F238E27FC236}">
+                <a16:creationId xmlns:a16="http://schemas.microsoft.com/office/drawing/2014/main" id="{E2142548-DE1B-9D0C-D623-384E77BAC7EB}"/>
+              </a:ext>
+            </a:extLst>
+          </p:cNvPr>
+          <p:cNvSpPr>
+            <a:spLocks noGrp="1"/>
+          </p:cNvSpPr>
+          <p:nvPr>
+            <p:ph type="sldNum" sz="quarter" idx="12"/>
+          </p:nvPr>
+        </p:nvSpPr>
+        <p:spPr/>
+        <p:txBody>
+          <a:bodyPr/>
+          <a:lstStyle/>
+          <a:p>
+            <a:fld id="{7BE69E03-4804-4553-A1EC-F089884EF50F}" type="slidenum">
+              <a:rPr lang="en-US" smtClean="0"/>
+              <a:t>7</a:t>
+            </a:fld>
+            <a:endParaRPr lang="en-US"/>
+          </a:p>
+        </p:txBody>
+      </p:sp>
+      <p:pic>
+        <p:nvPicPr>
+          <p:cNvPr id="1026" name="Picture 2">
+            <a:extLst>
+              <a:ext uri="{FF2B5EF4-FFF2-40B4-BE49-F238E27FC236}">
+                <a16:creationId xmlns:a16="http://schemas.microsoft.com/office/drawing/2014/main" id="{A312FD23-FF41-8A2A-513A-5EC2A7B8F8CA}"/>
+              </a:ext>
+            </a:extLst>
+          </p:cNvPr>
+          <p:cNvPicPr>
+            <a:picLocks noGrp="1" noChangeAspect="1" noChangeArrowheads="1"/>
+          </p:cNvPicPr>
+          <p:nvPr>
+            <p:ph sz="half" idx="2"/>
+          </p:nvPr>
+        </p:nvPicPr>
+        <p:blipFill>
+          <a:blip r:embed="rId2">
+            <a:extLst>
+              <a:ext uri="{28A0092B-C50C-407E-A947-70E740481C1C}">
+                <a14:useLocalDpi xmlns:a14="http://schemas.microsoft.com/office/drawing/2010/main" val="0"/>
+              </a:ext>
+            </a:extLst>
+          </a:blip>
+          <a:srcRect/>
+          <a:stretch>
+            <a:fillRect/>
+          </a:stretch>
+        </p:blipFill>
+        <p:spPr bwMode="auto">
+          <a:xfrm>
+            <a:off x="5783642" y="1531334"/>
+            <a:ext cx="5180014" cy="4206383"/>
+          </a:xfrm>
+          <a:prstGeom prst="rect">
+            <a:avLst/>
+          </a:prstGeom>
+          <a:noFill/>
+          <a:extLst>
+            <a:ext uri="{909E8E84-426E-40DD-AFC4-6F175D3DCCD1}">
+              <a14:hiddenFill xmlns:a14="http://schemas.microsoft.com/office/drawing/2010/main">
+                <a:solidFill>
+                  <a:srgbClr val="FFFFFF"/>
+                </a:solidFill>
+              </a14:hiddenFill>
+            </a:ext>
+          </a:extLst>
+        </p:spPr>
+      </p:pic>
+    </p:spTree>
+    <p:extLst>
+      <p:ext uri="{BB962C8B-B14F-4D97-AF65-F5344CB8AC3E}">
+        <p14:creationId xmlns:p14="http://schemas.microsoft.com/office/powerpoint/2010/main" val="314514755"/>
+      </p:ext>
+    </p:extLst>
+  </p:cSld>
+  <p:clrMapOvr>
+    <a:masterClrMapping/>
+  </p:clrMapOvr>
+</p:sld>
+</file>
+
+<file path=ppt/slides/slide8.xml><?xml version="1.0" encoding="utf-8"?>
+<p:sld xmlns:a="http://schemas.openxmlformats.org/drawingml/2006/main" xmlns:r="http://schemas.openxmlformats.org/officeDocument/2006/relationships" xmlns:p="http://schemas.openxmlformats.org/presentationml/2006/main">
+  <p:cSld>
+    <p:spTree>
+      <p:nvGrpSpPr>
+        <p:cNvPr id="1" name=""/>
+        <p:cNvGrpSpPr/>
+        <p:nvPr/>
+      </p:nvGrpSpPr>
+      <p:grpSpPr>
+        <a:xfrm>
+          <a:off x="0" y="0"/>
+          <a:ext cx="0" cy="0"/>
+          <a:chOff x="0" y="0"/>
+          <a:chExt cx="0" cy="0"/>
+        </a:xfrm>
+      </p:grpSpPr>
+      <p:sp>
+        <p:nvSpPr>
+          <p:cNvPr id="2" name="Title 1">
+            <a:extLst>
+              <a:ext uri="{FF2B5EF4-FFF2-40B4-BE49-F238E27FC236}">
                 <a16:creationId xmlns:a16="http://schemas.microsoft.com/office/drawing/2014/main" id="{53034A5D-33D2-94E8-B628-6CA01B996864}"/>
               </a:ext>
             </a:extLst>
@@ -20556,7 +21086,7 @@
           <a:p>
             <a:fld id="{792630FD-0818-4065-B5FE-410552D9B1BC}" type="datetime2">
               <a:rPr lang="en-US" smtClean="0"/>
-              <a:t>Monday, July 22, 2024</a:t>
+              <a:t>Wednesday, July 24, 2024</a:t>
             </a:fld>
             <a:endParaRPr lang="en-US"/>
           </a:p>
@@ -20613,7 +21143,7 @@
           <a:p>
             <a:fld id="{7BE69E03-4804-4553-A1EC-F089884EF50F}" type="slidenum">
               <a:rPr lang="en-US" smtClean="0"/>
-              <a:t>7</a:t>
+              <a:t>8</a:t>
             </a:fld>
             <a:endParaRPr lang="en-US"/>
           </a:p>
@@ -20728,7 +21258,7 @@
 </p:sld>
 </file>
 
-<file path=ppt/slides/slide8.xml><?xml version="1.0" encoding="utf-8"?>
+<file path=ppt/slides/slide9.xml><?xml version="1.0" encoding="utf-8"?>
 <p:sld xmlns:a="http://schemas.openxmlformats.org/drawingml/2006/main" xmlns:r="http://schemas.openxmlformats.org/officeDocument/2006/relationships" xmlns:p="http://schemas.openxmlformats.org/presentationml/2006/main">
   <p:cSld>
     <p:spTree>
@@ -21034,7 +21564,7 @@
           <a:p>
             <a:fld id="{003E0E29-2C79-4A2A-B61C-A21B8362A50A}" type="datetime2">
               <a:rPr lang="en-US" smtClean="0"/>
-              <a:t>Monday, July 22, 2024</a:t>
+              <a:t>Wednesday, July 24, 2024</a:t>
             </a:fld>
             <a:endParaRPr lang="en-US" dirty="0"/>
           </a:p>
@@ -21091,7 +21621,7 @@
           <a:p>
             <a:fld id="{7BE69E03-4804-4553-A1EC-F089884EF50F}" type="slidenum">
               <a:rPr lang="en-US" smtClean="0"/>
-              <a:t>8</a:t>
+              <a:t>9</a:t>
             </a:fld>
             <a:endParaRPr lang="en-US"/>
           </a:p>
@@ -21197,234 +21727,6 @@
     <p:extLst>
       <p:ext uri="{BB962C8B-B14F-4D97-AF65-F5344CB8AC3E}">
         <p14:creationId xmlns:p14="http://schemas.microsoft.com/office/powerpoint/2010/main" val="591525897"/>
-      </p:ext>
-    </p:extLst>
-  </p:cSld>
-  <p:clrMapOvr>
-    <a:masterClrMapping/>
-  </p:clrMapOvr>
-</p:sld>
-</file>
-
-<file path=ppt/slides/slide9.xml><?xml version="1.0" encoding="utf-8"?>
-<p:sld xmlns:a="http://schemas.openxmlformats.org/drawingml/2006/main" xmlns:r="http://schemas.openxmlformats.org/officeDocument/2006/relationships" xmlns:p="http://schemas.openxmlformats.org/presentationml/2006/main">
-  <p:cSld>
-    <p:spTree>
-      <p:nvGrpSpPr>
-        <p:cNvPr id="1" name=""/>
-        <p:cNvGrpSpPr/>
-        <p:nvPr/>
-      </p:nvGrpSpPr>
-      <p:grpSpPr>
-        <a:xfrm>
-          <a:off x="0" y="0"/>
-          <a:ext cx="0" cy="0"/>
-          <a:chOff x="0" y="0"/>
-          <a:chExt cx="0" cy="0"/>
-        </a:xfrm>
-      </p:grpSpPr>
-      <p:sp>
-        <p:nvSpPr>
-          <p:cNvPr id="2" name="Title 1">
-            <a:extLst>
-              <a:ext uri="{FF2B5EF4-FFF2-40B4-BE49-F238E27FC236}">
-                <a16:creationId xmlns:a16="http://schemas.microsoft.com/office/drawing/2014/main" id="{70CCBE0E-C6A6-83C5-4BDF-B6A3E4E53476}"/>
-              </a:ext>
-            </a:extLst>
-          </p:cNvPr>
-          <p:cNvSpPr>
-            <a:spLocks noGrp="1"/>
-          </p:cNvSpPr>
-          <p:nvPr>
-            <p:ph type="title"/>
-          </p:nvPr>
-        </p:nvSpPr>
-        <p:spPr>
-          <a:xfrm>
-            <a:off x="1828800" y="1362635"/>
-            <a:ext cx="9107424" cy="901234"/>
-          </a:xfrm>
-        </p:spPr>
-        <p:txBody>
-          <a:bodyPr>
-            <a:normAutofit/>
-          </a:bodyPr>
-          <a:lstStyle/>
-          <a:p>
-            <a:pPr algn="ctr"/>
-            <a:r>
-              <a:rPr lang="en-AT" sz="3200" dirty="0"/>
-              <a:t>Outlier Analysis</a:t>
-            </a:r>
-          </a:p>
-        </p:txBody>
-      </p:sp>
-      <p:sp>
-        <p:nvSpPr>
-          <p:cNvPr id="3" name="Date Placeholder 2">
-            <a:extLst>
-              <a:ext uri="{FF2B5EF4-FFF2-40B4-BE49-F238E27FC236}">
-                <a16:creationId xmlns:a16="http://schemas.microsoft.com/office/drawing/2014/main" id="{E4DF5CC4-0EA2-4749-E16D-BD2BAA352BFE}"/>
-              </a:ext>
-            </a:extLst>
-          </p:cNvPr>
-          <p:cNvSpPr>
-            <a:spLocks noGrp="1"/>
-          </p:cNvSpPr>
-          <p:nvPr>
-            <p:ph type="dt" sz="half" idx="10"/>
-          </p:nvPr>
-        </p:nvSpPr>
-        <p:spPr/>
-        <p:txBody>
-          <a:bodyPr/>
-          <a:lstStyle/>
-          <a:p>
-            <a:fld id="{EED29A7B-B2F1-41A3-B969-4E25F618B967}" type="datetime2">
-              <a:rPr lang="en-US" smtClean="0"/>
-              <a:t>Monday, July 22, 2024</a:t>
-            </a:fld>
-            <a:endParaRPr lang="en-US" dirty="0"/>
-          </a:p>
-        </p:txBody>
-      </p:sp>
-      <p:sp>
-        <p:nvSpPr>
-          <p:cNvPr id="4" name="Footer Placeholder 3">
-            <a:extLst>
-              <a:ext uri="{FF2B5EF4-FFF2-40B4-BE49-F238E27FC236}">
-                <a16:creationId xmlns:a16="http://schemas.microsoft.com/office/drawing/2014/main" id="{A6D8A38A-46F8-767E-8343-593F12B6D675}"/>
-              </a:ext>
-            </a:extLst>
-          </p:cNvPr>
-          <p:cNvSpPr>
-            <a:spLocks noGrp="1"/>
-          </p:cNvSpPr>
-          <p:nvPr>
-            <p:ph type="ftr" sz="quarter" idx="11"/>
-          </p:nvPr>
-        </p:nvSpPr>
-        <p:spPr/>
-        <p:txBody>
-          <a:bodyPr/>
-          <a:lstStyle/>
-          <a:p>
-            <a:r>
-              <a:rPr lang="en-US"/>
-              <a:t>Sample Footer Text</a:t>
-            </a:r>
-          </a:p>
-        </p:txBody>
-      </p:sp>
-      <p:sp>
-        <p:nvSpPr>
-          <p:cNvPr id="5" name="Slide Number Placeholder 4">
-            <a:extLst>
-              <a:ext uri="{FF2B5EF4-FFF2-40B4-BE49-F238E27FC236}">
-                <a16:creationId xmlns:a16="http://schemas.microsoft.com/office/drawing/2014/main" id="{A81A1B5A-AEB2-FDBA-CC6E-2509053E67A6}"/>
-              </a:ext>
-            </a:extLst>
-          </p:cNvPr>
-          <p:cNvSpPr>
-            <a:spLocks noGrp="1"/>
-          </p:cNvSpPr>
-          <p:nvPr>
-            <p:ph type="sldNum" sz="quarter" idx="12"/>
-          </p:nvPr>
-        </p:nvSpPr>
-        <p:spPr/>
-        <p:txBody>
-          <a:bodyPr/>
-          <a:lstStyle/>
-          <a:p>
-            <a:fld id="{7BE69E03-4804-4553-A1EC-F089884EF50F}" type="slidenum">
-              <a:rPr lang="en-US" smtClean="0"/>
-              <a:t>9</a:t>
-            </a:fld>
-            <a:endParaRPr lang="en-US"/>
-          </a:p>
-        </p:txBody>
-      </p:sp>
-      <p:sp>
-        <p:nvSpPr>
-          <p:cNvPr id="6" name="TextBox 5">
-            <a:extLst>
-              <a:ext uri="{FF2B5EF4-FFF2-40B4-BE49-F238E27FC236}">
-                <a16:creationId xmlns:a16="http://schemas.microsoft.com/office/drawing/2014/main" id="{7389C040-A79D-1A66-1B21-307C56175CF4}"/>
-              </a:ext>
-            </a:extLst>
-          </p:cNvPr>
-          <p:cNvSpPr txBox="1"/>
-          <p:nvPr/>
-        </p:nvSpPr>
-        <p:spPr>
-          <a:xfrm>
-            <a:off x="1577788" y="2805953"/>
-            <a:ext cx="9771530" cy="2308324"/>
-          </a:xfrm>
-          <a:prstGeom prst="rect">
-            <a:avLst/>
-          </a:prstGeom>
-          <a:noFill/>
-        </p:spPr>
-        <p:txBody>
-          <a:bodyPr wrap="square" rtlCol="0">
-            <a:spAutoFit/>
-          </a:bodyPr>
-          <a:lstStyle/>
-          <a:p>
-            <a:pPr marL="285750" indent="-285750">
-              <a:buFont typeface="Arial" panose="020B0604020202020204" pitchFamily="34" charset="0"/>
-              <a:buChar char="•"/>
-            </a:pPr>
-            <a:r>
-              <a:rPr lang="en-GB" dirty="0"/>
-              <a:t>Boxplots shows the presence of Outliers</a:t>
-            </a:r>
-          </a:p>
-          <a:p>
-            <a:pPr marL="285750" indent="-285750">
-              <a:buFont typeface="Arial" panose="020B0604020202020204" pitchFamily="34" charset="0"/>
-              <a:buChar char="•"/>
-            </a:pPr>
-            <a:r>
-              <a:rPr lang="en-GB" dirty="0"/>
-              <a:t>Investigate the high outliers to understand the reasons behind the spikes in quantity. This could involve looking at the dates of these outliers, any promotions or special events, or particular  customers responsible for large orders.</a:t>
-            </a:r>
-          </a:p>
-          <a:p>
-            <a:pPr marL="285750" indent="-285750">
-              <a:buFont typeface="Arial" panose="020B0604020202020204" pitchFamily="34" charset="0"/>
-              <a:buChar char="•"/>
-            </a:pPr>
-            <a:r>
-              <a:rPr lang="en-GB" dirty="0"/>
-              <a:t> Data doesn’t follow a normal distribution, hence InterQuartile method is used to detect Ouliers</a:t>
-            </a:r>
-          </a:p>
-          <a:p>
-            <a:pPr marL="285750" indent="-285750">
-              <a:buFont typeface="Arial" panose="020B0604020202020204" pitchFamily="34" charset="0"/>
-              <a:buChar char="•"/>
-            </a:pPr>
-            <a:r>
-              <a:rPr lang="en-GB" dirty="0"/>
-              <a:t>The DataFrame is filtered to create a new DataFrame that excludes rows with outlier values</a:t>
-            </a:r>
-          </a:p>
-          <a:p>
-            <a:pPr marL="285750" indent="-285750">
-              <a:buFont typeface="Arial" panose="020B0604020202020204" pitchFamily="34" charset="0"/>
-              <a:buChar char="•"/>
-            </a:pPr>
-            <a:endParaRPr lang="en-GB" dirty="0"/>
-          </a:p>
-        </p:txBody>
-      </p:sp>
-    </p:spTree>
-    <p:extLst>
-      <p:ext uri="{BB962C8B-B14F-4D97-AF65-F5344CB8AC3E}">
-        <p14:creationId xmlns:p14="http://schemas.microsoft.com/office/powerpoint/2010/main" val="3442094441"/>
       </p:ext>
     </p:extLst>
   </p:cSld>

--- a/sales Circly.pptx
+++ b/sales Circly.pptx
@@ -8979,7 +8979,7 @@
           <a:p>
             <a:fld id="{FF7E612B-EBCB-8740-8E0E-19C126A5A316}" type="datetimeFigureOut">
               <a:rPr lang="en-AT" smtClean="0"/>
-              <a:t>24.07.24</a:t>
+              <a:t>25.07.24</a:t>
             </a:fld>
             <a:endParaRPr lang="en-AT"/>
           </a:p>
@@ -9490,7 +9490,7 @@
           <a:p>
             <a:fld id="{17F50B8E-A176-49F2-A3C1-FEDA0200170B}" type="datetime2">
               <a:rPr lang="en-US" smtClean="0"/>
-              <a:t>Wednesday, July 24, 2024</a:t>
+              <a:t>Thursday, July 25, 2024</a:t>
             </a:fld>
             <a:endParaRPr lang="en-US" dirty="0"/>
           </a:p>
@@ -9699,7 +9699,7 @@
           <a:p>
             <a:fld id="{0512A49D-4A7C-4944-9802-8EE0B5A6CEDD}" type="datetime2">
               <a:rPr lang="en-US" smtClean="0"/>
-              <a:t>Wednesday, July 24, 2024</a:t>
+              <a:t>Thursday, July 25, 2024</a:t>
             </a:fld>
             <a:endParaRPr lang="en-US"/>
           </a:p>
@@ -9912,7 +9912,7 @@
           <a:p>
             <a:fld id="{5D689DDD-3B11-4150-8B39-3662C10D8BF9}" type="datetime2">
               <a:rPr lang="en-US" smtClean="0"/>
-              <a:t>Wednesday, July 24, 2024</a:t>
+              <a:t>Thursday, July 25, 2024</a:t>
             </a:fld>
             <a:endParaRPr lang="en-US"/>
           </a:p>
@@ -10136,7 +10136,7 @@
           <a:p>
             <a:fld id="{57997BA6-BEF8-495F-ACCD-8D19769E4FC6}" type="datetime2">
               <a:rPr lang="en-US" smtClean="0"/>
-              <a:t>Wednesday, July 24, 2024</a:t>
+              <a:t>Thursday, July 25, 2024</a:t>
             </a:fld>
             <a:endParaRPr lang="en-US" dirty="0"/>
           </a:p>
@@ -10419,7 +10419,7 @@
           <a:p>
             <a:fld id="{4857292D-4609-4E55-92E3-C12C6A1234E8}" type="datetime2">
               <a:rPr lang="en-US" smtClean="0"/>
-              <a:t>Wednesday, July 24, 2024</a:t>
+              <a:t>Thursday, July 25, 2024</a:t>
             </a:fld>
             <a:endParaRPr lang="en-US" dirty="0"/>
           </a:p>
@@ -10802,7 +10802,7 @@
           <a:p>
             <a:fld id="{003E0E29-2C79-4A2A-B61C-A21B8362A50A}" type="datetime2">
               <a:rPr lang="en-US" smtClean="0"/>
-              <a:t>Wednesday, July 24, 2024</a:t>
+              <a:t>Thursday, July 25, 2024</a:t>
             </a:fld>
             <a:endParaRPr lang="en-US"/>
           </a:p>
@@ -11296,7 +11296,7 @@
           <a:p>
             <a:fld id="{B0CA0177-5432-41AC-9593-8EC96BFF4F82}" type="datetime2">
               <a:rPr lang="en-US" smtClean="0"/>
-              <a:t>Wednesday, July 24, 2024</a:t>
+              <a:t>Thursday, July 25, 2024</a:t>
             </a:fld>
             <a:endParaRPr lang="en-US" dirty="0"/>
           </a:p>
@@ -11452,7 +11452,7 @@
           <a:p>
             <a:fld id="{EED29A7B-B2F1-41A3-B969-4E25F618B967}" type="datetime2">
               <a:rPr lang="en-US" smtClean="0"/>
-              <a:t>Wednesday, July 24, 2024</a:t>
+              <a:t>Thursday, July 25, 2024</a:t>
             </a:fld>
             <a:endParaRPr lang="en-US" dirty="0"/>
           </a:p>
@@ -11862,7 +11862,7 @@
           <a:p>
             <a:fld id="{4EE98B79-F222-4FD1-8713-07459E1B5004}" type="datetime2">
               <a:rPr lang="en-US" smtClean="0"/>
-              <a:t>Wednesday, July 24, 2024</a:t>
+              <a:t>Thursday, July 25, 2024</a:t>
             </a:fld>
             <a:endParaRPr lang="en-US"/>
           </a:p>
@@ -12184,7 +12184,7 @@
           <a:p>
             <a:fld id="{792630FD-0818-4065-B5FE-410552D9B1BC}" type="datetime2">
               <a:rPr lang="en-US" smtClean="0"/>
-              <a:t>Wednesday, July 24, 2024</a:t>
+              <a:t>Thursday, July 25, 2024</a:t>
             </a:fld>
             <a:endParaRPr lang="en-US"/>
           </a:p>
@@ -12486,7 +12486,7 @@
           <a:p>
             <a:fld id="{93C2D289-0EBF-40C7-B6E8-60285281F180}" type="datetime2">
               <a:rPr lang="en-US" smtClean="0"/>
-              <a:t>Wednesday, July 24, 2024</a:t>
+              <a:t>Thursday, July 25, 2024</a:t>
             </a:fld>
             <a:endParaRPr lang="en-US"/>
           </a:p>
@@ -13021,7 +13021,7 @@
           <a:p>
             <a:fld id="{94CDC665-7415-4DAF-AE09-B9BBC1907393}" type="datetime2">
               <a:rPr lang="en-US" smtClean="0"/>
-              <a:t>Wednesday, July 24, 2024</a:t>
+              <a:t>Thursday, July 25, 2024</a:t>
             </a:fld>
             <a:endParaRPr lang="en-US" dirty="0"/>
           </a:p>
@@ -14293,7 +14293,7 @@
           <a:p>
             <a:fld id="{EED29A7B-B2F1-41A3-B969-4E25F618B967}" type="datetime2">
               <a:rPr lang="en-US" smtClean="0"/>
-              <a:t>Wednesday, July 24, 2024</a:t>
+              <a:t>Thursday, July 25, 2024</a:t>
             </a:fld>
             <a:endParaRPr lang="en-US" dirty="0"/>
           </a:p>
@@ -14514,7 +14514,7 @@
           <a:p>
             <a:fld id="{003E0E29-2C79-4A2A-B61C-A21B8362A50A}" type="datetime2">
               <a:rPr lang="en-US" smtClean="0"/>
-              <a:t>Wednesday, July 24, 2024</a:t>
+              <a:t>Thursday, July 25, 2024</a:t>
             </a:fld>
             <a:endParaRPr lang="en-US"/>
           </a:p>
@@ -14952,7 +14952,7 @@
           <a:p>
             <a:fld id="{003E0E29-2C79-4A2A-B61C-A21B8362A50A}" type="datetime2">
               <a:rPr lang="en-US" smtClean="0"/>
-              <a:t>Wednesday, July 24, 2024</a:t>
+              <a:t>Thursday, July 25, 2024</a:t>
             </a:fld>
             <a:endParaRPr lang="en-US"/>
           </a:p>
@@ -15418,7 +15418,7 @@
           <a:p>
             <a:fld id="{792630FD-0818-4065-B5FE-410552D9B1BC}" type="datetime2">
               <a:rPr lang="en-US" smtClean="0"/>
-              <a:t>Wednesday, July 24, 2024</a:t>
+              <a:t>Thursday, July 25, 2024</a:t>
             </a:fld>
             <a:endParaRPr lang="en-US"/>
           </a:p>
@@ -15750,7 +15750,7 @@
           <a:p>
             <a:fld id="{57997BA6-BEF8-495F-ACCD-8D19769E4FC6}" type="datetime2">
               <a:rPr lang="en-US" smtClean="0"/>
-              <a:t>Wednesday, July 24, 2024</a:t>
+              <a:t>Thursday, July 25, 2024</a:t>
             </a:fld>
             <a:endParaRPr lang="en-US" dirty="0"/>
           </a:p>
@@ -16629,7 +16629,7 @@
                   <a:spcPts val="600"/>
                 </a:spcAft>
               </a:pPr>
-              <a:t>Wednesday, July 24, 2024</a:t>
+              <a:t>Thursday, July 25, 2024</a:t>
             </a:fld>
             <a:endParaRPr lang="en-US"/>
           </a:p>
@@ -16947,7 +16947,7 @@
           <a:p>
             <a:fld id="{57997BA6-BEF8-495F-ACCD-8D19769E4FC6}" type="datetime2">
               <a:rPr lang="en-US" smtClean="0"/>
-              <a:t>Wednesday, July 24, 2024</a:t>
+              <a:t>Thursday, July 25, 2024</a:t>
             </a:fld>
             <a:endParaRPr lang="en-US" dirty="0"/>
           </a:p>
@@ -17095,7 +17095,7 @@
             <a:pPr algn="ctr"/>
             <a:r>
               <a:rPr lang="en-AT" dirty="0"/>
-              <a:t>Forecast</a:t>
+              <a:t>Conclusion</a:t>
             </a:r>
           </a:p>
         </p:txBody>
@@ -17130,6 +17130,12 @@
             </a:r>
           </a:p>
           <a:p>
+            <a:pPr marL="0" indent="0">
+              <a:buNone/>
+            </a:pPr>
+            <a:endParaRPr lang="en-GB" dirty="0"/>
+          </a:p>
+          <a:p>
             <a:r>
               <a:rPr lang="en-GB" b="0" i="0" dirty="0">
                 <a:effectLst/>
@@ -17140,9 +17146,6 @@
               </a:rPr>
               <a:t>The forecast may only be accurate for a short period of time. This is because future sales can be influenced by many factors that are difficult to predict, such as changes in the economy, consumer preferences, and competitor activity.</a:t>
             </a:r>
-          </a:p>
-          <a:p>
-            <a:endParaRPr lang="en-GB" dirty="0"/>
           </a:p>
           <a:p>
             <a:endParaRPr lang="en-AT" dirty="0"/>
@@ -17172,7 +17175,7 @@
           <a:p>
             <a:fld id="{003E0E29-2C79-4A2A-B61C-A21B8362A50A}" type="datetime2">
               <a:rPr lang="en-US" smtClean="0"/>
-              <a:t>Wednesday, July 24, 2024</a:t>
+              <a:t>Thursday, July 25, 2024</a:t>
             </a:fld>
             <a:endParaRPr lang="en-US"/>
           </a:p>
@@ -17401,7 +17404,7 @@
         </p:spPr>
         <p:txBody>
           <a:bodyPr>
-            <a:normAutofit fontScale="55000" lnSpcReduction="20000"/>
+            <a:normAutofit fontScale="70000" lnSpcReduction="20000"/>
           </a:bodyPr>
           <a:lstStyle/>
           <a:p>
@@ -17466,41 +17469,7 @@
                 </a:highlight>
                 <a:latin typeface="var(--jp-content-font-family)"/>
               </a:rPr>
-              <a:t>Techniques like GridSearchCV or RandomizedSearchCV can automate this process </a:t>
-            </a:r>
-            <a:r>
-              <a:rPr lang="en-GB" b="0" i="0" u="none" strike="noStrike" dirty="0">
-                <a:effectLst/>
-                <a:highlight>
-                  <a:srgbClr val="FFFFFF"/>
-                </a:highlight>
-                <a:latin typeface="var(--jp-content-font-family)"/>
-                <a:hlinkClick r:id="rId2"/>
-              </a:rPr>
-              <a:t>https://neptune.ai/blog/improving-ml-model-performance</a:t>
-            </a:r>
-            <a:r>
-              <a:rPr lang="en-GB" b="0" i="0" dirty="0">
-                <a:effectLst/>
-                <a:highlight>
-                  <a:srgbClr val="FFFFFF"/>
-                </a:highlight>
-                <a:latin typeface="var(--jp-content-font-family)"/>
-              </a:rPr>
-              <a:t>.</a:t>
-            </a:r>
-          </a:p>
-          <a:p>
-            <a:pPr algn="l"/>
-            <a:r>
-              <a:rPr lang="en-GB" b="0" i="0" dirty="0">
-                <a:effectLst/>
-                <a:highlight>
-                  <a:srgbClr val="FFFFFF"/>
-                </a:highlight>
-                <a:latin typeface="var(--jp-content-font-family)"/>
-              </a:rPr>
-              <a:t>Early stopping: Implement early stopping to prevent overfitting. This technique stops training the model once the validation error starts to increase, allowing it to focus on generalizability.</a:t>
+              <a:t>Use techniques like cross validation.</a:t>
             </a:r>
           </a:p>
           <a:p>
@@ -17544,7 +17513,7 @@
           <a:p>
             <a:fld id="{57997BA6-BEF8-495F-ACCD-8D19769E4FC6}" type="datetime2">
               <a:rPr lang="en-US" smtClean="0"/>
-              <a:t>Wednesday, July 24, 2024</a:t>
+              <a:t>Thursday, July 25, 2024</a:t>
             </a:fld>
             <a:endParaRPr lang="en-US" dirty="0"/>
           </a:p>
@@ -17623,7 +17592,7 @@
           <p:nvPr/>
         </p:nvPicPr>
         <p:blipFill>
-          <a:blip r:embed="rId3"/>
+          <a:blip r:embed="rId2"/>
           <a:stretch>
             <a:fillRect/>
           </a:stretch>
@@ -18247,7 +18216,7 @@
                   <a:spcPts val="600"/>
                 </a:spcAft>
               </a:pPr>
-              <a:t>Wednesday, July 24, 2024</a:t>
+              <a:t>Thursday, July 25, 2024</a:t>
             </a:fld>
             <a:endParaRPr lang="en-US"/>
           </a:p>
@@ -18894,7 +18863,7 @@
                   <a:spcPts val="600"/>
                 </a:spcAft>
               </a:pPr>
-              <a:t>Wednesday, July 24, 2024</a:t>
+              <a:t>Thursday, July 25, 2024</a:t>
             </a:fld>
             <a:endParaRPr lang="en-US"/>
           </a:p>
@@ -19534,7 +19503,7 @@
                   <a:spcPts val="600"/>
                 </a:spcAft>
               </a:pPr>
-              <a:t>Wednesday, July 24, 2024</a:t>
+              <a:t>Thursday, July 25, 2024</a:t>
             </a:fld>
             <a:endParaRPr lang="en-US"/>
           </a:p>
@@ -19918,7 +19887,7 @@
           <a:p>
             <a:fld id="{57997BA6-BEF8-495F-ACCD-8D19769E4FC6}" type="datetime2">
               <a:rPr lang="en-US" smtClean="0"/>
-              <a:t>Wednesday, July 24, 2024</a:t>
+              <a:t>Thursday, July 25, 2024</a:t>
             </a:fld>
             <a:endParaRPr lang="en-US" dirty="0"/>
           </a:p>
@@ -20396,7 +20365,7 @@
           <a:p>
             <a:fld id="{57997BA6-BEF8-495F-ACCD-8D19769E4FC6}" type="datetime2">
               <a:rPr lang="en-US" smtClean="0"/>
-              <a:t>Wednesday, July 24, 2024</a:t>
+              <a:t>Thursday, July 25, 2024</a:t>
             </a:fld>
             <a:endParaRPr lang="en-US" dirty="0"/>
           </a:p>
@@ -20668,7 +20637,7 @@
           <a:p>
             <a:fld id="{003E0E29-2C79-4A2A-B61C-A21B8362A50A}" type="datetime2">
               <a:rPr lang="en-US" smtClean="0"/>
-              <a:t>Wednesday, July 24, 2024</a:t>
+              <a:t>Thursday, July 25, 2024</a:t>
             </a:fld>
             <a:endParaRPr lang="en-US"/>
           </a:p>
@@ -21086,7 +21055,7 @@
           <a:p>
             <a:fld id="{792630FD-0818-4065-B5FE-410552D9B1BC}" type="datetime2">
               <a:rPr lang="en-US" smtClean="0"/>
-              <a:t>Wednesday, July 24, 2024</a:t>
+              <a:t>Thursday, July 25, 2024</a:t>
             </a:fld>
             <a:endParaRPr lang="en-US"/>
           </a:p>
@@ -21564,7 +21533,7 @@
           <a:p>
             <a:fld id="{003E0E29-2C79-4A2A-B61C-A21B8362A50A}" type="datetime2">
               <a:rPr lang="en-US" smtClean="0"/>
-              <a:t>Wednesday, July 24, 2024</a:t>
+              <a:t>Thursday, July 25, 2024</a:t>
             </a:fld>
             <a:endParaRPr lang="en-US" dirty="0"/>
           </a:p>
